--- a/Developer testing 2021.pptx
+++ b/Developer testing 2021.pptx
@@ -851,6 +851,14 @@
               <a:rPr lang="nl-NL" dirty="0"/>
               <a:t>Marian</a:t>
             </a:r>
+            <a:endParaRPr lang="ro-RO" dirty="0"/>
+          </a:p>
+          <a:p>
+            <a:r>
+              <a:rPr lang="ro-RO" dirty="0"/>
+              <a:t>Veți vedea în continuarea prezentării că există niște convenții de denumire a metodelor de test. Aceste denumiri sunt practic specificații ale diverselor funcționalități și simpla citire a lor, ne spune ce funcționalitate se așteaptă de la o porțiune de cod.</a:t>
+            </a:r>
+            <a:endParaRPr lang="nl-NL" dirty="0"/>
           </a:p>
         </p:txBody>
       </p:sp>
@@ -938,6 +946,20 @@
               <a:rPr lang="nl-NL" dirty="0"/>
               <a:t>Marian</a:t>
             </a:r>
+            <a:endParaRPr lang="ro-RO" dirty="0"/>
+          </a:p>
+          <a:p>
+            <a:r>
+              <a:rPr lang="ro-RO" dirty="0"/>
+              <a:t>Pentru a aduce valoare reală, unit testele trebuiesc executate automat in pipe-urile de build, astfel încât numai după ce toate unit testele trec, produsul să poată trece în etapa de testare de către QA.</a:t>
+            </a:r>
+          </a:p>
+          <a:p>
+            <a:r>
+              <a:rPr lang="ro-RO" dirty="0"/>
+              <a:t>Dacă cel puțin un test va pica, flow-ul va fi întrerupt iar developerii implicați vor fi notificați, vor fixa bug-ul / bug-urile și unit testele se vor rula din nou. Acest ciclu se va repeta până căd toate unit testele vor trece.</a:t>
+            </a:r>
+            <a:endParaRPr lang="nl-NL" dirty="0"/>
           </a:p>
         </p:txBody>
       </p:sp>
@@ -5715,6 +5737,13 @@
               <a:rPr lang="ro-RO" dirty="0"/>
               <a:t>Marian</a:t>
             </a:r>
+            <a:endParaRPr lang="en-US" dirty="0"/>
+          </a:p>
+          <a:p>
+            <a:r>
+              <a:rPr lang="ro-RO" dirty="0"/>
+              <a:t>Orice companie are ca și obiectiv realizarea de profit, adică de a obține venituri cât mai mari, cu investiții cât mai mici, bineînțeles în limita constrângerilor. Dacă la anumite investiții nu se poate face rabat, există cheltuieli care pot fi ținute sub control, crescând astfel profitabilitatea.</a:t>
+            </a:r>
           </a:p>
           <a:p>
             <a:r>
@@ -6933,11 +6962,7 @@
           <a:p>
             <a:r>
               <a:rPr lang="ro-RO" dirty="0"/>
-              <a:t>Analiza, design-ul și developmentul reprezinta fiecare 5% din costuri, în timp ce testarea și integrarea 10%. </a:t>
-            </a:r>
-            <a:r>
-              <a:rPr lang="ro-RO"/>
-              <a:t>Costurile cele mai mari (65%) se regăsesc în maintenanță.</a:t>
+              <a:t>Analiza, design-ul și developmentul reprezinta fiecare 5% din costuri, în timp ce testarea și integrarea 10%. Costurile cele mai mari (65%) se regăsesc în maintenanță.</a:t>
             </a:r>
           </a:p>
           <a:p>
@@ -7461,135 +7486,33 @@
               <a:rPr lang="en-US" dirty="0"/>
               <a:t>Marian</a:t>
             </a:r>
+            <a:endParaRPr lang="ro-RO" dirty="0"/>
           </a:p>
           <a:p>
             <a:pPr marL="0" indent="0">
               <a:buNone/>
             </a:pPr>
             <a:r>
-              <a:rPr lang="en-US" dirty="0"/>
-              <a:t>*Este </a:t>
-            </a:r>
-            <a:r>
-              <a:rPr lang="en-US" dirty="0" err="1"/>
-              <a:t>oarecum</a:t>
-            </a:r>
-            <a:r>
-              <a:rPr lang="en-US" dirty="0"/>
-              <a:t> “general </a:t>
-            </a:r>
-            <a:r>
-              <a:rPr lang="en-US" dirty="0" err="1"/>
-              <a:t>acceptat</a:t>
-            </a:r>
-            <a:r>
-              <a:rPr lang="en-US" dirty="0"/>
-              <a:t>” ca, </a:t>
-            </a:r>
-            <a:r>
-              <a:rPr lang="en-US" dirty="0" err="1"/>
-              <a:t>costurile</a:t>
-            </a:r>
-            <a:r>
-              <a:rPr lang="en-US" dirty="0"/>
-              <a:t> de</a:t>
-            </a:r>
-            <a:r>
-              <a:rPr lang="en-US" baseline="0" dirty="0"/>
-              <a:t> </a:t>
-            </a:r>
-            <a:r>
-              <a:rPr lang="en-US" baseline="0" dirty="0" err="1"/>
-              <a:t>rezolvare</a:t>
-            </a:r>
-            <a:r>
-              <a:rPr lang="en-US" baseline="0" dirty="0"/>
-              <a:t> a </a:t>
-            </a:r>
-            <a:r>
-              <a:rPr lang="en-US" baseline="0" dirty="0" err="1"/>
-              <a:t>bugurilor</a:t>
-            </a:r>
-            <a:r>
-              <a:rPr lang="en-US" baseline="0" dirty="0"/>
-              <a:t> sunt </a:t>
-            </a:r>
-            <a:r>
-              <a:rPr lang="en-US" baseline="0" dirty="0" err="1"/>
-              <a:t>mult</a:t>
-            </a:r>
-            <a:r>
-              <a:rPr lang="en-US" baseline="0" dirty="0"/>
-              <a:t> </a:t>
-            </a:r>
-            <a:r>
-              <a:rPr lang="en-US" baseline="0" dirty="0" err="1"/>
-              <a:t>mai</a:t>
-            </a:r>
-            <a:r>
-              <a:rPr lang="en-US" baseline="0" dirty="0"/>
-              <a:t> </a:t>
-            </a:r>
-            <a:r>
-              <a:rPr lang="en-US" baseline="0" dirty="0" err="1"/>
-              <a:t>scazute</a:t>
-            </a:r>
-            <a:r>
-              <a:rPr lang="en-US" baseline="0" dirty="0"/>
-              <a:t> </a:t>
-            </a:r>
-            <a:r>
-              <a:rPr lang="en-US" baseline="0" dirty="0" err="1"/>
-              <a:t>daca</a:t>
-            </a:r>
-            <a:r>
-              <a:rPr lang="en-US" baseline="0" dirty="0"/>
-              <a:t> </a:t>
-            </a:r>
-            <a:r>
-              <a:rPr lang="en-US" baseline="0" dirty="0" err="1"/>
-              <a:t>acestea</a:t>
-            </a:r>
-            <a:r>
-              <a:rPr lang="en-US" baseline="0" dirty="0"/>
-              <a:t> sunt “</a:t>
-            </a:r>
-            <a:r>
-              <a:rPr lang="en-US" baseline="0" dirty="0" err="1"/>
-              <a:t>descoperite</a:t>
-            </a:r>
-            <a:r>
-              <a:rPr lang="en-US" baseline="0" dirty="0"/>
-              <a:t>” in </a:t>
-            </a:r>
-            <a:r>
-              <a:rPr lang="en-US" baseline="0" dirty="0" err="1"/>
-              <a:t>faza</a:t>
-            </a:r>
-            <a:r>
-              <a:rPr lang="en-US" baseline="0" dirty="0"/>
-              <a:t> </a:t>
-            </a:r>
-            <a:r>
-              <a:rPr lang="en-US" baseline="0" dirty="0" err="1"/>
-              <a:t>initiala</a:t>
-            </a:r>
-            <a:r>
-              <a:rPr lang="en-US" baseline="0" dirty="0"/>
-              <a:t> -&gt; in development</a:t>
-            </a:r>
+              <a:rPr lang="ro-RO" dirty="0"/>
+              <a:t>BUG-urile pot fi generate chiar din prima etapă – cea de analiză sau în etapa de design datorită neînțelegerii corecte a cerințelor de business, dar cele mai multe apar în etapa de development.</a:t>
+            </a:r>
+            <a:endParaRPr lang="en-US" dirty="0"/>
           </a:p>
           <a:p>
             <a:pPr marL="0" indent="0">
               <a:buNone/>
             </a:pPr>
             <a:r>
-              <a:rPr lang="en-US" baseline="0" dirty="0"/>
-              <a:t>*Unit </a:t>
-            </a:r>
-            <a:r>
-              <a:rPr lang="en-US" baseline="0" dirty="0" err="1"/>
-              <a:t>testele</a:t>
+              <a:rPr lang="en-US" dirty="0"/>
+              <a:t>*</a:t>
+            </a:r>
+            <a:r>
+              <a:rPr lang="ro-RO" dirty="0"/>
+              <a:t>Costurile </a:t>
+            </a:r>
+            <a:r>
+              <a:rPr lang="en-US" dirty="0"/>
+              <a:t>de</a:t>
             </a:r>
             <a:r>
               <a:rPr lang="en-US" baseline="0" dirty="0"/>
@@ -7597,79 +7520,23 @@
             </a:r>
             <a:r>
               <a:rPr lang="en-US" baseline="0" dirty="0" err="1"/>
-              <a:t>trebuie</a:t>
+              <a:t>rezolvare</a:t>
+            </a:r>
+            <a:r>
+              <a:rPr lang="en-US" baseline="0" dirty="0"/>
+              <a:t> a </a:t>
+            </a:r>
+            <a:r>
+              <a:rPr lang="en-US" baseline="0" dirty="0" err="1"/>
+              <a:t>bugurilor</a:t>
             </a:r>
             <a:r>
               <a:rPr lang="en-US" baseline="0" dirty="0"/>
               <a:t> </a:t>
             </a:r>
             <a:r>
-              <a:rPr lang="en-US" baseline="0" dirty="0" err="1"/>
-              <a:t>sa</a:t>
-            </a:r>
-            <a:r>
-              <a:rPr lang="en-US" baseline="0" dirty="0"/>
-              <a:t> </a:t>
-            </a:r>
-            <a:r>
-              <a:rPr lang="en-US" baseline="0" dirty="0" err="1"/>
-              <a:t>apara</a:t>
-            </a:r>
-            <a:r>
-              <a:rPr lang="en-US" baseline="0" dirty="0"/>
-              <a:t> in </a:t>
-            </a:r>
-            <a:r>
-              <a:rPr lang="en-US" baseline="0" dirty="0" err="1"/>
-              <a:t>aceasta</a:t>
-            </a:r>
-            <a:r>
-              <a:rPr lang="en-US" baseline="0" dirty="0"/>
-              <a:t> zona </a:t>
-            </a:r>
-            <a:r>
-              <a:rPr lang="en-US" baseline="0" dirty="0" err="1"/>
-              <a:t>pentru</a:t>
-            </a:r>
-            <a:r>
-              <a:rPr lang="en-US" baseline="0" dirty="0"/>
-              <a:t> ca </a:t>
-            </a:r>
-            <a:r>
-              <a:rPr lang="en-US" baseline="0" dirty="0" err="1"/>
-              <a:t>ele</a:t>
-            </a:r>
-            <a:r>
-              <a:rPr lang="en-US" baseline="0" dirty="0"/>
-              <a:t> </a:t>
-            </a:r>
-            <a:r>
-              <a:rPr lang="en-US" baseline="0" dirty="0" err="1"/>
-              <a:t>testeaza</a:t>
-            </a:r>
-            <a:r>
-              <a:rPr lang="en-US" baseline="0" dirty="0"/>
-              <a:t> </a:t>
-            </a:r>
-            <a:r>
-              <a:rPr lang="en-US" baseline="0" dirty="0" err="1"/>
-              <a:t>codul</a:t>
-            </a:r>
-            <a:r>
-              <a:rPr lang="en-US" baseline="0" dirty="0"/>
-              <a:t> </a:t>
-            </a:r>
-            <a:r>
-              <a:rPr lang="en-US" baseline="0" dirty="0" err="1"/>
-              <a:t>scris</a:t>
-            </a:r>
-            <a:r>
-              <a:rPr lang="en-US" baseline="0" dirty="0"/>
-              <a:t> de </a:t>
-            </a:r>
-            <a:r>
-              <a:rPr lang="en-US" baseline="0" dirty="0" err="1"/>
-              <a:t>developeri</a:t>
+              <a:rPr lang="ro-RO" baseline="0" dirty="0"/>
+              <a:t>cresc exponențial cu etapa în care sunt descoperite. Astfel, dorim să detectăm cât mai multe bug-uri în etapa de development, apoi în etapa de testare și să livrăm la client un produs care are cât mai puține bug-uri (ideal – zero bug-uri)</a:t>
             </a:r>
             <a:endParaRPr lang="en-US" baseline="0" dirty="0"/>
           </a:p>
@@ -7679,11 +7546,11 @@
             </a:pPr>
             <a:r>
               <a:rPr lang="en-US" baseline="0" dirty="0"/>
-              <a:t>*</a:t>
+              <a:t>*Unit </a:t>
             </a:r>
             <a:r>
               <a:rPr lang="en-US" baseline="0" dirty="0" err="1"/>
-              <a:t>Odata</a:t>
+              <a:t>testele</a:t>
             </a:r>
             <a:r>
               <a:rPr lang="en-US" baseline="0" dirty="0"/>
@@ -7691,7 +7558,7 @@
             </a:r>
             <a:r>
               <a:rPr lang="en-US" baseline="0" dirty="0" err="1"/>
-              <a:t>descoperite</a:t>
+              <a:t>trebuie</a:t>
             </a:r>
             <a:r>
               <a:rPr lang="en-US" baseline="0" dirty="0"/>
@@ -7699,15 +7566,7 @@
             </a:r>
             <a:r>
               <a:rPr lang="en-US" baseline="0" dirty="0" err="1"/>
-              <a:t>bugurile</a:t>
-            </a:r>
-            <a:r>
-              <a:rPr lang="en-US" baseline="0" dirty="0"/>
-              <a:t> in “development” </a:t>
-            </a:r>
-            <a:r>
-              <a:rPr lang="en-US" baseline="0" dirty="0" err="1"/>
-              <a:t>costurile</a:t>
+              <a:t>sa</a:t>
             </a:r>
             <a:r>
               <a:rPr lang="en-US" baseline="0" dirty="0"/>
@@ -7715,7 +7574,27 @@
             </a:r>
             <a:r>
               <a:rPr lang="en-US" baseline="0" dirty="0" err="1"/>
+              <a:t>apara</a:t>
+            </a:r>
+            <a:r>
+              <a:rPr lang="en-US" baseline="0" dirty="0"/>
+              <a:t> in </a:t>
+            </a:r>
+            <a:r>
+              <a:rPr lang="ro-RO" baseline="0" dirty="0"/>
+              <a:t>etapa de development, </a:t>
+            </a:r>
+            <a:r>
+              <a:rPr lang="en-US" baseline="0" dirty="0" err="1"/>
               <a:t>pentru</a:t>
+            </a:r>
+            <a:r>
+              <a:rPr lang="en-US" baseline="0" dirty="0"/>
+              <a:t> ca </a:t>
+            </a:r>
+            <a:r>
+              <a:rPr lang="en-US" baseline="0" dirty="0" err="1"/>
+              <a:t>ele</a:t>
             </a:r>
             <a:r>
               <a:rPr lang="en-US" baseline="0" dirty="0"/>
@@ -7723,7 +7602,7 @@
             </a:r>
             <a:r>
               <a:rPr lang="en-US" baseline="0" dirty="0" err="1"/>
-              <a:t>rezolvarea</a:t>
+              <a:t>testeaza</a:t>
             </a:r>
             <a:r>
               <a:rPr lang="en-US" baseline="0" dirty="0"/>
@@ -7731,7 +7610,7 @@
             </a:r>
             <a:r>
               <a:rPr lang="en-US" baseline="0" dirty="0" err="1"/>
-              <a:t>lor</a:t>
+              <a:t>codul</a:t>
             </a:r>
             <a:r>
               <a:rPr lang="en-US" baseline="0" dirty="0"/>
@@ -7739,28 +7618,17 @@
             </a:r>
             <a:r>
               <a:rPr lang="en-US" baseline="0" dirty="0" err="1"/>
-              <a:t>va</a:t>
+              <a:t>scris</a:t>
             </a:r>
             <a:r>
               <a:rPr lang="en-US" baseline="0" dirty="0"/>
-              <a:t> fi </a:t>
+              <a:t> de </a:t>
             </a:r>
             <a:r>
               <a:rPr lang="en-US" baseline="0" dirty="0" err="1"/>
-              <a:t>mult</a:t>
-            </a:r>
-            <a:r>
-              <a:rPr lang="en-US" baseline="0" dirty="0"/>
-              <a:t> </a:t>
-            </a:r>
-            <a:r>
-              <a:rPr lang="en-US" baseline="0" dirty="0" err="1"/>
-              <a:t>mai</a:t>
-            </a:r>
-            <a:r>
-              <a:rPr lang="en-US" baseline="0" dirty="0"/>
-              <a:t> mic</a:t>
-            </a:r>
+              <a:t>developeri</a:t>
+            </a:r>
+            <a:endParaRPr lang="en-US" baseline="0" dirty="0"/>
           </a:p>
           <a:p>
             <a:pPr marL="0" indent="0">
@@ -7768,6 +7636,56 @@
             </a:pPr>
             <a:r>
               <a:rPr lang="en-US" baseline="0" dirty="0"/>
+              <a:t>*</a:t>
+            </a:r>
+            <a:r>
+              <a:rPr lang="en-US" baseline="0" dirty="0" err="1"/>
+              <a:t>Odata</a:t>
+            </a:r>
+            <a:r>
+              <a:rPr lang="en-US" baseline="0" dirty="0"/>
+              <a:t> </a:t>
+            </a:r>
+            <a:r>
+              <a:rPr lang="en-US" baseline="0" dirty="0" err="1"/>
+              <a:t>descoperite</a:t>
+            </a:r>
+            <a:r>
+              <a:rPr lang="en-US" baseline="0" dirty="0"/>
+              <a:t> </a:t>
+            </a:r>
+            <a:r>
+              <a:rPr lang="en-US" baseline="0" dirty="0" err="1"/>
+              <a:t>bugurile</a:t>
+            </a:r>
+            <a:r>
+              <a:rPr lang="en-US" baseline="0" dirty="0"/>
+              <a:t> in “development”</a:t>
+            </a:r>
+            <a:r>
+              <a:rPr lang="ro-RO" baseline="0" dirty="0"/>
+              <a:t>, acestea pot fi fixate cu</a:t>
+            </a:r>
+            <a:r>
+              <a:rPr lang="en-US" baseline="0" dirty="0"/>
+              <a:t> </a:t>
+            </a:r>
+            <a:r>
+              <a:rPr lang="en-US" baseline="0" dirty="0" err="1"/>
+              <a:t>costuri</a:t>
+            </a:r>
+            <a:r>
+              <a:rPr lang="ro-RO" baseline="0" dirty="0"/>
+              <a:t> minime.</a:t>
+            </a:r>
+            <a:endParaRPr lang="en-US" baseline="0" dirty="0"/>
+          </a:p>
+          <a:p>
+            <a:pPr marL="0" indent="0">
+              <a:buNone/>
+            </a:pPr>
+            <a:r>
+              <a:rPr lang="en-US" baseline="0" dirty="0"/>
               <a:t>*QA in </a:t>
             </a:r>
             <a:r>
@@ -7818,7 +7736,10 @@
               <a:rPr lang="en-US" baseline="0" dirty="0"/>
               <a:t> + “hard-to-find bugs”</a:t>
             </a:r>
-            <a:endParaRPr lang="en-US" dirty="0"/>
+            <a:r>
+              <a:rPr lang="ro-RO" baseline="0" dirty="0"/>
+              <a:t> – cum ar fi BUG-uri apărute din cauza unei analize deficitare a business-ului sau al unui design incorect.</a:t>
+            </a:r>
           </a:p>
           <a:p>
             <a:endParaRPr lang="nl-NL" dirty="0"/>
@@ -7909,6 +7830,14 @@
               <a:rPr lang="nl-NL" dirty="0"/>
               <a:t>Marian</a:t>
             </a:r>
+            <a:endParaRPr lang="ro-RO" dirty="0"/>
+          </a:p>
+          <a:p>
+            <a:r>
+              <a:rPr lang="ro-RO" dirty="0"/>
+              <a:t>Folosind unit teste, BUG-urile se detecteaza din faza de development. Unit testele sunt de obicei scrise de același developer care implementează funcționalitatea. Și dacă lucrăm la o singură funcționalitate la un moment dat și nu considerăm dezvoltarea acesteia finalizată până când nu am scris și rulat unit testele aferente, ca și developeri ne va fi ușor să detectăm și să rezolvăm eventualele bug-uri, înainte chiar de a face check-in, ceea ce minimizeaza timpul de lucru, impactul asupra încadrării în dead-line și, implicit, costurile.</a:t>
+            </a:r>
+            <a:endParaRPr lang="nl-NL" dirty="0"/>
           </a:p>
         </p:txBody>
       </p:sp>
@@ -7994,8 +7923,36 @@
           <a:p>
             <a:r>
               <a:rPr lang="nl-NL" dirty="0"/>
-              <a:t>Marian</a:t>
-            </a:r>
+              <a:t>Maria</a:t>
+            </a:r>
+            <a:r>
+              <a:rPr lang="ro-RO" dirty="0"/>
+              <a:t>n</a:t>
+            </a:r>
+          </a:p>
+          <a:p>
+            <a:pPr marL="0" marR="0" lvl="0" indent="0" algn="l" defTabSz="914400" rtl="0" eaLnBrk="1" fontAlgn="auto" latinLnBrk="0" hangingPunct="1">
+              <a:lnSpc>
+                <a:spcPct val="100000"/>
+              </a:lnSpc>
+              <a:spcBef>
+                <a:spcPts val="0"/>
+              </a:spcBef>
+              <a:spcAft>
+                <a:spcPts val="0"/>
+              </a:spcAft>
+              <a:buClrTx/>
+              <a:buSzTx/>
+              <a:buFontTx/>
+              <a:buNone/>
+              <a:tabLst/>
+              <a:defRPr/>
+            </a:pPr>
+            <a:r>
+              <a:rPr lang="ro-RO" baseline="0" dirty="0"/>
+              <a:t>Ca și best practice, odată ce se descoperă un BUG în etapa de testare sau în producție, e recomandat să scriem - dacă e posibil - unit teste pe zona de cod afectată, astfel încât, pe viitor acleași bug să nu mai ajungă în etapele ulterioare developmentului.</a:t>
+            </a:r>
+            <a:endParaRPr lang="en-US" dirty="0"/>
           </a:p>
         </p:txBody>
       </p:sp>
@@ -21599,6 +21556,11 @@
               <a:rPr lang="en-US" dirty="0"/>
               <a:t>Why Unit Testing?</a:t>
             </a:r>
+            <a:r>
+              <a:rPr lang="ro-RO" dirty="0"/>
+              <a:t>„</a:t>
+            </a:r>
+            <a:endParaRPr lang="en-US" dirty="0"/>
           </a:p>
         </p:txBody>
       </p:sp>
@@ -21669,7 +21631,7 @@
           <a:bodyPr/>
           <a:lstStyle/>
           <a:p>
-            <a:endParaRPr lang="en-US"/>
+            <a:endParaRPr lang="en-US" dirty="0"/>
           </a:p>
         </p:txBody>
       </p:sp>
@@ -22927,15 +22889,6 @@
 </file>
 
 <file path=customXml/item1.xml><?xml version="1.0" encoding="utf-8"?>
-<?mso-contentType ?>
-<FormTemplates xmlns="http://schemas.microsoft.com/sharepoint/v3/contenttype/forms">
-  <Display>DocumentLibraryForm</Display>
-  <Edit>DocumentLibraryForm</Edit>
-  <New>DocumentLibraryForm</New>
-</FormTemplates>
-</file>
-
-<file path=customXml/item2.xml><?xml version="1.0" encoding="utf-8"?>
 <p:properties xmlns:p="http://schemas.microsoft.com/office/2006/metadata/properties" xmlns:xsi="http://www.w3.org/2001/XMLSchema-instance" xmlns:pc="http://schemas.microsoft.com/office/infopath/2007/PartnerControls">
   <documentManagement>
     <_dlc_DocId xmlns="7582594f-2f57-4d52-8ffa-4b4aa53e3769">HXQY2SQ4HAYF-794-83</_dlc_DocId>
@@ -22947,53 +22900,7 @@
 </p:properties>
 </file>
 
-<file path=customXml/item3.xml><?xml version="1.0" encoding="utf-8"?>
-<?mso-contentType ?>
-<spe:Receivers xmlns:spe="http://schemas.microsoft.com/sharepoint/events">
-  <Receiver>
-    <Name>Document ID Generator</Name>
-    <Synchronization>Synchronous</Synchronization>
-    <Type>10001</Type>
-    <SequenceNumber>1000</SequenceNumber>
-    <Assembly>Microsoft.Office.DocumentManagement, Version=14.0.0.0, Culture=neutral, PublicKeyToken=71e9bce111e9429c</Assembly>
-    <Class>Microsoft.Office.DocumentManagement.Internal.DocIdHandler</Class>
-    <Data/>
-    <Filter/>
-  </Receiver>
-  <Receiver>
-    <Name>Document ID Generator</Name>
-    <Synchronization>Synchronous</Synchronization>
-    <Type>10002</Type>
-    <SequenceNumber>1001</SequenceNumber>
-    <Assembly>Microsoft.Office.DocumentManagement, Version=14.0.0.0, Culture=neutral, PublicKeyToken=71e9bce111e9429c</Assembly>
-    <Class>Microsoft.Office.DocumentManagement.Internal.DocIdHandler</Class>
-    <Data/>
-    <Filter/>
-  </Receiver>
-  <Receiver>
-    <Name>Document ID Generator</Name>
-    <Synchronization>Synchronous</Synchronization>
-    <Type>10004</Type>
-    <SequenceNumber>1002</SequenceNumber>
-    <Assembly>Microsoft.Office.DocumentManagement, Version=14.0.0.0, Culture=neutral, PublicKeyToken=71e9bce111e9429c</Assembly>
-    <Class>Microsoft.Office.DocumentManagement.Internal.DocIdHandler</Class>
-    <Data/>
-    <Filter/>
-  </Receiver>
-  <Receiver>
-    <Name>Document ID Generator</Name>
-    <Synchronization>Synchronous</Synchronization>
-    <Type>10006</Type>
-    <SequenceNumber>1003</SequenceNumber>
-    <Assembly>Microsoft.Office.DocumentManagement, Version=14.0.0.0, Culture=neutral, PublicKeyToken=71e9bce111e9429c</Assembly>
-    <Class>Microsoft.Office.DocumentManagement.Internal.DocIdHandler</Class>
-    <Data/>
-    <Filter/>
-  </Receiver>
-</spe:Receivers>
-</file>
-
-<file path=customXml/item4.xml><?xml version="1.0" encoding="utf-8"?>
+<file path=customXml/item2.xml><?xml version="1.0" encoding="utf-8"?>
 <ct:contentTypeSchema xmlns:ct="http://schemas.microsoft.com/office/2006/metadata/contentType" xmlns:ma="http://schemas.microsoft.com/office/2006/metadata/properties/metaAttributes" ct:_="" ma:_="" ma:contentTypeName="Document" ma:contentTypeID="0x010100612F67C670D41B4A91B6EC11F2BCB91000112621AD02751C46ACAF48B80BAE0485" ma:contentTypeVersion="8" ma:contentTypeDescription="Een nieuw document maken." ma:contentTypeScope="" ma:versionID="7a2a27f4e9f6b4ce34c424adeb6be946">
   <xsd:schema xmlns:xsd="http://www.w3.org/2001/XMLSchema" xmlns:xs="http://www.w3.org/2001/XMLSchema" xmlns:p="http://schemas.microsoft.com/office/2006/metadata/properties" xmlns:ns2="7582594f-2f57-4d52-8ffa-4b4aa53e3769" targetNamespace="http://schemas.microsoft.com/office/2006/metadata/properties" ma:root="true" ma:fieldsID="d72965aa9bec8a25d585f8efc5427f42" ns2:_="">
     <xsd:import namespace="7582594f-2f57-4d52-8ffa-4b4aa53e3769"/>
@@ -23138,15 +23045,62 @@
 </ct:contentTypeSchema>
 </file>
 
-<file path=customXml/itemProps1.xml><?xml version="1.0" encoding="utf-8"?>
-<ds:datastoreItem xmlns:ds="http://schemas.openxmlformats.org/officeDocument/2006/customXml" ds:itemID="{4A752D92-0ACC-48D2-A658-AB744FE70ECE}">
-  <ds:schemaRefs>
-    <ds:schemaRef ds:uri="http://schemas.microsoft.com/sharepoint/v3/contenttype/forms"/>
-  </ds:schemaRefs>
-</ds:datastoreItem>
+<file path=customXml/item3.xml><?xml version="1.0" encoding="utf-8"?>
+<?mso-contentType ?>
+<spe:Receivers xmlns:spe="http://schemas.microsoft.com/sharepoint/events">
+  <Receiver>
+    <Name>Document ID Generator</Name>
+    <Synchronization>Synchronous</Synchronization>
+    <Type>10001</Type>
+    <SequenceNumber>1000</SequenceNumber>
+    <Assembly>Microsoft.Office.DocumentManagement, Version=14.0.0.0, Culture=neutral, PublicKeyToken=71e9bce111e9429c</Assembly>
+    <Class>Microsoft.Office.DocumentManagement.Internal.DocIdHandler</Class>
+    <Data/>
+    <Filter/>
+  </Receiver>
+  <Receiver>
+    <Name>Document ID Generator</Name>
+    <Synchronization>Synchronous</Synchronization>
+    <Type>10002</Type>
+    <SequenceNumber>1001</SequenceNumber>
+    <Assembly>Microsoft.Office.DocumentManagement, Version=14.0.0.0, Culture=neutral, PublicKeyToken=71e9bce111e9429c</Assembly>
+    <Class>Microsoft.Office.DocumentManagement.Internal.DocIdHandler</Class>
+    <Data/>
+    <Filter/>
+  </Receiver>
+  <Receiver>
+    <Name>Document ID Generator</Name>
+    <Synchronization>Synchronous</Synchronization>
+    <Type>10004</Type>
+    <SequenceNumber>1002</SequenceNumber>
+    <Assembly>Microsoft.Office.DocumentManagement, Version=14.0.0.0, Culture=neutral, PublicKeyToken=71e9bce111e9429c</Assembly>
+    <Class>Microsoft.Office.DocumentManagement.Internal.DocIdHandler</Class>
+    <Data/>
+    <Filter/>
+  </Receiver>
+  <Receiver>
+    <Name>Document ID Generator</Name>
+    <Synchronization>Synchronous</Synchronization>
+    <Type>10006</Type>
+    <SequenceNumber>1003</SequenceNumber>
+    <Assembly>Microsoft.Office.DocumentManagement, Version=14.0.0.0, Culture=neutral, PublicKeyToken=71e9bce111e9429c</Assembly>
+    <Class>Microsoft.Office.DocumentManagement.Internal.DocIdHandler</Class>
+    <Data/>
+    <Filter/>
+  </Receiver>
+</spe:Receivers>
 </file>
 
-<file path=customXml/itemProps2.xml><?xml version="1.0" encoding="utf-8"?>
+<file path=customXml/item4.xml><?xml version="1.0" encoding="utf-8"?>
+<?mso-contentType ?>
+<FormTemplates xmlns="http://schemas.microsoft.com/sharepoint/v3/contenttype/forms">
+  <Display>DocumentLibraryForm</Display>
+  <Edit>DocumentLibraryForm</Edit>
+  <New>DocumentLibraryForm</New>
+</FormTemplates>
+</file>
+
+<file path=customXml/itemProps1.xml><?xml version="1.0" encoding="utf-8"?>
 <ds:datastoreItem xmlns:ds="http://schemas.openxmlformats.org/officeDocument/2006/customXml" ds:itemID="{DE0A3E1F-B2EC-4B36-9F71-3169FFDE4AE0}">
   <ds:schemaRefs>
     <ds:schemaRef ds:uri="http://purl.org/dc/terms/"/>
@@ -23162,15 +23116,7 @@
 </ds:datastoreItem>
 </file>
 
-<file path=customXml/itemProps3.xml><?xml version="1.0" encoding="utf-8"?>
-<ds:datastoreItem xmlns:ds="http://schemas.openxmlformats.org/officeDocument/2006/customXml" ds:itemID="{AEA0F5FE-2AF9-4A86-BADA-F40F7EC772CD}">
-  <ds:schemaRefs>
-    <ds:schemaRef ds:uri="http://schemas.microsoft.com/sharepoint/events"/>
-  </ds:schemaRefs>
-</ds:datastoreItem>
-</file>
-
-<file path=customXml/itemProps4.xml><?xml version="1.0" encoding="utf-8"?>
+<file path=customXml/itemProps2.xml><?xml version="1.0" encoding="utf-8"?>
 <ds:datastoreItem xmlns:ds="http://schemas.openxmlformats.org/officeDocument/2006/customXml" ds:itemID="{ED490D6F-1E63-413A-9BD8-5CF5403D6AE1}">
   <ds:schemaRefs>
     <ds:schemaRef ds:uri="http://schemas.microsoft.com/office/2006/metadata/contentType"/>
@@ -23186,4 +23132,20 @@
     <ds:schemaRef ds:uri="http://schemas.microsoft.com/internal/obd"/>
   </ds:schemaRefs>
 </ds:datastoreItem>
+</file>
+
+<file path=customXml/itemProps3.xml><?xml version="1.0" encoding="utf-8"?>
+<ds:datastoreItem xmlns:ds="http://schemas.openxmlformats.org/officeDocument/2006/customXml" ds:itemID="{AEA0F5FE-2AF9-4A86-BADA-F40F7EC772CD}">
+  <ds:schemaRefs>
+    <ds:schemaRef ds:uri="http://schemas.microsoft.com/sharepoint/events"/>
+  </ds:schemaRefs>
+</ds:datastoreItem>
+</file>
+
+<file path=customXml/itemProps4.xml><?xml version="1.0" encoding="utf-8"?>
+<ds:datastoreItem xmlns:ds="http://schemas.openxmlformats.org/officeDocument/2006/customXml" ds:itemID="{4A752D92-0ACC-48D2-A658-AB744FE70ECE}">
+  <ds:schemaRefs>
+    <ds:schemaRef ds:uri="http://schemas.microsoft.com/sharepoint/v3/contenttype/forms"/>
+  </ds:schemaRefs>
+</ds:datastoreItem>
 </file>
--- a/Developer testing 2021.pptx
+++ b/Developer testing 2021.pptx
@@ -285,7 +285,7 @@
           <a:p>
             <a:fld id="{4FDA5BBF-9A9E-E34C-87D2-CD6D1CA60245}" type="datetime1">
               <a:rPr lang="en-US" smtClean="0"/>
-              <a:t>7/6/2021</a:t>
+              <a:t>7/8/2021</a:t>
             </a:fld>
             <a:endParaRPr lang="en-US"/>
           </a:p>
@@ -451,7 +451,7 @@
           <a:p>
             <a:fld id="{FE5FB5CF-D153-1544-8329-2FC1F4ABF24D}" type="datetime1">
               <a:rPr lang="en-US" smtClean="0"/>
-              <a:t>7/6/2021</a:t>
+              <a:t>7/8/2021</a:t>
             </a:fld>
             <a:endParaRPr lang="nl-NL"/>
           </a:p>
@@ -3967,7 +3967,7 @@
           <a:p>
             <a:fld id="{2DB1139D-5AC7-4B0B-A715-E40E0591EF82}" type="slidenum">
               <a:rPr lang="nl-NL" smtClean="0"/>
-              <a:t>34</a:t>
+              <a:t>33</a:t>
             </a:fld>
             <a:endParaRPr lang="nl-NL"/>
           </a:p>
@@ -3976,7 +3976,7 @@
     </p:spTree>
     <p:extLst>
       <p:ext uri="{BB962C8B-B14F-4D97-AF65-F5344CB8AC3E}">
-        <p14:creationId xmlns:p14="http://schemas.microsoft.com/office/powerpoint/2010/main" val="1619668065"/>
+        <p14:creationId xmlns:p14="http://schemas.microsoft.com/office/powerpoint/2010/main" val="1730009938"/>
       </p:ext>
     </p:extLst>
   </p:cSld>
@@ -4054,7 +4054,7 @@
           <a:p>
             <a:fld id="{2DB1139D-5AC7-4B0B-A715-E40E0591EF82}" type="slidenum">
               <a:rPr lang="nl-NL" smtClean="0"/>
-              <a:t>35</a:t>
+              <a:t>34</a:t>
             </a:fld>
             <a:endParaRPr lang="nl-NL"/>
           </a:p>
@@ -4063,7 +4063,7 @@
     </p:spTree>
     <p:extLst>
       <p:ext uri="{BB962C8B-B14F-4D97-AF65-F5344CB8AC3E}">
-        <p14:creationId xmlns:p14="http://schemas.microsoft.com/office/powerpoint/2010/main" val="165808733"/>
+        <p14:creationId xmlns:p14="http://schemas.microsoft.com/office/powerpoint/2010/main" val="1619668065"/>
       </p:ext>
     </p:extLst>
   </p:cSld>
@@ -4119,7 +4119,7 @@
           <a:p>
             <a:r>
               <a:rPr lang="en-US" dirty="0"/>
-              <a:t>Marian</a:t>
+              <a:t>Alex</a:t>
             </a:r>
           </a:p>
         </p:txBody>
@@ -4141,7 +4141,7 @@
           <a:p>
             <a:fld id="{2DB1139D-5AC7-4B0B-A715-E40E0591EF82}" type="slidenum">
               <a:rPr lang="nl-NL" smtClean="0"/>
-              <a:t>36</a:t>
+              <a:t>35</a:t>
             </a:fld>
             <a:endParaRPr lang="nl-NL"/>
           </a:p>
@@ -4150,7 +4150,7 @@
     </p:spTree>
     <p:extLst>
       <p:ext uri="{BB962C8B-B14F-4D97-AF65-F5344CB8AC3E}">
-        <p14:creationId xmlns:p14="http://schemas.microsoft.com/office/powerpoint/2010/main" val="2164638619"/>
+        <p14:creationId xmlns:p14="http://schemas.microsoft.com/office/powerpoint/2010/main" val="165808733"/>
       </p:ext>
     </p:extLst>
   </p:cSld>
@@ -4209,6 +4209,25 @@
               <a:t>Marian</a:t>
             </a:r>
           </a:p>
+          <a:p>
+            <a:r>
+              <a:rPr lang="en-US" dirty="0"/>
+              <a:t>P</a:t>
+            </a:r>
+            <a:r>
+              <a:rPr lang="ro-RO" dirty="0"/>
+              <a:t>e</a:t>
+            </a:r>
+            <a:r>
+              <a:rPr lang="en-US" dirty="0"/>
+              <a:t> l</a:t>
+            </a:r>
+            <a:r>
+              <a:rPr lang="ro-RO" dirty="0"/>
+              <a:t>ângă unit teste, în etapa de development se mai pot scie și așa numitele teste de integrare (integration tests).</a:t>
+            </a:r>
+            <a:endParaRPr lang="en-US" dirty="0"/>
+          </a:p>
         </p:txBody>
       </p:sp>
       <p:sp>
@@ -4228,7 +4247,7 @@
           <a:p>
             <a:fld id="{2DB1139D-5AC7-4B0B-A715-E40E0591EF82}" type="slidenum">
               <a:rPr lang="nl-NL" smtClean="0"/>
-              <a:t>37</a:t>
+              <a:t>36</a:t>
             </a:fld>
             <a:endParaRPr lang="nl-NL"/>
           </a:p>
@@ -4237,7 +4256,7 @@
     </p:spTree>
     <p:extLst>
       <p:ext uri="{BB962C8B-B14F-4D97-AF65-F5344CB8AC3E}">
-        <p14:creationId xmlns:p14="http://schemas.microsoft.com/office/powerpoint/2010/main" val="4157425421"/>
+        <p14:creationId xmlns:p14="http://schemas.microsoft.com/office/powerpoint/2010/main" val="2164638619"/>
       </p:ext>
     </p:extLst>
   </p:cSld>
@@ -4295,6 +4314,14 @@
               <a:rPr lang="en-US" dirty="0"/>
               <a:t>Marian</a:t>
             </a:r>
+            <a:endParaRPr lang="ro-RO" dirty="0"/>
+          </a:p>
+          <a:p>
+            <a:r>
+              <a:rPr lang="ro-RO" dirty="0"/>
+              <a:t>Testele de integrare asigură faptul că, componentele unei aplicații funcționează corect la un nivel care include infrastructura aplicației, cum ar fi baze de date, sistem de fișiere, rețea.</a:t>
+            </a:r>
+            <a:endParaRPr lang="en-US" dirty="0"/>
           </a:p>
         </p:txBody>
       </p:sp>
@@ -4315,7 +4342,7 @@
           <a:p>
             <a:fld id="{2DB1139D-5AC7-4B0B-A715-E40E0591EF82}" type="slidenum">
               <a:rPr lang="nl-NL" smtClean="0"/>
-              <a:t>38</a:t>
+              <a:t>37</a:t>
             </a:fld>
             <a:endParaRPr lang="nl-NL"/>
           </a:p>
@@ -4324,7 +4351,7 @@
     </p:spTree>
     <p:extLst>
       <p:ext uri="{BB962C8B-B14F-4D97-AF65-F5344CB8AC3E}">
-        <p14:creationId xmlns:p14="http://schemas.microsoft.com/office/powerpoint/2010/main" val="2025122702"/>
+        <p14:creationId xmlns:p14="http://schemas.microsoft.com/office/powerpoint/2010/main" val="4157425421"/>
       </p:ext>
     </p:extLst>
   </p:cSld>
@@ -4382,6 +4409,14 @@
               <a:rPr lang="en-US" dirty="0"/>
               <a:t>Marian</a:t>
             </a:r>
+            <a:endParaRPr lang="ro-RO" dirty="0"/>
+          </a:p>
+          <a:p>
+            <a:r>
+              <a:rPr lang="it-IT" dirty="0"/>
+              <a:t>Testele de integrare evaluează componentele unei aplicații la un nivel mai larg decât testele unitare</a:t>
+            </a:r>
+            <a:endParaRPr lang="en-US" dirty="0"/>
           </a:p>
         </p:txBody>
       </p:sp>
@@ -4402,7 +4437,7 @@
           <a:p>
             <a:fld id="{2DB1139D-5AC7-4B0B-A715-E40E0591EF82}" type="slidenum">
               <a:rPr lang="nl-NL" smtClean="0"/>
-              <a:t>39</a:t>
+              <a:t>38</a:t>
             </a:fld>
             <a:endParaRPr lang="nl-NL"/>
           </a:p>
@@ -4411,7 +4446,7 @@
     </p:spTree>
     <p:extLst>
       <p:ext uri="{BB962C8B-B14F-4D97-AF65-F5344CB8AC3E}">
-        <p14:creationId xmlns:p14="http://schemas.microsoft.com/office/powerpoint/2010/main" val="951410896"/>
+        <p14:creationId xmlns:p14="http://schemas.microsoft.com/office/powerpoint/2010/main" val="2025122702"/>
       </p:ext>
     </p:extLst>
   </p:cSld>
@@ -4469,6 +4504,14 @@
               <a:rPr lang="en-US" dirty="0"/>
               <a:t>Marian</a:t>
             </a:r>
+            <a:endParaRPr lang="ro-RO" dirty="0"/>
+          </a:p>
+          <a:p>
+            <a:r>
+              <a:rPr lang="ro-RO" dirty="0"/>
+              <a:t>Diferențele dintre unit tests și integration tests</a:t>
+            </a:r>
+            <a:endParaRPr lang="en-US" dirty="0"/>
           </a:p>
         </p:txBody>
       </p:sp>
@@ -4489,7 +4532,7 @@
           <a:p>
             <a:fld id="{2DB1139D-5AC7-4B0B-A715-E40E0591EF82}" type="slidenum">
               <a:rPr lang="nl-NL" smtClean="0"/>
-              <a:t>40</a:t>
+              <a:t>39</a:t>
             </a:fld>
             <a:endParaRPr lang="nl-NL"/>
           </a:p>
@@ -4498,7 +4541,7 @@
     </p:spTree>
     <p:extLst>
       <p:ext uri="{BB962C8B-B14F-4D97-AF65-F5344CB8AC3E}">
-        <p14:creationId xmlns:p14="http://schemas.microsoft.com/office/powerpoint/2010/main" val="101104362"/>
+        <p14:creationId xmlns:p14="http://schemas.microsoft.com/office/powerpoint/2010/main" val="951410896"/>
       </p:ext>
     </p:extLst>
   </p:cSld>
@@ -4686,6 +4729,16 @@
               <a:rPr lang="en-US" dirty="0"/>
               <a:t>Marian</a:t>
             </a:r>
+            <a:endParaRPr lang="ro-RO" dirty="0"/>
+          </a:p>
+          <a:p>
+            <a:r>
+              <a:rPr lang="ro-RO" dirty="0"/>
+              <a:t>Integration tests folosesc aceleași componente pe care aplicația le folosește în producție (baze de date, API-uri, servicii WCF, etc)</a:t>
+            </a:r>
+          </a:p>
+          <a:p>
+            <a:endParaRPr lang="en-US" dirty="0"/>
           </a:p>
         </p:txBody>
       </p:sp>
@@ -4706,7 +4759,7 @@
           <a:p>
             <a:fld id="{2DB1139D-5AC7-4B0B-A715-E40E0591EF82}" type="slidenum">
               <a:rPr lang="nl-NL" smtClean="0"/>
-              <a:t>41</a:t>
+              <a:t>40</a:t>
             </a:fld>
             <a:endParaRPr lang="nl-NL"/>
           </a:p>
@@ -4715,7 +4768,7 @@
     </p:spTree>
     <p:extLst>
       <p:ext uri="{BB962C8B-B14F-4D97-AF65-F5344CB8AC3E}">
-        <p14:creationId xmlns:p14="http://schemas.microsoft.com/office/powerpoint/2010/main" val="479253812"/>
+        <p14:creationId xmlns:p14="http://schemas.microsoft.com/office/powerpoint/2010/main" val="101104362"/>
       </p:ext>
     </p:extLst>
   </p:cSld>
@@ -4773,6 +4826,16 @@
               <a:rPr lang="en-US" dirty="0"/>
               <a:t>Marian</a:t>
             </a:r>
+            <a:endParaRPr lang="ro-RO" dirty="0"/>
+          </a:p>
+          <a:p>
+            <a:r>
+              <a:rPr lang="ro-RO" dirty="0"/>
+              <a:t>Integration tests presupun mai mult cod care trebuie scris și o cantitate mai mare de date care trebuiesc procesate</a:t>
+            </a:r>
+          </a:p>
+          <a:p>
+            <a:endParaRPr lang="en-US" dirty="0"/>
           </a:p>
         </p:txBody>
       </p:sp>
@@ -4793,7 +4856,7 @@
           <a:p>
             <a:fld id="{2DB1139D-5AC7-4B0B-A715-E40E0591EF82}" type="slidenum">
               <a:rPr lang="nl-NL" smtClean="0"/>
-              <a:t>42</a:t>
+              <a:t>41</a:t>
             </a:fld>
             <a:endParaRPr lang="nl-NL"/>
           </a:p>
@@ -4802,7 +4865,7 @@
     </p:spTree>
     <p:extLst>
       <p:ext uri="{BB962C8B-B14F-4D97-AF65-F5344CB8AC3E}">
-        <p14:creationId xmlns:p14="http://schemas.microsoft.com/office/powerpoint/2010/main" val="1634407649"/>
+        <p14:creationId xmlns:p14="http://schemas.microsoft.com/office/powerpoint/2010/main" val="479253812"/>
       </p:ext>
     </p:extLst>
   </p:cSld>
@@ -4858,8 +4921,16 @@
           <a:p>
             <a:r>
               <a:rPr lang="en-US" dirty="0"/>
-              <a:t>Alex</a:t>
-            </a:r>
+              <a:t>Marian</a:t>
+            </a:r>
+            <a:endParaRPr lang="ro-RO" dirty="0"/>
+          </a:p>
+          <a:p>
+            <a:r>
+              <a:rPr lang="ro-RO" dirty="0"/>
+              <a:t>Integration tests consumă mai mult timp să fie rulate, tocmai datorită interacțiunii cu alte sisteme.</a:t>
+            </a:r>
+            <a:endParaRPr lang="en-US" dirty="0"/>
           </a:p>
         </p:txBody>
       </p:sp>
@@ -4880,7 +4951,7 @@
           <a:p>
             <a:fld id="{2DB1139D-5AC7-4B0B-A715-E40E0591EF82}" type="slidenum">
               <a:rPr lang="nl-NL" smtClean="0"/>
-              <a:t>43</a:t>
+              <a:t>42</a:t>
             </a:fld>
             <a:endParaRPr lang="nl-NL"/>
           </a:p>
@@ -4889,7 +4960,7 @@
     </p:spTree>
     <p:extLst>
       <p:ext uri="{BB962C8B-B14F-4D97-AF65-F5344CB8AC3E}">
-        <p14:creationId xmlns:p14="http://schemas.microsoft.com/office/powerpoint/2010/main" val="1899940151"/>
+        <p14:creationId xmlns:p14="http://schemas.microsoft.com/office/powerpoint/2010/main" val="1634407649"/>
       </p:ext>
     </p:extLst>
   </p:cSld>
@@ -4967,7 +5038,7 @@
           <a:p>
             <a:fld id="{2DB1139D-5AC7-4B0B-A715-E40E0591EF82}" type="slidenum">
               <a:rPr lang="nl-NL" smtClean="0"/>
-              <a:t>44</a:t>
+              <a:t>43</a:t>
             </a:fld>
             <a:endParaRPr lang="nl-NL"/>
           </a:p>
@@ -4976,7 +5047,7 @@
     </p:spTree>
     <p:extLst>
       <p:ext uri="{BB962C8B-B14F-4D97-AF65-F5344CB8AC3E}">
-        <p14:creationId xmlns:p14="http://schemas.microsoft.com/office/powerpoint/2010/main" val="1375765092"/>
+        <p14:creationId xmlns:p14="http://schemas.microsoft.com/office/powerpoint/2010/main" val="1899940151"/>
       </p:ext>
     </p:extLst>
   </p:cSld>
@@ -5054,7 +5125,7 @@
           <a:p>
             <a:fld id="{2DB1139D-5AC7-4B0B-A715-E40E0591EF82}" type="slidenum">
               <a:rPr lang="nl-NL" smtClean="0"/>
-              <a:t>45</a:t>
+              <a:t>44</a:t>
             </a:fld>
             <a:endParaRPr lang="nl-NL"/>
           </a:p>
@@ -5063,7 +5134,7 @@
     </p:spTree>
     <p:extLst>
       <p:ext uri="{BB962C8B-B14F-4D97-AF65-F5344CB8AC3E}">
-        <p14:creationId xmlns:p14="http://schemas.microsoft.com/office/powerpoint/2010/main" val="3501030295"/>
+        <p14:creationId xmlns:p14="http://schemas.microsoft.com/office/powerpoint/2010/main" val="1375765092"/>
       </p:ext>
     </p:extLst>
   </p:cSld>
@@ -5141,7 +5212,7 @@
           <a:p>
             <a:fld id="{2DB1139D-5AC7-4B0B-A715-E40E0591EF82}" type="slidenum">
               <a:rPr lang="nl-NL" smtClean="0"/>
-              <a:t>46</a:t>
+              <a:t>45</a:t>
             </a:fld>
             <a:endParaRPr lang="nl-NL"/>
           </a:p>
@@ -5150,7 +5221,7 @@
     </p:spTree>
     <p:extLst>
       <p:ext uri="{BB962C8B-B14F-4D97-AF65-F5344CB8AC3E}">
-        <p14:creationId xmlns:p14="http://schemas.microsoft.com/office/powerpoint/2010/main" val="3303813538"/>
+        <p14:creationId xmlns:p14="http://schemas.microsoft.com/office/powerpoint/2010/main" val="3501030295"/>
       </p:ext>
     </p:extLst>
   </p:cSld>
@@ -5228,7 +5299,7 @@
           <a:p>
             <a:fld id="{2DB1139D-5AC7-4B0B-A715-E40E0591EF82}" type="slidenum">
               <a:rPr lang="nl-NL" smtClean="0"/>
-              <a:t>47</a:t>
+              <a:t>46</a:t>
             </a:fld>
             <a:endParaRPr lang="nl-NL"/>
           </a:p>
@@ -5237,7 +5308,7 @@
     </p:spTree>
     <p:extLst>
       <p:ext uri="{BB962C8B-B14F-4D97-AF65-F5344CB8AC3E}">
-        <p14:creationId xmlns:p14="http://schemas.microsoft.com/office/powerpoint/2010/main" val="1276772273"/>
+        <p14:creationId xmlns:p14="http://schemas.microsoft.com/office/powerpoint/2010/main" val="3303813538"/>
       </p:ext>
     </p:extLst>
   </p:cSld>
@@ -5293,7 +5364,7 @@
           <a:p>
             <a:r>
               <a:rPr lang="en-US" dirty="0"/>
-              <a:t>Marian</a:t>
+              <a:t>Alex</a:t>
             </a:r>
           </a:p>
         </p:txBody>
@@ -5315,7 +5386,7 @@
           <a:p>
             <a:fld id="{2DB1139D-5AC7-4B0B-A715-E40E0591EF82}" type="slidenum">
               <a:rPr lang="nl-NL" smtClean="0"/>
-              <a:t>48</a:t>
+              <a:t>47</a:t>
             </a:fld>
             <a:endParaRPr lang="nl-NL"/>
           </a:p>
@@ -5324,7 +5395,7 @@
     </p:spTree>
     <p:extLst>
       <p:ext uri="{BB962C8B-B14F-4D97-AF65-F5344CB8AC3E}">
-        <p14:creationId xmlns:p14="http://schemas.microsoft.com/office/powerpoint/2010/main" val="1677727130"/>
+        <p14:creationId xmlns:p14="http://schemas.microsoft.com/office/powerpoint/2010/main" val="1276772273"/>
       </p:ext>
     </p:extLst>
   </p:cSld>
@@ -5382,6 +5453,14 @@
               <a:rPr lang="en-US" dirty="0"/>
               <a:t>Marian</a:t>
             </a:r>
+            <a:endParaRPr lang="ro-RO" dirty="0"/>
+          </a:p>
+          <a:p>
+            <a:r>
+              <a:rPr lang="ro-RO" dirty="0"/>
+              <a:t>În</a:t>
+            </a:r>
+            <a:endParaRPr lang="en-US" dirty="0"/>
           </a:p>
         </p:txBody>
       </p:sp>
@@ -5402,7 +5481,7 @@
           <a:p>
             <a:fld id="{2DB1139D-5AC7-4B0B-A715-E40E0591EF82}" type="slidenum">
               <a:rPr lang="nl-NL" smtClean="0"/>
-              <a:t>49</a:t>
+              <a:t>48</a:t>
             </a:fld>
             <a:endParaRPr lang="nl-NL"/>
           </a:p>
@@ -5411,7 +5490,7 @@
     </p:spTree>
     <p:extLst>
       <p:ext uri="{BB962C8B-B14F-4D97-AF65-F5344CB8AC3E}">
-        <p14:creationId xmlns:p14="http://schemas.microsoft.com/office/powerpoint/2010/main" val="462259872"/>
+        <p14:creationId xmlns:p14="http://schemas.microsoft.com/office/powerpoint/2010/main" val="1677727130"/>
       </p:ext>
     </p:extLst>
   </p:cSld>
@@ -5466,190 +5545,9 @@
           <a:lstStyle/>
           <a:p>
             <a:r>
-              <a:rPr lang="en-US" sz="1200" b="0" i="0" kern="1200" dirty="0">
-                <a:solidFill>
-                  <a:schemeClr val="tx1"/>
-                </a:solidFill>
-                <a:effectLst/>
-                <a:latin typeface="+mn-lt"/>
-                <a:ea typeface="+mn-ea"/>
-                <a:cs typeface="+mn-cs"/>
-              </a:rPr>
+              <a:rPr lang="en-US" dirty="0"/>
               <a:t>Marian</a:t>
             </a:r>
-          </a:p>
-          <a:p>
-            <a:r>
-              <a:rPr lang="en-US" sz="1200" b="0" i="0" kern="1200" dirty="0">
-                <a:solidFill>
-                  <a:schemeClr val="tx1"/>
-                </a:solidFill>
-                <a:effectLst/>
-                <a:latin typeface="+mn-lt"/>
-                <a:ea typeface="+mn-ea"/>
-                <a:cs typeface="+mn-cs"/>
-              </a:rPr>
-              <a:t>This cycle is typically executed once for every complete unit test, or once every dozen or so cycles of the three laws. The rules of this cycle are simple.</a:t>
-            </a:r>
-          </a:p>
-          <a:p>
-            <a:pPr marL="171450" indent="-171450">
-              <a:buFont typeface="Arial" panose="020B0604020202020204" pitchFamily="34" charset="0"/>
-              <a:buChar char="•"/>
-            </a:pPr>
-            <a:r>
-              <a:rPr lang="en-US" sz="1200" b="0" i="0" kern="1200" dirty="0">
-                <a:solidFill>
-                  <a:schemeClr val="tx1"/>
-                </a:solidFill>
-                <a:effectLst/>
-                <a:latin typeface="+mn-lt"/>
-                <a:ea typeface="+mn-ea"/>
-                <a:cs typeface="+mn-cs"/>
-              </a:rPr>
-              <a:t>Create a unit tests that fails</a:t>
-            </a:r>
-          </a:p>
-          <a:p>
-            <a:pPr marL="171450" indent="-171450">
-              <a:buFont typeface="Arial" panose="020B0604020202020204" pitchFamily="34" charset="0"/>
-              <a:buChar char="•"/>
-            </a:pPr>
-            <a:r>
-              <a:rPr lang="en-US" sz="1200" b="0" i="0" kern="1200" dirty="0">
-                <a:solidFill>
-                  <a:schemeClr val="tx1"/>
-                </a:solidFill>
-                <a:effectLst/>
-                <a:latin typeface="+mn-lt"/>
-                <a:ea typeface="+mn-ea"/>
-                <a:cs typeface="+mn-cs"/>
-              </a:rPr>
-              <a:t>Write production code that makes that test pass.</a:t>
-            </a:r>
-          </a:p>
-          <a:p>
-            <a:pPr marL="171450" indent="-171450">
-              <a:buFont typeface="Arial" panose="020B0604020202020204" pitchFamily="34" charset="0"/>
-              <a:buChar char="•"/>
-            </a:pPr>
-            <a:r>
-              <a:rPr lang="en-US" sz="1200" b="0" i="0" kern="1200" dirty="0">
-                <a:solidFill>
-                  <a:schemeClr val="tx1"/>
-                </a:solidFill>
-                <a:effectLst/>
-                <a:latin typeface="+mn-lt"/>
-                <a:ea typeface="+mn-ea"/>
-                <a:cs typeface="+mn-cs"/>
-              </a:rPr>
-              <a:t>Clean up the mess you just made.</a:t>
-            </a:r>
-          </a:p>
-          <a:p>
-            <a:pPr marL="171450" indent="-171450">
-              <a:buFont typeface="Arial" panose="020B0604020202020204" pitchFamily="34" charset="0"/>
-              <a:buChar char="•"/>
-            </a:pPr>
-            <a:endParaRPr lang="en-US" sz="1200" b="0" i="0" kern="1200" dirty="0">
-              <a:solidFill>
-                <a:schemeClr val="tx1"/>
-              </a:solidFill>
-              <a:effectLst/>
-              <a:latin typeface="+mn-lt"/>
-              <a:ea typeface="+mn-ea"/>
-              <a:cs typeface="+mn-cs"/>
-            </a:endParaRPr>
-          </a:p>
-          <a:p>
-            <a:pPr marL="0" indent="0">
-              <a:buFont typeface="Arial" panose="020B0604020202020204" pitchFamily="34" charset="0"/>
-              <a:buNone/>
-            </a:pPr>
-            <a:r>
-              <a:rPr lang="en-US" sz="1200" b="0" i="0" kern="1200" dirty="0">
-                <a:solidFill>
-                  <a:schemeClr val="tx1"/>
-                </a:solidFill>
-                <a:effectLst/>
-                <a:latin typeface="+mn-lt"/>
-                <a:ea typeface="+mn-ea"/>
-                <a:cs typeface="+mn-cs"/>
-              </a:rPr>
-              <a:t>But this is an “incorrect” representation, due to the fact that doesn’t have</a:t>
-            </a:r>
-            <a:r>
-              <a:rPr lang="en-US" sz="1200" b="0" i="0" kern="1200" baseline="0" dirty="0">
-                <a:solidFill>
-                  <a:schemeClr val="tx1"/>
-                </a:solidFill>
-                <a:effectLst/>
-                <a:latin typeface="+mn-lt"/>
-                <a:ea typeface="+mn-ea"/>
-                <a:cs typeface="+mn-cs"/>
-              </a:rPr>
-              <a:t> all the steps.</a:t>
-            </a:r>
-          </a:p>
-          <a:p>
-            <a:pPr marL="0" indent="0">
-              <a:buFont typeface="Arial" panose="020B0604020202020204" pitchFamily="34" charset="0"/>
-              <a:buNone/>
-            </a:pPr>
-            <a:r>
-              <a:rPr lang="en-US" sz="1200" b="0" i="0" kern="1200" baseline="0" dirty="0">
-                <a:solidFill>
-                  <a:schemeClr val="tx1"/>
-                </a:solidFill>
-                <a:effectLst/>
-                <a:latin typeface="+mn-lt"/>
-                <a:ea typeface="+mn-ea"/>
-                <a:cs typeface="+mn-cs"/>
-              </a:rPr>
-              <a:t>Next representation is more accurate. So, a</a:t>
-            </a:r>
-            <a:r>
-              <a:rPr lang="en-US" sz="1200" b="0" i="0" kern="1200" dirty="0">
-                <a:solidFill>
-                  <a:schemeClr val="tx1"/>
-                </a:solidFill>
-                <a:effectLst/>
-                <a:latin typeface="+mn-lt"/>
-                <a:ea typeface="+mn-ea"/>
-                <a:cs typeface="+mn-cs"/>
-              </a:rPr>
-              <a:t>t a high level, the process to develop a software using TDD is provided in the</a:t>
-            </a:r>
-            <a:r>
-              <a:rPr lang="en-US" sz="1200" b="0" i="0" kern="1200" baseline="0" dirty="0">
-                <a:solidFill>
-                  <a:schemeClr val="tx1"/>
-                </a:solidFill>
-                <a:effectLst/>
-                <a:latin typeface="+mn-lt"/>
-                <a:ea typeface="+mn-ea"/>
-                <a:cs typeface="+mn-cs"/>
-              </a:rPr>
-              <a:t> next figure</a:t>
-            </a:r>
-            <a:r>
-              <a:rPr lang="en-US" sz="1200" b="0" i="0" kern="1200" dirty="0">
-                <a:solidFill>
-                  <a:schemeClr val="tx1"/>
-                </a:solidFill>
-                <a:effectLst/>
-                <a:latin typeface="+mn-lt"/>
-                <a:ea typeface="+mn-ea"/>
-                <a:cs typeface="+mn-cs"/>
-              </a:rPr>
-              <a:t>.</a:t>
-            </a:r>
-          </a:p>
-          <a:p>
-            <a:endParaRPr lang="en-GB" dirty="0"/>
-          </a:p>
-          <a:p>
-            <a:endParaRPr lang="en-US" dirty="0"/>
           </a:p>
         </p:txBody>
       </p:sp>
@@ -5670,7 +5568,7 @@
           <a:p>
             <a:fld id="{2DB1139D-5AC7-4B0B-A715-E40E0591EF82}" type="slidenum">
               <a:rPr lang="nl-NL" smtClean="0"/>
-              <a:t>50</a:t>
+              <a:t>49</a:t>
             </a:fld>
             <a:endParaRPr lang="nl-NL"/>
           </a:p>
@@ -5679,7 +5577,7 @@
     </p:spTree>
     <p:extLst>
       <p:ext uri="{BB962C8B-B14F-4D97-AF65-F5344CB8AC3E}">
-        <p14:creationId xmlns:p14="http://schemas.microsoft.com/office/powerpoint/2010/main" val="736394580"/>
+        <p14:creationId xmlns:p14="http://schemas.microsoft.com/office/powerpoint/2010/main" val="462259872"/>
       </p:ext>
     </p:extLst>
   </p:cSld>
@@ -5855,21 +5753,189 @@
           <a:lstStyle/>
           <a:p>
             <a:r>
-              <a:rPr lang="en-US" sz="1200" dirty="0"/>
+              <a:rPr lang="en-US" sz="1200" b="0" i="0" kern="1200" dirty="0">
+                <a:solidFill>
+                  <a:schemeClr val="tx1"/>
+                </a:solidFill>
+                <a:effectLst/>
+                <a:latin typeface="+mn-lt"/>
+                <a:ea typeface="+mn-ea"/>
+                <a:cs typeface="+mn-cs"/>
+              </a:rPr>
               <a:t>Marian</a:t>
             </a:r>
           </a:p>
           <a:p>
             <a:r>
-              <a:rPr lang="en-US" sz="1200" dirty="0"/>
-              <a:t>Source: </a:t>
-            </a:r>
-            <a:r>
-              <a:rPr lang="en-US" sz="1200" dirty="0">
-                <a:hlinkClick r:id="rId3"/>
+              <a:rPr lang="en-US" sz="1200" b="0" i="0" kern="1200" dirty="0">
+                <a:solidFill>
+                  <a:schemeClr val="tx1"/>
+                </a:solidFill>
+                <a:effectLst/>
+                <a:latin typeface="+mn-lt"/>
+                <a:ea typeface="+mn-ea"/>
+                <a:cs typeface="+mn-cs"/>
               </a:rPr>
-              <a:t>https://www.pluralsight.com/guides/software-delivery-using-test-driven-development-tdd</a:t>
-            </a:r>
+              <a:t>This cycle is typically executed once for every complete unit test, or once every dozen or so cycles of the three laws. The rules of this cycle are simple.</a:t>
+            </a:r>
+          </a:p>
+          <a:p>
+            <a:pPr marL="171450" indent="-171450">
+              <a:buFont typeface="Arial" panose="020B0604020202020204" pitchFamily="34" charset="0"/>
+              <a:buChar char="•"/>
+            </a:pPr>
+            <a:r>
+              <a:rPr lang="en-US" sz="1200" b="0" i="0" kern="1200" dirty="0">
+                <a:solidFill>
+                  <a:schemeClr val="tx1"/>
+                </a:solidFill>
+                <a:effectLst/>
+                <a:latin typeface="+mn-lt"/>
+                <a:ea typeface="+mn-ea"/>
+                <a:cs typeface="+mn-cs"/>
+              </a:rPr>
+              <a:t>Create a unit tests that fails</a:t>
+            </a:r>
+          </a:p>
+          <a:p>
+            <a:pPr marL="171450" indent="-171450">
+              <a:buFont typeface="Arial" panose="020B0604020202020204" pitchFamily="34" charset="0"/>
+              <a:buChar char="•"/>
+            </a:pPr>
+            <a:r>
+              <a:rPr lang="en-US" sz="1200" b="0" i="0" kern="1200" dirty="0">
+                <a:solidFill>
+                  <a:schemeClr val="tx1"/>
+                </a:solidFill>
+                <a:effectLst/>
+                <a:latin typeface="+mn-lt"/>
+                <a:ea typeface="+mn-ea"/>
+                <a:cs typeface="+mn-cs"/>
+              </a:rPr>
+              <a:t>Write production code that makes that test pass.</a:t>
+            </a:r>
+          </a:p>
+          <a:p>
+            <a:pPr marL="171450" indent="-171450">
+              <a:buFont typeface="Arial" panose="020B0604020202020204" pitchFamily="34" charset="0"/>
+              <a:buChar char="•"/>
+            </a:pPr>
+            <a:r>
+              <a:rPr lang="en-US" sz="1200" b="0" i="0" kern="1200" dirty="0">
+                <a:solidFill>
+                  <a:schemeClr val="tx1"/>
+                </a:solidFill>
+                <a:effectLst/>
+                <a:latin typeface="+mn-lt"/>
+                <a:ea typeface="+mn-ea"/>
+                <a:cs typeface="+mn-cs"/>
+              </a:rPr>
+              <a:t>Clean up the mess you just made.</a:t>
+            </a:r>
+          </a:p>
+          <a:p>
+            <a:pPr marL="171450" indent="-171450">
+              <a:buFont typeface="Arial" panose="020B0604020202020204" pitchFamily="34" charset="0"/>
+              <a:buChar char="•"/>
+            </a:pPr>
+            <a:endParaRPr lang="en-US" sz="1200" b="0" i="0" kern="1200" dirty="0">
+              <a:solidFill>
+                <a:schemeClr val="tx1"/>
+              </a:solidFill>
+              <a:effectLst/>
+              <a:latin typeface="+mn-lt"/>
+              <a:ea typeface="+mn-ea"/>
+              <a:cs typeface="+mn-cs"/>
+            </a:endParaRPr>
+          </a:p>
+          <a:p>
+            <a:pPr marL="0" indent="0">
+              <a:buFont typeface="Arial" panose="020B0604020202020204" pitchFamily="34" charset="0"/>
+              <a:buNone/>
+            </a:pPr>
+            <a:r>
+              <a:rPr lang="en-US" sz="1200" b="0" i="0" kern="1200" dirty="0">
+                <a:solidFill>
+                  <a:schemeClr val="tx1"/>
+                </a:solidFill>
+                <a:effectLst/>
+                <a:latin typeface="+mn-lt"/>
+                <a:ea typeface="+mn-ea"/>
+                <a:cs typeface="+mn-cs"/>
+              </a:rPr>
+              <a:t>But this is an “incorrect” representation, due to the fact that doesn’t have</a:t>
+            </a:r>
+            <a:r>
+              <a:rPr lang="en-US" sz="1200" b="0" i="0" kern="1200" baseline="0" dirty="0">
+                <a:solidFill>
+                  <a:schemeClr val="tx1"/>
+                </a:solidFill>
+                <a:effectLst/>
+                <a:latin typeface="+mn-lt"/>
+                <a:ea typeface="+mn-ea"/>
+                <a:cs typeface="+mn-cs"/>
+              </a:rPr>
+              <a:t> all the steps.</a:t>
+            </a:r>
+          </a:p>
+          <a:p>
+            <a:pPr marL="0" indent="0">
+              <a:buFont typeface="Arial" panose="020B0604020202020204" pitchFamily="34" charset="0"/>
+              <a:buNone/>
+            </a:pPr>
+            <a:r>
+              <a:rPr lang="en-US" sz="1200" b="0" i="0" kern="1200" baseline="0" dirty="0">
+                <a:solidFill>
+                  <a:schemeClr val="tx1"/>
+                </a:solidFill>
+                <a:effectLst/>
+                <a:latin typeface="+mn-lt"/>
+                <a:ea typeface="+mn-ea"/>
+                <a:cs typeface="+mn-cs"/>
+              </a:rPr>
+              <a:t>Next representation is more accurate. So, a</a:t>
+            </a:r>
+            <a:r>
+              <a:rPr lang="en-US" sz="1200" b="0" i="0" kern="1200" dirty="0">
+                <a:solidFill>
+                  <a:schemeClr val="tx1"/>
+                </a:solidFill>
+                <a:effectLst/>
+                <a:latin typeface="+mn-lt"/>
+                <a:ea typeface="+mn-ea"/>
+                <a:cs typeface="+mn-cs"/>
+              </a:rPr>
+              <a:t>t a high level, the process to develop a software using TDD is provided in the</a:t>
+            </a:r>
+            <a:r>
+              <a:rPr lang="en-US" sz="1200" b="0" i="0" kern="1200" baseline="0" dirty="0">
+                <a:solidFill>
+                  <a:schemeClr val="tx1"/>
+                </a:solidFill>
+                <a:effectLst/>
+                <a:latin typeface="+mn-lt"/>
+                <a:ea typeface="+mn-ea"/>
+                <a:cs typeface="+mn-cs"/>
+              </a:rPr>
+              <a:t> next figure</a:t>
+            </a:r>
+            <a:r>
+              <a:rPr lang="en-US" sz="1200" b="0" i="0" kern="1200" dirty="0">
+                <a:solidFill>
+                  <a:schemeClr val="tx1"/>
+                </a:solidFill>
+                <a:effectLst/>
+                <a:latin typeface="+mn-lt"/>
+                <a:ea typeface="+mn-ea"/>
+                <a:cs typeface="+mn-cs"/>
+              </a:rPr>
+              <a:t>.</a:t>
+            </a:r>
+          </a:p>
+          <a:p>
+            <a:endParaRPr lang="en-GB" dirty="0"/>
+          </a:p>
+          <a:p>
             <a:endParaRPr lang="en-US" dirty="0"/>
           </a:p>
         </p:txBody>
@@ -5891,7 +5957,7 @@
           <a:p>
             <a:fld id="{2DB1139D-5AC7-4B0B-A715-E40E0591EF82}" type="slidenum">
               <a:rPr lang="nl-NL" smtClean="0"/>
-              <a:t>51</a:t>
+              <a:t>50</a:t>
             </a:fld>
             <a:endParaRPr lang="nl-NL"/>
           </a:p>
@@ -5900,7 +5966,7 @@
     </p:spTree>
     <p:extLst>
       <p:ext uri="{BB962C8B-B14F-4D97-AF65-F5344CB8AC3E}">
-        <p14:creationId xmlns:p14="http://schemas.microsoft.com/office/powerpoint/2010/main" val="1545846605"/>
+        <p14:creationId xmlns:p14="http://schemas.microsoft.com/office/powerpoint/2010/main" val="736394580"/>
       </p:ext>
     </p:extLst>
   </p:cSld>
@@ -5955,9 +6021,22 @@
           <a:lstStyle/>
           <a:p>
             <a:r>
-              <a:rPr lang="en-US" dirty="0"/>
+              <a:rPr lang="en-US" sz="1200" dirty="0"/>
               <a:t>Marian</a:t>
             </a:r>
+          </a:p>
+          <a:p>
+            <a:r>
+              <a:rPr lang="en-US" sz="1200" dirty="0"/>
+              <a:t>Source: </a:t>
+            </a:r>
+            <a:r>
+              <a:rPr lang="en-US" sz="1200" dirty="0">
+                <a:hlinkClick r:id="rId3"/>
+              </a:rPr>
+              <a:t>https://www.pluralsight.com/guides/software-delivery-using-test-driven-development-tdd</a:t>
+            </a:r>
+            <a:endParaRPr lang="en-US" dirty="0"/>
           </a:p>
         </p:txBody>
       </p:sp>
@@ -5978,7 +6057,7 @@
           <a:p>
             <a:fld id="{2DB1139D-5AC7-4B0B-A715-E40E0591EF82}" type="slidenum">
               <a:rPr lang="nl-NL" smtClean="0"/>
-              <a:t>52</a:t>
+              <a:t>51</a:t>
             </a:fld>
             <a:endParaRPr lang="nl-NL"/>
           </a:p>
@@ -5987,7 +6066,7 @@
     </p:spTree>
     <p:extLst>
       <p:ext uri="{BB962C8B-B14F-4D97-AF65-F5344CB8AC3E}">
-        <p14:creationId xmlns:p14="http://schemas.microsoft.com/office/powerpoint/2010/main" val="3364522964"/>
+        <p14:creationId xmlns:p14="http://schemas.microsoft.com/office/powerpoint/2010/main" val="1545846605"/>
       </p:ext>
     </p:extLst>
   </p:cSld>
@@ -6065,7 +6144,7 @@
           <a:p>
             <a:fld id="{2DB1139D-5AC7-4B0B-A715-E40E0591EF82}" type="slidenum">
               <a:rPr lang="nl-NL" smtClean="0"/>
-              <a:t>53</a:t>
+              <a:t>52</a:t>
             </a:fld>
             <a:endParaRPr lang="nl-NL"/>
           </a:p>
@@ -6074,7 +6153,7 @@
     </p:spTree>
     <p:extLst>
       <p:ext uri="{BB962C8B-B14F-4D97-AF65-F5344CB8AC3E}">
-        <p14:creationId xmlns:p14="http://schemas.microsoft.com/office/powerpoint/2010/main" val="3221476610"/>
+        <p14:creationId xmlns:p14="http://schemas.microsoft.com/office/powerpoint/2010/main" val="3364522964"/>
       </p:ext>
     </p:extLst>
   </p:cSld>
@@ -6132,6 +6211,40 @@
               <a:rPr lang="en-US" dirty="0"/>
               <a:t>Marian</a:t>
             </a:r>
+            <a:endParaRPr lang="ro-RO" dirty="0"/>
+          </a:p>
+          <a:p>
+            <a:r>
+              <a:rPr lang="ro-RO" dirty="0"/>
+              <a:t>Codul obținut este curat. Uneori, ca și developeri, avem tendința de a încălca principiul YAGNI și scriem funcționațități presupunând că vom avea nevoie de ele. De cele mai multe ori nu vom avea nevoie de ele, nu le vom șterge și putem ajunge în situația să adăugăm în mod inutil complexitate suplimentară</a:t>
+            </a:r>
+            <a:r>
+              <a:rPr lang="en-US" dirty="0">
+                <a:sym typeface="Wingdings" panose="05000000000000000000" pitchFamily="2" charset="2"/>
+              </a:rPr>
+              <a:t>. </a:t>
+            </a:r>
+          </a:p>
+          <a:p>
+            <a:r>
+              <a:rPr lang="ro-RO" dirty="0">
+                <a:sym typeface="Wingdings" panose="05000000000000000000" pitchFamily="2" charset="2"/>
+              </a:rPr>
+              <a:t>Metodologia </a:t>
+            </a:r>
+            <a:r>
+              <a:rPr lang="en-US" dirty="0">
+                <a:sym typeface="Wingdings" panose="05000000000000000000" pitchFamily="2" charset="2"/>
+              </a:rPr>
+              <a:t>TDD ne </a:t>
+            </a:r>
+            <a:r>
+              <a:rPr lang="ro-RO" dirty="0">
+                <a:sym typeface="Wingdings" panose="05000000000000000000" pitchFamily="2" charset="2"/>
+              </a:rPr>
+              <a:t>constrânge să scriem doar codul necesar pentru a trece testele, ceea ce ne asigură că funcționarea este conform specificațiilor și numai conform specificațiilor.</a:t>
+            </a:r>
+            <a:endParaRPr lang="en-US" dirty="0"/>
           </a:p>
         </p:txBody>
       </p:sp>
@@ -6152,7 +6265,7 @@
           <a:p>
             <a:fld id="{2DB1139D-5AC7-4B0B-A715-E40E0591EF82}" type="slidenum">
               <a:rPr lang="nl-NL" smtClean="0"/>
-              <a:t>54</a:t>
+              <a:t>53</a:t>
             </a:fld>
             <a:endParaRPr lang="nl-NL"/>
           </a:p>
@@ -6161,7 +6274,7 @@
     </p:spTree>
     <p:extLst>
       <p:ext uri="{BB962C8B-B14F-4D97-AF65-F5344CB8AC3E}">
-        <p14:creationId xmlns:p14="http://schemas.microsoft.com/office/powerpoint/2010/main" val="3474753459"/>
+        <p14:creationId xmlns:p14="http://schemas.microsoft.com/office/powerpoint/2010/main" val="3221476610"/>
       </p:ext>
     </p:extLst>
   </p:cSld>
@@ -6219,6 +6332,16 @@
               <a:rPr lang="en-US" dirty="0"/>
               <a:t>Marian</a:t>
             </a:r>
+            <a:endParaRPr lang="ro-RO" dirty="0"/>
+          </a:p>
+          <a:p>
+            <a:r>
+              <a:rPr lang="ro-RO" dirty="0"/>
+              <a:t>Adoptând metodologia TDD, ne asigurăm că testele sunt cu adevărat relevante, pentru că ele sunt, practic, specificațiile după care a fost scrisă funcționalitatea. În TDD nu avem funcționalitate fără să avem, în prealabil unit teste pentru acea funcționalitate, astfel, tot codul este acoperit de unit teste.</a:t>
+            </a:r>
+          </a:p>
+          <a:p>
+            <a:endParaRPr lang="en-US" dirty="0"/>
           </a:p>
         </p:txBody>
       </p:sp>
@@ -6239,7 +6362,7 @@
           <a:p>
             <a:fld id="{2DB1139D-5AC7-4B0B-A715-E40E0591EF82}" type="slidenum">
               <a:rPr lang="nl-NL" smtClean="0"/>
-              <a:t>55</a:t>
+              <a:t>54</a:t>
             </a:fld>
             <a:endParaRPr lang="nl-NL"/>
           </a:p>
@@ -6248,7 +6371,7 @@
     </p:spTree>
     <p:extLst>
       <p:ext uri="{BB962C8B-B14F-4D97-AF65-F5344CB8AC3E}">
-        <p14:creationId xmlns:p14="http://schemas.microsoft.com/office/powerpoint/2010/main" val="3745149207"/>
+        <p14:creationId xmlns:p14="http://schemas.microsoft.com/office/powerpoint/2010/main" val="3474753459"/>
       </p:ext>
     </p:extLst>
   </p:cSld>
@@ -6303,219 +6426,12 @@
           <a:lstStyle/>
           <a:p>
             <a:r>
-              <a:rPr lang="en-US" sz="1200" b="0" i="0" kern="1200" dirty="0">
-                <a:solidFill>
-                  <a:schemeClr val="tx1"/>
-                </a:solidFill>
-                <a:effectLst/>
-                <a:latin typeface="+mn-lt"/>
-                <a:ea typeface="+mn-ea"/>
-                <a:cs typeface="+mn-cs"/>
-              </a:rPr>
+              <a:rPr lang="en-US" dirty="0"/>
               <a:t>Marian</a:t>
             </a:r>
-          </a:p>
-          <a:p>
-            <a:r>
-              <a:rPr lang="en-US" sz="1200" b="0" i="0" kern="1200" dirty="0">
-                <a:solidFill>
-                  <a:schemeClr val="tx1"/>
-                </a:solidFill>
-                <a:effectLst/>
-                <a:latin typeface="+mn-lt"/>
-                <a:ea typeface="+mn-ea"/>
-                <a:cs typeface="+mn-cs"/>
-              </a:rPr>
-              <a:t>As you can see in the roleplay diagram, no testers are involved in TDD. </a:t>
-            </a:r>
-          </a:p>
-          <a:p>
-            <a:r>
-              <a:rPr lang="en-US" sz="1200" b="0" i="0" kern="1200" dirty="0">
-                <a:solidFill>
-                  <a:schemeClr val="tx1"/>
-                </a:solidFill>
-                <a:effectLst/>
-                <a:latin typeface="+mn-lt"/>
-                <a:ea typeface="+mn-ea"/>
-                <a:cs typeface="+mn-cs"/>
-              </a:rPr>
-              <a:t>The developer writes the test case and also develops the code. </a:t>
-            </a:r>
-          </a:p>
-          <a:p>
-            <a:r>
-              <a:rPr lang="en-US" sz="1200" b="0" i="0" kern="1200" dirty="0">
-                <a:solidFill>
-                  <a:schemeClr val="tx1"/>
-                </a:solidFill>
-                <a:effectLst/>
-                <a:latin typeface="+mn-lt"/>
-                <a:ea typeface="+mn-ea"/>
-                <a:cs typeface="+mn-cs"/>
-              </a:rPr>
-              <a:t>So, there is </a:t>
-            </a:r>
-            <a:r>
-              <a:rPr lang="en-US" sz="1200" b="1" i="0" kern="1200" dirty="0">
-                <a:solidFill>
-                  <a:schemeClr val="tx1"/>
-                </a:solidFill>
-                <a:effectLst/>
-                <a:latin typeface="+mn-lt"/>
-                <a:ea typeface="+mn-ea"/>
-                <a:cs typeface="+mn-cs"/>
-              </a:rPr>
-              <a:t>less validation</a:t>
-            </a:r>
-            <a:r>
-              <a:rPr lang="en-US" sz="1200" b="0" i="0" kern="1200" dirty="0">
-                <a:solidFill>
-                  <a:schemeClr val="tx1"/>
-                </a:solidFill>
-                <a:effectLst/>
-                <a:latin typeface="+mn-lt"/>
-                <a:ea typeface="+mn-ea"/>
-                <a:cs typeface="+mn-cs"/>
-              </a:rPr>
-              <a:t> of the requirements throughout the cycle than there is when testers are a part of the process.</a:t>
-            </a:r>
-          </a:p>
-          <a:p>
-            <a:endParaRPr lang="en-US" sz="1200" b="0" i="0" kern="1200" dirty="0">
-              <a:solidFill>
-                <a:schemeClr val="tx1"/>
-              </a:solidFill>
-              <a:effectLst/>
-              <a:latin typeface="+mn-lt"/>
-              <a:ea typeface="+mn-ea"/>
-              <a:cs typeface="+mn-cs"/>
-            </a:endParaRPr>
-          </a:p>
-          <a:p>
-            <a:r>
-              <a:rPr lang="en-US" sz="1200" b="0" i="0" kern="1200" dirty="0">
-                <a:solidFill>
-                  <a:schemeClr val="tx1"/>
-                </a:solidFill>
-                <a:effectLst/>
-                <a:latin typeface="+mn-lt"/>
-                <a:ea typeface="+mn-ea"/>
-                <a:cs typeface="+mn-cs"/>
-              </a:rPr>
-              <a:t>Solutions:</a:t>
-            </a:r>
-          </a:p>
-          <a:p>
-            <a:r>
-              <a:rPr lang="en-GB" sz="1200" b="0" i="0" kern="1200" dirty="0">
-                <a:solidFill>
-                  <a:schemeClr val="tx1"/>
-                </a:solidFill>
-                <a:effectLst/>
-                <a:latin typeface="+mn-lt"/>
-                <a:ea typeface="+mn-ea"/>
-                <a:cs typeface="+mn-cs"/>
-              </a:rPr>
-              <a:t>Acceptance Test Driven Development (ATDD) - </a:t>
-            </a:r>
-            <a:r>
-              <a:rPr lang="en-US" sz="1200" b="0" i="0" kern="1200" dirty="0">
-                <a:solidFill>
-                  <a:schemeClr val="tx1"/>
-                </a:solidFill>
-                <a:effectLst/>
-                <a:latin typeface="+mn-lt"/>
-                <a:ea typeface="+mn-ea"/>
-                <a:cs typeface="+mn-cs"/>
-              </a:rPr>
-              <a:t>First, instead of writing unit test cases, acceptance test cases are written when user stories are written, and then the code is developed. </a:t>
-            </a:r>
-          </a:p>
-          <a:p>
-            <a:r>
-              <a:rPr lang="en-US" sz="1200" b="0" i="0" kern="1200" dirty="0">
-                <a:solidFill>
-                  <a:schemeClr val="tx1"/>
-                </a:solidFill>
-                <a:effectLst/>
-                <a:latin typeface="+mn-lt"/>
-                <a:ea typeface="+mn-ea"/>
-                <a:cs typeface="+mn-cs"/>
-              </a:rPr>
-              <a:t>Second, the test cases are written by the tester, and the code is developed by the coder – which adds validation that the cod meets the customer's expectations as defined by the business analyst.</a:t>
-            </a:r>
-            <a:endParaRPr lang="en-GB" sz="1200" b="0" i="0" kern="1200" dirty="0">
-              <a:solidFill>
-                <a:schemeClr val="tx1"/>
-              </a:solidFill>
-              <a:effectLst/>
-              <a:latin typeface="+mn-lt"/>
-              <a:ea typeface="+mn-ea"/>
-              <a:cs typeface="+mn-cs"/>
-            </a:endParaRPr>
-          </a:p>
-          <a:p>
-            <a:r>
-              <a:rPr lang="en-GB" sz="1200" b="0" i="0" kern="1200" dirty="0" err="1">
-                <a:solidFill>
-                  <a:schemeClr val="tx1"/>
-                </a:solidFill>
-                <a:effectLst/>
-                <a:latin typeface="+mn-lt"/>
-                <a:ea typeface="+mn-ea"/>
-                <a:cs typeface="+mn-cs"/>
-              </a:rPr>
-              <a:t>Behavioral</a:t>
-            </a:r>
-            <a:r>
-              <a:rPr lang="en-GB" sz="1200" b="0" i="0" kern="1200" dirty="0">
-                <a:solidFill>
-                  <a:schemeClr val="tx1"/>
-                </a:solidFill>
-                <a:effectLst/>
-                <a:latin typeface="+mn-lt"/>
-                <a:ea typeface="+mn-ea"/>
-                <a:cs typeface="+mn-cs"/>
-              </a:rPr>
-              <a:t> Driven Development - </a:t>
-            </a:r>
-            <a:r>
-              <a:rPr lang="en-GB" sz="1200" b="0" i="0" kern="1200" baseline="0" dirty="0">
-                <a:solidFill>
-                  <a:schemeClr val="tx1"/>
-                </a:solidFill>
-                <a:effectLst/>
-                <a:latin typeface="+mn-lt"/>
-                <a:ea typeface="+mn-ea"/>
-                <a:cs typeface="+mn-cs"/>
-              </a:rPr>
-              <a:t>BDD. (explanations based on </a:t>
-            </a:r>
-            <a:r>
-              <a:rPr lang="en-GB" sz="1200" b="0" i="0" kern="1200" baseline="0" dirty="0" err="1">
-                <a:solidFill>
-                  <a:schemeClr val="tx1"/>
-                </a:solidFill>
-                <a:effectLst/>
-                <a:latin typeface="+mn-lt"/>
-                <a:ea typeface="+mn-ea"/>
-                <a:cs typeface="+mn-cs"/>
-              </a:rPr>
-              <a:t>Given_When_Then</a:t>
-            </a:r>
-            <a:r>
-              <a:rPr lang="en-GB" sz="1200" b="0" i="0" kern="1200" baseline="0" dirty="0">
-                <a:solidFill>
-                  <a:schemeClr val="tx1"/>
-                </a:solidFill>
-                <a:effectLst/>
-                <a:latin typeface="+mn-lt"/>
-                <a:ea typeface="+mn-ea"/>
-                <a:cs typeface="+mn-cs"/>
-              </a:rPr>
-              <a:t>)</a:t>
-            </a:r>
+            <a:endParaRPr lang="ro-RO" dirty="0"/>
+          </a:p>
+          <a:p>
             <a:endParaRPr lang="en-US" dirty="0"/>
           </a:p>
         </p:txBody>
@@ -6537,7 +6453,7 @@
           <a:p>
             <a:fld id="{2DB1139D-5AC7-4B0B-A715-E40E0591EF82}" type="slidenum">
               <a:rPr lang="nl-NL" smtClean="0"/>
-              <a:t>56</a:t>
+              <a:t>55</a:t>
             </a:fld>
             <a:endParaRPr lang="nl-NL"/>
           </a:p>
@@ -6546,7 +6462,7 @@
     </p:spTree>
     <p:extLst>
       <p:ext uri="{BB962C8B-B14F-4D97-AF65-F5344CB8AC3E}">
-        <p14:creationId xmlns:p14="http://schemas.microsoft.com/office/powerpoint/2010/main" val="1312536303"/>
+        <p14:creationId xmlns:p14="http://schemas.microsoft.com/office/powerpoint/2010/main" val="3745149207"/>
       </p:ext>
     </p:extLst>
   </p:cSld>
@@ -6601,9 +6517,220 @@
           <a:lstStyle/>
           <a:p>
             <a:r>
-              <a:rPr lang="en-US" dirty="0"/>
+              <a:rPr lang="en-US" sz="1200" b="0" i="0" kern="1200" dirty="0">
+                <a:solidFill>
+                  <a:schemeClr val="tx1"/>
+                </a:solidFill>
+                <a:effectLst/>
+                <a:latin typeface="+mn-lt"/>
+                <a:ea typeface="+mn-ea"/>
+                <a:cs typeface="+mn-cs"/>
+              </a:rPr>
               <a:t>Marian</a:t>
             </a:r>
+          </a:p>
+          <a:p>
+            <a:r>
+              <a:rPr lang="en-US" sz="1200" b="0" i="0" kern="1200" dirty="0">
+                <a:solidFill>
+                  <a:schemeClr val="tx1"/>
+                </a:solidFill>
+                <a:effectLst/>
+                <a:latin typeface="+mn-lt"/>
+                <a:ea typeface="+mn-ea"/>
+                <a:cs typeface="+mn-cs"/>
+              </a:rPr>
+              <a:t>As you can see in the roleplay diagram, no testers are involved in TDD. </a:t>
+            </a:r>
+          </a:p>
+          <a:p>
+            <a:r>
+              <a:rPr lang="en-US" sz="1200" b="0" i="0" kern="1200" dirty="0">
+                <a:solidFill>
+                  <a:schemeClr val="tx1"/>
+                </a:solidFill>
+                <a:effectLst/>
+                <a:latin typeface="+mn-lt"/>
+                <a:ea typeface="+mn-ea"/>
+                <a:cs typeface="+mn-cs"/>
+              </a:rPr>
+              <a:t>The developer writes the test case and also develops the code. </a:t>
+            </a:r>
+          </a:p>
+          <a:p>
+            <a:r>
+              <a:rPr lang="en-US" sz="1200" b="0" i="0" kern="1200" dirty="0">
+                <a:solidFill>
+                  <a:schemeClr val="tx1"/>
+                </a:solidFill>
+                <a:effectLst/>
+                <a:latin typeface="+mn-lt"/>
+                <a:ea typeface="+mn-ea"/>
+                <a:cs typeface="+mn-cs"/>
+              </a:rPr>
+              <a:t>So, there is </a:t>
+            </a:r>
+            <a:r>
+              <a:rPr lang="en-US" sz="1200" b="1" i="0" kern="1200" dirty="0">
+                <a:solidFill>
+                  <a:schemeClr val="tx1"/>
+                </a:solidFill>
+                <a:effectLst/>
+                <a:latin typeface="+mn-lt"/>
+                <a:ea typeface="+mn-ea"/>
+                <a:cs typeface="+mn-cs"/>
+              </a:rPr>
+              <a:t>less validation</a:t>
+            </a:r>
+            <a:r>
+              <a:rPr lang="en-US" sz="1200" b="0" i="0" kern="1200" dirty="0">
+                <a:solidFill>
+                  <a:schemeClr val="tx1"/>
+                </a:solidFill>
+                <a:effectLst/>
+                <a:latin typeface="+mn-lt"/>
+                <a:ea typeface="+mn-ea"/>
+                <a:cs typeface="+mn-cs"/>
+              </a:rPr>
+              <a:t> of the requirements throughout the cycle than there is when testers are a part of the process.</a:t>
+            </a:r>
+          </a:p>
+          <a:p>
+            <a:endParaRPr lang="en-US" sz="1200" b="0" i="0" kern="1200" dirty="0">
+              <a:solidFill>
+                <a:schemeClr val="tx1"/>
+              </a:solidFill>
+              <a:effectLst/>
+              <a:latin typeface="+mn-lt"/>
+              <a:ea typeface="+mn-ea"/>
+              <a:cs typeface="+mn-cs"/>
+            </a:endParaRPr>
+          </a:p>
+          <a:p>
+            <a:r>
+              <a:rPr lang="en-US" sz="1200" b="0" i="0" kern="1200" dirty="0">
+                <a:solidFill>
+                  <a:schemeClr val="tx1"/>
+                </a:solidFill>
+                <a:effectLst/>
+                <a:latin typeface="+mn-lt"/>
+                <a:ea typeface="+mn-ea"/>
+                <a:cs typeface="+mn-cs"/>
+              </a:rPr>
+              <a:t>Solutions:</a:t>
+            </a:r>
+          </a:p>
+          <a:p>
+            <a:r>
+              <a:rPr lang="en-GB" sz="1200" b="0" i="0" kern="1200" dirty="0">
+                <a:solidFill>
+                  <a:schemeClr val="tx1"/>
+                </a:solidFill>
+                <a:effectLst/>
+                <a:latin typeface="+mn-lt"/>
+                <a:ea typeface="+mn-ea"/>
+                <a:cs typeface="+mn-cs"/>
+              </a:rPr>
+              <a:t>Acceptance Test Driven Development (ATDD) - </a:t>
+            </a:r>
+            <a:r>
+              <a:rPr lang="en-US" sz="1200" b="0" i="0" kern="1200" dirty="0">
+                <a:solidFill>
+                  <a:schemeClr val="tx1"/>
+                </a:solidFill>
+                <a:effectLst/>
+                <a:latin typeface="+mn-lt"/>
+                <a:ea typeface="+mn-ea"/>
+                <a:cs typeface="+mn-cs"/>
+              </a:rPr>
+              <a:t>First, instead of writing unit test cases, acceptance test cases are written when user stories are written, and then the code is developed. </a:t>
+            </a:r>
+          </a:p>
+          <a:p>
+            <a:r>
+              <a:rPr lang="en-US" sz="1200" b="0" i="0" kern="1200" dirty="0">
+                <a:solidFill>
+                  <a:schemeClr val="tx1"/>
+                </a:solidFill>
+                <a:effectLst/>
+                <a:latin typeface="+mn-lt"/>
+                <a:ea typeface="+mn-ea"/>
+                <a:cs typeface="+mn-cs"/>
+              </a:rPr>
+              <a:t>Second, the test cases are written by the tester, and the code is developed by the coder – which adds validation that the cod meets the customer's expectations as defined by the business analyst.</a:t>
+            </a:r>
+            <a:endParaRPr lang="en-GB" sz="1200" b="0" i="0" kern="1200" dirty="0">
+              <a:solidFill>
+                <a:schemeClr val="tx1"/>
+              </a:solidFill>
+              <a:effectLst/>
+              <a:latin typeface="+mn-lt"/>
+              <a:ea typeface="+mn-ea"/>
+              <a:cs typeface="+mn-cs"/>
+            </a:endParaRPr>
+          </a:p>
+          <a:p>
+            <a:r>
+              <a:rPr lang="en-GB" sz="1200" b="0" i="0" kern="1200" dirty="0" err="1">
+                <a:solidFill>
+                  <a:schemeClr val="tx1"/>
+                </a:solidFill>
+                <a:effectLst/>
+                <a:latin typeface="+mn-lt"/>
+                <a:ea typeface="+mn-ea"/>
+                <a:cs typeface="+mn-cs"/>
+              </a:rPr>
+              <a:t>Behavioral</a:t>
+            </a:r>
+            <a:r>
+              <a:rPr lang="en-GB" sz="1200" b="0" i="0" kern="1200" dirty="0">
+                <a:solidFill>
+                  <a:schemeClr val="tx1"/>
+                </a:solidFill>
+                <a:effectLst/>
+                <a:latin typeface="+mn-lt"/>
+                <a:ea typeface="+mn-ea"/>
+                <a:cs typeface="+mn-cs"/>
+              </a:rPr>
+              <a:t> Driven Development - </a:t>
+            </a:r>
+            <a:r>
+              <a:rPr lang="en-GB" sz="1200" b="0" i="0" kern="1200" baseline="0" dirty="0">
+                <a:solidFill>
+                  <a:schemeClr val="tx1"/>
+                </a:solidFill>
+                <a:effectLst/>
+                <a:latin typeface="+mn-lt"/>
+                <a:ea typeface="+mn-ea"/>
+                <a:cs typeface="+mn-cs"/>
+              </a:rPr>
+              <a:t>BDD. (explanations based on </a:t>
+            </a:r>
+            <a:r>
+              <a:rPr lang="en-GB" sz="1200" b="0" i="0" kern="1200" baseline="0" dirty="0" err="1">
+                <a:solidFill>
+                  <a:schemeClr val="tx1"/>
+                </a:solidFill>
+                <a:effectLst/>
+                <a:latin typeface="+mn-lt"/>
+                <a:ea typeface="+mn-ea"/>
+                <a:cs typeface="+mn-cs"/>
+              </a:rPr>
+              <a:t>Given_When_Then</a:t>
+            </a:r>
+            <a:r>
+              <a:rPr lang="en-GB" sz="1200" b="0" i="0" kern="1200" baseline="0" dirty="0">
+                <a:solidFill>
+                  <a:schemeClr val="tx1"/>
+                </a:solidFill>
+                <a:effectLst/>
+                <a:latin typeface="+mn-lt"/>
+                <a:ea typeface="+mn-ea"/>
+                <a:cs typeface="+mn-cs"/>
+              </a:rPr>
+              <a:t>)</a:t>
+            </a:r>
+            <a:endParaRPr lang="en-US" dirty="0"/>
           </a:p>
         </p:txBody>
       </p:sp>
@@ -6624,7 +6751,7 @@
           <a:p>
             <a:fld id="{2DB1139D-5AC7-4B0B-A715-E40E0591EF82}" type="slidenum">
               <a:rPr lang="nl-NL" smtClean="0"/>
-              <a:t>57</a:t>
+              <a:t>56</a:t>
             </a:fld>
             <a:endParaRPr lang="nl-NL"/>
           </a:p>
@@ -6633,7 +6760,7 @@
     </p:spTree>
     <p:extLst>
       <p:ext uri="{BB962C8B-B14F-4D97-AF65-F5344CB8AC3E}">
-        <p14:creationId xmlns:p14="http://schemas.microsoft.com/office/powerpoint/2010/main" val="760219556"/>
+        <p14:creationId xmlns:p14="http://schemas.microsoft.com/office/powerpoint/2010/main" val="1312536303"/>
       </p:ext>
     </p:extLst>
   </p:cSld>
@@ -6711,7 +6838,7 @@
           <a:p>
             <a:fld id="{2DB1139D-5AC7-4B0B-A715-E40E0591EF82}" type="slidenum">
               <a:rPr lang="nl-NL" smtClean="0"/>
-              <a:t>58</a:t>
+              <a:t>57</a:t>
             </a:fld>
             <a:endParaRPr lang="nl-NL"/>
           </a:p>
@@ -6720,7 +6847,7 @@
     </p:spTree>
     <p:extLst>
       <p:ext uri="{BB962C8B-B14F-4D97-AF65-F5344CB8AC3E}">
-        <p14:creationId xmlns:p14="http://schemas.microsoft.com/office/powerpoint/2010/main" val="3465191674"/>
+        <p14:creationId xmlns:p14="http://schemas.microsoft.com/office/powerpoint/2010/main" val="760219556"/>
       </p:ext>
     </p:extLst>
   </p:cSld>
@@ -6798,7 +6925,7 @@
           <a:p>
             <a:fld id="{2DB1139D-5AC7-4B0B-A715-E40E0591EF82}" type="slidenum">
               <a:rPr lang="nl-NL" smtClean="0"/>
-              <a:t>59</a:t>
+              <a:t>58</a:t>
             </a:fld>
             <a:endParaRPr lang="nl-NL"/>
           </a:p>
@@ -6807,7 +6934,7 @@
     </p:spTree>
     <p:extLst>
       <p:ext uri="{BB962C8B-B14F-4D97-AF65-F5344CB8AC3E}">
-        <p14:creationId xmlns:p14="http://schemas.microsoft.com/office/powerpoint/2010/main" val="4271310238"/>
+        <p14:creationId xmlns:p14="http://schemas.microsoft.com/office/powerpoint/2010/main" val="3465191674"/>
       </p:ext>
     </p:extLst>
   </p:cSld>
@@ -6885,7 +7012,7 @@
           <a:p>
             <a:fld id="{2DB1139D-5AC7-4B0B-A715-E40E0591EF82}" type="slidenum">
               <a:rPr lang="nl-NL" smtClean="0"/>
-              <a:t>60</a:t>
+              <a:t>59</a:t>
             </a:fld>
             <a:endParaRPr lang="nl-NL"/>
           </a:p>
@@ -6894,7 +7021,7 @@
     </p:spTree>
     <p:extLst>
       <p:ext uri="{BB962C8B-B14F-4D97-AF65-F5344CB8AC3E}">
-        <p14:creationId xmlns:p14="http://schemas.microsoft.com/office/powerpoint/2010/main" val="4131472814"/>
+        <p14:creationId xmlns:p14="http://schemas.microsoft.com/office/powerpoint/2010/main" val="4271310238"/>
       </p:ext>
     </p:extLst>
   </p:cSld>
@@ -7074,7 +7201,7 @@
           <a:p>
             <a:fld id="{2DB1139D-5AC7-4B0B-A715-E40E0591EF82}" type="slidenum">
               <a:rPr lang="nl-NL" smtClean="0"/>
-              <a:t>61</a:t>
+              <a:t>60</a:t>
             </a:fld>
             <a:endParaRPr lang="nl-NL"/>
           </a:p>
@@ -7083,7 +7210,7 @@
     </p:spTree>
     <p:extLst>
       <p:ext uri="{BB962C8B-B14F-4D97-AF65-F5344CB8AC3E}">
-        <p14:creationId xmlns:p14="http://schemas.microsoft.com/office/powerpoint/2010/main" val="249791092"/>
+        <p14:creationId xmlns:p14="http://schemas.microsoft.com/office/powerpoint/2010/main" val="4131472814"/>
       </p:ext>
     </p:extLst>
   </p:cSld>
@@ -7161,7 +7288,7 @@
           <a:p>
             <a:fld id="{2DB1139D-5AC7-4B0B-A715-E40E0591EF82}" type="slidenum">
               <a:rPr lang="nl-NL" smtClean="0"/>
-              <a:t>62</a:t>
+              <a:t>61</a:t>
             </a:fld>
             <a:endParaRPr lang="nl-NL"/>
           </a:p>
@@ -7170,7 +7297,7 @@
     </p:spTree>
     <p:extLst>
       <p:ext uri="{BB962C8B-B14F-4D97-AF65-F5344CB8AC3E}">
-        <p14:creationId xmlns:p14="http://schemas.microsoft.com/office/powerpoint/2010/main" val="1371858468"/>
+        <p14:creationId xmlns:p14="http://schemas.microsoft.com/office/powerpoint/2010/main" val="249791092"/>
       </p:ext>
     </p:extLst>
   </p:cSld>
@@ -7226,7 +7353,7 @@
           <a:p>
             <a:r>
               <a:rPr lang="en-US" dirty="0"/>
-              <a:t>Alex</a:t>
+              <a:t>Marian</a:t>
             </a:r>
           </a:p>
         </p:txBody>
@@ -7248,7 +7375,7 @@
           <a:p>
             <a:fld id="{2DB1139D-5AC7-4B0B-A715-E40E0591EF82}" type="slidenum">
               <a:rPr lang="nl-NL" smtClean="0"/>
-              <a:t>63</a:t>
+              <a:t>62</a:t>
             </a:fld>
             <a:endParaRPr lang="nl-NL"/>
           </a:p>
@@ -7257,7 +7384,7 @@
     </p:spTree>
     <p:extLst>
       <p:ext uri="{BB962C8B-B14F-4D97-AF65-F5344CB8AC3E}">
-        <p14:creationId xmlns:p14="http://schemas.microsoft.com/office/powerpoint/2010/main" val="2405084243"/>
+        <p14:creationId xmlns:p14="http://schemas.microsoft.com/office/powerpoint/2010/main" val="1371858468"/>
       </p:ext>
     </p:extLst>
   </p:cSld>
@@ -7311,6 +7438,93 @@
           <a:bodyPr/>
           <a:lstStyle/>
           <a:p>
+            <a:r>
+              <a:rPr lang="en-US" dirty="0"/>
+              <a:t>Alex</a:t>
+            </a:r>
+          </a:p>
+        </p:txBody>
+      </p:sp>
+      <p:sp>
+        <p:nvSpPr>
+          <p:cNvPr id="4" name="Slide Number Placeholder 3"/>
+          <p:cNvSpPr>
+            <a:spLocks noGrp="1"/>
+          </p:cNvSpPr>
+          <p:nvPr>
+            <p:ph type="sldNum" sz="quarter" idx="5"/>
+          </p:nvPr>
+        </p:nvSpPr>
+        <p:spPr/>
+        <p:txBody>
+          <a:bodyPr/>
+          <a:lstStyle/>
+          <a:p>
+            <a:fld id="{2DB1139D-5AC7-4B0B-A715-E40E0591EF82}" type="slidenum">
+              <a:rPr lang="nl-NL" smtClean="0"/>
+              <a:t>63</a:t>
+            </a:fld>
+            <a:endParaRPr lang="nl-NL"/>
+          </a:p>
+        </p:txBody>
+      </p:sp>
+    </p:spTree>
+    <p:extLst>
+      <p:ext uri="{BB962C8B-B14F-4D97-AF65-F5344CB8AC3E}">
+        <p14:creationId xmlns:p14="http://schemas.microsoft.com/office/powerpoint/2010/main" val="2405084243"/>
+      </p:ext>
+    </p:extLst>
+  </p:cSld>
+  <p:clrMapOvr>
+    <a:masterClrMapping/>
+  </p:clrMapOvr>
+</p:notes>
+</file>
+
+<file path=ppt/notesSlides/notesSlide64.xml><?xml version="1.0" encoding="utf-8"?>
+<p:notes xmlns:a="http://schemas.openxmlformats.org/drawingml/2006/main" xmlns:r="http://schemas.openxmlformats.org/officeDocument/2006/relationships" xmlns:p="http://schemas.openxmlformats.org/presentationml/2006/main">
+  <p:cSld>
+    <p:spTree>
+      <p:nvGrpSpPr>
+        <p:cNvPr id="1" name=""/>
+        <p:cNvGrpSpPr/>
+        <p:nvPr/>
+      </p:nvGrpSpPr>
+      <p:grpSpPr>
+        <a:xfrm>
+          <a:off x="0" y="0"/>
+          <a:ext cx="0" cy="0"/>
+          <a:chOff x="0" y="0"/>
+          <a:chExt cx="0" cy="0"/>
+        </a:xfrm>
+      </p:grpSpPr>
+      <p:sp>
+        <p:nvSpPr>
+          <p:cNvPr id="2" name="Slide Image Placeholder 1"/>
+          <p:cNvSpPr>
+            <a:spLocks noGrp="1" noRot="1" noChangeAspect="1"/>
+          </p:cNvSpPr>
+          <p:nvPr>
+            <p:ph type="sldImg"/>
+          </p:nvPr>
+        </p:nvSpPr>
+        <p:spPr/>
+      </p:sp>
+      <p:sp>
+        <p:nvSpPr>
+          <p:cNvPr id="3" name="Notes Placeholder 2"/>
+          <p:cNvSpPr>
+            <a:spLocks noGrp="1"/>
+          </p:cNvSpPr>
+          <p:nvPr>
+            <p:ph type="body" idx="1"/>
+          </p:nvPr>
+        </p:nvSpPr>
+        <p:spPr/>
+        <p:txBody>
+          <a:bodyPr/>
+          <a:lstStyle/>
+          <a:p>
             <a:endParaRPr lang="en-US" dirty="0"/>
           </a:p>
         </p:txBody>
@@ -7351,7 +7565,7 @@
 </p:notes>
 </file>
 
-<file path=ppt/notesSlides/notesSlide64.xml><?xml version="1.0" encoding="utf-8"?>
+<file path=ppt/notesSlides/notesSlide65.xml><?xml version="1.0" encoding="utf-8"?>
 <p:notes xmlns:a="http://schemas.openxmlformats.org/drawingml/2006/main" xmlns:r="http://schemas.openxmlformats.org/officeDocument/2006/relationships" xmlns:p="http://schemas.openxmlformats.org/presentationml/2006/main">
   <p:cSld>
     <p:spTree>
@@ -8157,7 +8371,7 @@
             <a:fld id="{27CDC6D7-F721-684B-B8C9-FEFA78B76E0C}" type="datetime4">
               <a:rPr lang="en-US" smtClean="0"/>
               <a:pPr/>
-              <a:t>July 6, 2021</a:t>
+              <a:t>July 8, 2021</a:t>
             </a:fld>
             <a:endParaRPr lang="nl-NL" dirty="0"/>
           </a:p>
@@ -8277,7 +8491,7 @@
           <a:p>
             <a:fld id="{E5B520A2-5FFC-CE4A-9835-F3EC403B91D3}" type="datetime4">
               <a:rPr lang="en-US" smtClean="0"/>
-              <a:t>July 6, 2021</a:t>
+              <a:t>July 8, 2021</a:t>
             </a:fld>
             <a:endParaRPr lang="nl-NL" dirty="0"/>
           </a:p>
@@ -8504,7 +8718,7 @@
           <a:p>
             <a:fld id="{3515E667-967D-3A4A-BF6F-AB77B79EAF13}" type="datetime4">
               <a:rPr lang="en-US" smtClean="0"/>
-              <a:t>July 6, 2021</a:t>
+              <a:t>July 8, 2021</a:t>
             </a:fld>
             <a:endParaRPr lang="nl-NL" dirty="0"/>
           </a:p>
@@ -8762,7 +8976,7 @@
           <a:p>
             <a:fld id="{7A14B680-E159-ED46-B89B-60C427FC4DF1}" type="datetime4">
               <a:rPr lang="en-US" smtClean="0"/>
-              <a:t>July 6, 2021</a:t>
+              <a:t>July 8, 2021</a:t>
             </a:fld>
             <a:endParaRPr lang="nl-NL" dirty="0"/>
           </a:p>
@@ -8854,7 +9068,7 @@
           <a:p>
             <a:fld id="{CBBA6E4B-0F15-D24C-93AA-2172DA0233B5}" type="datetime4">
               <a:rPr lang="en-US" smtClean="0"/>
-              <a:t>July 6, 2021</a:t>
+              <a:t>July 8, 2021</a:t>
             </a:fld>
             <a:endParaRPr lang="nl-NL"/>
           </a:p>
@@ -9067,7 +9281,7 @@
           <a:p>
             <a:fld id="{A13CBC1B-8654-8443-A298-9A13A56CCAA4}" type="datetime4">
               <a:rPr lang="en-US" smtClean="0"/>
-              <a:t>July 6, 2021</a:t>
+              <a:t>July 8, 2021</a:t>
             </a:fld>
             <a:endParaRPr lang="nl-NL" dirty="0"/>
           </a:p>
@@ -9251,7 +9465,7 @@
           <a:p>
             <a:fld id="{45F9603C-696B-2946-8D70-906C0B20EE9E}" type="datetime4">
               <a:rPr lang="en-US" smtClean="0"/>
-              <a:t>July 6, 2021</a:t>
+              <a:t>July 8, 2021</a:t>
             </a:fld>
             <a:endParaRPr lang="nl-NL" dirty="0"/>
           </a:p>
@@ -9469,7 +9683,7 @@
           <a:p>
             <a:fld id="{EC97E6F2-DD9D-FA4C-8DBC-4030AEFC154F}" type="datetime4">
               <a:rPr lang="en-US" smtClean="0"/>
-              <a:t>July 6, 2021</a:t>
+              <a:t>July 8, 2021</a:t>
             </a:fld>
             <a:endParaRPr lang="nl-NL" dirty="0"/>
           </a:p>
@@ -9684,7 +9898,7 @@
           <a:p>
             <a:fld id="{4FD9A745-1F9F-4B44-AE4F-BF0F5DB3FF85}" type="datetime4">
               <a:rPr lang="en-US" smtClean="0"/>
-              <a:t>July 6, 2021</a:t>
+              <a:t>July 8, 2021</a:t>
             </a:fld>
             <a:endParaRPr lang="nl-NL" dirty="0"/>
           </a:p>
@@ -9902,7 +10116,7 @@
           <a:p>
             <a:fld id="{66A21BB8-4B2F-814D-B9CD-150D7913B5D4}" type="datetime4">
               <a:rPr lang="en-US" smtClean="0"/>
-              <a:t>July 6, 2021</a:t>
+              <a:t>July 8, 2021</a:t>
             </a:fld>
             <a:endParaRPr lang="nl-NL" dirty="0"/>
           </a:p>
@@ -10098,7 +10312,7 @@
           <a:p>
             <a:fld id="{24389793-BFBC-7240-9BA9-811177108773}" type="datetime4">
               <a:rPr lang="en-US" smtClean="0"/>
-              <a:t>July 6, 2021</a:t>
+              <a:t>July 8, 2021</a:t>
             </a:fld>
             <a:endParaRPr lang="nl-NL" dirty="0"/>
           </a:p>
@@ -10305,7 +10519,7 @@
           <a:p>
             <a:fld id="{58A1C3CD-8B3B-0740-B261-196A2BE82F57}" type="datetime4">
               <a:rPr lang="en-US" smtClean="0"/>
-              <a:t>July 6, 2021</a:t>
+              <a:t>July 8, 2021</a:t>
             </a:fld>
             <a:r>
               <a:rPr lang="en-US"/>
@@ -10905,7 +11119,7 @@
           <a:p>
             <a:fld id="{49A50D47-F513-4B36-8D43-6B95067A003B}" type="datetime3">
               <a:rPr lang="en-US" smtClean="0"/>
-              <a:t>6 July 2021</a:t>
+              <a:t>8 July 2021</a:t>
             </a:fld>
             <a:endParaRPr lang="nl-NL" dirty="0"/>
           </a:p>
@@ -11043,7 +11257,7 @@
           <a:p>
             <a:fld id="{7A14B680-E159-ED46-B89B-60C427FC4DF1}" type="datetime4">
               <a:rPr lang="en-US" smtClean="0"/>
-              <a:t>July 6, 2021</a:t>
+              <a:t>July 8, 2021</a:t>
             </a:fld>
             <a:endParaRPr lang="nl-NL" dirty="0"/>
           </a:p>
@@ -11213,7 +11427,7 @@
           <a:p>
             <a:fld id="{7A14B680-E159-ED46-B89B-60C427FC4DF1}" type="datetime4">
               <a:rPr lang="en-US" smtClean="0"/>
-              <a:t>July 6, 2021</a:t>
+              <a:t>July 8, 2021</a:t>
             </a:fld>
             <a:endParaRPr lang="nl-NL" dirty="0"/>
           </a:p>
@@ -11394,7 +11608,7 @@
           <a:p>
             <a:fld id="{7A14B680-E159-ED46-B89B-60C427FC4DF1}" type="datetime4">
               <a:rPr lang="en-US" smtClean="0"/>
-              <a:t>July 6, 2021</a:t>
+              <a:t>July 8, 2021</a:t>
             </a:fld>
             <a:endParaRPr lang="nl-NL" dirty="0"/>
           </a:p>
@@ -11536,7 +11750,7 @@
           <a:p>
             <a:fld id="{7A14B680-E159-ED46-B89B-60C427FC4DF1}" type="datetime4">
               <a:rPr lang="en-US" smtClean="0"/>
-              <a:t>July 6, 2021</a:t>
+              <a:t>July 8, 2021</a:t>
             </a:fld>
             <a:endParaRPr lang="nl-NL" dirty="0"/>
           </a:p>
@@ -11708,7 +11922,7 @@
           <a:p>
             <a:fld id="{7A14B680-E159-ED46-B89B-60C427FC4DF1}" type="datetime4">
               <a:rPr lang="en-US" smtClean="0"/>
-              <a:t>July 6, 2021</a:t>
+              <a:t>July 8, 2021</a:t>
             </a:fld>
             <a:endParaRPr lang="nl-NL" dirty="0"/>
           </a:p>
@@ -11894,7 +12108,7 @@
           <a:p>
             <a:fld id="{7A14B680-E159-ED46-B89B-60C427FC4DF1}" type="datetime4">
               <a:rPr lang="en-US" smtClean="0"/>
-              <a:t>July 6, 2021</a:t>
+              <a:t>July 8, 2021</a:t>
             </a:fld>
             <a:endParaRPr lang="nl-NL" dirty="0"/>
           </a:p>
@@ -12078,7 +12292,7 @@
           <a:p>
             <a:fld id="{7A14B680-E159-ED46-B89B-60C427FC4DF1}" type="datetime4">
               <a:rPr lang="en-US" smtClean="0"/>
-              <a:t>July 6, 2021</a:t>
+              <a:t>July 8, 2021</a:t>
             </a:fld>
             <a:endParaRPr lang="nl-NL" dirty="0"/>
           </a:p>
@@ -12307,7 +12521,7 @@
           <a:p>
             <a:fld id="{7A14B680-E159-ED46-B89B-60C427FC4DF1}" type="datetime4">
               <a:rPr lang="en-US" smtClean="0"/>
-              <a:t>July 6, 2021</a:t>
+              <a:t>July 8, 2021</a:t>
             </a:fld>
             <a:endParaRPr lang="nl-NL" dirty="0"/>
           </a:p>
@@ -12516,7 +12730,7 @@
           <a:p>
             <a:fld id="{7A14B680-E159-ED46-B89B-60C427FC4DF1}" type="datetime4">
               <a:rPr lang="en-US" smtClean="0"/>
-              <a:t>July 6, 2021</a:t>
+              <a:t>July 8, 2021</a:t>
             </a:fld>
             <a:endParaRPr lang="nl-NL" dirty="0"/>
           </a:p>
@@ -12725,7 +12939,7 @@
           <a:p>
             <a:fld id="{7A14B680-E159-ED46-B89B-60C427FC4DF1}" type="datetime4">
               <a:rPr lang="en-US" smtClean="0"/>
-              <a:t>July 6, 2021</a:t>
+              <a:t>July 8, 2021</a:t>
             </a:fld>
             <a:endParaRPr lang="nl-NL" dirty="0"/>
           </a:p>
@@ -12978,7 +13192,7 @@
           <a:p>
             <a:fld id="{7A14B680-E159-ED46-B89B-60C427FC4DF1}" type="datetime4">
               <a:rPr lang="en-US" smtClean="0"/>
-              <a:t>July 6, 2021</a:t>
+              <a:t>July 8, 2021</a:t>
             </a:fld>
             <a:endParaRPr lang="nl-NL" dirty="0"/>
           </a:p>
@@ -13160,7 +13374,7 @@
           <a:p>
             <a:fld id="{7A14B680-E159-ED46-B89B-60C427FC4DF1}" type="datetime4">
               <a:rPr lang="en-US" smtClean="0"/>
-              <a:t>July 6, 2021</a:t>
+              <a:t>July 8, 2021</a:t>
             </a:fld>
             <a:endParaRPr lang="nl-NL" dirty="0"/>
           </a:p>
@@ -13345,7 +13559,7 @@
           <a:p>
             <a:fld id="{7A14B680-E159-ED46-B89B-60C427FC4DF1}" type="datetime4">
               <a:rPr lang="en-US" smtClean="0"/>
-              <a:t>July 6, 2021</a:t>
+              <a:t>July 8, 2021</a:t>
             </a:fld>
             <a:endParaRPr lang="nl-NL" dirty="0"/>
           </a:p>
@@ -13498,7 +13712,7 @@
           <a:p>
             <a:fld id="{7A14B680-E159-ED46-B89B-60C427FC4DF1}" type="datetime4">
               <a:rPr lang="en-US" smtClean="0"/>
-              <a:t>July 6, 2021</a:t>
+              <a:t>July 8, 2021</a:t>
             </a:fld>
             <a:endParaRPr lang="nl-NL" dirty="0"/>
           </a:p>
@@ -13643,7 +13857,7 @@
           <a:p>
             <a:fld id="{7A14B680-E159-ED46-B89B-60C427FC4DF1}" type="datetime4">
               <a:rPr lang="en-US" smtClean="0"/>
-              <a:t>July 6, 2021</a:t>
+              <a:t>July 8, 2021</a:t>
             </a:fld>
             <a:endParaRPr lang="nl-NL" dirty="0"/>
           </a:p>
@@ -13794,7 +14008,7 @@
           <a:p>
             <a:fld id="{7A14B680-E159-ED46-B89B-60C427FC4DF1}" type="datetime4">
               <a:rPr lang="en-US" smtClean="0"/>
-              <a:t>July 6, 2021</a:t>
+              <a:t>July 8, 2021</a:t>
             </a:fld>
             <a:endParaRPr lang="nl-NL" dirty="0"/>
           </a:p>
@@ -13914,7 +14128,7 @@
           <a:p>
             <a:fld id="{7A14B680-E159-ED46-B89B-60C427FC4DF1}" type="datetime4">
               <a:rPr lang="en-US" smtClean="0"/>
-              <a:t>July 6, 2021</a:t>
+              <a:t>July 8, 2021</a:t>
             </a:fld>
             <a:endParaRPr lang="nl-NL" dirty="0"/>
           </a:p>
@@ -14083,7 +14297,7 @@
           <a:p>
             <a:fld id="{7A14B680-E159-ED46-B89B-60C427FC4DF1}" type="datetime4">
               <a:rPr lang="en-US" smtClean="0"/>
-              <a:t>July 6, 2021</a:t>
+              <a:t>July 8, 2021</a:t>
             </a:fld>
             <a:endParaRPr lang="nl-NL" dirty="0"/>
           </a:p>
@@ -14252,7 +14466,7 @@
           <a:p>
             <a:fld id="{7A14B680-E159-ED46-B89B-60C427FC4DF1}" type="datetime4">
               <a:rPr lang="en-US" smtClean="0"/>
-              <a:t>July 6, 2021</a:t>
+              <a:t>July 8, 2021</a:t>
             </a:fld>
             <a:endParaRPr lang="nl-NL" dirty="0"/>
           </a:p>
@@ -14418,7 +14632,7 @@
           <a:p>
             <a:fld id="{7A14B680-E159-ED46-B89B-60C427FC4DF1}" type="datetime4">
               <a:rPr lang="en-US" smtClean="0"/>
-              <a:t>July 6, 2021</a:t>
+              <a:t>July 8, 2021</a:t>
             </a:fld>
             <a:endParaRPr lang="nl-NL" dirty="0"/>
           </a:p>
@@ -14604,7 +14818,7 @@
           <a:p>
             <a:fld id="{7A14B680-E159-ED46-B89B-60C427FC4DF1}" type="datetime4">
               <a:rPr lang="en-US" smtClean="0"/>
-              <a:t>July 6, 2021</a:t>
+              <a:t>July 8, 2021</a:t>
             </a:fld>
             <a:endParaRPr lang="nl-NL" dirty="0"/>
           </a:p>
@@ -14805,7 +15019,7 @@
           <a:p>
             <a:fld id="{7A14B680-E159-ED46-B89B-60C427FC4DF1}" type="datetime4">
               <a:rPr lang="en-US" smtClean="0"/>
-              <a:t>July 6, 2021</a:t>
+              <a:t>July 8, 2021</a:t>
             </a:fld>
             <a:endParaRPr lang="nl-NL" dirty="0"/>
           </a:p>
@@ -14944,7 +15158,7 @@
           <a:p>
             <a:fld id="{7A14B680-E159-ED46-B89B-60C427FC4DF1}" type="datetime4">
               <a:rPr lang="en-US" smtClean="0"/>
-              <a:t>July 6, 2021</a:t>
+              <a:t>July 8, 2021</a:t>
             </a:fld>
             <a:endParaRPr lang="nl-NL" dirty="0"/>
           </a:p>
@@ -15118,7 +15332,7 @@
           <a:p>
             <a:fld id="{7A14B680-E159-ED46-B89B-60C427FC4DF1}" type="datetime4">
               <a:rPr lang="en-US" smtClean="0"/>
-              <a:t>July 6, 2021</a:t>
+              <a:t>July 8, 2021</a:t>
             </a:fld>
             <a:endParaRPr lang="nl-NL" dirty="0"/>
           </a:p>
@@ -15325,7 +15539,7 @@
           <a:p>
             <a:fld id="{7A14B680-E159-ED46-B89B-60C427FC4DF1}" type="datetime4">
               <a:rPr lang="en-US" smtClean="0"/>
-              <a:t>July 6, 2021</a:t>
+              <a:t>July 8, 2021</a:t>
             </a:fld>
             <a:endParaRPr lang="nl-NL" dirty="0"/>
           </a:p>
@@ -15543,7 +15757,7 @@
           <a:p>
             <a:fld id="{7A14B680-E159-ED46-B89B-60C427FC4DF1}" type="datetime4">
               <a:rPr lang="en-US" smtClean="0"/>
-              <a:t>July 6, 2021</a:t>
+              <a:t>July 8, 2021</a:t>
             </a:fld>
             <a:endParaRPr lang="nl-NL" dirty="0"/>
           </a:p>
@@ -15772,7 +15986,7 @@
           <a:p>
             <a:fld id="{7A14B680-E159-ED46-B89B-60C427FC4DF1}" type="datetime4">
               <a:rPr lang="en-US" smtClean="0"/>
-              <a:t>July 6, 2021</a:t>
+              <a:t>July 8, 2021</a:t>
             </a:fld>
             <a:endParaRPr lang="nl-NL" dirty="0"/>
           </a:p>
@@ -15943,7 +16157,7 @@
           <a:p>
             <a:fld id="{7A14B680-E159-ED46-B89B-60C427FC4DF1}" type="datetime4">
               <a:rPr lang="en-US" smtClean="0"/>
-              <a:t>July 6, 2021</a:t>
+              <a:t>July 8, 2021</a:t>
             </a:fld>
             <a:endParaRPr lang="nl-NL" dirty="0"/>
           </a:p>
@@ -16118,7 +16332,7 @@
           <a:p>
             <a:fld id="{7A14B680-E159-ED46-B89B-60C427FC4DF1}" type="datetime4">
               <a:rPr lang="en-US" smtClean="0"/>
-              <a:t>July 6, 2021</a:t>
+              <a:t>July 8, 2021</a:t>
             </a:fld>
             <a:endParaRPr lang="nl-NL" dirty="0"/>
           </a:p>
@@ -16274,7 +16488,7 @@
           <a:p>
             <a:fld id="{7A14B680-E159-ED46-B89B-60C427FC4DF1}" type="datetime4">
               <a:rPr lang="en-US" smtClean="0"/>
-              <a:t>July 6, 2021</a:t>
+              <a:t>July 8, 2021</a:t>
             </a:fld>
             <a:endParaRPr lang="nl-NL" dirty="0"/>
           </a:p>
@@ -16459,7 +16673,7 @@
           <a:p>
             <a:fld id="{7A14B680-E159-ED46-B89B-60C427FC4DF1}" type="datetime4">
               <a:rPr lang="en-US" smtClean="0"/>
-              <a:t>July 6, 2021</a:t>
+              <a:t>July 8, 2021</a:t>
             </a:fld>
             <a:endParaRPr lang="nl-NL" dirty="0"/>
           </a:p>
@@ -16612,7 +16826,7 @@
           <a:p>
             <a:fld id="{7A14B680-E159-ED46-B89B-60C427FC4DF1}" type="datetime4">
               <a:rPr lang="en-US" smtClean="0"/>
-              <a:t>July 6, 2021</a:t>
+              <a:t>July 8, 2021</a:t>
             </a:fld>
             <a:endParaRPr lang="nl-NL" dirty="0"/>
           </a:p>
@@ -16720,7 +16934,7 @@
           <a:p>
             <a:fld id="{7A14B680-E159-ED46-B89B-60C427FC4DF1}" type="datetime4">
               <a:rPr lang="en-US" smtClean="0"/>
-              <a:t>July 6, 2021</a:t>
+              <a:t>July 8, 2021</a:t>
             </a:fld>
             <a:endParaRPr lang="nl-NL" dirty="0"/>
           </a:p>
@@ -16927,7 +17141,7 @@
           <a:p>
             <a:fld id="{7A14B680-E159-ED46-B89B-60C427FC4DF1}" type="datetime4">
               <a:rPr lang="en-US" smtClean="0"/>
-              <a:t>July 6, 2021</a:t>
+              <a:t>July 8, 2021</a:t>
             </a:fld>
             <a:endParaRPr lang="nl-NL" dirty="0"/>
           </a:p>
@@ -17102,7 +17316,7 @@
           <a:p>
             <a:fld id="{7A14B680-E159-ED46-B89B-60C427FC4DF1}" type="datetime4">
               <a:rPr lang="en-US" smtClean="0"/>
-              <a:t>July 6, 2021</a:t>
+              <a:t>July 8, 2021</a:t>
             </a:fld>
             <a:endParaRPr lang="nl-NL" dirty="0"/>
           </a:p>
@@ -17289,7 +17503,7 @@
           <a:p>
             <a:fld id="{7A14B680-E159-ED46-B89B-60C427FC4DF1}" type="datetime4">
               <a:rPr lang="en-US" smtClean="0"/>
-              <a:t>July 6, 2021</a:t>
+              <a:t>July 8, 2021</a:t>
             </a:fld>
             <a:endParaRPr lang="nl-NL" dirty="0"/>
           </a:p>
@@ -17434,7 +17648,7 @@
           <a:p>
             <a:fld id="{7A14B680-E159-ED46-B89B-60C427FC4DF1}" type="datetime4">
               <a:rPr lang="en-US" smtClean="0"/>
-              <a:t>July 6, 2021</a:t>
+              <a:t>July 8, 2021</a:t>
             </a:fld>
             <a:endParaRPr lang="nl-NL" dirty="0"/>
           </a:p>
@@ -17595,7 +17809,7 @@
           <a:p>
             <a:fld id="{7A14B680-E159-ED46-B89B-60C427FC4DF1}" type="datetime4">
               <a:rPr lang="en-US" smtClean="0"/>
-              <a:t>July 6, 2021</a:t>
+              <a:t>July 8, 2021</a:t>
             </a:fld>
             <a:endParaRPr lang="nl-NL" dirty="0"/>
           </a:p>
@@ -17767,7 +17981,7 @@
           <a:p>
             <a:fld id="{7A14B680-E159-ED46-B89B-60C427FC4DF1}" type="datetime4">
               <a:rPr lang="en-US" smtClean="0"/>
-              <a:t>July 6, 2021</a:t>
+              <a:t>July 8, 2021</a:t>
             </a:fld>
             <a:endParaRPr lang="nl-NL" dirty="0"/>
           </a:p>
@@ -17950,7 +18164,7 @@
           <a:p>
             <a:fld id="{7A14B680-E159-ED46-B89B-60C427FC4DF1}" type="datetime4">
               <a:rPr lang="en-US" smtClean="0"/>
-              <a:t>July 6, 2021</a:t>
+              <a:t>July 8, 2021</a:t>
             </a:fld>
             <a:endParaRPr lang="nl-NL" dirty="0"/>
           </a:p>
@@ -18144,7 +18358,7 @@
           <a:p>
             <a:fld id="{7A14B680-E159-ED46-B89B-60C427FC4DF1}" type="datetime4">
               <a:rPr lang="en-US" smtClean="0"/>
-              <a:t>July 6, 2021</a:t>
+              <a:t>July 8, 2021</a:t>
             </a:fld>
             <a:endParaRPr lang="nl-NL" dirty="0"/>
           </a:p>
@@ -18292,7 +18506,7 @@
           <a:p>
             <a:fld id="{7A14B680-E159-ED46-B89B-60C427FC4DF1}" type="datetime4">
               <a:rPr lang="en-US" smtClean="0"/>
-              <a:t>July 6, 2021</a:t>
+              <a:t>July 8, 2021</a:t>
             </a:fld>
             <a:endParaRPr lang="nl-NL" dirty="0"/>
           </a:p>
@@ -18477,7 +18691,7 @@
           <a:p>
             <a:fld id="{7A14B680-E159-ED46-B89B-60C427FC4DF1}" type="datetime4">
               <a:rPr lang="en-US" smtClean="0"/>
-              <a:t>July 6, 2021</a:t>
+              <a:t>July 8, 2021</a:t>
             </a:fld>
             <a:endParaRPr lang="nl-NL" dirty="0"/>
           </a:p>
@@ -18616,7 +18830,7 @@
           <a:p>
             <a:fld id="{7A14B680-E159-ED46-B89B-60C427FC4DF1}" type="datetime4">
               <a:rPr lang="en-US" smtClean="0"/>
-              <a:t>July 6, 2021</a:t>
+              <a:t>July 8, 2021</a:t>
             </a:fld>
             <a:endParaRPr lang="nl-NL" dirty="0"/>
           </a:p>
@@ -18837,7 +19051,7 @@
           <a:p>
             <a:fld id="{7A14B680-E159-ED46-B89B-60C427FC4DF1}" type="datetime4">
               <a:rPr lang="en-US" smtClean="0"/>
-              <a:t>July 6, 2021</a:t>
+              <a:t>July 8, 2021</a:t>
             </a:fld>
             <a:endParaRPr lang="nl-NL" dirty="0"/>
           </a:p>
@@ -19032,7 +19246,7 @@
           <a:p>
             <a:fld id="{7A14B680-E159-ED46-B89B-60C427FC4DF1}" type="datetime4">
               <a:rPr lang="en-US" smtClean="0"/>
-              <a:t>July 6, 2021</a:t>
+              <a:t>July 8, 2021</a:t>
             </a:fld>
             <a:endParaRPr lang="nl-NL" dirty="0"/>
           </a:p>
@@ -19227,7 +19441,7 @@
           <a:p>
             <a:fld id="{7A14B680-E159-ED46-B89B-60C427FC4DF1}" type="datetime4">
               <a:rPr lang="en-US" smtClean="0"/>
-              <a:t>July 6, 2021</a:t>
+              <a:t>July 8, 2021</a:t>
             </a:fld>
             <a:endParaRPr lang="nl-NL" dirty="0"/>
           </a:p>
@@ -19392,7 +19606,7 @@
           <a:p>
             <a:fld id="{7A14B680-E159-ED46-B89B-60C427FC4DF1}" type="datetime4">
               <a:rPr lang="en-US" smtClean="0"/>
-              <a:t>July 6, 2021</a:t>
+              <a:t>July 8, 2021</a:t>
             </a:fld>
             <a:endParaRPr lang="nl-NL" dirty="0"/>
           </a:p>
@@ -19568,7 +19782,7 @@
           <a:p>
             <a:fld id="{7A14B680-E159-ED46-B89B-60C427FC4DF1}" type="datetime4">
               <a:rPr lang="en-US" smtClean="0"/>
-              <a:t>July 6, 2021</a:t>
+              <a:t>July 8, 2021</a:t>
             </a:fld>
             <a:endParaRPr lang="nl-NL" dirty="0"/>
           </a:p>
@@ -19716,7 +19930,7 @@
           <a:p>
             <a:fld id="{7A14B680-E159-ED46-B89B-60C427FC4DF1}" type="datetime4">
               <a:rPr lang="en-US" smtClean="0"/>
-              <a:t>July 6, 2021</a:t>
+              <a:t>July 8, 2021</a:t>
             </a:fld>
             <a:endParaRPr lang="nl-NL" dirty="0"/>
           </a:p>
@@ -19864,7 +20078,7 @@
           <a:p>
             <a:fld id="{7A14B680-E159-ED46-B89B-60C427FC4DF1}" type="datetime4">
               <a:rPr lang="en-US" smtClean="0"/>
-              <a:t>July 6, 2021</a:t>
+              <a:t>July 8, 2021</a:t>
             </a:fld>
             <a:endParaRPr lang="nl-NL" dirty="0"/>
           </a:p>
@@ -20064,7 +20278,7 @@
           <a:p>
             <a:fld id="{7A14B680-E159-ED46-B89B-60C427FC4DF1}" type="datetime4">
               <a:rPr lang="en-US" smtClean="0"/>
-              <a:t>July 6, 2021</a:t>
+              <a:t>July 8, 2021</a:t>
             </a:fld>
             <a:endParaRPr lang="nl-NL" dirty="0"/>
           </a:p>
@@ -20229,7 +20443,7 @@
           <a:p>
             <a:fld id="{7A14B680-E159-ED46-B89B-60C427FC4DF1}" type="datetime4">
               <a:rPr lang="en-US" smtClean="0"/>
-              <a:t>July 6, 2021</a:t>
+              <a:t>July 8, 2021</a:t>
             </a:fld>
             <a:endParaRPr lang="nl-NL" dirty="0"/>
           </a:p>
@@ -20405,7 +20619,7 @@
           <a:p>
             <a:fld id="{7A14B680-E159-ED46-B89B-60C427FC4DF1}" type="datetime4">
               <a:rPr lang="en-US" smtClean="0"/>
-              <a:t>July 6, 2021</a:t>
+              <a:t>July 8, 2021</a:t>
             </a:fld>
             <a:endParaRPr lang="nl-NL" dirty="0"/>
           </a:p>
@@ -20513,7 +20727,7 @@
           <a:p>
             <a:fld id="{7A14B680-E159-ED46-B89B-60C427FC4DF1}" type="datetime4">
               <a:rPr lang="en-US" smtClean="0"/>
-              <a:t>July 6, 2021</a:t>
+              <a:t>July 8, 2021</a:t>
             </a:fld>
             <a:endParaRPr lang="nl-NL" dirty="0"/>
           </a:p>
@@ -20726,7 +20940,7 @@
           <a:p>
             <a:fld id="{7A14B680-E159-ED46-B89B-60C427FC4DF1}" type="datetime4">
               <a:rPr lang="en-US" smtClean="0"/>
-              <a:t>July 6, 2021</a:t>
+              <a:t>July 8, 2021</a:t>
             </a:fld>
             <a:endParaRPr lang="nl-NL" dirty="0"/>
           </a:p>
@@ -20924,7 +21138,7 @@
           <a:p>
             <a:fld id="{7A14B680-E159-ED46-B89B-60C427FC4DF1}" type="datetime4">
               <a:rPr lang="en-US" smtClean="0"/>
-              <a:t>July 6, 2021</a:t>
+              <a:t>July 8, 2021</a:t>
             </a:fld>
             <a:endParaRPr lang="nl-NL" dirty="0"/>
           </a:p>
@@ -21069,7 +21283,7 @@
           <a:p>
             <a:fld id="{7A14B680-E159-ED46-B89B-60C427FC4DF1}" type="datetime4">
               <a:rPr lang="en-US" smtClean="0"/>
-              <a:t>July 6, 2021</a:t>
+              <a:t>July 8, 2021</a:t>
             </a:fld>
             <a:endParaRPr lang="nl-NL" dirty="0"/>
           </a:p>
@@ -21223,7 +21437,7 @@
           <a:p>
             <a:fld id="{7A14B680-E159-ED46-B89B-60C427FC4DF1}" type="datetime4">
               <a:rPr lang="en-US" smtClean="0"/>
-              <a:t>July 6, 2021</a:t>
+              <a:t>July 8, 2021</a:t>
             </a:fld>
             <a:endParaRPr lang="nl-NL" dirty="0"/>
           </a:p>
@@ -21374,7 +21588,7 @@
           <a:p>
             <a:fld id="{471052D4-AF7E-4476-8D72-E740905092FA}" type="datetime4">
               <a:rPr lang="en-US" smtClean="0"/>
-              <a:t>July 6, 2021</a:t>
+              <a:t>July 8, 2021</a:t>
             </a:fld>
             <a:endParaRPr lang="nl-NL" dirty="0"/>
           </a:p>
@@ -21435,7 +21649,7 @@
           <a:p>
             <a:fld id="{471052D4-AF7E-4476-8D72-E740905092FA}" type="datetime4">
               <a:rPr lang="en-US" smtClean="0"/>
-              <a:t>July 6, 2021</a:t>
+              <a:t>July 8, 2021</a:t>
             </a:fld>
             <a:endParaRPr lang="nl-NL" dirty="0"/>
           </a:p>
@@ -21581,7 +21795,7 @@
           <a:p>
             <a:fld id="{7A14B680-E159-ED46-B89B-60C427FC4DF1}" type="datetime4">
               <a:rPr lang="en-US" smtClean="0"/>
-              <a:t>July 6, 2021</a:t>
+              <a:t>July 8, 2021</a:t>
             </a:fld>
             <a:endParaRPr lang="nl-NL" dirty="0"/>
           </a:p>
@@ -21748,7 +21962,7 @@
           <a:p>
             <a:fld id="{7A14B680-E159-ED46-B89B-60C427FC4DF1}" type="datetime4">
               <a:rPr lang="en-US" smtClean="0"/>
-              <a:t>July 6, 2021</a:t>
+              <a:t>July 8, 2021</a:t>
             </a:fld>
             <a:endParaRPr lang="nl-NL" dirty="0"/>
           </a:p>
@@ -21896,7 +22110,7 @@
           <a:p>
             <a:fld id="{7A14B680-E159-ED46-B89B-60C427FC4DF1}" type="datetime4">
               <a:rPr lang="en-US" smtClean="0"/>
-              <a:t>July 6, 2021</a:t>
+              <a:t>July 8, 2021</a:t>
             </a:fld>
             <a:endParaRPr lang="nl-NL" dirty="0"/>
           </a:p>
@@ -22889,18 +23103,6 @@
 </file>
 
 <file path=customXml/item1.xml><?xml version="1.0" encoding="utf-8"?>
-<p:properties xmlns:p="http://schemas.microsoft.com/office/2006/metadata/properties" xmlns:xsi="http://www.w3.org/2001/XMLSchema-instance" xmlns:pc="http://schemas.microsoft.com/office/infopath/2007/PartnerControls">
-  <documentManagement>
-    <_dlc_DocId xmlns="7582594f-2f57-4d52-8ffa-4b4aa53e3769">HXQY2SQ4HAYF-794-83</_dlc_DocId>
-    <_dlc_DocIdUrl xmlns="7582594f-2f57-4d52-8ffa-4b4aa53e3769">
-      <Url>http://sharepoint.centric.lan/afdeling/Belgie/Departments/marcom/_layouts/DocIdRedir.aspx?ID=HXQY2SQ4HAYF-794-83</Url>
-      <Description>HXQY2SQ4HAYF-794-83</Description>
-    </_dlc_DocIdUrl>
-  </documentManagement>
-</p:properties>
-</file>
-
-<file path=customXml/item2.xml><?xml version="1.0" encoding="utf-8"?>
 <ct:contentTypeSchema xmlns:ct="http://schemas.microsoft.com/office/2006/metadata/contentType" xmlns:ma="http://schemas.microsoft.com/office/2006/metadata/properties/metaAttributes" ct:_="" ma:_="" ma:contentTypeName="Document" ma:contentTypeID="0x010100612F67C670D41B4A91B6EC11F2BCB91000112621AD02751C46ACAF48B80BAE0485" ma:contentTypeVersion="8" ma:contentTypeDescription="Een nieuw document maken." ma:contentTypeScope="" ma:versionID="7a2a27f4e9f6b4ce34c424adeb6be946">
   <xsd:schema xmlns:xsd="http://www.w3.org/2001/XMLSchema" xmlns:xs="http://www.w3.org/2001/XMLSchema" xmlns:p="http://schemas.microsoft.com/office/2006/metadata/properties" xmlns:ns2="7582594f-2f57-4d52-8ffa-4b4aa53e3769" targetNamespace="http://schemas.microsoft.com/office/2006/metadata/properties" ma:root="true" ma:fieldsID="d72965aa9bec8a25d585f8efc5427f42" ns2:_="">
     <xsd:import namespace="7582594f-2f57-4d52-8ffa-4b4aa53e3769"/>
@@ -23045,6 +23247,15 @@
 </ct:contentTypeSchema>
 </file>
 
+<file path=customXml/item2.xml><?xml version="1.0" encoding="utf-8"?>
+<?mso-contentType ?>
+<FormTemplates xmlns="http://schemas.microsoft.com/sharepoint/v3/contenttype/forms">
+  <Display>DocumentLibraryForm</Display>
+  <Edit>DocumentLibraryForm</Edit>
+  <New>DocumentLibraryForm</New>
+</FormTemplates>
+</file>
+
 <file path=customXml/item3.xml><?xml version="1.0" encoding="utf-8"?>
 <?mso-contentType ?>
 <spe:Receivers xmlns:spe="http://schemas.microsoft.com/sharepoint/events">
@@ -23092,31 +23303,18 @@
 </file>
 
 <file path=customXml/item4.xml><?xml version="1.0" encoding="utf-8"?>
-<?mso-contentType ?>
-<FormTemplates xmlns="http://schemas.microsoft.com/sharepoint/v3/contenttype/forms">
-  <Display>DocumentLibraryForm</Display>
-  <Edit>DocumentLibraryForm</Edit>
-  <New>DocumentLibraryForm</New>
-</FormTemplates>
+<p:properties xmlns:p="http://schemas.microsoft.com/office/2006/metadata/properties" xmlns:xsi="http://www.w3.org/2001/XMLSchema-instance" xmlns:pc="http://schemas.microsoft.com/office/infopath/2007/PartnerControls">
+  <documentManagement>
+    <_dlc_DocId xmlns="7582594f-2f57-4d52-8ffa-4b4aa53e3769">HXQY2SQ4HAYF-794-83</_dlc_DocId>
+    <_dlc_DocIdUrl xmlns="7582594f-2f57-4d52-8ffa-4b4aa53e3769">
+      <Url>http://sharepoint.centric.lan/afdeling/Belgie/Departments/marcom/_layouts/DocIdRedir.aspx?ID=HXQY2SQ4HAYF-794-83</Url>
+      <Description>HXQY2SQ4HAYF-794-83</Description>
+    </_dlc_DocIdUrl>
+  </documentManagement>
+</p:properties>
 </file>
 
 <file path=customXml/itemProps1.xml><?xml version="1.0" encoding="utf-8"?>
-<ds:datastoreItem xmlns:ds="http://schemas.openxmlformats.org/officeDocument/2006/customXml" ds:itemID="{DE0A3E1F-B2EC-4B36-9F71-3169FFDE4AE0}">
-  <ds:schemaRefs>
-    <ds:schemaRef ds:uri="http://purl.org/dc/terms/"/>
-    <ds:schemaRef ds:uri="http://schemas.openxmlformats.org/package/2006/metadata/core-properties"/>
-    <ds:schemaRef ds:uri="http://schemas.microsoft.com/office/2006/documentManagement/types"/>
-    <ds:schemaRef ds:uri="http://purl.org/dc/dcmitype/"/>
-    <ds:schemaRef ds:uri="http://schemas.microsoft.com/office/infopath/2007/PartnerControls"/>
-    <ds:schemaRef ds:uri="http://purl.org/dc/elements/1.1/"/>
-    <ds:schemaRef ds:uri="http://schemas.microsoft.com/office/2006/metadata/properties"/>
-    <ds:schemaRef ds:uri="7582594f-2f57-4d52-8ffa-4b4aa53e3769"/>
-    <ds:schemaRef ds:uri="http://www.w3.org/XML/1998/namespace"/>
-  </ds:schemaRefs>
-</ds:datastoreItem>
-</file>
-
-<file path=customXml/itemProps2.xml><?xml version="1.0" encoding="utf-8"?>
 <ds:datastoreItem xmlns:ds="http://schemas.openxmlformats.org/officeDocument/2006/customXml" ds:itemID="{ED490D6F-1E63-413A-9BD8-5CF5403D6AE1}">
   <ds:schemaRefs>
     <ds:schemaRef ds:uri="http://schemas.microsoft.com/office/2006/metadata/contentType"/>
@@ -23134,6 +23332,14 @@
 </ds:datastoreItem>
 </file>
 
+<file path=customXml/itemProps2.xml><?xml version="1.0" encoding="utf-8"?>
+<ds:datastoreItem xmlns:ds="http://schemas.openxmlformats.org/officeDocument/2006/customXml" ds:itemID="{4A752D92-0ACC-48D2-A658-AB744FE70ECE}">
+  <ds:schemaRefs>
+    <ds:schemaRef ds:uri="http://schemas.microsoft.com/sharepoint/v3/contenttype/forms"/>
+  </ds:schemaRefs>
+</ds:datastoreItem>
+</file>
+
 <file path=customXml/itemProps3.xml><?xml version="1.0" encoding="utf-8"?>
 <ds:datastoreItem xmlns:ds="http://schemas.openxmlformats.org/officeDocument/2006/customXml" ds:itemID="{AEA0F5FE-2AF9-4A86-BADA-F40F7EC772CD}">
   <ds:schemaRefs>
@@ -23143,9 +23349,17 @@
 </file>
 
 <file path=customXml/itemProps4.xml><?xml version="1.0" encoding="utf-8"?>
-<ds:datastoreItem xmlns:ds="http://schemas.openxmlformats.org/officeDocument/2006/customXml" ds:itemID="{4A752D92-0ACC-48D2-A658-AB744FE70ECE}">
+<ds:datastoreItem xmlns:ds="http://schemas.openxmlformats.org/officeDocument/2006/customXml" ds:itemID="{DE0A3E1F-B2EC-4B36-9F71-3169FFDE4AE0}">
   <ds:schemaRefs>
-    <ds:schemaRef ds:uri="http://schemas.microsoft.com/sharepoint/v3/contenttype/forms"/>
+    <ds:schemaRef ds:uri="http://purl.org/dc/terms/"/>
+    <ds:schemaRef ds:uri="http://schemas.openxmlformats.org/package/2006/metadata/core-properties"/>
+    <ds:schemaRef ds:uri="http://schemas.microsoft.com/office/2006/documentManagement/types"/>
+    <ds:schemaRef ds:uri="http://purl.org/dc/dcmitype/"/>
+    <ds:schemaRef ds:uri="http://schemas.microsoft.com/office/infopath/2007/PartnerControls"/>
+    <ds:schemaRef ds:uri="http://purl.org/dc/elements/1.1/"/>
+    <ds:schemaRef ds:uri="http://schemas.microsoft.com/office/2006/metadata/properties"/>
+    <ds:schemaRef ds:uri="7582594f-2f57-4d52-8ffa-4b4aa53e3769"/>
+    <ds:schemaRef ds:uri="http://www.w3.org/XML/1998/namespace"/>
   </ds:schemaRefs>
 </ds:datastoreItem>
 </file>
--- a/Developer testing 2021.pptx
+++ b/Developer testing 2021.pptx
@@ -40,15 +40,15 @@
     <p:sldId id="441" r:id="rId32"/>
     <p:sldId id="408" r:id="rId33"/>
     <p:sldId id="409" r:id="rId34"/>
-    <p:sldId id="410" r:id="rId35"/>
-    <p:sldId id="411" r:id="rId36"/>
-    <p:sldId id="412" r:id="rId37"/>
-    <p:sldId id="413" r:id="rId38"/>
-    <p:sldId id="414" r:id="rId39"/>
-    <p:sldId id="415" r:id="rId40"/>
-    <p:sldId id="416" r:id="rId41"/>
-    <p:sldId id="417" r:id="rId42"/>
-    <p:sldId id="422" r:id="rId43"/>
+    <p:sldId id="422" r:id="rId35"/>
+    <p:sldId id="410" r:id="rId36"/>
+    <p:sldId id="411" r:id="rId37"/>
+    <p:sldId id="412" r:id="rId38"/>
+    <p:sldId id="413" r:id="rId39"/>
+    <p:sldId id="414" r:id="rId40"/>
+    <p:sldId id="415" r:id="rId41"/>
+    <p:sldId id="416" r:id="rId42"/>
+    <p:sldId id="417" r:id="rId43"/>
     <p:sldId id="423" r:id="rId44"/>
     <p:sldId id="424" r:id="rId45"/>
     <p:sldId id="425" r:id="rId46"/>
@@ -657,7 +657,7 @@
           <a:p>
             <a:fld id="{4FDA5BBF-9A9E-E34C-87D2-CD6D1CA60245}" type="datetime1">
               <a:rPr lang="en-US" smtClean="0"/>
-              <a:t>7/10/2021</a:t>
+              <a:t>7/12/2021</a:t>
             </a:fld>
             <a:endParaRPr lang="en-US"/>
           </a:p>
@@ -823,7 +823,7 @@
           <a:p>
             <a:fld id="{FE5FB5CF-D153-1544-8329-2FC1F4ABF24D}" type="datetime1">
               <a:rPr lang="en-US" smtClean="0"/>
-              <a:t>7/10/2021</a:t>
+              <a:t>7/12/2021</a:t>
             </a:fld>
             <a:endParaRPr lang="nl-NL"/>
           </a:p>
@@ -1227,9 +1227,12 @@
           </a:p>
           <a:p>
             <a:r>
-              <a:rPr lang="ro-RO" dirty="0"/>
+              <a:rPr lang="ro-RO" u="sng" dirty="0"/>
               <a:t>Veți vedea în continuarea prezentării că există niște convenții de denumire a metodelor de test. Aceste denumiri sunt practic specificații ale diverselor funcționalități și simpla citire a lor, ne spune ce funcționalitate se așteaptă de la o porțiune de cod.</a:t>
             </a:r>
+            <a:endParaRPr lang="en-US" u="sng" dirty="0"/>
+          </a:p>
+          <a:p>
             <a:endParaRPr lang="nl-NL" dirty="0"/>
           </a:p>
         </p:txBody>
@@ -5004,7 +5007,7 @@
     </p:spTree>
     <p:extLst>
       <p:ext uri="{BB962C8B-B14F-4D97-AF65-F5344CB8AC3E}">
-        <p14:creationId xmlns:p14="http://schemas.microsoft.com/office/powerpoint/2010/main" val="165808733"/>
+        <p14:creationId xmlns:p14="http://schemas.microsoft.com/office/powerpoint/2010/main" val="1276772273"/>
       </p:ext>
     </p:extLst>
   </p:cSld>
@@ -5154,27 +5157,8 @@
           <a:p>
             <a:r>
               <a:rPr lang="en-US" dirty="0"/>
-              <a:t>Marian</a:t>
-            </a:r>
-          </a:p>
-          <a:p>
-            <a:r>
-              <a:rPr lang="en-US" dirty="0"/>
-              <a:t>P</a:t>
-            </a:r>
-            <a:r>
-              <a:rPr lang="ro-RO" dirty="0"/>
-              <a:t>e</a:t>
-            </a:r>
-            <a:r>
-              <a:rPr lang="en-US" dirty="0"/>
-              <a:t> l</a:t>
-            </a:r>
-            <a:r>
-              <a:rPr lang="ro-RO" dirty="0"/>
-              <a:t>ângă unit teste, în etapa de development se mai pot scie și așa numitele teste de integrare (integration tests).</a:t>
-            </a:r>
-            <a:endParaRPr lang="en-US" dirty="0"/>
+              <a:t>Alex</a:t>
+            </a:r>
           </a:p>
         </p:txBody>
       </p:sp>
@@ -5204,7 +5188,7 @@
     </p:spTree>
     <p:extLst>
       <p:ext uri="{BB962C8B-B14F-4D97-AF65-F5344CB8AC3E}">
-        <p14:creationId xmlns:p14="http://schemas.microsoft.com/office/powerpoint/2010/main" val="2164638619"/>
+        <p14:creationId xmlns:p14="http://schemas.microsoft.com/office/powerpoint/2010/main" val="165808733"/>
       </p:ext>
     </p:extLst>
   </p:cSld>
@@ -5262,12 +5246,23 @@
               <a:rPr lang="en-US" dirty="0"/>
               <a:t>Marian</a:t>
             </a:r>
-            <a:endParaRPr lang="ro-RO" dirty="0"/>
-          </a:p>
-          <a:p>
+          </a:p>
+          <a:p>
+            <a:r>
+              <a:rPr lang="en-US" dirty="0"/>
+              <a:t>P</a:t>
+            </a:r>
             <a:r>
               <a:rPr lang="ro-RO" dirty="0"/>
-              <a:t>Testele de integrare asigură faptul că, componentele unei aplicații funcționează corect la un nivel care include infrastructura aplicației, cum ar fi baze de date, sistem de fișiere, rețea.</a:t>
+              <a:t>e</a:t>
+            </a:r>
+            <a:r>
+              <a:rPr lang="en-US" dirty="0"/>
+              <a:t> l</a:t>
+            </a:r>
+            <a:r>
+              <a:rPr lang="ro-RO" dirty="0"/>
+              <a:t>ângă unit teste, în etapa de development se mai pot scie și așa numitele teste de integrare (integration tests).</a:t>
             </a:r>
             <a:endParaRPr lang="en-US" dirty="0"/>
           </a:p>
@@ -5299,7 +5294,7 @@
     </p:spTree>
     <p:extLst>
       <p:ext uri="{BB962C8B-B14F-4D97-AF65-F5344CB8AC3E}">
-        <p14:creationId xmlns:p14="http://schemas.microsoft.com/office/powerpoint/2010/main" val="4157425421"/>
+        <p14:creationId xmlns:p14="http://schemas.microsoft.com/office/powerpoint/2010/main" val="2164638619"/>
       </p:ext>
     </p:extLst>
   </p:cSld>
@@ -5361,8 +5356,8 @@
           </a:p>
           <a:p>
             <a:r>
-              <a:rPr lang="it-IT" dirty="0"/>
-              <a:t>Testele de integrare evaluează componentele unei aplicații la un nivel mai larg decât testele unitare</a:t>
+              <a:rPr lang="ro-RO" dirty="0"/>
+              <a:t>Testele de integrare asigură faptul că, componentele unei aplicații funcționează corect la un nivel care include infrastructura aplicației, cum ar fi baze de date, sistem de fișiere, rețea.</a:t>
             </a:r>
             <a:endParaRPr lang="en-US" dirty="0"/>
           </a:p>
@@ -5394,7 +5389,7 @@
     </p:spTree>
     <p:extLst>
       <p:ext uri="{BB962C8B-B14F-4D97-AF65-F5344CB8AC3E}">
-        <p14:creationId xmlns:p14="http://schemas.microsoft.com/office/powerpoint/2010/main" val="2025122702"/>
+        <p14:creationId xmlns:p14="http://schemas.microsoft.com/office/powerpoint/2010/main" val="4157425421"/>
       </p:ext>
     </p:extLst>
   </p:cSld>
@@ -5456,8 +5451,8 @@
           </a:p>
           <a:p>
             <a:r>
-              <a:rPr lang="ro-RO" dirty="0"/>
-              <a:t>Diferențele dintre unit tests și integration tests</a:t>
+              <a:rPr lang="it-IT" dirty="0"/>
+              <a:t>Testele de integrare evaluează componentele unei aplicații la un nivel mai larg decât testele unitare</a:t>
             </a:r>
             <a:endParaRPr lang="en-US" dirty="0"/>
           </a:p>
@@ -5489,7 +5484,7 @@
     </p:spTree>
     <p:extLst>
       <p:ext uri="{BB962C8B-B14F-4D97-AF65-F5344CB8AC3E}">
-        <p14:creationId xmlns:p14="http://schemas.microsoft.com/office/powerpoint/2010/main" val="951410896"/>
+        <p14:creationId xmlns:p14="http://schemas.microsoft.com/office/powerpoint/2010/main" val="2025122702"/>
       </p:ext>
     </p:extLst>
   </p:cSld>
@@ -5552,10 +5547,8 @@
           <a:p>
             <a:r>
               <a:rPr lang="ro-RO" dirty="0"/>
-              <a:t>Integration tests folosesc aceleași componente pe care aplicația le folosește în producție (baze de date, API-uri, servicii WCF, etc)</a:t>
-            </a:r>
-          </a:p>
-          <a:p>
+              <a:t>Diferențele dintre unit tests și integration tests</a:t>
+            </a:r>
             <a:endParaRPr lang="en-US" dirty="0"/>
           </a:p>
         </p:txBody>
@@ -5586,7 +5579,7 @@
     </p:spTree>
     <p:extLst>
       <p:ext uri="{BB962C8B-B14F-4D97-AF65-F5344CB8AC3E}">
-        <p14:creationId xmlns:p14="http://schemas.microsoft.com/office/powerpoint/2010/main" val="101104362"/>
+        <p14:creationId xmlns:p14="http://schemas.microsoft.com/office/powerpoint/2010/main" val="951410896"/>
       </p:ext>
     </p:extLst>
   </p:cSld>
@@ -5649,7 +5642,7 @@
           <a:p>
             <a:r>
               <a:rPr lang="ro-RO" dirty="0"/>
-              <a:t>Integration tests presupun mai mult cod care trebuie scris și o cantitate mai mare de date care trebuiesc procesate</a:t>
+              <a:t>Integration tests folosesc aceleași componente pe care aplicația le folosește în producție (baze de date, API-uri, servicii WCF, etc)</a:t>
             </a:r>
           </a:p>
           <a:p>
@@ -5683,7 +5676,7 @@
     </p:spTree>
     <p:extLst>
       <p:ext uri="{BB962C8B-B14F-4D97-AF65-F5344CB8AC3E}">
-        <p14:creationId xmlns:p14="http://schemas.microsoft.com/office/powerpoint/2010/main" val="479253812"/>
+        <p14:creationId xmlns:p14="http://schemas.microsoft.com/office/powerpoint/2010/main" val="101104362"/>
       </p:ext>
     </p:extLst>
   </p:cSld>
@@ -5746,8 +5739,10 @@
           <a:p>
             <a:r>
               <a:rPr lang="ro-RO" dirty="0"/>
-              <a:t>Integration tests consumă mai mult timp să fie rulate, tocmai datorită interacțiunii cu alte sisteme.</a:t>
-            </a:r>
+              <a:t>Integration tests presupun mai mult cod care trebuie scris și o cantitate mai mare de date care trebuiesc procesate</a:t>
+            </a:r>
+          </a:p>
+          <a:p>
             <a:endParaRPr lang="en-US" dirty="0"/>
           </a:p>
         </p:txBody>
@@ -5778,7 +5773,7 @@
     </p:spTree>
     <p:extLst>
       <p:ext uri="{BB962C8B-B14F-4D97-AF65-F5344CB8AC3E}">
-        <p14:creationId xmlns:p14="http://schemas.microsoft.com/office/powerpoint/2010/main" val="1634407649"/>
+        <p14:creationId xmlns:p14="http://schemas.microsoft.com/office/powerpoint/2010/main" val="479253812"/>
       </p:ext>
     </p:extLst>
   </p:cSld>
@@ -5834,8 +5829,16 @@
           <a:p>
             <a:r>
               <a:rPr lang="en-US" dirty="0"/>
-              <a:t>Alex</a:t>
-            </a:r>
+              <a:t>Marian</a:t>
+            </a:r>
+            <a:endParaRPr lang="ro-RO" dirty="0"/>
+          </a:p>
+          <a:p>
+            <a:r>
+              <a:rPr lang="ro-RO" dirty="0"/>
+              <a:t>Integration tests consumă mai mult timp să fie rulate, tocmai datorită interacțiunii cu alte sisteme.</a:t>
+            </a:r>
+            <a:endParaRPr lang="en-US" dirty="0"/>
           </a:p>
         </p:txBody>
       </p:sp>
@@ -5865,7 +5868,7 @@
     </p:spTree>
     <p:extLst>
       <p:ext uri="{BB962C8B-B14F-4D97-AF65-F5344CB8AC3E}">
-        <p14:creationId xmlns:p14="http://schemas.microsoft.com/office/powerpoint/2010/main" val="1276772273"/>
+        <p14:creationId xmlns:p14="http://schemas.microsoft.com/office/powerpoint/2010/main" val="1634407649"/>
       </p:ext>
     </p:extLst>
   </p:cSld>
@@ -6110,7 +6113,15 @@
           <a:p>
             <a:r>
               <a:rPr lang="ro-RO" dirty="0"/>
-              <a:t>Să ne imaginăm că, după perioadă de muncă asiduă, am livrat un modul complex, cu multă logică de business, care funcționează totuși confirm specificațiilor. Peste un an, datorită unor schimbări ale legislației sau a modelului de business al clientului, acesta solicită câteva modificări în modulul pe care l-am scris. Cum ar fi dacă am deschide o clasă din modulul respectiv și am vedea că are câteva mii de linii, cu metode de sute de linii, cuplate stâns de alte clase la fel de complexe? Este foarte probabil ca și capacitatea noastră de înțelegere a codului să fie depășită și să ne vedem în situația de a nu fi capabili să implementăm modificările solicitate sau, în cel mai bun caz, să generăm un număr de efecte laterale neprevăzute și nedorite (BUG-uri). Aceste efecte se pot manifesta doar în condiții stricte (așa numite corner cases) pe care să le pierdem din vedere în momentul implementării. Vedem aici două probleme majore</a:t>
+              <a:t>Să ne imaginăm că, după perioadă de muncă asiduă, am livrat un modul complex, cu multă logică de business, care funcționează totuși confirm specificațiilor. Peste un an, datorită unor schimbări ale legislației sau a modelului de business al clientului, acesta solicită </a:t>
+            </a:r>
+            <a:r>
+              <a:rPr lang="en-US" dirty="0"/>
+              <a:t>ad</a:t>
+            </a:r>
+            <a:r>
+              <a:rPr lang="ro-RO" dirty="0"/>
+              <a:t>ăugare de noi funcționalități în modulul pe care l-am scris. Cum ar fi dacă am deschide o clasă din modulul respectiv și am vedea că are câteva mii de linii, cu metode de sute de linii, cuplate stâns de alte clase la fel de complexe? Este foarte probabil ca și capacitatea noastră de înțelegere a codului să fie depășită și să ne vedem în situația de a nu fi capabili să implementăm modificările solicitate sau, în cel mai bun caz, să generăm un număr de efecte laterale neprevăzute și nedorite (BUG-uri). Aceste efecte se pot manifesta doar în condiții stricte (așa numite corner cases) pe care să le pierdem din vedere în momentul implementării. Vedem aici două probleme majore</a:t>
             </a:r>
             <a:r>
               <a:rPr lang="en-US" dirty="0"/>
@@ -6148,6 +6159,7 @@
               <a:rPr lang="ro-RO" dirty="0"/>
               <a:t>și conduce chiar la plata unor despăgubiri majore către client.</a:t>
             </a:r>
+            <a:endParaRPr lang="en-US" dirty="0"/>
           </a:p>
         </p:txBody>
       </p:sp>
@@ -8995,7 +9007,7 @@
             <a:fld id="{27CDC6D7-F721-684B-B8C9-FEFA78B76E0C}" type="datetime4">
               <a:rPr lang="en-US" smtClean="0"/>
               <a:pPr/>
-              <a:t>July 10, 2021</a:t>
+              <a:t>July 12, 2021</a:t>
             </a:fld>
             <a:endParaRPr lang="nl-NL" dirty="0"/>
           </a:p>
@@ -9115,7 +9127,7 @@
           <a:p>
             <a:fld id="{E5B520A2-5FFC-CE4A-9835-F3EC403B91D3}" type="datetime4">
               <a:rPr lang="en-US" smtClean="0"/>
-              <a:t>July 10, 2021</a:t>
+              <a:t>July 12, 2021</a:t>
             </a:fld>
             <a:endParaRPr lang="nl-NL" dirty="0"/>
           </a:p>
@@ -9342,7 +9354,7 @@
           <a:p>
             <a:fld id="{3515E667-967D-3A4A-BF6F-AB77B79EAF13}" type="datetime4">
               <a:rPr lang="en-US" smtClean="0"/>
-              <a:t>July 10, 2021</a:t>
+              <a:t>July 12, 2021</a:t>
             </a:fld>
             <a:endParaRPr lang="nl-NL" dirty="0"/>
           </a:p>
@@ -9600,7 +9612,7 @@
           <a:p>
             <a:fld id="{7A14B680-E159-ED46-B89B-60C427FC4DF1}" type="datetime4">
               <a:rPr lang="en-US" smtClean="0"/>
-              <a:t>July 10, 2021</a:t>
+              <a:t>July 12, 2021</a:t>
             </a:fld>
             <a:endParaRPr lang="nl-NL" dirty="0"/>
           </a:p>
@@ -9692,7 +9704,7 @@
           <a:p>
             <a:fld id="{CBBA6E4B-0F15-D24C-93AA-2172DA0233B5}" type="datetime4">
               <a:rPr lang="en-US" smtClean="0"/>
-              <a:t>July 10, 2021</a:t>
+              <a:t>July 12, 2021</a:t>
             </a:fld>
             <a:endParaRPr lang="nl-NL"/>
           </a:p>
@@ -9905,7 +9917,7 @@
           <a:p>
             <a:fld id="{A13CBC1B-8654-8443-A298-9A13A56CCAA4}" type="datetime4">
               <a:rPr lang="en-US" smtClean="0"/>
-              <a:t>July 10, 2021</a:t>
+              <a:t>July 12, 2021</a:t>
             </a:fld>
             <a:endParaRPr lang="nl-NL" dirty="0"/>
           </a:p>
@@ -10089,7 +10101,7 @@
           <a:p>
             <a:fld id="{45F9603C-696B-2946-8D70-906C0B20EE9E}" type="datetime4">
               <a:rPr lang="en-US" smtClean="0"/>
-              <a:t>July 10, 2021</a:t>
+              <a:t>July 12, 2021</a:t>
             </a:fld>
             <a:endParaRPr lang="nl-NL" dirty="0"/>
           </a:p>
@@ -10307,7 +10319,7 @@
           <a:p>
             <a:fld id="{EC97E6F2-DD9D-FA4C-8DBC-4030AEFC154F}" type="datetime4">
               <a:rPr lang="en-US" smtClean="0"/>
-              <a:t>July 10, 2021</a:t>
+              <a:t>July 12, 2021</a:t>
             </a:fld>
             <a:endParaRPr lang="nl-NL" dirty="0"/>
           </a:p>
@@ -10522,7 +10534,7 @@
           <a:p>
             <a:fld id="{4FD9A745-1F9F-4B44-AE4F-BF0F5DB3FF85}" type="datetime4">
               <a:rPr lang="en-US" smtClean="0"/>
-              <a:t>July 10, 2021</a:t>
+              <a:t>July 12, 2021</a:t>
             </a:fld>
             <a:endParaRPr lang="nl-NL" dirty="0"/>
           </a:p>
@@ -10740,7 +10752,7 @@
           <a:p>
             <a:fld id="{66A21BB8-4B2F-814D-B9CD-150D7913B5D4}" type="datetime4">
               <a:rPr lang="en-US" smtClean="0"/>
-              <a:t>July 10, 2021</a:t>
+              <a:t>July 12, 2021</a:t>
             </a:fld>
             <a:endParaRPr lang="nl-NL" dirty="0"/>
           </a:p>
@@ -10936,7 +10948,7 @@
           <a:p>
             <a:fld id="{24389793-BFBC-7240-9BA9-811177108773}" type="datetime4">
               <a:rPr lang="en-US" smtClean="0"/>
-              <a:t>July 10, 2021</a:t>
+              <a:t>July 12, 2021</a:t>
             </a:fld>
             <a:endParaRPr lang="nl-NL" dirty="0"/>
           </a:p>
@@ -11143,7 +11155,7 @@
           <a:p>
             <a:fld id="{58A1C3CD-8B3B-0740-B261-196A2BE82F57}" type="datetime4">
               <a:rPr lang="en-US" smtClean="0"/>
-              <a:t>July 10, 2021</a:t>
+              <a:t>July 12, 2021</a:t>
             </a:fld>
             <a:r>
               <a:rPr lang="en-US"/>
@@ -11743,7 +11755,7 @@
           <a:p>
             <a:fld id="{49A50D47-F513-4B36-8D43-6B95067A003B}" type="datetime3">
               <a:rPr lang="en-US" smtClean="0"/>
-              <a:t>10 July 2021</a:t>
+              <a:t>12 July 2021</a:t>
             </a:fld>
             <a:endParaRPr lang="nl-NL" dirty="0"/>
           </a:p>
@@ -11838,9 +11850,14 @@
   <p:clrMapOvr>
     <a:masterClrMapping/>
   </p:clrMapOvr>
-  <p:transition spd="slow">
-    <p:push dir="u"/>
-  </p:transition>
+  <mc:AlternateContent xmlns:mc="http://schemas.openxmlformats.org/markup-compatibility/2006">
+    <mc:Choice xmlns:p14="http://schemas.microsoft.com/office/powerpoint/2010/main" Requires="p14">
+      <p:transition p14:dur="0"/>
+    </mc:Choice>
+    <mc:Fallback>
+      <p:transition/>
+    </mc:Fallback>
+  </mc:AlternateContent>
 </p:sld>
 </file>
 
@@ -11901,7 +11918,7 @@
           <a:p>
             <a:fld id="{7A14B680-E159-ED46-B89B-60C427FC4DF1}" type="datetime4">
               <a:rPr lang="en-US" smtClean="0"/>
-              <a:t>July 10, 2021</a:t>
+              <a:t>July 12, 2021</a:t>
             </a:fld>
             <a:endParaRPr lang="nl-NL" dirty="0"/>
           </a:p>
@@ -12008,9 +12025,14 @@
   <p:clrMapOvr>
     <a:masterClrMapping/>
   </p:clrMapOvr>
-  <p:transition spd="slow">
-    <p:push dir="u"/>
-  </p:transition>
+  <mc:AlternateContent xmlns:mc="http://schemas.openxmlformats.org/markup-compatibility/2006">
+    <mc:Choice xmlns:p14="http://schemas.microsoft.com/office/powerpoint/2010/main" Requires="p14">
+      <p:transition p14:dur="0"/>
+    </mc:Choice>
+    <mc:Fallback>
+      <p:transition/>
+    </mc:Fallback>
+  </mc:AlternateContent>
 </p:sld>
 </file>
 
@@ -12071,7 +12093,7 @@
           <a:p>
             <a:fld id="{7A14B680-E159-ED46-B89B-60C427FC4DF1}" type="datetime4">
               <a:rPr lang="en-US" smtClean="0"/>
-              <a:t>July 10, 2021</a:t>
+              <a:t>July 12, 2021</a:t>
             </a:fld>
             <a:endParaRPr lang="nl-NL" dirty="0"/>
           </a:p>
@@ -12189,9 +12211,14 @@
   <p:clrMapOvr>
     <a:masterClrMapping/>
   </p:clrMapOvr>
-  <p:transition spd="slow">
-    <p:push dir="u"/>
-  </p:transition>
+  <mc:AlternateContent xmlns:mc="http://schemas.openxmlformats.org/markup-compatibility/2006">
+    <mc:Choice xmlns:p14="http://schemas.microsoft.com/office/powerpoint/2010/main" Requires="p14">
+      <p:transition p14:dur="0"/>
+    </mc:Choice>
+    <mc:Fallback>
+      <p:transition/>
+    </mc:Fallback>
+  </mc:AlternateContent>
 </p:sld>
 </file>
 
@@ -12252,7 +12279,7 @@
           <a:p>
             <a:fld id="{7A14B680-E159-ED46-B89B-60C427FC4DF1}" type="datetime4">
               <a:rPr lang="en-US" smtClean="0"/>
-              <a:t>July 10, 2021</a:t>
+              <a:t>July 12, 2021</a:t>
             </a:fld>
             <a:endParaRPr lang="nl-NL" dirty="0"/>
           </a:p>
@@ -12331,9 +12358,14 @@
   <p:clrMapOvr>
     <a:masterClrMapping/>
   </p:clrMapOvr>
-  <p:transition spd="slow">
-    <p:push dir="u"/>
-  </p:transition>
+  <mc:AlternateContent xmlns:mc="http://schemas.openxmlformats.org/markup-compatibility/2006">
+    <mc:Choice xmlns:p14="http://schemas.microsoft.com/office/powerpoint/2010/main" Requires="p14">
+      <p:transition p14:dur="0"/>
+    </mc:Choice>
+    <mc:Fallback>
+      <p:transition/>
+    </mc:Fallback>
+  </mc:AlternateContent>
 </p:sld>
 </file>
 
@@ -12394,7 +12426,7 @@
           <a:p>
             <a:fld id="{7A14B680-E159-ED46-B89B-60C427FC4DF1}" type="datetime4">
               <a:rPr lang="en-US" smtClean="0"/>
-              <a:t>July 10, 2021</a:t>
+              <a:t>July 12, 2021</a:t>
             </a:fld>
             <a:endParaRPr lang="nl-NL" dirty="0"/>
           </a:p>
@@ -12503,9 +12535,14 @@
   <p:clrMapOvr>
     <a:masterClrMapping/>
   </p:clrMapOvr>
-  <p:transition spd="slow">
-    <p:push dir="u"/>
-  </p:transition>
+  <mc:AlternateContent xmlns:mc="http://schemas.openxmlformats.org/markup-compatibility/2006">
+    <mc:Choice xmlns:p14="http://schemas.microsoft.com/office/powerpoint/2010/main" Requires="p14">
+      <p:transition p14:dur="0"/>
+    </mc:Choice>
+    <mc:Fallback>
+      <p:transition/>
+    </mc:Fallback>
+  </mc:AlternateContent>
 </p:sld>
 </file>
 
@@ -12566,7 +12603,7 @@
           <a:p>
             <a:fld id="{7A14B680-E159-ED46-B89B-60C427FC4DF1}" type="datetime4">
               <a:rPr lang="en-US" smtClean="0"/>
-              <a:t>July 10, 2021</a:t>
+              <a:t>July 12, 2021</a:t>
             </a:fld>
             <a:endParaRPr lang="nl-NL" dirty="0"/>
           </a:p>
@@ -12689,9 +12726,14 @@
   <p:clrMapOvr>
     <a:masterClrMapping/>
   </p:clrMapOvr>
-  <p:transition spd="slow">
-    <p:push dir="u"/>
-  </p:transition>
+  <mc:AlternateContent xmlns:mc="http://schemas.openxmlformats.org/markup-compatibility/2006">
+    <mc:Choice xmlns:p14="http://schemas.microsoft.com/office/powerpoint/2010/main" Requires="p14">
+      <p:transition p14:dur="0"/>
+    </mc:Choice>
+    <mc:Fallback>
+      <p:transition/>
+    </mc:Fallback>
+  </mc:AlternateContent>
 </p:sld>
 </file>
 
@@ -12752,7 +12794,7 @@
           <a:p>
             <a:fld id="{7A14B680-E159-ED46-B89B-60C427FC4DF1}" type="datetime4">
               <a:rPr lang="en-US" smtClean="0"/>
-              <a:t>July 10, 2021</a:t>
+              <a:t>July 12, 2021</a:t>
             </a:fld>
             <a:endParaRPr lang="nl-NL" dirty="0"/>
           </a:p>
@@ -12873,9 +12915,14 @@
   <p:clrMapOvr>
     <a:masterClrMapping/>
   </p:clrMapOvr>
-  <p:transition spd="slow">
-    <p:push dir="u"/>
-  </p:transition>
+  <mc:AlternateContent xmlns:mc="http://schemas.openxmlformats.org/markup-compatibility/2006">
+    <mc:Choice xmlns:p14="http://schemas.microsoft.com/office/powerpoint/2010/main" Requires="p14">
+      <p:transition p14:dur="0"/>
+    </mc:Choice>
+    <mc:Fallback>
+      <p:transition/>
+    </mc:Fallback>
+  </mc:AlternateContent>
 </p:sld>
 </file>
 
@@ -12936,7 +12983,7 @@
           <a:p>
             <a:fld id="{7A14B680-E159-ED46-B89B-60C427FC4DF1}" type="datetime4">
               <a:rPr lang="en-US" smtClean="0"/>
-              <a:t>July 10, 2021</a:t>
+              <a:t>July 12, 2021</a:t>
             </a:fld>
             <a:endParaRPr lang="nl-NL" dirty="0"/>
           </a:p>
@@ -13015,9 +13062,14 @@
   <p:clrMapOvr>
     <a:masterClrMapping/>
   </p:clrMapOvr>
-  <p:transition spd="slow">
-    <p:push dir="u"/>
-  </p:transition>
+  <mc:AlternateContent xmlns:mc="http://schemas.openxmlformats.org/markup-compatibility/2006">
+    <mc:Choice xmlns:p14="http://schemas.microsoft.com/office/powerpoint/2010/main" Requires="p14">
+      <p:transition p14:dur="0"/>
+    </mc:Choice>
+    <mc:Fallback>
+      <p:transition/>
+    </mc:Fallback>
+  </mc:AlternateContent>
 </p:sld>
 </file>
 
@@ -13165,7 +13217,7 @@
           <a:p>
             <a:fld id="{7A14B680-E159-ED46-B89B-60C427FC4DF1}" type="datetime4">
               <a:rPr lang="en-US" smtClean="0"/>
-              <a:t>July 10, 2021</a:t>
+              <a:t>July 12, 2021</a:t>
             </a:fld>
             <a:endParaRPr lang="nl-NL" dirty="0"/>
           </a:p>
@@ -13210,9 +13262,14 @@
   <p:clrMapOvr>
     <a:masterClrMapping/>
   </p:clrMapOvr>
-  <p:transition spd="slow">
-    <p:push dir="u"/>
-  </p:transition>
+  <mc:AlternateContent xmlns:mc="http://schemas.openxmlformats.org/markup-compatibility/2006">
+    <mc:Choice xmlns:p14="http://schemas.microsoft.com/office/powerpoint/2010/main" Requires="p14">
+      <p:transition p14:dur="0"/>
+    </mc:Choice>
+    <mc:Fallback>
+      <p:transition/>
+    </mc:Fallback>
+  </mc:AlternateContent>
 </p:sld>
 </file>
 
@@ -13374,7 +13431,7 @@
           <a:p>
             <a:fld id="{7A14B680-E159-ED46-B89B-60C427FC4DF1}" type="datetime4">
               <a:rPr lang="en-US" smtClean="0"/>
-              <a:t>July 10, 2021</a:t>
+              <a:t>July 12, 2021</a:t>
             </a:fld>
             <a:endParaRPr lang="nl-NL" dirty="0"/>
           </a:p>
@@ -13419,9 +13476,14 @@
   <p:clrMapOvr>
     <a:masterClrMapping/>
   </p:clrMapOvr>
-  <p:transition spd="slow">
-    <p:push dir="u"/>
-  </p:transition>
+  <mc:AlternateContent xmlns:mc="http://schemas.openxmlformats.org/markup-compatibility/2006">
+    <mc:Choice xmlns:p14="http://schemas.microsoft.com/office/powerpoint/2010/main" Requires="p14">
+      <p:transition p14:dur="0"/>
+    </mc:Choice>
+    <mc:Fallback>
+      <p:transition/>
+    </mc:Fallback>
+  </mc:AlternateContent>
 </p:sld>
 </file>
 
@@ -13583,7 +13645,7 @@
           <a:p>
             <a:fld id="{7A14B680-E159-ED46-B89B-60C427FC4DF1}" type="datetime4">
               <a:rPr lang="en-US" smtClean="0"/>
-              <a:t>July 10, 2021</a:t>
+              <a:t>July 12, 2021</a:t>
             </a:fld>
             <a:endParaRPr lang="nl-NL" dirty="0"/>
           </a:p>
@@ -13628,9 +13690,14 @@
   <p:clrMapOvr>
     <a:masterClrMapping/>
   </p:clrMapOvr>
-  <p:transition spd="slow">
-    <p:push dir="u"/>
-  </p:transition>
+  <mc:AlternateContent xmlns:mc="http://schemas.openxmlformats.org/markup-compatibility/2006">
+    <mc:Choice xmlns:p14="http://schemas.microsoft.com/office/powerpoint/2010/main" Requires="p14">
+      <p:transition p14:dur="0"/>
+    </mc:Choice>
+    <mc:Fallback>
+      <p:transition/>
+    </mc:Fallback>
+  </mc:AlternateContent>
 </p:sld>
 </file>
 
@@ -13762,6 +13829,7 @@
               <a:rPr lang="en-US" dirty="0"/>
               <a:t>Stubbing &amp; Mocking</a:t>
             </a:r>
+            <a:endParaRPr lang="ro-RO" dirty="0"/>
           </a:p>
           <a:p>
             <a:pPr>
@@ -13771,7 +13839,7 @@
             </a:pPr>
             <a:r>
               <a:rPr lang="en-US" dirty="0"/>
-              <a:t>Unit Tests vs Integration Tests</a:t>
+              <a:t>Tips For Writing Great Unit Tests</a:t>
             </a:r>
           </a:p>
           <a:p>
@@ -13782,7 +13850,7 @@
             </a:pPr>
             <a:r>
               <a:rPr lang="en-US" dirty="0"/>
-              <a:t>Tips For Writing Great Unit Tests</a:t>
+              <a:t>Unit Tests vs Integration Tests</a:t>
             </a:r>
           </a:p>
           <a:p>
@@ -13836,7 +13904,7 @@
           <a:p>
             <a:fld id="{7A14B680-E159-ED46-B89B-60C427FC4DF1}" type="datetime4">
               <a:rPr lang="en-US" smtClean="0"/>
-              <a:t>July 10, 2021</a:t>
+              <a:t>July 12, 2021</a:t>
             </a:fld>
             <a:endParaRPr lang="nl-NL" dirty="0"/>
           </a:p>
@@ -13875,9 +13943,14 @@
   <p:clrMapOvr>
     <a:masterClrMapping/>
   </p:clrMapOvr>
-  <p:transition spd="slow">
-    <p:push dir="u"/>
-  </p:transition>
+  <mc:AlternateContent xmlns:mc="http://schemas.openxmlformats.org/markup-compatibility/2006">
+    <mc:Choice xmlns:p14="http://schemas.microsoft.com/office/powerpoint/2010/main" Requires="p14">
+      <p:transition p14:dur="0"/>
+    </mc:Choice>
+    <mc:Fallback>
+      <p:transition/>
+    </mc:Fallback>
+  </mc:AlternateContent>
 </p:sld>
 </file>
 
@@ -14018,7 +14091,7 @@
           <a:p>
             <a:fld id="{7A14B680-E159-ED46-B89B-60C427FC4DF1}" type="datetime4">
               <a:rPr lang="en-US" smtClean="0"/>
-              <a:t>July 10, 2021</a:t>
+              <a:t>July 12, 2021</a:t>
             </a:fld>
             <a:endParaRPr lang="nl-NL" dirty="0"/>
           </a:p>
@@ -14063,9 +14136,14 @@
   <p:clrMapOvr>
     <a:masterClrMapping/>
   </p:clrMapOvr>
-  <p:transition spd="slow">
-    <p:push dir="u"/>
-  </p:transition>
+  <mc:AlternateContent xmlns:mc="http://schemas.openxmlformats.org/markup-compatibility/2006">
+    <mc:Choice xmlns:p14="http://schemas.microsoft.com/office/powerpoint/2010/main" Requires="p14">
+      <p:transition p14:dur="0"/>
+    </mc:Choice>
+    <mc:Fallback>
+      <p:transition/>
+    </mc:Fallback>
+  </mc:AlternateContent>
 </p:sld>
 </file>
 
@@ -14203,7 +14281,7 @@
           <a:p>
             <a:fld id="{7A14B680-E159-ED46-B89B-60C427FC4DF1}" type="datetime4">
               <a:rPr lang="en-US" smtClean="0"/>
-              <a:t>July 10, 2021</a:t>
+              <a:t>July 12, 2021</a:t>
             </a:fld>
             <a:endParaRPr lang="nl-NL" dirty="0"/>
           </a:p>
@@ -14248,9 +14326,14 @@
   <p:clrMapOvr>
     <a:masterClrMapping/>
   </p:clrMapOvr>
-  <p:transition spd="slow">
-    <p:push dir="u"/>
-  </p:transition>
+  <mc:AlternateContent xmlns:mc="http://schemas.openxmlformats.org/markup-compatibility/2006">
+    <mc:Choice xmlns:p14="http://schemas.microsoft.com/office/powerpoint/2010/main" Requires="p14">
+      <p:transition p14:dur="0"/>
+    </mc:Choice>
+    <mc:Fallback>
+      <p:transition/>
+    </mc:Fallback>
+  </mc:AlternateContent>
 </p:sld>
 </file>
 
@@ -14356,7 +14439,7 @@
           <a:p>
             <a:fld id="{7A14B680-E159-ED46-B89B-60C427FC4DF1}" type="datetime4">
               <a:rPr lang="en-US" smtClean="0"/>
-              <a:t>July 10, 2021</a:t>
+              <a:t>July 12, 2021</a:t>
             </a:fld>
             <a:endParaRPr lang="nl-NL" dirty="0"/>
           </a:p>
@@ -14401,9 +14484,14 @@
   <p:clrMapOvr>
     <a:masterClrMapping/>
   </p:clrMapOvr>
-  <p:transition spd="slow">
-    <p:push dir="u"/>
-  </p:transition>
+  <mc:AlternateContent xmlns:mc="http://schemas.openxmlformats.org/markup-compatibility/2006">
+    <mc:Choice xmlns:p14="http://schemas.microsoft.com/office/powerpoint/2010/main" Requires="p14">
+      <p:transition p14:dur="0"/>
+    </mc:Choice>
+    <mc:Fallback>
+      <p:transition/>
+    </mc:Fallback>
+  </mc:AlternateContent>
 </p:sld>
 </file>
 
@@ -14511,7 +14599,7 @@
           <a:p>
             <a:fld id="{7A14B680-E159-ED46-B89B-60C427FC4DF1}" type="datetime4">
               <a:rPr lang="en-US" smtClean="0"/>
-              <a:t>July 10, 2021</a:t>
+              <a:t>July 12, 2021</a:t>
             </a:fld>
             <a:endParaRPr lang="nl-NL" dirty="0"/>
           </a:p>
@@ -14556,9 +14644,14 @@
   <p:clrMapOvr>
     <a:masterClrMapping/>
   </p:clrMapOvr>
-  <p:transition spd="slow">
-    <p:push dir="u"/>
-  </p:transition>
+  <mc:AlternateContent xmlns:mc="http://schemas.openxmlformats.org/markup-compatibility/2006">
+    <mc:Choice xmlns:p14="http://schemas.microsoft.com/office/powerpoint/2010/main" Requires="p14">
+      <p:transition p14:dur="0"/>
+    </mc:Choice>
+    <mc:Fallback>
+      <p:transition/>
+    </mc:Fallback>
+  </mc:AlternateContent>
 </p:sld>
 </file>
 
@@ -14635,7 +14728,7 @@
           <a:p>
             <a:fld id="{7A14B680-E159-ED46-B89B-60C427FC4DF1}" type="datetime4">
               <a:rPr lang="en-US" smtClean="0"/>
-              <a:t>July 10, 2021</a:t>
+              <a:t>July 12, 2021</a:t>
             </a:fld>
             <a:endParaRPr lang="nl-NL" dirty="0"/>
           </a:p>
@@ -14729,9 +14822,14 @@
   <p:clrMapOvr>
     <a:masterClrMapping/>
   </p:clrMapOvr>
-  <p:transition spd="slow">
-    <p:push dir="u"/>
-  </p:transition>
+  <mc:AlternateContent xmlns:mc="http://schemas.openxmlformats.org/markup-compatibility/2006">
+    <mc:Choice xmlns:p14="http://schemas.microsoft.com/office/powerpoint/2010/main" Requires="p14">
+      <p:transition p14:dur="0"/>
+    </mc:Choice>
+    <mc:Fallback>
+      <p:transition/>
+    </mc:Fallback>
+  </mc:AlternateContent>
 </p:sld>
 </file>
 
@@ -14808,7 +14906,7 @@
           <a:p>
             <a:fld id="{7A14B680-E159-ED46-B89B-60C427FC4DF1}" type="datetime4">
               <a:rPr lang="en-US" smtClean="0"/>
-              <a:t>July 10, 2021</a:t>
+              <a:t>July 12, 2021</a:t>
             </a:fld>
             <a:endParaRPr lang="nl-NL" dirty="0"/>
           </a:p>
@@ -14902,9 +15000,14 @@
   <p:clrMapOvr>
     <a:masterClrMapping/>
   </p:clrMapOvr>
-  <p:transition spd="slow">
-    <p:push dir="u"/>
-  </p:transition>
+  <mc:AlternateContent xmlns:mc="http://schemas.openxmlformats.org/markup-compatibility/2006">
+    <mc:Choice xmlns:p14="http://schemas.microsoft.com/office/powerpoint/2010/main" Requires="p14">
+      <p:transition p14:dur="0"/>
+    </mc:Choice>
+    <mc:Fallback>
+      <p:transition/>
+    </mc:Fallback>
+  </mc:AlternateContent>
 </p:sld>
 </file>
 
@@ -14981,7 +15084,7 @@
           <a:p>
             <a:fld id="{7A14B680-E159-ED46-B89B-60C427FC4DF1}" type="datetime4">
               <a:rPr lang="en-US" smtClean="0"/>
-              <a:t>July 10, 2021</a:t>
+              <a:t>July 12, 2021</a:t>
             </a:fld>
             <a:endParaRPr lang="nl-NL" dirty="0"/>
           </a:p>
@@ -15119,9 +15222,14 @@
   <p:clrMapOvr>
     <a:masterClrMapping/>
   </p:clrMapOvr>
-  <p:transition spd="slow">
-    <p:push dir="u"/>
-  </p:transition>
+  <mc:AlternateContent xmlns:mc="http://schemas.openxmlformats.org/markup-compatibility/2006">
+    <mc:Choice xmlns:p14="http://schemas.microsoft.com/office/powerpoint/2010/main" Requires="p14">
+      <p:transition p14:dur="0"/>
+    </mc:Choice>
+    <mc:Fallback>
+      <p:transition/>
+    </mc:Fallback>
+  </mc:AlternateContent>
   <p:timing>
     <p:tnLst>
       <p:par>
@@ -15302,7 +15410,7 @@
           <a:p>
             <a:fld id="{7A14B680-E159-ED46-B89B-60C427FC4DF1}" type="datetime4">
               <a:rPr lang="en-US" smtClean="0"/>
-              <a:t>July 10, 2021</a:t>
+              <a:t>July 12, 2021</a:t>
             </a:fld>
             <a:endParaRPr lang="nl-NL" dirty="0"/>
           </a:p>
@@ -15831,9 +15939,14 @@
   <p:clrMapOvr>
     <a:masterClrMapping/>
   </p:clrMapOvr>
-  <p:transition spd="slow">
-    <p:push dir="u"/>
-  </p:transition>
+  <mc:AlternateContent xmlns:mc="http://schemas.openxmlformats.org/markup-compatibility/2006">
+    <mc:Choice xmlns:p14="http://schemas.microsoft.com/office/powerpoint/2010/main" Requires="p14">
+      <p:transition p14:dur="0"/>
+    </mc:Choice>
+    <mc:Fallback>
+      <p:transition/>
+    </mc:Fallback>
+  </mc:AlternateContent>
 </p:sld>
 </file>
 
@@ -15906,7 +16019,7 @@
           <a:p>
             <a:fld id="{7A14B680-E159-ED46-B89B-60C427FC4DF1}" type="datetime4">
               <a:rPr lang="en-US" smtClean="0"/>
-              <a:t>July 10, 2021</a:t>
+              <a:t>July 12, 2021</a:t>
             </a:fld>
             <a:endParaRPr lang="nl-NL" dirty="0"/>
           </a:p>
@@ -16060,9 +16173,14 @@
   <p:clrMapOvr>
     <a:masterClrMapping/>
   </p:clrMapOvr>
-  <p:transition spd="slow">
-    <p:push dir="u"/>
-  </p:transition>
+  <mc:AlternateContent xmlns:mc="http://schemas.openxmlformats.org/markup-compatibility/2006">
+    <mc:Choice xmlns:p14="http://schemas.microsoft.com/office/powerpoint/2010/main" Requires="p14">
+      <p:transition p14:dur="0"/>
+    </mc:Choice>
+    <mc:Fallback>
+      <p:transition/>
+    </mc:Fallback>
+  </mc:AlternateContent>
   <p:timing>
     <p:tnLst>
       <p:par>
@@ -16267,7 +16385,7 @@
           <a:p>
             <a:fld id="{7A14B680-E159-ED46-B89B-60C427FC4DF1}" type="datetime4">
               <a:rPr lang="en-US" smtClean="0"/>
-              <a:t>July 10, 2021</a:t>
+              <a:t>July 12, 2021</a:t>
             </a:fld>
             <a:endParaRPr lang="nl-NL" dirty="0"/>
           </a:p>
@@ -16363,9 +16481,14 @@
   <p:clrMapOvr>
     <a:masterClrMapping/>
   </p:clrMapOvr>
-  <p:transition spd="slow">
-    <p:push dir="u"/>
-  </p:transition>
+  <mc:AlternateContent xmlns:mc="http://schemas.openxmlformats.org/markup-compatibility/2006">
+    <mc:Choice xmlns:p14="http://schemas.microsoft.com/office/powerpoint/2010/main" Requires="p14">
+      <p:transition p14:dur="0"/>
+    </mc:Choice>
+    <mc:Fallback>
+      <p:transition/>
+    </mc:Fallback>
+  </mc:AlternateContent>
 </p:sld>
 </file>
 
@@ -16426,7 +16549,7 @@
           <a:p>
             <a:fld id="{7A14B680-E159-ED46-B89B-60C427FC4DF1}" type="datetime4">
               <a:rPr lang="en-US" smtClean="0"/>
-              <a:t>July 10, 2021</a:t>
+              <a:t>July 12, 2021</a:t>
             </a:fld>
             <a:endParaRPr lang="nl-NL" dirty="0"/>
           </a:p>
@@ -16490,9 +16613,14 @@
   <p:clrMapOvr>
     <a:masterClrMapping/>
   </p:clrMapOvr>
-  <p:transition spd="slow">
-    <p:push dir="u"/>
-  </p:transition>
+  <mc:AlternateContent xmlns:mc="http://schemas.openxmlformats.org/markup-compatibility/2006">
+    <mc:Choice xmlns:p14="http://schemas.microsoft.com/office/powerpoint/2010/main" Requires="p14">
+      <p:transition p14:dur="0"/>
+    </mc:Choice>
+    <mc:Fallback>
+      <p:transition/>
+    </mc:Fallback>
+  </mc:AlternateContent>
 </p:sld>
 </file>
 
@@ -16518,1328 +16646,6 @@
           <p:cNvPr id="2" name="Title 1">
             <a:extLst>
               <a:ext uri="{FF2B5EF4-FFF2-40B4-BE49-F238E27FC236}">
-                <a16:creationId xmlns:a16="http://schemas.microsoft.com/office/drawing/2014/main" id="{D61FE9D0-C299-4444-9AE7-7EA0BE2DFF21}"/>
-              </a:ext>
-            </a:extLst>
-          </p:cNvPr>
-          <p:cNvSpPr>
-            <a:spLocks noGrp="1"/>
-          </p:cNvSpPr>
-          <p:nvPr>
-            <p:ph type="title"/>
-          </p:nvPr>
-        </p:nvSpPr>
-        <p:spPr/>
-        <p:txBody>
-          <a:bodyPr/>
-          <a:lstStyle/>
-          <a:p>
-            <a:pPr algn="ctr"/>
-            <a:r>
-              <a:rPr lang="en-US" dirty="0"/>
-              <a:t>Stubbing &amp; Mocking</a:t>
-            </a:r>
-            <a:br>
-              <a:rPr lang="en-US" dirty="0"/>
-            </a:br>
-            <a:r>
-              <a:rPr lang="en-US" dirty="0"/>
-              <a:t>DEMO</a:t>
-            </a:r>
-          </a:p>
-        </p:txBody>
-      </p:sp>
-      <p:sp>
-        <p:nvSpPr>
-          <p:cNvPr id="4" name="Date Placeholder 3">
-            <a:extLst>
-              <a:ext uri="{FF2B5EF4-FFF2-40B4-BE49-F238E27FC236}">
-                <a16:creationId xmlns:a16="http://schemas.microsoft.com/office/drawing/2014/main" id="{0A46ED0D-6B0C-4BF5-A7D1-7C5A346A8AB3}"/>
-              </a:ext>
-            </a:extLst>
-          </p:cNvPr>
-          <p:cNvSpPr>
-            <a:spLocks noGrp="1"/>
-          </p:cNvSpPr>
-          <p:nvPr>
-            <p:ph type="dt" sz="half" idx="10"/>
-          </p:nvPr>
-        </p:nvSpPr>
-        <p:spPr/>
-        <p:txBody>
-          <a:bodyPr/>
-          <a:lstStyle/>
-          <a:p>
-            <a:fld id="{7A14B680-E159-ED46-B89B-60C427FC4DF1}" type="datetime4">
-              <a:rPr lang="en-US" smtClean="0"/>
-              <a:t>July 10, 2021</a:t>
-            </a:fld>
-            <a:endParaRPr lang="nl-NL" dirty="0"/>
-          </a:p>
-        </p:txBody>
-      </p:sp>
-      <p:sp>
-        <p:nvSpPr>
-          <p:cNvPr id="5" name="Footer Placeholder 4">
-            <a:extLst>
-              <a:ext uri="{FF2B5EF4-FFF2-40B4-BE49-F238E27FC236}">
-                <a16:creationId xmlns:a16="http://schemas.microsoft.com/office/drawing/2014/main" id="{004923E0-0293-4D40-83DB-F3DBB5D15EB1}"/>
-              </a:ext>
-            </a:extLst>
-          </p:cNvPr>
-          <p:cNvSpPr>
-            <a:spLocks noGrp="1"/>
-          </p:cNvSpPr>
-          <p:nvPr>
-            <p:ph type="ftr" sz="quarter" idx="11"/>
-          </p:nvPr>
-        </p:nvSpPr>
-        <p:spPr/>
-        <p:txBody>
-          <a:bodyPr/>
-          <a:lstStyle/>
-          <a:p>
-            <a:r>
-              <a:rPr lang="nl-NL"/>
-              <a:t>TITLE PRESENTATION</a:t>
-            </a:r>
-            <a:endParaRPr lang="nl-NL" dirty="0"/>
-          </a:p>
-        </p:txBody>
-      </p:sp>
-      <p:sp>
-        <p:nvSpPr>
-          <p:cNvPr id="3" name="Content Placeholder 2">
-            <a:extLst>
-              <a:ext uri="{FF2B5EF4-FFF2-40B4-BE49-F238E27FC236}">
-                <a16:creationId xmlns:a16="http://schemas.microsoft.com/office/drawing/2014/main" id="{4EE519B7-FE09-44A6-B5B0-1C8655361CD7}"/>
-              </a:ext>
-            </a:extLst>
-          </p:cNvPr>
-          <p:cNvSpPr>
-            <a:spLocks noGrp="1"/>
-          </p:cNvSpPr>
-          <p:nvPr>
-            <p:ph idx="1"/>
-          </p:nvPr>
-        </p:nvSpPr>
-        <p:spPr/>
-        <p:txBody>
-          <a:bodyPr/>
-          <a:lstStyle/>
-          <a:p>
-            <a:pPr>
-              <a:lnSpc>
-                <a:spcPct val="200000"/>
-              </a:lnSpc>
-            </a:pPr>
-            <a:endParaRPr lang="en-US" dirty="0"/>
-          </a:p>
-        </p:txBody>
-      </p:sp>
-    </p:spTree>
-    <p:extLst>
-      <p:ext uri="{BB962C8B-B14F-4D97-AF65-F5344CB8AC3E}">
-        <p14:creationId xmlns:p14="http://schemas.microsoft.com/office/powerpoint/2010/main" val="578487065"/>
-      </p:ext>
-    </p:extLst>
-  </p:cSld>
-  <p:clrMapOvr>
-    <a:masterClrMapping/>
-  </p:clrMapOvr>
-  <p:transition spd="slow">
-    <p:push dir="u"/>
-  </p:transition>
-</p:sld>
-</file>
-
-<file path=ppt/slides/slide31.xml><?xml version="1.0" encoding="utf-8"?>
-<p:sld xmlns:a="http://schemas.openxmlformats.org/drawingml/2006/main" xmlns:r="http://schemas.openxmlformats.org/officeDocument/2006/relationships" xmlns:p="http://schemas.openxmlformats.org/presentationml/2006/main">
-  <p:cSld>
-    <p:spTree>
-      <p:nvGrpSpPr>
-        <p:cNvPr id="1" name=""/>
-        <p:cNvGrpSpPr/>
-        <p:nvPr/>
-      </p:nvGrpSpPr>
-      <p:grpSpPr>
-        <a:xfrm>
-          <a:off x="0" y="0"/>
-          <a:ext cx="0" cy="0"/>
-          <a:chOff x="0" y="0"/>
-          <a:chExt cx="0" cy="0"/>
-        </a:xfrm>
-      </p:grpSpPr>
-      <p:sp>
-        <p:nvSpPr>
-          <p:cNvPr id="2" name="Title 1">
-            <a:extLst>
-              <a:ext uri="{FF2B5EF4-FFF2-40B4-BE49-F238E27FC236}">
-                <a16:creationId xmlns:a16="http://schemas.microsoft.com/office/drawing/2014/main" id="{9D0BBEE7-7005-4586-ADE6-67B7A2BCD8F1}"/>
-              </a:ext>
-            </a:extLst>
-          </p:cNvPr>
-          <p:cNvSpPr>
-            <a:spLocks noGrp="1"/>
-          </p:cNvSpPr>
-          <p:nvPr>
-            <p:ph type="title"/>
-          </p:nvPr>
-        </p:nvSpPr>
-        <p:spPr/>
-        <p:txBody>
-          <a:bodyPr/>
-          <a:lstStyle/>
-          <a:p>
-            <a:pPr algn="ctr"/>
-            <a:r>
-              <a:rPr lang="en-US" dirty="0"/>
-              <a:t>Unit Tests vs Integration Tests</a:t>
-            </a:r>
-          </a:p>
-        </p:txBody>
-      </p:sp>
-      <p:sp>
-        <p:nvSpPr>
-          <p:cNvPr id="3" name="Content Placeholder 2">
-            <a:extLst>
-              <a:ext uri="{FF2B5EF4-FFF2-40B4-BE49-F238E27FC236}">
-                <a16:creationId xmlns:a16="http://schemas.microsoft.com/office/drawing/2014/main" id="{6E041DA7-B58F-4A84-A30A-12D46BFB7700}"/>
-              </a:ext>
-            </a:extLst>
-          </p:cNvPr>
-          <p:cNvSpPr>
-            <a:spLocks noGrp="1"/>
-          </p:cNvSpPr>
-          <p:nvPr>
-            <p:ph idx="1"/>
-          </p:nvPr>
-        </p:nvSpPr>
-        <p:spPr/>
-        <p:txBody>
-          <a:bodyPr/>
-          <a:lstStyle/>
-          <a:p>
-            <a:endParaRPr lang="en-US"/>
-          </a:p>
-        </p:txBody>
-      </p:sp>
-      <p:sp>
-        <p:nvSpPr>
-          <p:cNvPr id="4" name="Date Placeholder 3">
-            <a:extLst>
-              <a:ext uri="{FF2B5EF4-FFF2-40B4-BE49-F238E27FC236}">
-                <a16:creationId xmlns:a16="http://schemas.microsoft.com/office/drawing/2014/main" id="{1EC46BA9-B46B-4887-BF69-7067D4885ABF}"/>
-              </a:ext>
-            </a:extLst>
-          </p:cNvPr>
-          <p:cNvSpPr>
-            <a:spLocks noGrp="1"/>
-          </p:cNvSpPr>
-          <p:nvPr>
-            <p:ph type="dt" sz="half" idx="10"/>
-          </p:nvPr>
-        </p:nvSpPr>
-        <p:spPr/>
-        <p:txBody>
-          <a:bodyPr/>
-          <a:lstStyle/>
-          <a:p>
-            <a:fld id="{7A14B680-E159-ED46-B89B-60C427FC4DF1}" type="datetime4">
-              <a:rPr lang="en-US" smtClean="0"/>
-              <a:t>July 10, 2021</a:t>
-            </a:fld>
-            <a:endParaRPr lang="nl-NL" dirty="0"/>
-          </a:p>
-        </p:txBody>
-      </p:sp>
-      <p:sp>
-        <p:nvSpPr>
-          <p:cNvPr id="5" name="Footer Placeholder 4">
-            <a:extLst>
-              <a:ext uri="{FF2B5EF4-FFF2-40B4-BE49-F238E27FC236}">
-                <a16:creationId xmlns:a16="http://schemas.microsoft.com/office/drawing/2014/main" id="{BFEFC58E-C303-4E2B-8A96-96521C50EB6C}"/>
-              </a:ext>
-            </a:extLst>
-          </p:cNvPr>
-          <p:cNvSpPr>
-            <a:spLocks noGrp="1"/>
-          </p:cNvSpPr>
-          <p:nvPr>
-            <p:ph type="ftr" sz="quarter" idx="11"/>
-          </p:nvPr>
-        </p:nvSpPr>
-        <p:spPr/>
-        <p:txBody>
-          <a:bodyPr/>
-          <a:lstStyle/>
-          <a:p>
-            <a:r>
-              <a:rPr lang="nl-NL"/>
-              <a:t>TITLE PRESENTATION</a:t>
-            </a:r>
-            <a:endParaRPr lang="nl-NL" dirty="0"/>
-          </a:p>
-        </p:txBody>
-      </p:sp>
-    </p:spTree>
-    <p:extLst>
-      <p:ext uri="{BB962C8B-B14F-4D97-AF65-F5344CB8AC3E}">
-        <p14:creationId xmlns:p14="http://schemas.microsoft.com/office/powerpoint/2010/main" val="1723526792"/>
-      </p:ext>
-    </p:extLst>
-  </p:cSld>
-  <p:clrMapOvr>
-    <a:masterClrMapping/>
-  </p:clrMapOvr>
-  <p:transition spd="slow">
-    <p:push dir="u"/>
-  </p:transition>
-</p:sld>
-</file>
-
-<file path=ppt/slides/slide32.xml><?xml version="1.0" encoding="utf-8"?>
-<p:sld xmlns:a="http://schemas.openxmlformats.org/drawingml/2006/main" xmlns:r="http://schemas.openxmlformats.org/officeDocument/2006/relationships" xmlns:p="http://schemas.openxmlformats.org/presentationml/2006/main">
-  <p:cSld>
-    <p:spTree>
-      <p:nvGrpSpPr>
-        <p:cNvPr id="1" name=""/>
-        <p:cNvGrpSpPr/>
-        <p:nvPr/>
-      </p:nvGrpSpPr>
-      <p:grpSpPr>
-        <a:xfrm>
-          <a:off x="0" y="0"/>
-          <a:ext cx="0" cy="0"/>
-          <a:chOff x="0" y="0"/>
-          <a:chExt cx="0" cy="0"/>
-        </a:xfrm>
-      </p:grpSpPr>
-      <p:sp>
-        <p:nvSpPr>
-          <p:cNvPr id="2" name="Title 1">
-            <a:extLst>
-              <a:ext uri="{FF2B5EF4-FFF2-40B4-BE49-F238E27FC236}">
-                <a16:creationId xmlns:a16="http://schemas.microsoft.com/office/drawing/2014/main" id="{9D0BBEE7-7005-4586-ADE6-67B7A2BCD8F1}"/>
-              </a:ext>
-            </a:extLst>
-          </p:cNvPr>
-          <p:cNvSpPr>
-            <a:spLocks noGrp="1"/>
-          </p:cNvSpPr>
-          <p:nvPr>
-            <p:ph type="title"/>
-          </p:nvPr>
-        </p:nvSpPr>
-        <p:spPr/>
-        <p:txBody>
-          <a:bodyPr/>
-          <a:lstStyle/>
-          <a:p>
-            <a:pPr algn="ctr"/>
-            <a:r>
-              <a:rPr lang="en-US" dirty="0"/>
-              <a:t>Unit Tests vs Integration Tests</a:t>
-            </a:r>
-          </a:p>
-        </p:txBody>
-      </p:sp>
-      <p:sp>
-        <p:nvSpPr>
-          <p:cNvPr id="3" name="Content Placeholder 2">
-            <a:extLst>
-              <a:ext uri="{FF2B5EF4-FFF2-40B4-BE49-F238E27FC236}">
-                <a16:creationId xmlns:a16="http://schemas.microsoft.com/office/drawing/2014/main" id="{6E041DA7-B58F-4A84-A30A-12D46BFB7700}"/>
-              </a:ext>
-            </a:extLst>
-          </p:cNvPr>
-          <p:cNvSpPr>
-            <a:spLocks noGrp="1"/>
-          </p:cNvSpPr>
-          <p:nvPr>
-            <p:ph idx="1"/>
-          </p:nvPr>
-        </p:nvSpPr>
-        <p:spPr/>
-        <p:txBody>
-          <a:bodyPr/>
-          <a:lstStyle/>
-          <a:p>
-            <a:endParaRPr lang="en-US" dirty="0"/>
-          </a:p>
-          <a:p>
-            <a:pPr>
-              <a:lnSpc>
-                <a:spcPct val="150000"/>
-              </a:lnSpc>
-            </a:pPr>
-            <a:r>
-              <a:rPr lang="en-US" dirty="0"/>
-              <a:t>“Integration tests ensure that an app's components function correctly at a level that includes the app's supporting infrastructure, such as the database, file system, and network.”</a:t>
-            </a:r>
-          </a:p>
-        </p:txBody>
-      </p:sp>
-      <p:sp>
-        <p:nvSpPr>
-          <p:cNvPr id="4" name="Date Placeholder 3">
-            <a:extLst>
-              <a:ext uri="{FF2B5EF4-FFF2-40B4-BE49-F238E27FC236}">
-                <a16:creationId xmlns:a16="http://schemas.microsoft.com/office/drawing/2014/main" id="{1EC46BA9-B46B-4887-BF69-7067D4885ABF}"/>
-              </a:ext>
-            </a:extLst>
-          </p:cNvPr>
-          <p:cNvSpPr>
-            <a:spLocks noGrp="1"/>
-          </p:cNvSpPr>
-          <p:nvPr>
-            <p:ph type="dt" sz="half" idx="10"/>
-          </p:nvPr>
-        </p:nvSpPr>
-        <p:spPr/>
-        <p:txBody>
-          <a:bodyPr/>
-          <a:lstStyle/>
-          <a:p>
-            <a:fld id="{7A14B680-E159-ED46-B89B-60C427FC4DF1}" type="datetime4">
-              <a:rPr lang="en-US" smtClean="0"/>
-              <a:t>July 10, 2021</a:t>
-            </a:fld>
-            <a:endParaRPr lang="nl-NL" dirty="0"/>
-          </a:p>
-        </p:txBody>
-      </p:sp>
-      <p:sp>
-        <p:nvSpPr>
-          <p:cNvPr id="5" name="Footer Placeholder 4">
-            <a:extLst>
-              <a:ext uri="{FF2B5EF4-FFF2-40B4-BE49-F238E27FC236}">
-                <a16:creationId xmlns:a16="http://schemas.microsoft.com/office/drawing/2014/main" id="{BFEFC58E-C303-4E2B-8A96-96521C50EB6C}"/>
-              </a:ext>
-            </a:extLst>
-          </p:cNvPr>
-          <p:cNvSpPr>
-            <a:spLocks noGrp="1"/>
-          </p:cNvSpPr>
-          <p:nvPr>
-            <p:ph type="ftr" sz="quarter" idx="11"/>
-          </p:nvPr>
-        </p:nvSpPr>
-        <p:spPr/>
-        <p:txBody>
-          <a:bodyPr/>
-          <a:lstStyle/>
-          <a:p>
-            <a:r>
-              <a:rPr lang="nl-NL"/>
-              <a:t>TITLE PRESENTATION</a:t>
-            </a:r>
-            <a:endParaRPr lang="nl-NL" dirty="0"/>
-          </a:p>
-        </p:txBody>
-      </p:sp>
-    </p:spTree>
-    <p:extLst>
-      <p:ext uri="{BB962C8B-B14F-4D97-AF65-F5344CB8AC3E}">
-        <p14:creationId xmlns:p14="http://schemas.microsoft.com/office/powerpoint/2010/main" val="2183642599"/>
-      </p:ext>
-    </p:extLst>
-  </p:cSld>
-  <p:clrMapOvr>
-    <a:masterClrMapping/>
-  </p:clrMapOvr>
-  <p:transition spd="slow">
-    <p:push dir="u"/>
-  </p:transition>
-</p:sld>
-</file>
-
-<file path=ppt/slides/slide33.xml><?xml version="1.0" encoding="utf-8"?>
-<p:sld xmlns:a="http://schemas.openxmlformats.org/drawingml/2006/main" xmlns:r="http://schemas.openxmlformats.org/officeDocument/2006/relationships" xmlns:p="http://schemas.openxmlformats.org/presentationml/2006/main">
-  <p:cSld>
-    <p:spTree>
-      <p:nvGrpSpPr>
-        <p:cNvPr id="1" name=""/>
-        <p:cNvGrpSpPr/>
-        <p:nvPr/>
-      </p:nvGrpSpPr>
-      <p:grpSpPr>
-        <a:xfrm>
-          <a:off x="0" y="0"/>
-          <a:ext cx="0" cy="0"/>
-          <a:chOff x="0" y="0"/>
-          <a:chExt cx="0" cy="0"/>
-        </a:xfrm>
-      </p:grpSpPr>
-      <p:sp>
-        <p:nvSpPr>
-          <p:cNvPr id="2" name="Title 1">
-            <a:extLst>
-              <a:ext uri="{FF2B5EF4-FFF2-40B4-BE49-F238E27FC236}">
-                <a16:creationId xmlns:a16="http://schemas.microsoft.com/office/drawing/2014/main" id="{9D0BBEE7-7005-4586-ADE6-67B7A2BCD8F1}"/>
-              </a:ext>
-            </a:extLst>
-          </p:cNvPr>
-          <p:cNvSpPr>
-            <a:spLocks noGrp="1"/>
-          </p:cNvSpPr>
-          <p:nvPr>
-            <p:ph type="title"/>
-          </p:nvPr>
-        </p:nvSpPr>
-        <p:spPr/>
-        <p:txBody>
-          <a:bodyPr/>
-          <a:lstStyle/>
-          <a:p>
-            <a:pPr algn="ctr"/>
-            <a:r>
-              <a:rPr lang="en-US" dirty="0"/>
-              <a:t>Unit Tests vs Integration Tests</a:t>
-            </a:r>
-          </a:p>
-        </p:txBody>
-      </p:sp>
-      <p:sp>
-        <p:nvSpPr>
-          <p:cNvPr id="3" name="Content Placeholder 2">
-            <a:extLst>
-              <a:ext uri="{FF2B5EF4-FFF2-40B4-BE49-F238E27FC236}">
-                <a16:creationId xmlns:a16="http://schemas.microsoft.com/office/drawing/2014/main" id="{6E041DA7-B58F-4A84-A30A-12D46BFB7700}"/>
-              </a:ext>
-            </a:extLst>
-          </p:cNvPr>
-          <p:cNvSpPr>
-            <a:spLocks noGrp="1"/>
-          </p:cNvSpPr>
-          <p:nvPr>
-            <p:ph idx="1"/>
-          </p:nvPr>
-        </p:nvSpPr>
-        <p:spPr/>
-        <p:txBody>
-          <a:bodyPr/>
-          <a:lstStyle/>
-          <a:p>
-            <a:endParaRPr lang="en-US" dirty="0"/>
-          </a:p>
-          <a:p>
-            <a:pPr>
-              <a:lnSpc>
-                <a:spcPct val="150000"/>
-              </a:lnSpc>
-            </a:pPr>
-            <a:r>
-              <a:rPr lang="en-US" dirty="0"/>
-              <a:t>“Integration tests ensure that an app's components function correctly at a level that includes the app's supporting infrastructure, such as the database, file system, and network.”</a:t>
-            </a:r>
-          </a:p>
-          <a:p>
-            <a:pPr>
-              <a:lnSpc>
-                <a:spcPct val="150000"/>
-              </a:lnSpc>
-            </a:pPr>
-            <a:r>
-              <a:rPr lang="en-US" dirty="0"/>
-              <a:t>“Integration tests evaluate an app's components on a broader level than </a:t>
-            </a:r>
-            <a:r>
-              <a:rPr lang="en-US" u="sng" dirty="0">
-                <a:hlinkClick r:id="rId3"/>
-              </a:rPr>
-              <a:t>unit tests</a:t>
-            </a:r>
-            <a:r>
-              <a:rPr lang="en-US" dirty="0"/>
-              <a:t>.”</a:t>
-            </a:r>
-          </a:p>
-          <a:p>
-            <a:pPr>
-              <a:lnSpc>
-                <a:spcPct val="150000"/>
-              </a:lnSpc>
-            </a:pPr>
-            <a:endParaRPr lang="en-US" dirty="0"/>
-          </a:p>
-        </p:txBody>
-      </p:sp>
-      <p:sp>
-        <p:nvSpPr>
-          <p:cNvPr id="4" name="Date Placeholder 3">
-            <a:extLst>
-              <a:ext uri="{FF2B5EF4-FFF2-40B4-BE49-F238E27FC236}">
-                <a16:creationId xmlns:a16="http://schemas.microsoft.com/office/drawing/2014/main" id="{1EC46BA9-B46B-4887-BF69-7067D4885ABF}"/>
-              </a:ext>
-            </a:extLst>
-          </p:cNvPr>
-          <p:cNvSpPr>
-            <a:spLocks noGrp="1"/>
-          </p:cNvSpPr>
-          <p:nvPr>
-            <p:ph type="dt" sz="half" idx="10"/>
-          </p:nvPr>
-        </p:nvSpPr>
-        <p:spPr/>
-        <p:txBody>
-          <a:bodyPr/>
-          <a:lstStyle/>
-          <a:p>
-            <a:fld id="{7A14B680-E159-ED46-B89B-60C427FC4DF1}" type="datetime4">
-              <a:rPr lang="en-US" smtClean="0"/>
-              <a:t>July 10, 2021</a:t>
-            </a:fld>
-            <a:endParaRPr lang="nl-NL" dirty="0"/>
-          </a:p>
-        </p:txBody>
-      </p:sp>
-      <p:sp>
-        <p:nvSpPr>
-          <p:cNvPr id="5" name="Footer Placeholder 4">
-            <a:extLst>
-              <a:ext uri="{FF2B5EF4-FFF2-40B4-BE49-F238E27FC236}">
-                <a16:creationId xmlns:a16="http://schemas.microsoft.com/office/drawing/2014/main" id="{BFEFC58E-C303-4E2B-8A96-96521C50EB6C}"/>
-              </a:ext>
-            </a:extLst>
-          </p:cNvPr>
-          <p:cNvSpPr>
-            <a:spLocks noGrp="1"/>
-          </p:cNvSpPr>
-          <p:nvPr>
-            <p:ph type="ftr" sz="quarter" idx="11"/>
-          </p:nvPr>
-        </p:nvSpPr>
-        <p:spPr/>
-        <p:txBody>
-          <a:bodyPr/>
-          <a:lstStyle/>
-          <a:p>
-            <a:r>
-              <a:rPr lang="nl-NL"/>
-              <a:t>TITLE PRESENTATION</a:t>
-            </a:r>
-            <a:endParaRPr lang="nl-NL" dirty="0"/>
-          </a:p>
-        </p:txBody>
-      </p:sp>
-    </p:spTree>
-    <p:extLst>
-      <p:ext uri="{BB962C8B-B14F-4D97-AF65-F5344CB8AC3E}">
-        <p14:creationId xmlns:p14="http://schemas.microsoft.com/office/powerpoint/2010/main" val="2422816207"/>
-      </p:ext>
-    </p:extLst>
-  </p:cSld>
-  <p:clrMapOvr>
-    <a:masterClrMapping/>
-  </p:clrMapOvr>
-  <p:transition spd="slow">
-    <p:push dir="u"/>
-  </p:transition>
-</p:sld>
-</file>
-
-<file path=ppt/slides/slide34.xml><?xml version="1.0" encoding="utf-8"?>
-<p:sld xmlns:a="http://schemas.openxmlformats.org/drawingml/2006/main" xmlns:r="http://schemas.openxmlformats.org/officeDocument/2006/relationships" xmlns:p="http://schemas.openxmlformats.org/presentationml/2006/main">
-  <p:cSld>
-    <p:spTree>
-      <p:nvGrpSpPr>
-        <p:cNvPr id="1" name=""/>
-        <p:cNvGrpSpPr/>
-        <p:nvPr/>
-      </p:nvGrpSpPr>
-      <p:grpSpPr>
-        <a:xfrm>
-          <a:off x="0" y="0"/>
-          <a:ext cx="0" cy="0"/>
-          <a:chOff x="0" y="0"/>
-          <a:chExt cx="0" cy="0"/>
-        </a:xfrm>
-      </p:grpSpPr>
-      <p:sp>
-        <p:nvSpPr>
-          <p:cNvPr id="2" name="Title 1">
-            <a:extLst>
-              <a:ext uri="{FF2B5EF4-FFF2-40B4-BE49-F238E27FC236}">
-                <a16:creationId xmlns:a16="http://schemas.microsoft.com/office/drawing/2014/main" id="{9D0BBEE7-7005-4586-ADE6-67B7A2BCD8F1}"/>
-              </a:ext>
-            </a:extLst>
-          </p:cNvPr>
-          <p:cNvSpPr>
-            <a:spLocks noGrp="1"/>
-          </p:cNvSpPr>
-          <p:nvPr>
-            <p:ph type="title"/>
-          </p:nvPr>
-        </p:nvSpPr>
-        <p:spPr/>
-        <p:txBody>
-          <a:bodyPr/>
-          <a:lstStyle/>
-          <a:p>
-            <a:pPr algn="ctr"/>
-            <a:r>
-              <a:rPr lang="en-US" dirty="0"/>
-              <a:t>Unit Tests vs Integration Tests</a:t>
-            </a:r>
-          </a:p>
-        </p:txBody>
-      </p:sp>
-      <p:sp>
-        <p:nvSpPr>
-          <p:cNvPr id="3" name="Content Placeholder 2">
-            <a:extLst>
-              <a:ext uri="{FF2B5EF4-FFF2-40B4-BE49-F238E27FC236}">
-                <a16:creationId xmlns:a16="http://schemas.microsoft.com/office/drawing/2014/main" id="{6E041DA7-B58F-4A84-A30A-12D46BFB7700}"/>
-              </a:ext>
-            </a:extLst>
-          </p:cNvPr>
-          <p:cNvSpPr>
-            <a:spLocks noGrp="1"/>
-          </p:cNvSpPr>
-          <p:nvPr>
-            <p:ph idx="1"/>
-          </p:nvPr>
-        </p:nvSpPr>
-        <p:spPr/>
-        <p:txBody>
-          <a:bodyPr/>
-          <a:lstStyle/>
-          <a:p>
-            <a:pPr>
-              <a:lnSpc>
-                <a:spcPct val="200000"/>
-              </a:lnSpc>
-            </a:pPr>
-            <a:r>
-              <a:rPr lang="en-US" dirty="0"/>
-              <a:t>In contrast to unit tests, integration tests:</a:t>
-            </a:r>
-          </a:p>
-        </p:txBody>
-      </p:sp>
-      <p:sp>
-        <p:nvSpPr>
-          <p:cNvPr id="4" name="Date Placeholder 3">
-            <a:extLst>
-              <a:ext uri="{FF2B5EF4-FFF2-40B4-BE49-F238E27FC236}">
-                <a16:creationId xmlns:a16="http://schemas.microsoft.com/office/drawing/2014/main" id="{1EC46BA9-B46B-4887-BF69-7067D4885ABF}"/>
-              </a:ext>
-            </a:extLst>
-          </p:cNvPr>
-          <p:cNvSpPr>
-            <a:spLocks noGrp="1"/>
-          </p:cNvSpPr>
-          <p:nvPr>
-            <p:ph type="dt" sz="half" idx="10"/>
-          </p:nvPr>
-        </p:nvSpPr>
-        <p:spPr/>
-        <p:txBody>
-          <a:bodyPr/>
-          <a:lstStyle/>
-          <a:p>
-            <a:fld id="{7A14B680-E159-ED46-B89B-60C427FC4DF1}" type="datetime4">
-              <a:rPr lang="en-US" smtClean="0"/>
-              <a:t>July 10, 2021</a:t>
-            </a:fld>
-            <a:endParaRPr lang="nl-NL" dirty="0"/>
-          </a:p>
-        </p:txBody>
-      </p:sp>
-      <p:sp>
-        <p:nvSpPr>
-          <p:cNvPr id="5" name="Footer Placeholder 4">
-            <a:extLst>
-              <a:ext uri="{FF2B5EF4-FFF2-40B4-BE49-F238E27FC236}">
-                <a16:creationId xmlns:a16="http://schemas.microsoft.com/office/drawing/2014/main" id="{BFEFC58E-C303-4E2B-8A96-96521C50EB6C}"/>
-              </a:ext>
-            </a:extLst>
-          </p:cNvPr>
-          <p:cNvSpPr>
-            <a:spLocks noGrp="1"/>
-          </p:cNvSpPr>
-          <p:nvPr>
-            <p:ph type="ftr" sz="quarter" idx="11"/>
-          </p:nvPr>
-        </p:nvSpPr>
-        <p:spPr/>
-        <p:txBody>
-          <a:bodyPr/>
-          <a:lstStyle/>
-          <a:p>
-            <a:r>
-              <a:rPr lang="nl-NL"/>
-              <a:t>TITLE PRESENTATION</a:t>
-            </a:r>
-            <a:endParaRPr lang="nl-NL" dirty="0"/>
-          </a:p>
-        </p:txBody>
-      </p:sp>
-    </p:spTree>
-    <p:extLst>
-      <p:ext uri="{BB962C8B-B14F-4D97-AF65-F5344CB8AC3E}">
-        <p14:creationId xmlns:p14="http://schemas.microsoft.com/office/powerpoint/2010/main" val="2511066021"/>
-      </p:ext>
-    </p:extLst>
-  </p:cSld>
-  <p:clrMapOvr>
-    <a:masterClrMapping/>
-  </p:clrMapOvr>
-  <p:transition spd="slow">
-    <p:push dir="u"/>
-  </p:transition>
-</p:sld>
-</file>
-
-<file path=ppt/slides/slide35.xml><?xml version="1.0" encoding="utf-8"?>
-<p:sld xmlns:a="http://schemas.openxmlformats.org/drawingml/2006/main" xmlns:r="http://schemas.openxmlformats.org/officeDocument/2006/relationships" xmlns:p="http://schemas.openxmlformats.org/presentationml/2006/main">
-  <p:cSld>
-    <p:spTree>
-      <p:nvGrpSpPr>
-        <p:cNvPr id="1" name=""/>
-        <p:cNvGrpSpPr/>
-        <p:nvPr/>
-      </p:nvGrpSpPr>
-      <p:grpSpPr>
-        <a:xfrm>
-          <a:off x="0" y="0"/>
-          <a:ext cx="0" cy="0"/>
-          <a:chOff x="0" y="0"/>
-          <a:chExt cx="0" cy="0"/>
-        </a:xfrm>
-      </p:grpSpPr>
-      <p:sp>
-        <p:nvSpPr>
-          <p:cNvPr id="2" name="Title 1">
-            <a:extLst>
-              <a:ext uri="{FF2B5EF4-FFF2-40B4-BE49-F238E27FC236}">
-                <a16:creationId xmlns:a16="http://schemas.microsoft.com/office/drawing/2014/main" id="{9D0BBEE7-7005-4586-ADE6-67B7A2BCD8F1}"/>
-              </a:ext>
-            </a:extLst>
-          </p:cNvPr>
-          <p:cNvSpPr>
-            <a:spLocks noGrp="1"/>
-          </p:cNvSpPr>
-          <p:nvPr>
-            <p:ph type="title"/>
-          </p:nvPr>
-        </p:nvSpPr>
-        <p:spPr/>
-        <p:txBody>
-          <a:bodyPr/>
-          <a:lstStyle/>
-          <a:p>
-            <a:pPr algn="ctr"/>
-            <a:r>
-              <a:rPr lang="en-US" dirty="0"/>
-              <a:t>Unit Tests vs Integration Tests</a:t>
-            </a:r>
-          </a:p>
-        </p:txBody>
-      </p:sp>
-      <p:sp>
-        <p:nvSpPr>
-          <p:cNvPr id="3" name="Content Placeholder 2">
-            <a:extLst>
-              <a:ext uri="{FF2B5EF4-FFF2-40B4-BE49-F238E27FC236}">
-                <a16:creationId xmlns:a16="http://schemas.microsoft.com/office/drawing/2014/main" id="{6E041DA7-B58F-4A84-A30A-12D46BFB7700}"/>
-              </a:ext>
-            </a:extLst>
-          </p:cNvPr>
-          <p:cNvSpPr>
-            <a:spLocks noGrp="1"/>
-          </p:cNvSpPr>
-          <p:nvPr>
-            <p:ph idx="1"/>
-          </p:nvPr>
-        </p:nvSpPr>
-        <p:spPr/>
-        <p:txBody>
-          <a:bodyPr/>
-          <a:lstStyle/>
-          <a:p>
-            <a:pPr>
-              <a:lnSpc>
-                <a:spcPct val="200000"/>
-              </a:lnSpc>
-            </a:pPr>
-            <a:r>
-              <a:rPr lang="en-US" dirty="0"/>
-              <a:t>In contrast to unit tests, integration tests:</a:t>
-            </a:r>
-          </a:p>
-          <a:p>
-            <a:pPr lvl="1">
-              <a:lnSpc>
-                <a:spcPct val="200000"/>
-              </a:lnSpc>
-            </a:pPr>
-            <a:r>
-              <a:rPr lang="en-US" dirty="0"/>
-              <a:t>Use the actual components that the app uses in production.</a:t>
-            </a:r>
-          </a:p>
-        </p:txBody>
-      </p:sp>
-      <p:sp>
-        <p:nvSpPr>
-          <p:cNvPr id="4" name="Date Placeholder 3">
-            <a:extLst>
-              <a:ext uri="{FF2B5EF4-FFF2-40B4-BE49-F238E27FC236}">
-                <a16:creationId xmlns:a16="http://schemas.microsoft.com/office/drawing/2014/main" id="{1EC46BA9-B46B-4887-BF69-7067D4885ABF}"/>
-              </a:ext>
-            </a:extLst>
-          </p:cNvPr>
-          <p:cNvSpPr>
-            <a:spLocks noGrp="1"/>
-          </p:cNvSpPr>
-          <p:nvPr>
-            <p:ph type="dt" sz="half" idx="10"/>
-          </p:nvPr>
-        </p:nvSpPr>
-        <p:spPr/>
-        <p:txBody>
-          <a:bodyPr/>
-          <a:lstStyle/>
-          <a:p>
-            <a:fld id="{7A14B680-E159-ED46-B89B-60C427FC4DF1}" type="datetime4">
-              <a:rPr lang="en-US" smtClean="0"/>
-              <a:t>July 10, 2021</a:t>
-            </a:fld>
-            <a:endParaRPr lang="nl-NL" dirty="0"/>
-          </a:p>
-        </p:txBody>
-      </p:sp>
-      <p:sp>
-        <p:nvSpPr>
-          <p:cNvPr id="5" name="Footer Placeholder 4">
-            <a:extLst>
-              <a:ext uri="{FF2B5EF4-FFF2-40B4-BE49-F238E27FC236}">
-                <a16:creationId xmlns:a16="http://schemas.microsoft.com/office/drawing/2014/main" id="{BFEFC58E-C303-4E2B-8A96-96521C50EB6C}"/>
-              </a:ext>
-            </a:extLst>
-          </p:cNvPr>
-          <p:cNvSpPr>
-            <a:spLocks noGrp="1"/>
-          </p:cNvSpPr>
-          <p:nvPr>
-            <p:ph type="ftr" sz="quarter" idx="11"/>
-          </p:nvPr>
-        </p:nvSpPr>
-        <p:spPr/>
-        <p:txBody>
-          <a:bodyPr/>
-          <a:lstStyle/>
-          <a:p>
-            <a:r>
-              <a:rPr lang="nl-NL"/>
-              <a:t>TITLE PRESENTATION</a:t>
-            </a:r>
-            <a:endParaRPr lang="nl-NL" dirty="0"/>
-          </a:p>
-        </p:txBody>
-      </p:sp>
-    </p:spTree>
-    <p:extLst>
-      <p:ext uri="{BB962C8B-B14F-4D97-AF65-F5344CB8AC3E}">
-        <p14:creationId xmlns:p14="http://schemas.microsoft.com/office/powerpoint/2010/main" val="652764646"/>
-      </p:ext>
-    </p:extLst>
-  </p:cSld>
-  <p:clrMapOvr>
-    <a:masterClrMapping/>
-  </p:clrMapOvr>
-  <p:transition spd="slow">
-    <p:push dir="u"/>
-  </p:transition>
-</p:sld>
-</file>
-
-<file path=ppt/slides/slide36.xml><?xml version="1.0" encoding="utf-8"?>
-<p:sld xmlns:a="http://schemas.openxmlformats.org/drawingml/2006/main" xmlns:r="http://schemas.openxmlformats.org/officeDocument/2006/relationships" xmlns:p="http://schemas.openxmlformats.org/presentationml/2006/main">
-  <p:cSld>
-    <p:spTree>
-      <p:nvGrpSpPr>
-        <p:cNvPr id="1" name=""/>
-        <p:cNvGrpSpPr/>
-        <p:nvPr/>
-      </p:nvGrpSpPr>
-      <p:grpSpPr>
-        <a:xfrm>
-          <a:off x="0" y="0"/>
-          <a:ext cx="0" cy="0"/>
-          <a:chOff x="0" y="0"/>
-          <a:chExt cx="0" cy="0"/>
-        </a:xfrm>
-      </p:grpSpPr>
-      <p:sp>
-        <p:nvSpPr>
-          <p:cNvPr id="2" name="Title 1">
-            <a:extLst>
-              <a:ext uri="{FF2B5EF4-FFF2-40B4-BE49-F238E27FC236}">
-                <a16:creationId xmlns:a16="http://schemas.microsoft.com/office/drawing/2014/main" id="{9D0BBEE7-7005-4586-ADE6-67B7A2BCD8F1}"/>
-              </a:ext>
-            </a:extLst>
-          </p:cNvPr>
-          <p:cNvSpPr>
-            <a:spLocks noGrp="1"/>
-          </p:cNvSpPr>
-          <p:nvPr>
-            <p:ph type="title"/>
-          </p:nvPr>
-        </p:nvSpPr>
-        <p:spPr/>
-        <p:txBody>
-          <a:bodyPr/>
-          <a:lstStyle/>
-          <a:p>
-            <a:pPr algn="ctr"/>
-            <a:r>
-              <a:rPr lang="en-US" dirty="0"/>
-              <a:t>Unit Tests vs Integration Tests</a:t>
-            </a:r>
-          </a:p>
-        </p:txBody>
-      </p:sp>
-      <p:sp>
-        <p:nvSpPr>
-          <p:cNvPr id="3" name="Content Placeholder 2">
-            <a:extLst>
-              <a:ext uri="{FF2B5EF4-FFF2-40B4-BE49-F238E27FC236}">
-                <a16:creationId xmlns:a16="http://schemas.microsoft.com/office/drawing/2014/main" id="{6E041DA7-B58F-4A84-A30A-12D46BFB7700}"/>
-              </a:ext>
-            </a:extLst>
-          </p:cNvPr>
-          <p:cNvSpPr>
-            <a:spLocks noGrp="1"/>
-          </p:cNvSpPr>
-          <p:nvPr>
-            <p:ph idx="1"/>
-          </p:nvPr>
-        </p:nvSpPr>
-        <p:spPr/>
-        <p:txBody>
-          <a:bodyPr/>
-          <a:lstStyle/>
-          <a:p>
-            <a:pPr>
-              <a:lnSpc>
-                <a:spcPct val="200000"/>
-              </a:lnSpc>
-            </a:pPr>
-            <a:r>
-              <a:rPr lang="en-US" dirty="0"/>
-              <a:t>In contrast to unit tests, integration tests:</a:t>
-            </a:r>
-          </a:p>
-          <a:p>
-            <a:pPr lvl="1">
-              <a:lnSpc>
-                <a:spcPct val="200000"/>
-              </a:lnSpc>
-            </a:pPr>
-            <a:r>
-              <a:rPr lang="en-US" dirty="0"/>
-              <a:t>Use the actual components that the app uses in production.</a:t>
-            </a:r>
-          </a:p>
-          <a:p>
-            <a:pPr lvl="1">
-              <a:lnSpc>
-                <a:spcPct val="200000"/>
-              </a:lnSpc>
-            </a:pPr>
-            <a:r>
-              <a:rPr lang="en-US" dirty="0"/>
-              <a:t>Require more code and data processing.</a:t>
-            </a:r>
-          </a:p>
-        </p:txBody>
-      </p:sp>
-      <p:sp>
-        <p:nvSpPr>
-          <p:cNvPr id="4" name="Date Placeholder 3">
-            <a:extLst>
-              <a:ext uri="{FF2B5EF4-FFF2-40B4-BE49-F238E27FC236}">
-                <a16:creationId xmlns:a16="http://schemas.microsoft.com/office/drawing/2014/main" id="{1EC46BA9-B46B-4887-BF69-7067D4885ABF}"/>
-              </a:ext>
-            </a:extLst>
-          </p:cNvPr>
-          <p:cNvSpPr>
-            <a:spLocks noGrp="1"/>
-          </p:cNvSpPr>
-          <p:nvPr>
-            <p:ph type="dt" sz="half" idx="10"/>
-          </p:nvPr>
-        </p:nvSpPr>
-        <p:spPr/>
-        <p:txBody>
-          <a:bodyPr/>
-          <a:lstStyle/>
-          <a:p>
-            <a:fld id="{7A14B680-E159-ED46-B89B-60C427FC4DF1}" type="datetime4">
-              <a:rPr lang="en-US" smtClean="0"/>
-              <a:t>July 10, 2021</a:t>
-            </a:fld>
-            <a:endParaRPr lang="nl-NL" dirty="0"/>
-          </a:p>
-        </p:txBody>
-      </p:sp>
-      <p:sp>
-        <p:nvSpPr>
-          <p:cNvPr id="5" name="Footer Placeholder 4">
-            <a:extLst>
-              <a:ext uri="{FF2B5EF4-FFF2-40B4-BE49-F238E27FC236}">
-                <a16:creationId xmlns:a16="http://schemas.microsoft.com/office/drawing/2014/main" id="{BFEFC58E-C303-4E2B-8A96-96521C50EB6C}"/>
-              </a:ext>
-            </a:extLst>
-          </p:cNvPr>
-          <p:cNvSpPr>
-            <a:spLocks noGrp="1"/>
-          </p:cNvSpPr>
-          <p:nvPr>
-            <p:ph type="ftr" sz="quarter" idx="11"/>
-          </p:nvPr>
-        </p:nvSpPr>
-        <p:spPr/>
-        <p:txBody>
-          <a:bodyPr/>
-          <a:lstStyle/>
-          <a:p>
-            <a:r>
-              <a:rPr lang="nl-NL"/>
-              <a:t>TITLE PRESENTATION</a:t>
-            </a:r>
-            <a:endParaRPr lang="nl-NL" dirty="0"/>
-          </a:p>
-        </p:txBody>
-      </p:sp>
-    </p:spTree>
-    <p:extLst>
-      <p:ext uri="{BB962C8B-B14F-4D97-AF65-F5344CB8AC3E}">
-        <p14:creationId xmlns:p14="http://schemas.microsoft.com/office/powerpoint/2010/main" val="722777993"/>
-      </p:ext>
-    </p:extLst>
-  </p:cSld>
-  <p:clrMapOvr>
-    <a:masterClrMapping/>
-  </p:clrMapOvr>
-  <p:transition spd="slow">
-    <p:push dir="u"/>
-  </p:transition>
-</p:sld>
-</file>
-
-<file path=ppt/slides/slide37.xml><?xml version="1.0" encoding="utf-8"?>
-<p:sld xmlns:a="http://schemas.openxmlformats.org/drawingml/2006/main" xmlns:r="http://schemas.openxmlformats.org/officeDocument/2006/relationships" xmlns:p="http://schemas.openxmlformats.org/presentationml/2006/main">
-  <p:cSld>
-    <p:spTree>
-      <p:nvGrpSpPr>
-        <p:cNvPr id="1" name=""/>
-        <p:cNvGrpSpPr/>
-        <p:nvPr/>
-      </p:nvGrpSpPr>
-      <p:grpSpPr>
-        <a:xfrm>
-          <a:off x="0" y="0"/>
-          <a:ext cx="0" cy="0"/>
-          <a:chOff x="0" y="0"/>
-          <a:chExt cx="0" cy="0"/>
-        </a:xfrm>
-      </p:grpSpPr>
-      <p:sp>
-        <p:nvSpPr>
-          <p:cNvPr id="2" name="Title 1">
-            <a:extLst>
-              <a:ext uri="{FF2B5EF4-FFF2-40B4-BE49-F238E27FC236}">
-                <a16:creationId xmlns:a16="http://schemas.microsoft.com/office/drawing/2014/main" id="{9D0BBEE7-7005-4586-ADE6-67B7A2BCD8F1}"/>
-              </a:ext>
-            </a:extLst>
-          </p:cNvPr>
-          <p:cNvSpPr>
-            <a:spLocks noGrp="1"/>
-          </p:cNvSpPr>
-          <p:nvPr>
-            <p:ph type="title"/>
-          </p:nvPr>
-        </p:nvSpPr>
-        <p:spPr/>
-        <p:txBody>
-          <a:bodyPr/>
-          <a:lstStyle/>
-          <a:p>
-            <a:pPr algn="ctr"/>
-            <a:r>
-              <a:rPr lang="en-US" dirty="0"/>
-              <a:t>Unit Tests vs Integration Tests</a:t>
-            </a:r>
-          </a:p>
-        </p:txBody>
-      </p:sp>
-      <p:sp>
-        <p:nvSpPr>
-          <p:cNvPr id="3" name="Content Placeholder 2">
-            <a:extLst>
-              <a:ext uri="{FF2B5EF4-FFF2-40B4-BE49-F238E27FC236}">
-                <a16:creationId xmlns:a16="http://schemas.microsoft.com/office/drawing/2014/main" id="{6E041DA7-B58F-4A84-A30A-12D46BFB7700}"/>
-              </a:ext>
-            </a:extLst>
-          </p:cNvPr>
-          <p:cNvSpPr>
-            <a:spLocks noGrp="1"/>
-          </p:cNvSpPr>
-          <p:nvPr>
-            <p:ph idx="1"/>
-          </p:nvPr>
-        </p:nvSpPr>
-        <p:spPr/>
-        <p:txBody>
-          <a:bodyPr/>
-          <a:lstStyle/>
-          <a:p>
-            <a:pPr>
-              <a:lnSpc>
-                <a:spcPct val="200000"/>
-              </a:lnSpc>
-            </a:pPr>
-            <a:r>
-              <a:rPr lang="en-US" dirty="0"/>
-              <a:t>In contrast to unit tests, integration tests:</a:t>
-            </a:r>
-          </a:p>
-          <a:p>
-            <a:pPr lvl="1">
-              <a:lnSpc>
-                <a:spcPct val="200000"/>
-              </a:lnSpc>
-            </a:pPr>
-            <a:r>
-              <a:rPr lang="en-US" dirty="0"/>
-              <a:t>Use the actual components that the app uses in production.</a:t>
-            </a:r>
-          </a:p>
-          <a:p>
-            <a:pPr lvl="1">
-              <a:lnSpc>
-                <a:spcPct val="200000"/>
-              </a:lnSpc>
-            </a:pPr>
-            <a:r>
-              <a:rPr lang="en-US" dirty="0"/>
-              <a:t>Require more code and data processing.</a:t>
-            </a:r>
-          </a:p>
-          <a:p>
-            <a:pPr lvl="1">
-              <a:lnSpc>
-                <a:spcPct val="200000"/>
-              </a:lnSpc>
-            </a:pPr>
-            <a:r>
-              <a:rPr lang="en-GB" dirty="0"/>
-              <a:t>Take longer to run.</a:t>
-            </a:r>
-            <a:endParaRPr lang="en-US" dirty="0"/>
-          </a:p>
-        </p:txBody>
-      </p:sp>
-      <p:sp>
-        <p:nvSpPr>
-          <p:cNvPr id="4" name="Date Placeholder 3">
-            <a:extLst>
-              <a:ext uri="{FF2B5EF4-FFF2-40B4-BE49-F238E27FC236}">
-                <a16:creationId xmlns:a16="http://schemas.microsoft.com/office/drawing/2014/main" id="{1EC46BA9-B46B-4887-BF69-7067D4885ABF}"/>
-              </a:ext>
-            </a:extLst>
-          </p:cNvPr>
-          <p:cNvSpPr>
-            <a:spLocks noGrp="1"/>
-          </p:cNvSpPr>
-          <p:nvPr>
-            <p:ph type="dt" sz="half" idx="10"/>
-          </p:nvPr>
-        </p:nvSpPr>
-        <p:spPr/>
-        <p:txBody>
-          <a:bodyPr/>
-          <a:lstStyle/>
-          <a:p>
-            <a:fld id="{7A14B680-E159-ED46-B89B-60C427FC4DF1}" type="datetime4">
-              <a:rPr lang="en-US" smtClean="0"/>
-              <a:t>July 10, 2021</a:t>
-            </a:fld>
-            <a:endParaRPr lang="nl-NL" dirty="0"/>
-          </a:p>
-        </p:txBody>
-      </p:sp>
-      <p:sp>
-        <p:nvSpPr>
-          <p:cNvPr id="5" name="Footer Placeholder 4">
-            <a:extLst>
-              <a:ext uri="{FF2B5EF4-FFF2-40B4-BE49-F238E27FC236}">
-                <a16:creationId xmlns:a16="http://schemas.microsoft.com/office/drawing/2014/main" id="{BFEFC58E-C303-4E2B-8A96-96521C50EB6C}"/>
-              </a:ext>
-            </a:extLst>
-          </p:cNvPr>
-          <p:cNvSpPr>
-            <a:spLocks noGrp="1"/>
-          </p:cNvSpPr>
-          <p:nvPr>
-            <p:ph type="ftr" sz="quarter" idx="11"/>
-          </p:nvPr>
-        </p:nvSpPr>
-        <p:spPr/>
-        <p:txBody>
-          <a:bodyPr/>
-          <a:lstStyle/>
-          <a:p>
-            <a:r>
-              <a:rPr lang="nl-NL"/>
-              <a:t>TITLE PRESENTATION</a:t>
-            </a:r>
-            <a:endParaRPr lang="nl-NL" dirty="0"/>
-          </a:p>
-        </p:txBody>
-      </p:sp>
-    </p:spTree>
-    <p:extLst>
-      <p:ext uri="{BB962C8B-B14F-4D97-AF65-F5344CB8AC3E}">
-        <p14:creationId xmlns:p14="http://schemas.microsoft.com/office/powerpoint/2010/main" val="775774211"/>
-      </p:ext>
-    </p:extLst>
-  </p:cSld>
-  <p:clrMapOvr>
-    <a:masterClrMapping/>
-  </p:clrMapOvr>
-  <p:transition spd="slow">
-    <p:push dir="u"/>
-  </p:transition>
-</p:sld>
-</file>
-
-<file path=ppt/slides/slide38.xml><?xml version="1.0" encoding="utf-8"?>
-<p:sld xmlns:a="http://schemas.openxmlformats.org/drawingml/2006/main" xmlns:r="http://schemas.openxmlformats.org/officeDocument/2006/relationships" xmlns:p="http://schemas.openxmlformats.org/presentationml/2006/main">
-  <p:cSld>
-    <p:spTree>
-      <p:nvGrpSpPr>
-        <p:cNvPr id="1" name=""/>
-        <p:cNvGrpSpPr/>
-        <p:nvPr/>
-      </p:nvGrpSpPr>
-      <p:grpSpPr>
-        <a:xfrm>
-          <a:off x="0" y="0"/>
-          <a:ext cx="0" cy="0"/>
-          <a:chOff x="0" y="0"/>
-          <a:chExt cx="0" cy="0"/>
-        </a:xfrm>
-      </p:grpSpPr>
-      <p:sp>
-        <p:nvSpPr>
-          <p:cNvPr id="2" name="Title 1">
-            <a:extLst>
-              <a:ext uri="{FF2B5EF4-FFF2-40B4-BE49-F238E27FC236}">
                 <a16:creationId xmlns:a16="http://schemas.microsoft.com/office/drawing/2014/main" id="{835F1D7F-7A88-46BC-B4A7-9FB2F303F42B}"/>
               </a:ext>
             </a:extLst>
@@ -17961,7 +16767,7 @@
           <a:p>
             <a:fld id="{7A14B680-E159-ED46-B89B-60C427FC4DF1}" type="datetime4">
               <a:rPr lang="en-US" smtClean="0"/>
-              <a:t>July 10, 2021</a:t>
+              <a:t>July 12, 2021</a:t>
             </a:fld>
             <a:endParaRPr lang="nl-NL" dirty="0"/>
           </a:p>
@@ -18006,9 +16812,14 @@
   <p:clrMapOvr>
     <a:masterClrMapping/>
   </p:clrMapOvr>
-  <p:transition spd="slow">
-    <p:push dir="u"/>
-  </p:transition>
+  <mc:AlternateContent xmlns:mc="http://schemas.openxmlformats.org/markup-compatibility/2006">
+    <mc:Choice xmlns:p14="http://schemas.microsoft.com/office/powerpoint/2010/main" Requires="p14">
+      <p:transition p14:dur="0"/>
+    </mc:Choice>
+    <mc:Fallback>
+      <p:transition/>
+    </mc:Fallback>
+  </mc:AlternateContent>
   <p:timing>
     <p:tnLst>
       <p:par>
@@ -18241,6 +17052,1368 @@
 </p:sld>
 </file>
 
+<file path=ppt/slides/slide31.xml><?xml version="1.0" encoding="utf-8"?>
+<p:sld xmlns:a="http://schemas.openxmlformats.org/drawingml/2006/main" xmlns:r="http://schemas.openxmlformats.org/officeDocument/2006/relationships" xmlns:p="http://schemas.openxmlformats.org/presentationml/2006/main">
+  <p:cSld>
+    <p:spTree>
+      <p:nvGrpSpPr>
+        <p:cNvPr id="1" name=""/>
+        <p:cNvGrpSpPr/>
+        <p:nvPr/>
+      </p:nvGrpSpPr>
+      <p:grpSpPr>
+        <a:xfrm>
+          <a:off x="0" y="0"/>
+          <a:ext cx="0" cy="0"/>
+          <a:chOff x="0" y="0"/>
+          <a:chExt cx="0" cy="0"/>
+        </a:xfrm>
+      </p:grpSpPr>
+      <p:sp>
+        <p:nvSpPr>
+          <p:cNvPr id="2" name="Title 1">
+            <a:extLst>
+              <a:ext uri="{FF2B5EF4-FFF2-40B4-BE49-F238E27FC236}">
+                <a16:creationId xmlns:a16="http://schemas.microsoft.com/office/drawing/2014/main" id="{D61FE9D0-C299-4444-9AE7-7EA0BE2DFF21}"/>
+              </a:ext>
+            </a:extLst>
+          </p:cNvPr>
+          <p:cNvSpPr>
+            <a:spLocks noGrp="1"/>
+          </p:cNvSpPr>
+          <p:nvPr>
+            <p:ph type="title"/>
+          </p:nvPr>
+        </p:nvSpPr>
+        <p:spPr/>
+        <p:txBody>
+          <a:bodyPr/>
+          <a:lstStyle/>
+          <a:p>
+            <a:pPr algn="ctr"/>
+            <a:r>
+              <a:rPr lang="en-US" dirty="0"/>
+              <a:t>Stubbing &amp; Mocking</a:t>
+            </a:r>
+            <a:br>
+              <a:rPr lang="en-US" dirty="0"/>
+            </a:br>
+            <a:r>
+              <a:rPr lang="en-US" dirty="0"/>
+              <a:t>DEMO</a:t>
+            </a:r>
+          </a:p>
+        </p:txBody>
+      </p:sp>
+      <p:sp>
+        <p:nvSpPr>
+          <p:cNvPr id="4" name="Date Placeholder 3">
+            <a:extLst>
+              <a:ext uri="{FF2B5EF4-FFF2-40B4-BE49-F238E27FC236}">
+                <a16:creationId xmlns:a16="http://schemas.microsoft.com/office/drawing/2014/main" id="{0A46ED0D-6B0C-4BF5-A7D1-7C5A346A8AB3}"/>
+              </a:ext>
+            </a:extLst>
+          </p:cNvPr>
+          <p:cNvSpPr>
+            <a:spLocks noGrp="1"/>
+          </p:cNvSpPr>
+          <p:nvPr>
+            <p:ph type="dt" sz="half" idx="10"/>
+          </p:nvPr>
+        </p:nvSpPr>
+        <p:spPr/>
+        <p:txBody>
+          <a:bodyPr/>
+          <a:lstStyle/>
+          <a:p>
+            <a:fld id="{7A14B680-E159-ED46-B89B-60C427FC4DF1}" type="datetime4">
+              <a:rPr lang="en-US" smtClean="0"/>
+              <a:t>July 12, 2021</a:t>
+            </a:fld>
+            <a:endParaRPr lang="nl-NL" dirty="0"/>
+          </a:p>
+        </p:txBody>
+      </p:sp>
+      <p:sp>
+        <p:nvSpPr>
+          <p:cNvPr id="5" name="Footer Placeholder 4">
+            <a:extLst>
+              <a:ext uri="{FF2B5EF4-FFF2-40B4-BE49-F238E27FC236}">
+                <a16:creationId xmlns:a16="http://schemas.microsoft.com/office/drawing/2014/main" id="{004923E0-0293-4D40-83DB-F3DBB5D15EB1}"/>
+              </a:ext>
+            </a:extLst>
+          </p:cNvPr>
+          <p:cNvSpPr>
+            <a:spLocks noGrp="1"/>
+          </p:cNvSpPr>
+          <p:nvPr>
+            <p:ph type="ftr" sz="quarter" idx="11"/>
+          </p:nvPr>
+        </p:nvSpPr>
+        <p:spPr/>
+        <p:txBody>
+          <a:bodyPr/>
+          <a:lstStyle/>
+          <a:p>
+            <a:r>
+              <a:rPr lang="nl-NL"/>
+              <a:t>TITLE PRESENTATION</a:t>
+            </a:r>
+            <a:endParaRPr lang="nl-NL" dirty="0"/>
+          </a:p>
+        </p:txBody>
+      </p:sp>
+      <p:sp>
+        <p:nvSpPr>
+          <p:cNvPr id="3" name="Content Placeholder 2">
+            <a:extLst>
+              <a:ext uri="{FF2B5EF4-FFF2-40B4-BE49-F238E27FC236}">
+                <a16:creationId xmlns:a16="http://schemas.microsoft.com/office/drawing/2014/main" id="{4EE519B7-FE09-44A6-B5B0-1C8655361CD7}"/>
+              </a:ext>
+            </a:extLst>
+          </p:cNvPr>
+          <p:cNvSpPr>
+            <a:spLocks noGrp="1"/>
+          </p:cNvSpPr>
+          <p:nvPr>
+            <p:ph idx="1"/>
+          </p:nvPr>
+        </p:nvSpPr>
+        <p:spPr/>
+        <p:txBody>
+          <a:bodyPr/>
+          <a:lstStyle/>
+          <a:p>
+            <a:pPr>
+              <a:lnSpc>
+                <a:spcPct val="200000"/>
+              </a:lnSpc>
+            </a:pPr>
+            <a:endParaRPr lang="en-US" dirty="0"/>
+          </a:p>
+        </p:txBody>
+      </p:sp>
+    </p:spTree>
+    <p:extLst>
+      <p:ext uri="{BB962C8B-B14F-4D97-AF65-F5344CB8AC3E}">
+        <p14:creationId xmlns:p14="http://schemas.microsoft.com/office/powerpoint/2010/main" val="578487065"/>
+      </p:ext>
+    </p:extLst>
+  </p:cSld>
+  <p:clrMapOvr>
+    <a:masterClrMapping/>
+  </p:clrMapOvr>
+  <mc:AlternateContent xmlns:mc="http://schemas.openxmlformats.org/markup-compatibility/2006">
+    <mc:Choice xmlns:p14="http://schemas.microsoft.com/office/powerpoint/2010/main" Requires="p14">
+      <p:transition p14:dur="0"/>
+    </mc:Choice>
+    <mc:Fallback>
+      <p:transition/>
+    </mc:Fallback>
+  </mc:AlternateContent>
+</p:sld>
+</file>
+
+<file path=ppt/slides/slide32.xml><?xml version="1.0" encoding="utf-8"?>
+<p:sld xmlns:a="http://schemas.openxmlformats.org/drawingml/2006/main" xmlns:r="http://schemas.openxmlformats.org/officeDocument/2006/relationships" xmlns:p="http://schemas.openxmlformats.org/presentationml/2006/main">
+  <p:cSld>
+    <p:spTree>
+      <p:nvGrpSpPr>
+        <p:cNvPr id="1" name=""/>
+        <p:cNvGrpSpPr/>
+        <p:nvPr/>
+      </p:nvGrpSpPr>
+      <p:grpSpPr>
+        <a:xfrm>
+          <a:off x="0" y="0"/>
+          <a:ext cx="0" cy="0"/>
+          <a:chOff x="0" y="0"/>
+          <a:chExt cx="0" cy="0"/>
+        </a:xfrm>
+      </p:grpSpPr>
+      <p:sp>
+        <p:nvSpPr>
+          <p:cNvPr id="2" name="Title 1">
+            <a:extLst>
+              <a:ext uri="{FF2B5EF4-FFF2-40B4-BE49-F238E27FC236}">
+                <a16:creationId xmlns:a16="http://schemas.microsoft.com/office/drawing/2014/main" id="{9D0BBEE7-7005-4586-ADE6-67B7A2BCD8F1}"/>
+              </a:ext>
+            </a:extLst>
+          </p:cNvPr>
+          <p:cNvSpPr>
+            <a:spLocks noGrp="1"/>
+          </p:cNvSpPr>
+          <p:nvPr>
+            <p:ph type="title"/>
+          </p:nvPr>
+        </p:nvSpPr>
+        <p:spPr/>
+        <p:txBody>
+          <a:bodyPr/>
+          <a:lstStyle/>
+          <a:p>
+            <a:pPr algn="ctr"/>
+            <a:r>
+              <a:rPr lang="en-US" dirty="0"/>
+              <a:t>Unit Tests vs Integration Tests</a:t>
+            </a:r>
+          </a:p>
+        </p:txBody>
+      </p:sp>
+      <p:sp>
+        <p:nvSpPr>
+          <p:cNvPr id="3" name="Content Placeholder 2">
+            <a:extLst>
+              <a:ext uri="{FF2B5EF4-FFF2-40B4-BE49-F238E27FC236}">
+                <a16:creationId xmlns:a16="http://schemas.microsoft.com/office/drawing/2014/main" id="{6E041DA7-B58F-4A84-A30A-12D46BFB7700}"/>
+              </a:ext>
+            </a:extLst>
+          </p:cNvPr>
+          <p:cNvSpPr>
+            <a:spLocks noGrp="1"/>
+          </p:cNvSpPr>
+          <p:nvPr>
+            <p:ph idx="1"/>
+          </p:nvPr>
+        </p:nvSpPr>
+        <p:spPr/>
+        <p:txBody>
+          <a:bodyPr/>
+          <a:lstStyle/>
+          <a:p>
+            <a:endParaRPr lang="en-US"/>
+          </a:p>
+        </p:txBody>
+      </p:sp>
+      <p:sp>
+        <p:nvSpPr>
+          <p:cNvPr id="4" name="Date Placeholder 3">
+            <a:extLst>
+              <a:ext uri="{FF2B5EF4-FFF2-40B4-BE49-F238E27FC236}">
+                <a16:creationId xmlns:a16="http://schemas.microsoft.com/office/drawing/2014/main" id="{1EC46BA9-B46B-4887-BF69-7067D4885ABF}"/>
+              </a:ext>
+            </a:extLst>
+          </p:cNvPr>
+          <p:cNvSpPr>
+            <a:spLocks noGrp="1"/>
+          </p:cNvSpPr>
+          <p:nvPr>
+            <p:ph type="dt" sz="half" idx="10"/>
+          </p:nvPr>
+        </p:nvSpPr>
+        <p:spPr/>
+        <p:txBody>
+          <a:bodyPr/>
+          <a:lstStyle/>
+          <a:p>
+            <a:fld id="{7A14B680-E159-ED46-B89B-60C427FC4DF1}" type="datetime4">
+              <a:rPr lang="en-US" smtClean="0"/>
+              <a:t>July 12, 2021</a:t>
+            </a:fld>
+            <a:endParaRPr lang="nl-NL" dirty="0"/>
+          </a:p>
+        </p:txBody>
+      </p:sp>
+      <p:sp>
+        <p:nvSpPr>
+          <p:cNvPr id="5" name="Footer Placeholder 4">
+            <a:extLst>
+              <a:ext uri="{FF2B5EF4-FFF2-40B4-BE49-F238E27FC236}">
+                <a16:creationId xmlns:a16="http://schemas.microsoft.com/office/drawing/2014/main" id="{BFEFC58E-C303-4E2B-8A96-96521C50EB6C}"/>
+              </a:ext>
+            </a:extLst>
+          </p:cNvPr>
+          <p:cNvSpPr>
+            <a:spLocks noGrp="1"/>
+          </p:cNvSpPr>
+          <p:nvPr>
+            <p:ph type="ftr" sz="quarter" idx="11"/>
+          </p:nvPr>
+        </p:nvSpPr>
+        <p:spPr/>
+        <p:txBody>
+          <a:bodyPr/>
+          <a:lstStyle/>
+          <a:p>
+            <a:r>
+              <a:rPr lang="nl-NL"/>
+              <a:t>TITLE PRESENTATION</a:t>
+            </a:r>
+            <a:endParaRPr lang="nl-NL" dirty="0"/>
+          </a:p>
+        </p:txBody>
+      </p:sp>
+    </p:spTree>
+    <p:extLst>
+      <p:ext uri="{BB962C8B-B14F-4D97-AF65-F5344CB8AC3E}">
+        <p14:creationId xmlns:p14="http://schemas.microsoft.com/office/powerpoint/2010/main" val="1723526792"/>
+      </p:ext>
+    </p:extLst>
+  </p:cSld>
+  <p:clrMapOvr>
+    <a:masterClrMapping/>
+  </p:clrMapOvr>
+  <mc:AlternateContent xmlns:mc="http://schemas.openxmlformats.org/markup-compatibility/2006">
+    <mc:Choice xmlns:p14="http://schemas.microsoft.com/office/powerpoint/2010/main" Requires="p14">
+      <p:transition p14:dur="0"/>
+    </mc:Choice>
+    <mc:Fallback>
+      <p:transition/>
+    </mc:Fallback>
+  </mc:AlternateContent>
+</p:sld>
+</file>
+
+<file path=ppt/slides/slide33.xml><?xml version="1.0" encoding="utf-8"?>
+<p:sld xmlns:a="http://schemas.openxmlformats.org/drawingml/2006/main" xmlns:r="http://schemas.openxmlformats.org/officeDocument/2006/relationships" xmlns:p="http://schemas.openxmlformats.org/presentationml/2006/main">
+  <p:cSld>
+    <p:spTree>
+      <p:nvGrpSpPr>
+        <p:cNvPr id="1" name=""/>
+        <p:cNvGrpSpPr/>
+        <p:nvPr/>
+      </p:nvGrpSpPr>
+      <p:grpSpPr>
+        <a:xfrm>
+          <a:off x="0" y="0"/>
+          <a:ext cx="0" cy="0"/>
+          <a:chOff x="0" y="0"/>
+          <a:chExt cx="0" cy="0"/>
+        </a:xfrm>
+      </p:grpSpPr>
+      <p:sp>
+        <p:nvSpPr>
+          <p:cNvPr id="2" name="Title 1">
+            <a:extLst>
+              <a:ext uri="{FF2B5EF4-FFF2-40B4-BE49-F238E27FC236}">
+                <a16:creationId xmlns:a16="http://schemas.microsoft.com/office/drawing/2014/main" id="{9D0BBEE7-7005-4586-ADE6-67B7A2BCD8F1}"/>
+              </a:ext>
+            </a:extLst>
+          </p:cNvPr>
+          <p:cNvSpPr>
+            <a:spLocks noGrp="1"/>
+          </p:cNvSpPr>
+          <p:nvPr>
+            <p:ph type="title"/>
+          </p:nvPr>
+        </p:nvSpPr>
+        <p:spPr/>
+        <p:txBody>
+          <a:bodyPr/>
+          <a:lstStyle/>
+          <a:p>
+            <a:pPr algn="ctr"/>
+            <a:r>
+              <a:rPr lang="en-US" dirty="0"/>
+              <a:t>Unit Tests vs Integration Tests</a:t>
+            </a:r>
+          </a:p>
+        </p:txBody>
+      </p:sp>
+      <p:sp>
+        <p:nvSpPr>
+          <p:cNvPr id="3" name="Content Placeholder 2">
+            <a:extLst>
+              <a:ext uri="{FF2B5EF4-FFF2-40B4-BE49-F238E27FC236}">
+                <a16:creationId xmlns:a16="http://schemas.microsoft.com/office/drawing/2014/main" id="{6E041DA7-B58F-4A84-A30A-12D46BFB7700}"/>
+              </a:ext>
+            </a:extLst>
+          </p:cNvPr>
+          <p:cNvSpPr>
+            <a:spLocks noGrp="1"/>
+          </p:cNvSpPr>
+          <p:nvPr>
+            <p:ph idx="1"/>
+          </p:nvPr>
+        </p:nvSpPr>
+        <p:spPr/>
+        <p:txBody>
+          <a:bodyPr/>
+          <a:lstStyle/>
+          <a:p>
+            <a:endParaRPr lang="en-US" dirty="0"/>
+          </a:p>
+          <a:p>
+            <a:pPr>
+              <a:lnSpc>
+                <a:spcPct val="150000"/>
+              </a:lnSpc>
+            </a:pPr>
+            <a:r>
+              <a:rPr lang="en-US" dirty="0"/>
+              <a:t>“Integration tests ensure that an app's components function correctly at a level that includes the app's supporting infrastructure, such as the database, file system, and network.”</a:t>
+            </a:r>
+          </a:p>
+        </p:txBody>
+      </p:sp>
+      <p:sp>
+        <p:nvSpPr>
+          <p:cNvPr id="4" name="Date Placeholder 3">
+            <a:extLst>
+              <a:ext uri="{FF2B5EF4-FFF2-40B4-BE49-F238E27FC236}">
+                <a16:creationId xmlns:a16="http://schemas.microsoft.com/office/drawing/2014/main" id="{1EC46BA9-B46B-4887-BF69-7067D4885ABF}"/>
+              </a:ext>
+            </a:extLst>
+          </p:cNvPr>
+          <p:cNvSpPr>
+            <a:spLocks noGrp="1"/>
+          </p:cNvSpPr>
+          <p:nvPr>
+            <p:ph type="dt" sz="half" idx="10"/>
+          </p:nvPr>
+        </p:nvSpPr>
+        <p:spPr/>
+        <p:txBody>
+          <a:bodyPr/>
+          <a:lstStyle/>
+          <a:p>
+            <a:fld id="{7A14B680-E159-ED46-B89B-60C427FC4DF1}" type="datetime4">
+              <a:rPr lang="en-US" smtClean="0"/>
+              <a:t>July 12, 2021</a:t>
+            </a:fld>
+            <a:endParaRPr lang="nl-NL" dirty="0"/>
+          </a:p>
+        </p:txBody>
+      </p:sp>
+      <p:sp>
+        <p:nvSpPr>
+          <p:cNvPr id="5" name="Footer Placeholder 4">
+            <a:extLst>
+              <a:ext uri="{FF2B5EF4-FFF2-40B4-BE49-F238E27FC236}">
+                <a16:creationId xmlns:a16="http://schemas.microsoft.com/office/drawing/2014/main" id="{BFEFC58E-C303-4E2B-8A96-96521C50EB6C}"/>
+              </a:ext>
+            </a:extLst>
+          </p:cNvPr>
+          <p:cNvSpPr>
+            <a:spLocks noGrp="1"/>
+          </p:cNvSpPr>
+          <p:nvPr>
+            <p:ph type="ftr" sz="quarter" idx="11"/>
+          </p:nvPr>
+        </p:nvSpPr>
+        <p:spPr/>
+        <p:txBody>
+          <a:bodyPr/>
+          <a:lstStyle/>
+          <a:p>
+            <a:r>
+              <a:rPr lang="nl-NL"/>
+              <a:t>TITLE PRESENTATION</a:t>
+            </a:r>
+            <a:endParaRPr lang="nl-NL" dirty="0"/>
+          </a:p>
+        </p:txBody>
+      </p:sp>
+    </p:spTree>
+    <p:extLst>
+      <p:ext uri="{BB962C8B-B14F-4D97-AF65-F5344CB8AC3E}">
+        <p14:creationId xmlns:p14="http://schemas.microsoft.com/office/powerpoint/2010/main" val="2183642599"/>
+      </p:ext>
+    </p:extLst>
+  </p:cSld>
+  <p:clrMapOvr>
+    <a:masterClrMapping/>
+  </p:clrMapOvr>
+  <mc:AlternateContent xmlns:mc="http://schemas.openxmlformats.org/markup-compatibility/2006">
+    <mc:Choice xmlns:p14="http://schemas.microsoft.com/office/powerpoint/2010/main" Requires="p14">
+      <p:transition p14:dur="0"/>
+    </mc:Choice>
+    <mc:Fallback>
+      <p:transition/>
+    </mc:Fallback>
+  </mc:AlternateContent>
+</p:sld>
+</file>
+
+<file path=ppt/slides/slide34.xml><?xml version="1.0" encoding="utf-8"?>
+<p:sld xmlns:a="http://schemas.openxmlformats.org/drawingml/2006/main" xmlns:r="http://schemas.openxmlformats.org/officeDocument/2006/relationships" xmlns:p="http://schemas.openxmlformats.org/presentationml/2006/main">
+  <p:cSld>
+    <p:spTree>
+      <p:nvGrpSpPr>
+        <p:cNvPr id="1" name=""/>
+        <p:cNvGrpSpPr/>
+        <p:nvPr/>
+      </p:nvGrpSpPr>
+      <p:grpSpPr>
+        <a:xfrm>
+          <a:off x="0" y="0"/>
+          <a:ext cx="0" cy="0"/>
+          <a:chOff x="0" y="0"/>
+          <a:chExt cx="0" cy="0"/>
+        </a:xfrm>
+      </p:grpSpPr>
+      <p:sp>
+        <p:nvSpPr>
+          <p:cNvPr id="2" name="Title 1">
+            <a:extLst>
+              <a:ext uri="{FF2B5EF4-FFF2-40B4-BE49-F238E27FC236}">
+                <a16:creationId xmlns:a16="http://schemas.microsoft.com/office/drawing/2014/main" id="{9D0BBEE7-7005-4586-ADE6-67B7A2BCD8F1}"/>
+              </a:ext>
+            </a:extLst>
+          </p:cNvPr>
+          <p:cNvSpPr>
+            <a:spLocks noGrp="1"/>
+          </p:cNvSpPr>
+          <p:nvPr>
+            <p:ph type="title"/>
+          </p:nvPr>
+        </p:nvSpPr>
+        <p:spPr/>
+        <p:txBody>
+          <a:bodyPr/>
+          <a:lstStyle/>
+          <a:p>
+            <a:pPr algn="ctr"/>
+            <a:r>
+              <a:rPr lang="en-US" dirty="0"/>
+              <a:t>Unit Tests vs Integration Tests</a:t>
+            </a:r>
+          </a:p>
+        </p:txBody>
+      </p:sp>
+      <p:sp>
+        <p:nvSpPr>
+          <p:cNvPr id="3" name="Content Placeholder 2">
+            <a:extLst>
+              <a:ext uri="{FF2B5EF4-FFF2-40B4-BE49-F238E27FC236}">
+                <a16:creationId xmlns:a16="http://schemas.microsoft.com/office/drawing/2014/main" id="{6E041DA7-B58F-4A84-A30A-12D46BFB7700}"/>
+              </a:ext>
+            </a:extLst>
+          </p:cNvPr>
+          <p:cNvSpPr>
+            <a:spLocks noGrp="1"/>
+          </p:cNvSpPr>
+          <p:nvPr>
+            <p:ph idx="1"/>
+          </p:nvPr>
+        </p:nvSpPr>
+        <p:spPr/>
+        <p:txBody>
+          <a:bodyPr/>
+          <a:lstStyle/>
+          <a:p>
+            <a:endParaRPr lang="en-US" dirty="0"/>
+          </a:p>
+          <a:p>
+            <a:pPr>
+              <a:lnSpc>
+                <a:spcPct val="150000"/>
+              </a:lnSpc>
+            </a:pPr>
+            <a:r>
+              <a:rPr lang="en-US" dirty="0"/>
+              <a:t>“Integration tests ensure that an app's components function correctly at a level that includes the app's supporting infrastructure, such as the database, file system, and network.”</a:t>
+            </a:r>
+          </a:p>
+          <a:p>
+            <a:pPr>
+              <a:lnSpc>
+                <a:spcPct val="150000"/>
+              </a:lnSpc>
+            </a:pPr>
+            <a:r>
+              <a:rPr lang="en-US" dirty="0"/>
+              <a:t>“Integration tests evaluate an app's components on a broader level than </a:t>
+            </a:r>
+            <a:r>
+              <a:rPr lang="en-US" u="sng" dirty="0">
+                <a:hlinkClick r:id="rId3"/>
+              </a:rPr>
+              <a:t>unit tests</a:t>
+            </a:r>
+            <a:r>
+              <a:rPr lang="en-US" dirty="0"/>
+              <a:t>.”</a:t>
+            </a:r>
+          </a:p>
+          <a:p>
+            <a:pPr>
+              <a:lnSpc>
+                <a:spcPct val="150000"/>
+              </a:lnSpc>
+            </a:pPr>
+            <a:endParaRPr lang="en-US" dirty="0"/>
+          </a:p>
+        </p:txBody>
+      </p:sp>
+      <p:sp>
+        <p:nvSpPr>
+          <p:cNvPr id="4" name="Date Placeholder 3">
+            <a:extLst>
+              <a:ext uri="{FF2B5EF4-FFF2-40B4-BE49-F238E27FC236}">
+                <a16:creationId xmlns:a16="http://schemas.microsoft.com/office/drawing/2014/main" id="{1EC46BA9-B46B-4887-BF69-7067D4885ABF}"/>
+              </a:ext>
+            </a:extLst>
+          </p:cNvPr>
+          <p:cNvSpPr>
+            <a:spLocks noGrp="1"/>
+          </p:cNvSpPr>
+          <p:nvPr>
+            <p:ph type="dt" sz="half" idx="10"/>
+          </p:nvPr>
+        </p:nvSpPr>
+        <p:spPr/>
+        <p:txBody>
+          <a:bodyPr/>
+          <a:lstStyle/>
+          <a:p>
+            <a:fld id="{7A14B680-E159-ED46-B89B-60C427FC4DF1}" type="datetime4">
+              <a:rPr lang="en-US" smtClean="0"/>
+              <a:t>July 12, 2021</a:t>
+            </a:fld>
+            <a:endParaRPr lang="nl-NL" dirty="0"/>
+          </a:p>
+        </p:txBody>
+      </p:sp>
+      <p:sp>
+        <p:nvSpPr>
+          <p:cNvPr id="5" name="Footer Placeholder 4">
+            <a:extLst>
+              <a:ext uri="{FF2B5EF4-FFF2-40B4-BE49-F238E27FC236}">
+                <a16:creationId xmlns:a16="http://schemas.microsoft.com/office/drawing/2014/main" id="{BFEFC58E-C303-4E2B-8A96-96521C50EB6C}"/>
+              </a:ext>
+            </a:extLst>
+          </p:cNvPr>
+          <p:cNvSpPr>
+            <a:spLocks noGrp="1"/>
+          </p:cNvSpPr>
+          <p:nvPr>
+            <p:ph type="ftr" sz="quarter" idx="11"/>
+          </p:nvPr>
+        </p:nvSpPr>
+        <p:spPr/>
+        <p:txBody>
+          <a:bodyPr/>
+          <a:lstStyle/>
+          <a:p>
+            <a:r>
+              <a:rPr lang="nl-NL"/>
+              <a:t>TITLE PRESENTATION</a:t>
+            </a:r>
+            <a:endParaRPr lang="nl-NL" dirty="0"/>
+          </a:p>
+        </p:txBody>
+      </p:sp>
+    </p:spTree>
+    <p:extLst>
+      <p:ext uri="{BB962C8B-B14F-4D97-AF65-F5344CB8AC3E}">
+        <p14:creationId xmlns:p14="http://schemas.microsoft.com/office/powerpoint/2010/main" val="2422816207"/>
+      </p:ext>
+    </p:extLst>
+  </p:cSld>
+  <p:clrMapOvr>
+    <a:masterClrMapping/>
+  </p:clrMapOvr>
+  <mc:AlternateContent xmlns:mc="http://schemas.openxmlformats.org/markup-compatibility/2006">
+    <mc:Choice xmlns:p14="http://schemas.microsoft.com/office/powerpoint/2010/main" Requires="p14">
+      <p:transition p14:dur="0"/>
+    </mc:Choice>
+    <mc:Fallback>
+      <p:transition/>
+    </mc:Fallback>
+  </mc:AlternateContent>
+</p:sld>
+</file>
+
+<file path=ppt/slides/slide35.xml><?xml version="1.0" encoding="utf-8"?>
+<p:sld xmlns:a="http://schemas.openxmlformats.org/drawingml/2006/main" xmlns:r="http://schemas.openxmlformats.org/officeDocument/2006/relationships" xmlns:p="http://schemas.openxmlformats.org/presentationml/2006/main">
+  <p:cSld>
+    <p:spTree>
+      <p:nvGrpSpPr>
+        <p:cNvPr id="1" name=""/>
+        <p:cNvGrpSpPr/>
+        <p:nvPr/>
+      </p:nvGrpSpPr>
+      <p:grpSpPr>
+        <a:xfrm>
+          <a:off x="0" y="0"/>
+          <a:ext cx="0" cy="0"/>
+          <a:chOff x="0" y="0"/>
+          <a:chExt cx="0" cy="0"/>
+        </a:xfrm>
+      </p:grpSpPr>
+      <p:sp>
+        <p:nvSpPr>
+          <p:cNvPr id="2" name="Title 1">
+            <a:extLst>
+              <a:ext uri="{FF2B5EF4-FFF2-40B4-BE49-F238E27FC236}">
+                <a16:creationId xmlns:a16="http://schemas.microsoft.com/office/drawing/2014/main" id="{9D0BBEE7-7005-4586-ADE6-67B7A2BCD8F1}"/>
+              </a:ext>
+            </a:extLst>
+          </p:cNvPr>
+          <p:cNvSpPr>
+            <a:spLocks noGrp="1"/>
+          </p:cNvSpPr>
+          <p:nvPr>
+            <p:ph type="title"/>
+          </p:nvPr>
+        </p:nvSpPr>
+        <p:spPr/>
+        <p:txBody>
+          <a:bodyPr/>
+          <a:lstStyle/>
+          <a:p>
+            <a:pPr algn="ctr"/>
+            <a:r>
+              <a:rPr lang="en-US" dirty="0"/>
+              <a:t>Unit Tests vs Integration Tests</a:t>
+            </a:r>
+          </a:p>
+        </p:txBody>
+      </p:sp>
+      <p:sp>
+        <p:nvSpPr>
+          <p:cNvPr id="3" name="Content Placeholder 2">
+            <a:extLst>
+              <a:ext uri="{FF2B5EF4-FFF2-40B4-BE49-F238E27FC236}">
+                <a16:creationId xmlns:a16="http://schemas.microsoft.com/office/drawing/2014/main" id="{6E041DA7-B58F-4A84-A30A-12D46BFB7700}"/>
+              </a:ext>
+            </a:extLst>
+          </p:cNvPr>
+          <p:cNvSpPr>
+            <a:spLocks noGrp="1"/>
+          </p:cNvSpPr>
+          <p:nvPr>
+            <p:ph idx="1"/>
+          </p:nvPr>
+        </p:nvSpPr>
+        <p:spPr/>
+        <p:txBody>
+          <a:bodyPr/>
+          <a:lstStyle/>
+          <a:p>
+            <a:pPr>
+              <a:lnSpc>
+                <a:spcPct val="200000"/>
+              </a:lnSpc>
+            </a:pPr>
+            <a:r>
+              <a:rPr lang="en-US" dirty="0"/>
+              <a:t>In contrast to unit tests, integration tests:</a:t>
+            </a:r>
+          </a:p>
+        </p:txBody>
+      </p:sp>
+      <p:sp>
+        <p:nvSpPr>
+          <p:cNvPr id="4" name="Date Placeholder 3">
+            <a:extLst>
+              <a:ext uri="{FF2B5EF4-FFF2-40B4-BE49-F238E27FC236}">
+                <a16:creationId xmlns:a16="http://schemas.microsoft.com/office/drawing/2014/main" id="{1EC46BA9-B46B-4887-BF69-7067D4885ABF}"/>
+              </a:ext>
+            </a:extLst>
+          </p:cNvPr>
+          <p:cNvSpPr>
+            <a:spLocks noGrp="1"/>
+          </p:cNvSpPr>
+          <p:nvPr>
+            <p:ph type="dt" sz="half" idx="10"/>
+          </p:nvPr>
+        </p:nvSpPr>
+        <p:spPr/>
+        <p:txBody>
+          <a:bodyPr/>
+          <a:lstStyle/>
+          <a:p>
+            <a:fld id="{7A14B680-E159-ED46-B89B-60C427FC4DF1}" type="datetime4">
+              <a:rPr lang="en-US" smtClean="0"/>
+              <a:t>July 12, 2021</a:t>
+            </a:fld>
+            <a:endParaRPr lang="nl-NL" dirty="0"/>
+          </a:p>
+        </p:txBody>
+      </p:sp>
+      <p:sp>
+        <p:nvSpPr>
+          <p:cNvPr id="5" name="Footer Placeholder 4">
+            <a:extLst>
+              <a:ext uri="{FF2B5EF4-FFF2-40B4-BE49-F238E27FC236}">
+                <a16:creationId xmlns:a16="http://schemas.microsoft.com/office/drawing/2014/main" id="{BFEFC58E-C303-4E2B-8A96-96521C50EB6C}"/>
+              </a:ext>
+            </a:extLst>
+          </p:cNvPr>
+          <p:cNvSpPr>
+            <a:spLocks noGrp="1"/>
+          </p:cNvSpPr>
+          <p:nvPr>
+            <p:ph type="ftr" sz="quarter" idx="11"/>
+          </p:nvPr>
+        </p:nvSpPr>
+        <p:spPr/>
+        <p:txBody>
+          <a:bodyPr/>
+          <a:lstStyle/>
+          <a:p>
+            <a:r>
+              <a:rPr lang="nl-NL"/>
+              <a:t>TITLE PRESENTATION</a:t>
+            </a:r>
+            <a:endParaRPr lang="nl-NL" dirty="0"/>
+          </a:p>
+        </p:txBody>
+      </p:sp>
+    </p:spTree>
+    <p:extLst>
+      <p:ext uri="{BB962C8B-B14F-4D97-AF65-F5344CB8AC3E}">
+        <p14:creationId xmlns:p14="http://schemas.microsoft.com/office/powerpoint/2010/main" val="2511066021"/>
+      </p:ext>
+    </p:extLst>
+  </p:cSld>
+  <p:clrMapOvr>
+    <a:masterClrMapping/>
+  </p:clrMapOvr>
+  <mc:AlternateContent xmlns:mc="http://schemas.openxmlformats.org/markup-compatibility/2006">
+    <mc:Choice xmlns:p14="http://schemas.microsoft.com/office/powerpoint/2010/main" Requires="p14">
+      <p:transition p14:dur="0"/>
+    </mc:Choice>
+    <mc:Fallback>
+      <p:transition/>
+    </mc:Fallback>
+  </mc:AlternateContent>
+</p:sld>
+</file>
+
+<file path=ppt/slides/slide36.xml><?xml version="1.0" encoding="utf-8"?>
+<p:sld xmlns:a="http://schemas.openxmlformats.org/drawingml/2006/main" xmlns:r="http://schemas.openxmlformats.org/officeDocument/2006/relationships" xmlns:p="http://schemas.openxmlformats.org/presentationml/2006/main">
+  <p:cSld>
+    <p:spTree>
+      <p:nvGrpSpPr>
+        <p:cNvPr id="1" name=""/>
+        <p:cNvGrpSpPr/>
+        <p:nvPr/>
+      </p:nvGrpSpPr>
+      <p:grpSpPr>
+        <a:xfrm>
+          <a:off x="0" y="0"/>
+          <a:ext cx="0" cy="0"/>
+          <a:chOff x="0" y="0"/>
+          <a:chExt cx="0" cy="0"/>
+        </a:xfrm>
+      </p:grpSpPr>
+      <p:sp>
+        <p:nvSpPr>
+          <p:cNvPr id="2" name="Title 1">
+            <a:extLst>
+              <a:ext uri="{FF2B5EF4-FFF2-40B4-BE49-F238E27FC236}">
+                <a16:creationId xmlns:a16="http://schemas.microsoft.com/office/drawing/2014/main" id="{9D0BBEE7-7005-4586-ADE6-67B7A2BCD8F1}"/>
+              </a:ext>
+            </a:extLst>
+          </p:cNvPr>
+          <p:cNvSpPr>
+            <a:spLocks noGrp="1"/>
+          </p:cNvSpPr>
+          <p:nvPr>
+            <p:ph type="title"/>
+          </p:nvPr>
+        </p:nvSpPr>
+        <p:spPr/>
+        <p:txBody>
+          <a:bodyPr/>
+          <a:lstStyle/>
+          <a:p>
+            <a:pPr algn="ctr"/>
+            <a:r>
+              <a:rPr lang="en-US" dirty="0"/>
+              <a:t>Unit Tests vs Integration Tests</a:t>
+            </a:r>
+          </a:p>
+        </p:txBody>
+      </p:sp>
+      <p:sp>
+        <p:nvSpPr>
+          <p:cNvPr id="3" name="Content Placeholder 2">
+            <a:extLst>
+              <a:ext uri="{FF2B5EF4-FFF2-40B4-BE49-F238E27FC236}">
+                <a16:creationId xmlns:a16="http://schemas.microsoft.com/office/drawing/2014/main" id="{6E041DA7-B58F-4A84-A30A-12D46BFB7700}"/>
+              </a:ext>
+            </a:extLst>
+          </p:cNvPr>
+          <p:cNvSpPr>
+            <a:spLocks noGrp="1"/>
+          </p:cNvSpPr>
+          <p:nvPr>
+            <p:ph idx="1"/>
+          </p:nvPr>
+        </p:nvSpPr>
+        <p:spPr/>
+        <p:txBody>
+          <a:bodyPr/>
+          <a:lstStyle/>
+          <a:p>
+            <a:pPr>
+              <a:lnSpc>
+                <a:spcPct val="200000"/>
+              </a:lnSpc>
+            </a:pPr>
+            <a:r>
+              <a:rPr lang="en-US" dirty="0"/>
+              <a:t>In contrast to unit tests, integration tests:</a:t>
+            </a:r>
+          </a:p>
+          <a:p>
+            <a:pPr lvl="1">
+              <a:lnSpc>
+                <a:spcPct val="200000"/>
+              </a:lnSpc>
+            </a:pPr>
+            <a:r>
+              <a:rPr lang="en-US" dirty="0"/>
+              <a:t>Use the actual components that the app uses in production.</a:t>
+            </a:r>
+          </a:p>
+        </p:txBody>
+      </p:sp>
+      <p:sp>
+        <p:nvSpPr>
+          <p:cNvPr id="4" name="Date Placeholder 3">
+            <a:extLst>
+              <a:ext uri="{FF2B5EF4-FFF2-40B4-BE49-F238E27FC236}">
+                <a16:creationId xmlns:a16="http://schemas.microsoft.com/office/drawing/2014/main" id="{1EC46BA9-B46B-4887-BF69-7067D4885ABF}"/>
+              </a:ext>
+            </a:extLst>
+          </p:cNvPr>
+          <p:cNvSpPr>
+            <a:spLocks noGrp="1"/>
+          </p:cNvSpPr>
+          <p:nvPr>
+            <p:ph type="dt" sz="half" idx="10"/>
+          </p:nvPr>
+        </p:nvSpPr>
+        <p:spPr/>
+        <p:txBody>
+          <a:bodyPr/>
+          <a:lstStyle/>
+          <a:p>
+            <a:fld id="{7A14B680-E159-ED46-B89B-60C427FC4DF1}" type="datetime4">
+              <a:rPr lang="en-US" smtClean="0"/>
+              <a:t>July 12, 2021</a:t>
+            </a:fld>
+            <a:endParaRPr lang="nl-NL" dirty="0"/>
+          </a:p>
+        </p:txBody>
+      </p:sp>
+      <p:sp>
+        <p:nvSpPr>
+          <p:cNvPr id="5" name="Footer Placeholder 4">
+            <a:extLst>
+              <a:ext uri="{FF2B5EF4-FFF2-40B4-BE49-F238E27FC236}">
+                <a16:creationId xmlns:a16="http://schemas.microsoft.com/office/drawing/2014/main" id="{BFEFC58E-C303-4E2B-8A96-96521C50EB6C}"/>
+              </a:ext>
+            </a:extLst>
+          </p:cNvPr>
+          <p:cNvSpPr>
+            <a:spLocks noGrp="1"/>
+          </p:cNvSpPr>
+          <p:nvPr>
+            <p:ph type="ftr" sz="quarter" idx="11"/>
+          </p:nvPr>
+        </p:nvSpPr>
+        <p:spPr/>
+        <p:txBody>
+          <a:bodyPr/>
+          <a:lstStyle/>
+          <a:p>
+            <a:r>
+              <a:rPr lang="nl-NL"/>
+              <a:t>TITLE PRESENTATION</a:t>
+            </a:r>
+            <a:endParaRPr lang="nl-NL" dirty="0"/>
+          </a:p>
+        </p:txBody>
+      </p:sp>
+    </p:spTree>
+    <p:extLst>
+      <p:ext uri="{BB962C8B-B14F-4D97-AF65-F5344CB8AC3E}">
+        <p14:creationId xmlns:p14="http://schemas.microsoft.com/office/powerpoint/2010/main" val="652764646"/>
+      </p:ext>
+    </p:extLst>
+  </p:cSld>
+  <p:clrMapOvr>
+    <a:masterClrMapping/>
+  </p:clrMapOvr>
+  <mc:AlternateContent xmlns:mc="http://schemas.openxmlformats.org/markup-compatibility/2006">
+    <mc:Choice xmlns:p14="http://schemas.microsoft.com/office/powerpoint/2010/main" Requires="p14">
+      <p:transition p14:dur="0"/>
+    </mc:Choice>
+    <mc:Fallback>
+      <p:transition/>
+    </mc:Fallback>
+  </mc:AlternateContent>
+</p:sld>
+</file>
+
+<file path=ppt/slides/slide37.xml><?xml version="1.0" encoding="utf-8"?>
+<p:sld xmlns:a="http://schemas.openxmlformats.org/drawingml/2006/main" xmlns:r="http://schemas.openxmlformats.org/officeDocument/2006/relationships" xmlns:p="http://schemas.openxmlformats.org/presentationml/2006/main">
+  <p:cSld>
+    <p:spTree>
+      <p:nvGrpSpPr>
+        <p:cNvPr id="1" name=""/>
+        <p:cNvGrpSpPr/>
+        <p:nvPr/>
+      </p:nvGrpSpPr>
+      <p:grpSpPr>
+        <a:xfrm>
+          <a:off x="0" y="0"/>
+          <a:ext cx="0" cy="0"/>
+          <a:chOff x="0" y="0"/>
+          <a:chExt cx="0" cy="0"/>
+        </a:xfrm>
+      </p:grpSpPr>
+      <p:sp>
+        <p:nvSpPr>
+          <p:cNvPr id="2" name="Title 1">
+            <a:extLst>
+              <a:ext uri="{FF2B5EF4-FFF2-40B4-BE49-F238E27FC236}">
+                <a16:creationId xmlns:a16="http://schemas.microsoft.com/office/drawing/2014/main" id="{9D0BBEE7-7005-4586-ADE6-67B7A2BCD8F1}"/>
+              </a:ext>
+            </a:extLst>
+          </p:cNvPr>
+          <p:cNvSpPr>
+            <a:spLocks noGrp="1"/>
+          </p:cNvSpPr>
+          <p:nvPr>
+            <p:ph type="title"/>
+          </p:nvPr>
+        </p:nvSpPr>
+        <p:spPr/>
+        <p:txBody>
+          <a:bodyPr/>
+          <a:lstStyle/>
+          <a:p>
+            <a:pPr algn="ctr"/>
+            <a:r>
+              <a:rPr lang="en-US" dirty="0"/>
+              <a:t>Unit Tests vs Integration Tests</a:t>
+            </a:r>
+          </a:p>
+        </p:txBody>
+      </p:sp>
+      <p:sp>
+        <p:nvSpPr>
+          <p:cNvPr id="3" name="Content Placeholder 2">
+            <a:extLst>
+              <a:ext uri="{FF2B5EF4-FFF2-40B4-BE49-F238E27FC236}">
+                <a16:creationId xmlns:a16="http://schemas.microsoft.com/office/drawing/2014/main" id="{6E041DA7-B58F-4A84-A30A-12D46BFB7700}"/>
+              </a:ext>
+            </a:extLst>
+          </p:cNvPr>
+          <p:cNvSpPr>
+            <a:spLocks noGrp="1"/>
+          </p:cNvSpPr>
+          <p:nvPr>
+            <p:ph idx="1"/>
+          </p:nvPr>
+        </p:nvSpPr>
+        <p:spPr/>
+        <p:txBody>
+          <a:bodyPr/>
+          <a:lstStyle/>
+          <a:p>
+            <a:pPr>
+              <a:lnSpc>
+                <a:spcPct val="200000"/>
+              </a:lnSpc>
+            </a:pPr>
+            <a:r>
+              <a:rPr lang="en-US" dirty="0"/>
+              <a:t>In contrast to unit tests, integration tests:</a:t>
+            </a:r>
+          </a:p>
+          <a:p>
+            <a:pPr lvl="1">
+              <a:lnSpc>
+                <a:spcPct val="200000"/>
+              </a:lnSpc>
+            </a:pPr>
+            <a:r>
+              <a:rPr lang="en-US" dirty="0"/>
+              <a:t>Use the actual components that the app uses in production.</a:t>
+            </a:r>
+          </a:p>
+          <a:p>
+            <a:pPr lvl="1">
+              <a:lnSpc>
+                <a:spcPct val="200000"/>
+              </a:lnSpc>
+            </a:pPr>
+            <a:r>
+              <a:rPr lang="en-US" dirty="0"/>
+              <a:t>Require more code and data processing.</a:t>
+            </a:r>
+          </a:p>
+        </p:txBody>
+      </p:sp>
+      <p:sp>
+        <p:nvSpPr>
+          <p:cNvPr id="4" name="Date Placeholder 3">
+            <a:extLst>
+              <a:ext uri="{FF2B5EF4-FFF2-40B4-BE49-F238E27FC236}">
+                <a16:creationId xmlns:a16="http://schemas.microsoft.com/office/drawing/2014/main" id="{1EC46BA9-B46B-4887-BF69-7067D4885ABF}"/>
+              </a:ext>
+            </a:extLst>
+          </p:cNvPr>
+          <p:cNvSpPr>
+            <a:spLocks noGrp="1"/>
+          </p:cNvSpPr>
+          <p:nvPr>
+            <p:ph type="dt" sz="half" idx="10"/>
+          </p:nvPr>
+        </p:nvSpPr>
+        <p:spPr/>
+        <p:txBody>
+          <a:bodyPr/>
+          <a:lstStyle/>
+          <a:p>
+            <a:fld id="{7A14B680-E159-ED46-B89B-60C427FC4DF1}" type="datetime4">
+              <a:rPr lang="en-US" smtClean="0"/>
+              <a:t>July 12, 2021</a:t>
+            </a:fld>
+            <a:endParaRPr lang="nl-NL" dirty="0"/>
+          </a:p>
+        </p:txBody>
+      </p:sp>
+      <p:sp>
+        <p:nvSpPr>
+          <p:cNvPr id="5" name="Footer Placeholder 4">
+            <a:extLst>
+              <a:ext uri="{FF2B5EF4-FFF2-40B4-BE49-F238E27FC236}">
+                <a16:creationId xmlns:a16="http://schemas.microsoft.com/office/drawing/2014/main" id="{BFEFC58E-C303-4E2B-8A96-96521C50EB6C}"/>
+              </a:ext>
+            </a:extLst>
+          </p:cNvPr>
+          <p:cNvSpPr>
+            <a:spLocks noGrp="1"/>
+          </p:cNvSpPr>
+          <p:nvPr>
+            <p:ph type="ftr" sz="quarter" idx="11"/>
+          </p:nvPr>
+        </p:nvSpPr>
+        <p:spPr/>
+        <p:txBody>
+          <a:bodyPr/>
+          <a:lstStyle/>
+          <a:p>
+            <a:r>
+              <a:rPr lang="nl-NL"/>
+              <a:t>TITLE PRESENTATION</a:t>
+            </a:r>
+            <a:endParaRPr lang="nl-NL" dirty="0"/>
+          </a:p>
+        </p:txBody>
+      </p:sp>
+    </p:spTree>
+    <p:extLst>
+      <p:ext uri="{BB962C8B-B14F-4D97-AF65-F5344CB8AC3E}">
+        <p14:creationId xmlns:p14="http://schemas.microsoft.com/office/powerpoint/2010/main" val="722777993"/>
+      </p:ext>
+    </p:extLst>
+  </p:cSld>
+  <p:clrMapOvr>
+    <a:masterClrMapping/>
+  </p:clrMapOvr>
+  <mc:AlternateContent xmlns:mc="http://schemas.openxmlformats.org/markup-compatibility/2006">
+    <mc:Choice xmlns:p14="http://schemas.microsoft.com/office/powerpoint/2010/main" Requires="p14">
+      <p:transition p14:dur="0"/>
+    </mc:Choice>
+    <mc:Fallback>
+      <p:transition/>
+    </mc:Fallback>
+  </mc:AlternateContent>
+</p:sld>
+</file>
+
+<file path=ppt/slides/slide38.xml><?xml version="1.0" encoding="utf-8"?>
+<p:sld xmlns:a="http://schemas.openxmlformats.org/drawingml/2006/main" xmlns:r="http://schemas.openxmlformats.org/officeDocument/2006/relationships" xmlns:p="http://schemas.openxmlformats.org/presentationml/2006/main">
+  <p:cSld>
+    <p:spTree>
+      <p:nvGrpSpPr>
+        <p:cNvPr id="1" name=""/>
+        <p:cNvGrpSpPr/>
+        <p:nvPr/>
+      </p:nvGrpSpPr>
+      <p:grpSpPr>
+        <a:xfrm>
+          <a:off x="0" y="0"/>
+          <a:ext cx="0" cy="0"/>
+          <a:chOff x="0" y="0"/>
+          <a:chExt cx="0" cy="0"/>
+        </a:xfrm>
+      </p:grpSpPr>
+      <p:sp>
+        <p:nvSpPr>
+          <p:cNvPr id="2" name="Title 1">
+            <a:extLst>
+              <a:ext uri="{FF2B5EF4-FFF2-40B4-BE49-F238E27FC236}">
+                <a16:creationId xmlns:a16="http://schemas.microsoft.com/office/drawing/2014/main" id="{9D0BBEE7-7005-4586-ADE6-67B7A2BCD8F1}"/>
+              </a:ext>
+            </a:extLst>
+          </p:cNvPr>
+          <p:cNvSpPr>
+            <a:spLocks noGrp="1"/>
+          </p:cNvSpPr>
+          <p:nvPr>
+            <p:ph type="title"/>
+          </p:nvPr>
+        </p:nvSpPr>
+        <p:spPr/>
+        <p:txBody>
+          <a:bodyPr/>
+          <a:lstStyle/>
+          <a:p>
+            <a:pPr algn="ctr"/>
+            <a:r>
+              <a:rPr lang="en-US" dirty="0"/>
+              <a:t>Unit Tests vs Integration Tests</a:t>
+            </a:r>
+          </a:p>
+        </p:txBody>
+      </p:sp>
+      <p:sp>
+        <p:nvSpPr>
+          <p:cNvPr id="3" name="Content Placeholder 2">
+            <a:extLst>
+              <a:ext uri="{FF2B5EF4-FFF2-40B4-BE49-F238E27FC236}">
+                <a16:creationId xmlns:a16="http://schemas.microsoft.com/office/drawing/2014/main" id="{6E041DA7-B58F-4A84-A30A-12D46BFB7700}"/>
+              </a:ext>
+            </a:extLst>
+          </p:cNvPr>
+          <p:cNvSpPr>
+            <a:spLocks noGrp="1"/>
+          </p:cNvSpPr>
+          <p:nvPr>
+            <p:ph idx="1"/>
+          </p:nvPr>
+        </p:nvSpPr>
+        <p:spPr/>
+        <p:txBody>
+          <a:bodyPr/>
+          <a:lstStyle/>
+          <a:p>
+            <a:pPr>
+              <a:lnSpc>
+                <a:spcPct val="200000"/>
+              </a:lnSpc>
+            </a:pPr>
+            <a:r>
+              <a:rPr lang="en-US" dirty="0"/>
+              <a:t>In contrast to unit tests, integration tests:</a:t>
+            </a:r>
+          </a:p>
+          <a:p>
+            <a:pPr lvl="1">
+              <a:lnSpc>
+                <a:spcPct val="200000"/>
+              </a:lnSpc>
+            </a:pPr>
+            <a:r>
+              <a:rPr lang="en-US" dirty="0"/>
+              <a:t>Use the actual components that the app uses in production.</a:t>
+            </a:r>
+          </a:p>
+          <a:p>
+            <a:pPr lvl="1">
+              <a:lnSpc>
+                <a:spcPct val="200000"/>
+              </a:lnSpc>
+            </a:pPr>
+            <a:r>
+              <a:rPr lang="en-US" dirty="0"/>
+              <a:t>Require more code and data processing.</a:t>
+            </a:r>
+          </a:p>
+          <a:p>
+            <a:pPr lvl="1">
+              <a:lnSpc>
+                <a:spcPct val="200000"/>
+              </a:lnSpc>
+            </a:pPr>
+            <a:r>
+              <a:rPr lang="en-GB" dirty="0"/>
+              <a:t>Take longer to run.</a:t>
+            </a:r>
+            <a:endParaRPr lang="en-US" dirty="0"/>
+          </a:p>
+        </p:txBody>
+      </p:sp>
+      <p:sp>
+        <p:nvSpPr>
+          <p:cNvPr id="4" name="Date Placeholder 3">
+            <a:extLst>
+              <a:ext uri="{FF2B5EF4-FFF2-40B4-BE49-F238E27FC236}">
+                <a16:creationId xmlns:a16="http://schemas.microsoft.com/office/drawing/2014/main" id="{1EC46BA9-B46B-4887-BF69-7067D4885ABF}"/>
+              </a:ext>
+            </a:extLst>
+          </p:cNvPr>
+          <p:cNvSpPr>
+            <a:spLocks noGrp="1"/>
+          </p:cNvSpPr>
+          <p:nvPr>
+            <p:ph type="dt" sz="half" idx="10"/>
+          </p:nvPr>
+        </p:nvSpPr>
+        <p:spPr/>
+        <p:txBody>
+          <a:bodyPr/>
+          <a:lstStyle/>
+          <a:p>
+            <a:fld id="{7A14B680-E159-ED46-B89B-60C427FC4DF1}" type="datetime4">
+              <a:rPr lang="en-US" smtClean="0"/>
+              <a:t>July 12, 2021</a:t>
+            </a:fld>
+            <a:endParaRPr lang="nl-NL" dirty="0"/>
+          </a:p>
+        </p:txBody>
+      </p:sp>
+      <p:sp>
+        <p:nvSpPr>
+          <p:cNvPr id="5" name="Footer Placeholder 4">
+            <a:extLst>
+              <a:ext uri="{FF2B5EF4-FFF2-40B4-BE49-F238E27FC236}">
+                <a16:creationId xmlns:a16="http://schemas.microsoft.com/office/drawing/2014/main" id="{BFEFC58E-C303-4E2B-8A96-96521C50EB6C}"/>
+              </a:ext>
+            </a:extLst>
+          </p:cNvPr>
+          <p:cNvSpPr>
+            <a:spLocks noGrp="1"/>
+          </p:cNvSpPr>
+          <p:nvPr>
+            <p:ph type="ftr" sz="quarter" idx="11"/>
+          </p:nvPr>
+        </p:nvSpPr>
+        <p:spPr/>
+        <p:txBody>
+          <a:bodyPr/>
+          <a:lstStyle/>
+          <a:p>
+            <a:r>
+              <a:rPr lang="nl-NL"/>
+              <a:t>TITLE PRESENTATION</a:t>
+            </a:r>
+            <a:endParaRPr lang="nl-NL" dirty="0"/>
+          </a:p>
+        </p:txBody>
+      </p:sp>
+    </p:spTree>
+    <p:extLst>
+      <p:ext uri="{BB962C8B-B14F-4D97-AF65-F5344CB8AC3E}">
+        <p14:creationId xmlns:p14="http://schemas.microsoft.com/office/powerpoint/2010/main" val="775774211"/>
+      </p:ext>
+    </p:extLst>
+  </p:cSld>
+  <p:clrMapOvr>
+    <a:masterClrMapping/>
+  </p:clrMapOvr>
+  <mc:AlternateContent xmlns:mc="http://schemas.openxmlformats.org/markup-compatibility/2006">
+    <mc:Choice xmlns:p14="http://schemas.microsoft.com/office/powerpoint/2010/main" Requires="p14">
+      <p:transition p14:dur="0"/>
+    </mc:Choice>
+    <mc:Fallback>
+      <p:transition/>
+    </mc:Fallback>
+  </mc:AlternateContent>
+</p:sld>
+</file>
+
 <file path=ppt/slides/slide39.xml><?xml version="1.0" encoding="utf-8"?>
 <p:sld xmlns:a="http://schemas.openxmlformats.org/drawingml/2006/main" xmlns:r="http://schemas.openxmlformats.org/officeDocument/2006/relationships" xmlns:p="http://schemas.openxmlformats.org/presentationml/2006/main">
   <p:cSld>
@@ -18338,7 +18511,7 @@
           <a:p>
             <a:fld id="{7A14B680-E159-ED46-B89B-60C427FC4DF1}" type="datetime4">
               <a:rPr lang="en-US" smtClean="0"/>
-              <a:t>July 10, 2021</a:t>
+              <a:t>July 12, 2021</a:t>
             </a:fld>
             <a:endParaRPr lang="nl-NL" dirty="0"/>
           </a:p>
@@ -18383,9 +18556,14 @@
   <p:clrMapOvr>
     <a:masterClrMapping/>
   </p:clrMapOvr>
-  <p:transition spd="slow">
-    <p:push dir="u"/>
-  </p:transition>
+  <mc:AlternateContent xmlns:mc="http://schemas.openxmlformats.org/markup-compatibility/2006">
+    <mc:Choice xmlns:p14="http://schemas.microsoft.com/office/powerpoint/2010/main" Requires="p14">
+      <p:transition p14:dur="0"/>
+    </mc:Choice>
+    <mc:Fallback>
+      <p:transition/>
+    </mc:Fallback>
+  </mc:AlternateContent>
 </p:sld>
 </file>
 
@@ -18446,7 +18624,7 @@
           <a:p>
             <a:fld id="{7A14B680-E159-ED46-B89B-60C427FC4DF1}" type="datetime4">
               <a:rPr lang="en-US" smtClean="0"/>
-              <a:t>July 10, 2021</a:t>
+              <a:t>July 12, 2021</a:t>
             </a:fld>
             <a:endParaRPr lang="nl-NL" dirty="0"/>
           </a:p>
@@ -18534,9 +18712,14 @@
   <p:clrMapOvr>
     <a:masterClrMapping/>
   </p:clrMapOvr>
-  <p:transition spd="slow">
-    <p:push dir="u"/>
-  </p:transition>
+  <mc:AlternateContent xmlns:mc="http://schemas.openxmlformats.org/markup-compatibility/2006">
+    <mc:Choice xmlns:p14="http://schemas.microsoft.com/office/powerpoint/2010/main" Requires="p14">
+      <p:transition p14:dur="0"/>
+    </mc:Choice>
+    <mc:Fallback>
+      <p:transition/>
+    </mc:Fallback>
+  </mc:AlternateContent>
 </p:sld>
 </file>
 
@@ -18674,7 +18857,7 @@
           <a:p>
             <a:fld id="{7A14B680-E159-ED46-B89B-60C427FC4DF1}" type="datetime4">
               <a:rPr lang="en-US" smtClean="0"/>
-              <a:t>July 10, 2021</a:t>
+              <a:t>July 12, 2021</a:t>
             </a:fld>
             <a:endParaRPr lang="nl-NL" dirty="0"/>
           </a:p>
@@ -18719,9 +18902,14 @@
   <p:clrMapOvr>
     <a:masterClrMapping/>
   </p:clrMapOvr>
-  <p:transition spd="slow">
-    <p:push dir="u"/>
-  </p:transition>
+  <mc:AlternateContent xmlns:mc="http://schemas.openxmlformats.org/markup-compatibility/2006">
+    <mc:Choice xmlns:p14="http://schemas.microsoft.com/office/powerpoint/2010/main" Requires="p14">
+      <p:transition p14:dur="0"/>
+    </mc:Choice>
+    <mc:Fallback>
+      <p:transition/>
+    </mc:Fallback>
+  </mc:AlternateContent>
 </p:sld>
 </file>
 
@@ -18871,7 +19059,7 @@
           <a:p>
             <a:fld id="{7A14B680-E159-ED46-B89B-60C427FC4DF1}" type="datetime4">
               <a:rPr lang="en-US" smtClean="0"/>
-              <a:t>July 10, 2021</a:t>
+              <a:t>July 12, 2021</a:t>
             </a:fld>
             <a:endParaRPr lang="nl-NL" dirty="0"/>
           </a:p>
@@ -18963,9 +19151,14 @@
   <p:clrMapOvr>
     <a:masterClrMapping/>
   </p:clrMapOvr>
-  <p:transition spd="slow">
-    <p:push dir="u"/>
-  </p:transition>
+  <mc:AlternateContent xmlns:mc="http://schemas.openxmlformats.org/markup-compatibility/2006">
+    <mc:Choice xmlns:p14="http://schemas.microsoft.com/office/powerpoint/2010/main" Requires="p14">
+      <p:transition p14:dur="0"/>
+    </mc:Choice>
+    <mc:Fallback>
+      <p:transition/>
+    </mc:Fallback>
+  </mc:AlternateContent>
 </p:sld>
 </file>
 
@@ -19066,7 +19259,7 @@
           <a:p>
             <a:fld id="{7A14B680-E159-ED46-B89B-60C427FC4DF1}" type="datetime4">
               <a:rPr lang="en-US" smtClean="0"/>
-              <a:t>July 10, 2021</a:t>
+              <a:t>July 12, 2021</a:t>
             </a:fld>
             <a:endParaRPr lang="nl-NL" dirty="0"/>
           </a:p>
@@ -19158,9 +19351,14 @@
   <p:clrMapOvr>
     <a:masterClrMapping/>
   </p:clrMapOvr>
-  <p:transition spd="slow">
-    <p:push dir="u"/>
-  </p:transition>
+  <mc:AlternateContent xmlns:mc="http://schemas.openxmlformats.org/markup-compatibility/2006">
+    <mc:Choice xmlns:p14="http://schemas.microsoft.com/office/powerpoint/2010/main" Requires="p14">
+      <p:transition p14:dur="0"/>
+    </mc:Choice>
+    <mc:Fallback>
+      <p:transition/>
+    </mc:Fallback>
+  </mc:AlternateContent>
 </p:sld>
 </file>
 
@@ -19261,7 +19459,7 @@
           <a:p>
             <a:fld id="{7A14B680-E159-ED46-B89B-60C427FC4DF1}" type="datetime4">
               <a:rPr lang="en-US" smtClean="0"/>
-              <a:t>July 10, 2021</a:t>
+              <a:t>July 12, 2021</a:t>
             </a:fld>
             <a:endParaRPr lang="nl-NL" dirty="0"/>
           </a:p>
@@ -19306,9 +19504,14 @@
   <p:clrMapOvr>
     <a:masterClrMapping/>
   </p:clrMapOvr>
-  <p:transition spd="slow">
-    <p:push dir="u"/>
-  </p:transition>
+  <mc:AlternateContent xmlns:mc="http://schemas.openxmlformats.org/markup-compatibility/2006">
+    <mc:Choice xmlns:p14="http://schemas.microsoft.com/office/powerpoint/2010/main" Requires="p14">
+      <p:transition p14:dur="0"/>
+    </mc:Choice>
+    <mc:Fallback>
+      <p:transition/>
+    </mc:Fallback>
+  </mc:AlternateContent>
 </p:sld>
 </file>
 
@@ -19426,7 +19629,7 @@
           <a:p>
             <a:fld id="{7A14B680-E159-ED46-B89B-60C427FC4DF1}" type="datetime4">
               <a:rPr lang="en-US" smtClean="0"/>
-              <a:t>July 10, 2021</a:t>
+              <a:t>July 12, 2021</a:t>
             </a:fld>
             <a:endParaRPr lang="nl-NL" dirty="0"/>
           </a:p>
@@ -19471,9 +19674,14 @@
   <p:clrMapOvr>
     <a:masterClrMapping/>
   </p:clrMapOvr>
-  <p:transition spd="slow">
-    <p:push dir="u"/>
-  </p:transition>
+  <mc:AlternateContent xmlns:mc="http://schemas.openxmlformats.org/markup-compatibility/2006">
+    <mc:Choice xmlns:p14="http://schemas.microsoft.com/office/powerpoint/2010/main" Requires="p14">
+      <p:transition p14:dur="0"/>
+    </mc:Choice>
+    <mc:Fallback>
+      <p:transition/>
+    </mc:Fallback>
+  </mc:AlternateContent>
 </p:sld>
 </file>
 
@@ -19602,7 +19810,7 @@
           <a:p>
             <a:fld id="{7A14B680-E159-ED46-B89B-60C427FC4DF1}" type="datetime4">
               <a:rPr lang="en-US" smtClean="0"/>
-              <a:t>July 10, 2021</a:t>
+              <a:t>July 12, 2021</a:t>
             </a:fld>
             <a:endParaRPr lang="nl-NL" dirty="0"/>
           </a:p>
@@ -19647,9 +19855,14 @@
   <p:clrMapOvr>
     <a:masterClrMapping/>
   </p:clrMapOvr>
-  <p:transition spd="slow">
-    <p:push dir="u"/>
-  </p:transition>
+  <mc:AlternateContent xmlns:mc="http://schemas.openxmlformats.org/markup-compatibility/2006">
+    <mc:Choice xmlns:p14="http://schemas.microsoft.com/office/powerpoint/2010/main" Requires="p14">
+      <p:transition p14:dur="0"/>
+    </mc:Choice>
+    <mc:Fallback>
+      <p:transition/>
+    </mc:Fallback>
+  </mc:AlternateContent>
 </p:sld>
 </file>
 
@@ -19750,7 +19963,7 @@
           <a:p>
             <a:fld id="{7A14B680-E159-ED46-B89B-60C427FC4DF1}" type="datetime4">
               <a:rPr lang="en-US" smtClean="0"/>
-              <a:t>July 10, 2021</a:t>
+              <a:t>July 12, 2021</a:t>
             </a:fld>
             <a:endParaRPr lang="nl-NL" dirty="0"/>
           </a:p>
@@ -19795,9 +20008,14 @@
   <p:clrMapOvr>
     <a:masterClrMapping/>
   </p:clrMapOvr>
-  <p:transition spd="slow">
-    <p:push dir="u"/>
-  </p:transition>
+  <mc:AlternateContent xmlns:mc="http://schemas.openxmlformats.org/markup-compatibility/2006">
+    <mc:Choice xmlns:p14="http://schemas.microsoft.com/office/powerpoint/2010/main" Requires="p14">
+      <p:transition p14:dur="0"/>
+    </mc:Choice>
+    <mc:Fallback>
+      <p:transition/>
+    </mc:Fallback>
+  </mc:AlternateContent>
 </p:sld>
 </file>
 
@@ -19898,7 +20116,7 @@
           <a:p>
             <a:fld id="{7A14B680-E159-ED46-B89B-60C427FC4DF1}" type="datetime4">
               <a:rPr lang="en-US" smtClean="0"/>
-              <a:t>July 10, 2021</a:t>
+              <a:t>July 12, 2021</a:t>
             </a:fld>
             <a:endParaRPr lang="nl-NL" dirty="0"/>
           </a:p>
@@ -19990,9 +20208,14 @@
   <p:clrMapOvr>
     <a:masterClrMapping/>
   </p:clrMapOvr>
-  <p:transition spd="slow">
-    <p:push dir="u"/>
-  </p:transition>
+  <mc:AlternateContent xmlns:mc="http://schemas.openxmlformats.org/markup-compatibility/2006">
+    <mc:Choice xmlns:p14="http://schemas.microsoft.com/office/powerpoint/2010/main" Requires="p14">
+      <p:transition p14:dur="0"/>
+    </mc:Choice>
+    <mc:Fallback>
+      <p:transition/>
+    </mc:Fallback>
+  </mc:AlternateContent>
 </p:sld>
 </file>
 
@@ -20098,7 +20321,7 @@
           <a:p>
             <a:fld id="{7A14B680-E159-ED46-B89B-60C427FC4DF1}" type="datetime4">
               <a:rPr lang="en-US" smtClean="0"/>
-              <a:t>July 10, 2021</a:t>
+              <a:t>July 12, 2021</a:t>
             </a:fld>
             <a:endParaRPr lang="nl-NL" dirty="0"/>
           </a:p>
@@ -20143,9 +20366,14 @@
   <p:clrMapOvr>
     <a:masterClrMapping/>
   </p:clrMapOvr>
-  <p:transition spd="slow">
-    <p:push dir="u"/>
-  </p:transition>
+  <mc:AlternateContent xmlns:mc="http://schemas.openxmlformats.org/markup-compatibility/2006">
+    <mc:Choice xmlns:p14="http://schemas.microsoft.com/office/powerpoint/2010/main" Requires="p14">
+      <p:transition p14:dur="0"/>
+    </mc:Choice>
+    <mc:Fallback>
+      <p:transition/>
+    </mc:Fallback>
+  </mc:AlternateContent>
 </p:sld>
 </file>
 
@@ -20263,7 +20491,7 @@
           <a:p>
             <a:fld id="{7A14B680-E159-ED46-B89B-60C427FC4DF1}" type="datetime4">
               <a:rPr lang="en-US" smtClean="0"/>
-              <a:t>July 10, 2021</a:t>
+              <a:t>July 12, 2021</a:t>
             </a:fld>
             <a:endParaRPr lang="nl-NL" dirty="0"/>
           </a:p>
@@ -20308,9 +20536,14 @@
   <p:clrMapOvr>
     <a:masterClrMapping/>
   </p:clrMapOvr>
-  <p:transition spd="slow">
-    <p:push dir="u"/>
-  </p:transition>
+  <mc:AlternateContent xmlns:mc="http://schemas.openxmlformats.org/markup-compatibility/2006">
+    <mc:Choice xmlns:p14="http://schemas.microsoft.com/office/powerpoint/2010/main" Requires="p14">
+      <p:transition p14:dur="0"/>
+    </mc:Choice>
+    <mc:Fallback>
+      <p:transition/>
+    </mc:Fallback>
+  </mc:AlternateContent>
 </p:sld>
 </file>
 
@@ -20402,7 +20635,7 @@
           <a:p>
             <a:fld id="{7A14B680-E159-ED46-B89B-60C427FC4DF1}" type="datetime4">
               <a:rPr lang="en-US" smtClean="0"/>
-              <a:t>July 10, 2021</a:t>
+              <a:t>July 12, 2021</a:t>
             </a:fld>
             <a:endParaRPr lang="nl-NL" dirty="0"/>
           </a:p>
@@ -20471,9 +20704,14 @@
   <p:clrMapOvr>
     <a:masterClrMapping/>
   </p:clrMapOvr>
-  <p:transition spd="slow">
-    <p:push dir="u"/>
-  </p:transition>
+  <mc:AlternateContent xmlns:mc="http://schemas.openxmlformats.org/markup-compatibility/2006">
+    <mc:Choice xmlns:p14="http://schemas.microsoft.com/office/powerpoint/2010/main" Requires="p14">
+      <p:transition p14:dur="0"/>
+    </mc:Choice>
+    <mc:Fallback>
+      <p:transition/>
+    </mc:Fallback>
+  </mc:AlternateContent>
 </p:sld>
 </file>
 
@@ -20602,7 +20840,7 @@
           <a:p>
             <a:fld id="{7A14B680-E159-ED46-B89B-60C427FC4DF1}" type="datetime4">
               <a:rPr lang="en-US" smtClean="0"/>
-              <a:t>July 10, 2021</a:t>
+              <a:t>July 12, 2021</a:t>
             </a:fld>
             <a:endParaRPr lang="nl-NL" dirty="0"/>
           </a:p>
@@ -20647,9 +20885,14 @@
   <p:clrMapOvr>
     <a:masterClrMapping/>
   </p:clrMapOvr>
-  <p:transition spd="slow">
-    <p:push dir="u"/>
-  </p:transition>
+  <mc:AlternateContent xmlns:mc="http://schemas.openxmlformats.org/markup-compatibility/2006">
+    <mc:Choice xmlns:p14="http://schemas.microsoft.com/office/powerpoint/2010/main" Requires="p14">
+      <p:transition p14:dur="0"/>
+    </mc:Choice>
+    <mc:Fallback>
+      <p:transition/>
+    </mc:Fallback>
+  </mc:AlternateContent>
 </p:sld>
 </file>
 
@@ -20789,7 +21032,7 @@
           <a:p>
             <a:fld id="{7A14B680-E159-ED46-B89B-60C427FC4DF1}" type="datetime4">
               <a:rPr lang="en-US" smtClean="0"/>
-              <a:t>July 10, 2021</a:t>
+              <a:t>July 12, 2021</a:t>
             </a:fld>
             <a:endParaRPr lang="nl-NL" dirty="0"/>
           </a:p>
@@ -20834,9 +21077,14 @@
   <p:clrMapOvr>
     <a:masterClrMapping/>
   </p:clrMapOvr>
-  <p:transition spd="slow">
-    <p:push dir="u"/>
-  </p:transition>
+  <mc:AlternateContent xmlns:mc="http://schemas.openxmlformats.org/markup-compatibility/2006">
+    <mc:Choice xmlns:p14="http://schemas.microsoft.com/office/powerpoint/2010/main" Requires="p14">
+      <p:transition p14:dur="0"/>
+    </mc:Choice>
+    <mc:Fallback>
+      <p:transition/>
+    </mc:Fallback>
+  </mc:AlternateContent>
 </p:sld>
 </file>
 
@@ -20987,7 +21235,7 @@
           <a:p>
             <a:fld id="{7A14B680-E159-ED46-B89B-60C427FC4DF1}" type="datetime4">
               <a:rPr lang="en-US" smtClean="0"/>
-              <a:t>July 10, 2021</a:t>
+              <a:t>July 12, 2021</a:t>
             </a:fld>
             <a:endParaRPr lang="nl-NL" dirty="0"/>
           </a:p>
@@ -21032,9 +21280,14 @@
   <p:clrMapOvr>
     <a:masterClrMapping/>
   </p:clrMapOvr>
-  <p:transition spd="slow">
-    <p:push dir="u"/>
-  </p:transition>
+  <mc:AlternateContent xmlns:mc="http://schemas.openxmlformats.org/markup-compatibility/2006">
+    <mc:Choice xmlns:p14="http://schemas.microsoft.com/office/powerpoint/2010/main" Requires="p14">
+      <p:transition p14:dur="0"/>
+    </mc:Choice>
+    <mc:Fallback>
+      <p:transition/>
+    </mc:Fallback>
+  </mc:AlternateContent>
 </p:sld>
 </file>
 
@@ -21132,7 +21385,7 @@
           <a:p>
             <a:fld id="{7A14B680-E159-ED46-B89B-60C427FC4DF1}" type="datetime4">
               <a:rPr lang="en-US" smtClean="0"/>
-              <a:t>July 10, 2021</a:t>
+              <a:t>July 12, 2021</a:t>
             </a:fld>
             <a:endParaRPr lang="nl-NL" dirty="0"/>
           </a:p>
@@ -21177,9 +21430,14 @@
   <p:clrMapOvr>
     <a:masterClrMapping/>
   </p:clrMapOvr>
-  <p:transition spd="slow">
-    <p:push dir="u"/>
-  </p:transition>
+  <mc:AlternateContent xmlns:mc="http://schemas.openxmlformats.org/markup-compatibility/2006">
+    <mc:Choice xmlns:p14="http://schemas.microsoft.com/office/powerpoint/2010/main" Requires="p14">
+      <p:transition p14:dur="0"/>
+    </mc:Choice>
+    <mc:Fallback>
+      <p:transition/>
+    </mc:Fallback>
+  </mc:AlternateContent>
 </p:sld>
 </file>
 
@@ -21286,7 +21544,7 @@
           <a:p>
             <a:fld id="{7A14B680-E159-ED46-B89B-60C427FC4DF1}" type="datetime4">
               <a:rPr lang="en-US" smtClean="0"/>
-              <a:t>July 10, 2021</a:t>
+              <a:t>July 12, 2021</a:t>
             </a:fld>
             <a:endParaRPr lang="nl-NL" dirty="0"/>
           </a:p>
@@ -21365,9 +21623,14 @@
   <p:clrMapOvr>
     <a:masterClrMapping/>
   </p:clrMapOvr>
-  <p:transition spd="slow">
-    <p:push dir="u"/>
-  </p:transition>
+  <mc:AlternateContent xmlns:mc="http://schemas.openxmlformats.org/markup-compatibility/2006">
+    <mc:Choice xmlns:p14="http://schemas.microsoft.com/office/powerpoint/2010/main" Requires="p14">
+      <p:transition p14:dur="0"/>
+    </mc:Choice>
+    <mc:Fallback>
+      <p:transition/>
+    </mc:Fallback>
+  </mc:AlternateContent>
 </p:sld>
 </file>
 
@@ -21437,7 +21700,7 @@
           <a:p>
             <a:fld id="{471052D4-AF7E-4476-8D72-E740905092FA}" type="datetime4">
               <a:rPr lang="en-US" smtClean="0"/>
-              <a:t>July 10, 2021</a:t>
+              <a:t>July 12, 2021</a:t>
             </a:fld>
             <a:endParaRPr lang="nl-NL" dirty="0"/>
           </a:p>
@@ -21453,9 +21716,14 @@
   <p:clrMapOvr>
     <a:masterClrMapping/>
   </p:clrMapOvr>
-  <p:transition spd="slow">
-    <p:push dir="u"/>
-  </p:transition>
+  <mc:AlternateContent xmlns:mc="http://schemas.openxmlformats.org/markup-compatibility/2006">
+    <mc:Choice xmlns:p14="http://schemas.microsoft.com/office/powerpoint/2010/main" Requires="p14">
+      <p:transition p14:dur="0"/>
+    </mc:Choice>
+    <mc:Fallback>
+      <p:transition/>
+    </mc:Fallback>
+  </mc:AlternateContent>
 </p:sld>
 </file>
 
@@ -21498,7 +21766,7 @@
           <a:p>
             <a:fld id="{471052D4-AF7E-4476-8D72-E740905092FA}" type="datetime4">
               <a:rPr lang="en-US" smtClean="0"/>
-              <a:t>July 10, 2021</a:t>
+              <a:t>July 12, 2021</a:t>
             </a:fld>
             <a:endParaRPr lang="nl-NL" dirty="0"/>
           </a:p>
@@ -21576,9 +21844,14 @@
   <p:clrMapOvr>
     <a:masterClrMapping/>
   </p:clrMapOvr>
-  <p:transition spd="slow">
-    <p:push dir="u"/>
-  </p:transition>
+  <mc:AlternateContent xmlns:mc="http://schemas.openxmlformats.org/markup-compatibility/2006">
+    <mc:Choice xmlns:p14="http://schemas.microsoft.com/office/powerpoint/2010/main" Requires="p14">
+      <p:transition p14:dur="0"/>
+    </mc:Choice>
+    <mc:Fallback>
+      <p:transition/>
+    </mc:Fallback>
+  </mc:AlternateContent>
 </p:sld>
 </file>
 
@@ -21639,7 +21912,7 @@
           <a:p>
             <a:fld id="{7A14B680-E159-ED46-B89B-60C427FC4DF1}" type="datetime4">
               <a:rPr lang="en-US" smtClean="0"/>
-              <a:t>July 10, 2021</a:t>
+              <a:t>July 12, 2021</a:t>
             </a:fld>
             <a:endParaRPr lang="nl-NL" dirty="0"/>
           </a:p>
@@ -21710,9 +21983,14 @@
   <p:clrMapOvr>
     <a:masterClrMapping/>
   </p:clrMapOvr>
-  <p:transition spd="slow">
-    <p:push dir="u"/>
-  </p:transition>
+  <mc:AlternateContent xmlns:mc="http://schemas.openxmlformats.org/markup-compatibility/2006">
+    <mc:Choice xmlns:p14="http://schemas.microsoft.com/office/powerpoint/2010/main" Requires="p14">
+      <p:transition p14:dur="0"/>
+    </mc:Choice>
+    <mc:Fallback>
+      <p:transition/>
+    </mc:Fallback>
+  </mc:AlternateContent>
 </p:sld>
 </file>
 
@@ -21753,11 +22031,6 @@
               <a:rPr lang="en-US" dirty="0"/>
               <a:t>Why Unit Testing?</a:t>
             </a:r>
-            <a:r>
-              <a:rPr lang="ro-RO" dirty="0"/>
-              <a:t>„</a:t>
-            </a:r>
-            <a:endParaRPr lang="en-US" dirty="0"/>
           </a:p>
         </p:txBody>
       </p:sp>
@@ -21778,7 +22051,7 @@
           <a:p>
             <a:fld id="{7A14B680-E159-ED46-B89B-60C427FC4DF1}" type="datetime4">
               <a:rPr lang="en-US" smtClean="0"/>
-              <a:t>July 10, 2021</a:t>
+              <a:t>July 12, 2021</a:t>
             </a:fld>
             <a:endParaRPr lang="nl-NL" dirty="0"/>
           </a:p>
@@ -21882,9 +22155,14 @@
   <p:clrMapOvr>
     <a:masterClrMapping/>
   </p:clrMapOvr>
-  <p:transition spd="slow">
-    <p:push dir="u"/>
-  </p:transition>
+  <mc:AlternateContent xmlns:mc="http://schemas.openxmlformats.org/markup-compatibility/2006">
+    <mc:Choice xmlns:p14="http://schemas.microsoft.com/office/powerpoint/2010/main" Requires="p14">
+      <p:transition p14:dur="0"/>
+    </mc:Choice>
+    <mc:Fallback>
+      <p:transition/>
+    </mc:Fallback>
+  </mc:AlternateContent>
 </p:sld>
 </file>
 
@@ -21945,7 +22223,7 @@
           <a:p>
             <a:fld id="{7A14B680-E159-ED46-B89B-60C427FC4DF1}" type="datetime4">
               <a:rPr lang="en-US" smtClean="0"/>
-              <a:t>July 10, 2021</a:t>
+              <a:t>July 12, 2021</a:t>
             </a:fld>
             <a:endParaRPr lang="nl-NL" dirty="0"/>
           </a:p>
@@ -22030,9 +22308,14 @@
   <p:clrMapOvr>
     <a:masterClrMapping/>
   </p:clrMapOvr>
-  <p:transition spd="slow">
-    <p:push dir="u"/>
-  </p:transition>
+  <mc:AlternateContent xmlns:mc="http://schemas.openxmlformats.org/markup-compatibility/2006">
+    <mc:Choice xmlns:p14="http://schemas.microsoft.com/office/powerpoint/2010/main" Requires="p14">
+      <p:transition p14:dur="0"/>
+    </mc:Choice>
+    <mc:Fallback>
+      <p:transition/>
+    </mc:Fallback>
+  </mc:AlternateContent>
 </p:sld>
 </file>
 
@@ -22093,7 +22376,7 @@
           <a:p>
             <a:fld id="{7A14B680-E159-ED46-B89B-60C427FC4DF1}" type="datetime4">
               <a:rPr lang="en-US" smtClean="0"/>
-              <a:t>July 10, 2021</a:t>
+              <a:t>July 12, 2021</a:t>
             </a:fld>
             <a:endParaRPr lang="nl-NL" dirty="0"/>
           </a:p>
@@ -22189,9 +22472,14 @@
   <p:clrMapOvr>
     <a:masterClrMapping/>
   </p:clrMapOvr>
-  <p:transition spd="slow">
-    <p:push dir="u"/>
-  </p:transition>
+  <mc:AlternateContent xmlns:mc="http://schemas.openxmlformats.org/markup-compatibility/2006">
+    <mc:Choice xmlns:p14="http://schemas.microsoft.com/office/powerpoint/2010/main" Requires="p14">
+      <p:transition p14:dur="0"/>
+    </mc:Choice>
+    <mc:Fallback>
+      <p:transition/>
+    </mc:Fallback>
+  </mc:AlternateContent>
 </p:sld>
 </file>
 
@@ -23086,15 +23374,6 @@
 </file>
 
 <file path=customXml/item1.xml><?xml version="1.0" encoding="utf-8"?>
-<?mso-contentType ?>
-<FormTemplates xmlns="http://schemas.microsoft.com/sharepoint/v3/contenttype/forms">
-  <Display>DocumentLibraryForm</Display>
-  <Edit>DocumentLibraryForm</Edit>
-  <New>DocumentLibraryForm</New>
-</FormTemplates>
-</file>
-
-<file path=customXml/item2.xml><?xml version="1.0" encoding="utf-8"?>
 <p:properties xmlns:p="http://schemas.microsoft.com/office/2006/metadata/properties" xmlns:xsi="http://www.w3.org/2001/XMLSchema-instance" xmlns:pc="http://schemas.microsoft.com/office/infopath/2007/PartnerControls">
   <documentManagement>
     <_dlc_DocId xmlns="7582594f-2f57-4d52-8ffa-4b4aa53e3769">HXQY2SQ4HAYF-794-83</_dlc_DocId>
@@ -23106,53 +23385,16 @@
 </p:properties>
 </file>
 
-<file path=customXml/item3.xml><?xml version="1.0" encoding="utf-8"?>
+<file path=customXml/item2.xml><?xml version="1.0" encoding="utf-8"?>
 <?mso-contentType ?>
-<spe:Receivers xmlns:spe="http://schemas.microsoft.com/sharepoint/events">
-  <Receiver>
-    <Name>Document ID Generator</Name>
-    <Synchronization>Synchronous</Synchronization>
-    <Type>10001</Type>
-    <SequenceNumber>1000</SequenceNumber>
-    <Assembly>Microsoft.Office.DocumentManagement, Version=14.0.0.0, Culture=neutral, PublicKeyToken=71e9bce111e9429c</Assembly>
-    <Class>Microsoft.Office.DocumentManagement.Internal.DocIdHandler</Class>
-    <Data/>
-    <Filter/>
-  </Receiver>
-  <Receiver>
-    <Name>Document ID Generator</Name>
-    <Synchronization>Synchronous</Synchronization>
-    <Type>10002</Type>
-    <SequenceNumber>1001</SequenceNumber>
-    <Assembly>Microsoft.Office.DocumentManagement, Version=14.0.0.0, Culture=neutral, PublicKeyToken=71e9bce111e9429c</Assembly>
-    <Class>Microsoft.Office.DocumentManagement.Internal.DocIdHandler</Class>
-    <Data/>
-    <Filter/>
-  </Receiver>
-  <Receiver>
-    <Name>Document ID Generator</Name>
-    <Synchronization>Synchronous</Synchronization>
-    <Type>10004</Type>
-    <SequenceNumber>1002</SequenceNumber>
-    <Assembly>Microsoft.Office.DocumentManagement, Version=14.0.0.0, Culture=neutral, PublicKeyToken=71e9bce111e9429c</Assembly>
-    <Class>Microsoft.Office.DocumentManagement.Internal.DocIdHandler</Class>
-    <Data/>
-    <Filter/>
-  </Receiver>
-  <Receiver>
-    <Name>Document ID Generator</Name>
-    <Synchronization>Synchronous</Synchronization>
-    <Type>10006</Type>
-    <SequenceNumber>1003</SequenceNumber>
-    <Assembly>Microsoft.Office.DocumentManagement, Version=14.0.0.0, Culture=neutral, PublicKeyToken=71e9bce111e9429c</Assembly>
-    <Class>Microsoft.Office.DocumentManagement.Internal.DocIdHandler</Class>
-    <Data/>
-    <Filter/>
-  </Receiver>
-</spe:Receivers>
+<FormTemplates xmlns="http://schemas.microsoft.com/sharepoint/v3/contenttype/forms">
+  <Display>DocumentLibraryForm</Display>
+  <Edit>DocumentLibraryForm</Edit>
+  <New>DocumentLibraryForm</New>
+</FormTemplates>
 </file>
 
-<file path=customXml/item4.xml><?xml version="1.0" encoding="utf-8"?>
+<file path=customXml/item3.xml><?xml version="1.0" encoding="utf-8"?>
 <ct:contentTypeSchema xmlns:ct="http://schemas.microsoft.com/office/2006/metadata/contentType" xmlns:ma="http://schemas.microsoft.com/office/2006/metadata/properties/metaAttributes" ct:_="" ma:_="" ma:contentTypeName="Document" ma:contentTypeID="0x010100612F67C670D41B4A91B6EC11F2BCB91000112621AD02751C46ACAF48B80BAE0485" ma:contentTypeVersion="8" ma:contentTypeDescription="Een nieuw document maken." ma:contentTypeScope="" ma:versionID="7a2a27f4e9f6b4ce34c424adeb6be946">
   <xsd:schema xmlns:xsd="http://www.w3.org/2001/XMLSchema" xmlns:xs="http://www.w3.org/2001/XMLSchema" xmlns:p="http://schemas.microsoft.com/office/2006/metadata/properties" xmlns:ns2="7582594f-2f57-4d52-8ffa-4b4aa53e3769" targetNamespace="http://schemas.microsoft.com/office/2006/metadata/properties" ma:root="true" ma:fieldsID="d72965aa9bec8a25d585f8efc5427f42" ns2:_="">
     <xsd:import namespace="7582594f-2f57-4d52-8ffa-4b4aa53e3769"/>
@@ -23297,15 +23539,53 @@
 </ct:contentTypeSchema>
 </file>
 
-<file path=customXml/itemProps1.xml><?xml version="1.0" encoding="utf-8"?>
-<ds:datastoreItem xmlns:ds="http://schemas.openxmlformats.org/officeDocument/2006/customXml" ds:itemID="{4A752D92-0ACC-48D2-A658-AB744FE70ECE}">
-  <ds:schemaRefs>
-    <ds:schemaRef ds:uri="http://schemas.microsoft.com/sharepoint/v3/contenttype/forms"/>
-  </ds:schemaRefs>
-</ds:datastoreItem>
+<file path=customXml/item4.xml><?xml version="1.0" encoding="utf-8"?>
+<?mso-contentType ?>
+<spe:Receivers xmlns:spe="http://schemas.microsoft.com/sharepoint/events">
+  <Receiver>
+    <Name>Document ID Generator</Name>
+    <Synchronization>Synchronous</Synchronization>
+    <Type>10001</Type>
+    <SequenceNumber>1000</SequenceNumber>
+    <Assembly>Microsoft.Office.DocumentManagement, Version=14.0.0.0, Culture=neutral, PublicKeyToken=71e9bce111e9429c</Assembly>
+    <Class>Microsoft.Office.DocumentManagement.Internal.DocIdHandler</Class>
+    <Data/>
+    <Filter/>
+  </Receiver>
+  <Receiver>
+    <Name>Document ID Generator</Name>
+    <Synchronization>Synchronous</Synchronization>
+    <Type>10002</Type>
+    <SequenceNumber>1001</SequenceNumber>
+    <Assembly>Microsoft.Office.DocumentManagement, Version=14.0.0.0, Culture=neutral, PublicKeyToken=71e9bce111e9429c</Assembly>
+    <Class>Microsoft.Office.DocumentManagement.Internal.DocIdHandler</Class>
+    <Data/>
+    <Filter/>
+  </Receiver>
+  <Receiver>
+    <Name>Document ID Generator</Name>
+    <Synchronization>Synchronous</Synchronization>
+    <Type>10004</Type>
+    <SequenceNumber>1002</SequenceNumber>
+    <Assembly>Microsoft.Office.DocumentManagement, Version=14.0.0.0, Culture=neutral, PublicKeyToken=71e9bce111e9429c</Assembly>
+    <Class>Microsoft.Office.DocumentManagement.Internal.DocIdHandler</Class>
+    <Data/>
+    <Filter/>
+  </Receiver>
+  <Receiver>
+    <Name>Document ID Generator</Name>
+    <Synchronization>Synchronous</Synchronization>
+    <Type>10006</Type>
+    <SequenceNumber>1003</SequenceNumber>
+    <Assembly>Microsoft.Office.DocumentManagement, Version=14.0.0.0, Culture=neutral, PublicKeyToken=71e9bce111e9429c</Assembly>
+    <Class>Microsoft.Office.DocumentManagement.Internal.DocIdHandler</Class>
+    <Data/>
+    <Filter/>
+  </Receiver>
+</spe:Receivers>
 </file>
 
-<file path=customXml/itemProps2.xml><?xml version="1.0" encoding="utf-8"?>
+<file path=customXml/itemProps1.xml><?xml version="1.0" encoding="utf-8"?>
 <ds:datastoreItem xmlns:ds="http://schemas.openxmlformats.org/officeDocument/2006/customXml" ds:itemID="{DE0A3E1F-B2EC-4B36-9F71-3169FFDE4AE0}">
   <ds:schemaRefs>
     <ds:schemaRef ds:uri="http://purl.org/dc/terms/"/>
@@ -23321,15 +23601,15 @@
 </ds:datastoreItem>
 </file>
 
-<file path=customXml/itemProps3.xml><?xml version="1.0" encoding="utf-8"?>
-<ds:datastoreItem xmlns:ds="http://schemas.openxmlformats.org/officeDocument/2006/customXml" ds:itemID="{AEA0F5FE-2AF9-4A86-BADA-F40F7EC772CD}">
+<file path=customXml/itemProps2.xml><?xml version="1.0" encoding="utf-8"?>
+<ds:datastoreItem xmlns:ds="http://schemas.openxmlformats.org/officeDocument/2006/customXml" ds:itemID="{4A752D92-0ACC-48D2-A658-AB744FE70ECE}">
   <ds:schemaRefs>
-    <ds:schemaRef ds:uri="http://schemas.microsoft.com/sharepoint/events"/>
+    <ds:schemaRef ds:uri="http://schemas.microsoft.com/sharepoint/v3/contenttype/forms"/>
   </ds:schemaRefs>
 </ds:datastoreItem>
 </file>
 
-<file path=customXml/itemProps4.xml><?xml version="1.0" encoding="utf-8"?>
+<file path=customXml/itemProps3.xml><?xml version="1.0" encoding="utf-8"?>
 <ds:datastoreItem xmlns:ds="http://schemas.openxmlformats.org/officeDocument/2006/customXml" ds:itemID="{ED490D6F-1E63-413A-9BD8-5CF5403D6AE1}">
   <ds:schemaRefs>
     <ds:schemaRef ds:uri="http://schemas.microsoft.com/office/2006/metadata/contentType"/>
@@ -23345,4 +23625,12 @@
     <ds:schemaRef ds:uri="http://schemas.microsoft.com/internal/obd"/>
   </ds:schemaRefs>
 </ds:datastoreItem>
+</file>
+
+<file path=customXml/itemProps4.xml><?xml version="1.0" encoding="utf-8"?>
+<ds:datastoreItem xmlns:ds="http://schemas.openxmlformats.org/officeDocument/2006/customXml" ds:itemID="{AEA0F5FE-2AF9-4A86-BADA-F40F7EC772CD}">
+  <ds:schemaRefs>
+    <ds:schemaRef ds:uri="http://schemas.microsoft.com/sharepoint/events"/>
+  </ds:schemaRefs>
+</ds:datastoreItem>
 </file>
--- a/Developer testing 2021.pptx
+++ b/Developer testing 2021.pptx
@@ -26,45 +26,45 @@
     <p:sldId id="393" r:id="rId18"/>
     <p:sldId id="389" r:id="rId19"/>
     <p:sldId id="390" r:id="rId20"/>
-    <p:sldId id="391" r:id="rId21"/>
-    <p:sldId id="392" r:id="rId22"/>
-    <p:sldId id="394" r:id="rId23"/>
-    <p:sldId id="395" r:id="rId24"/>
-    <p:sldId id="396" r:id="rId25"/>
-    <p:sldId id="397" r:id="rId26"/>
-    <p:sldId id="439" r:id="rId27"/>
-    <p:sldId id="401" r:id="rId28"/>
-    <p:sldId id="399" r:id="rId29"/>
-    <p:sldId id="400" r:id="rId30"/>
-    <p:sldId id="404" r:id="rId31"/>
-    <p:sldId id="441" r:id="rId32"/>
-    <p:sldId id="408" r:id="rId33"/>
-    <p:sldId id="409" r:id="rId34"/>
-    <p:sldId id="422" r:id="rId35"/>
-    <p:sldId id="410" r:id="rId36"/>
-    <p:sldId id="411" r:id="rId37"/>
-    <p:sldId id="412" r:id="rId38"/>
-    <p:sldId id="413" r:id="rId39"/>
-    <p:sldId id="414" r:id="rId40"/>
-    <p:sldId id="415" r:id="rId41"/>
-    <p:sldId id="416" r:id="rId42"/>
-    <p:sldId id="417" r:id="rId43"/>
-    <p:sldId id="423" r:id="rId44"/>
-    <p:sldId id="424" r:id="rId45"/>
-    <p:sldId id="425" r:id="rId46"/>
-    <p:sldId id="426" r:id="rId47"/>
-    <p:sldId id="427" r:id="rId48"/>
-    <p:sldId id="428" r:id="rId49"/>
-    <p:sldId id="429" r:id="rId50"/>
-    <p:sldId id="430" r:id="rId51"/>
-    <p:sldId id="431" r:id="rId52"/>
-    <p:sldId id="432" r:id="rId53"/>
-    <p:sldId id="433" r:id="rId54"/>
-    <p:sldId id="434" r:id="rId55"/>
-    <p:sldId id="435" r:id="rId56"/>
-    <p:sldId id="436" r:id="rId57"/>
-    <p:sldId id="437" r:id="rId58"/>
-    <p:sldId id="440" r:id="rId59"/>
+    <p:sldId id="440" r:id="rId21"/>
+    <p:sldId id="391" r:id="rId22"/>
+    <p:sldId id="392" r:id="rId23"/>
+    <p:sldId id="394" r:id="rId24"/>
+    <p:sldId id="395" r:id="rId25"/>
+    <p:sldId id="396" r:id="rId26"/>
+    <p:sldId id="397" r:id="rId27"/>
+    <p:sldId id="439" r:id="rId28"/>
+    <p:sldId id="401" r:id="rId29"/>
+    <p:sldId id="399" r:id="rId30"/>
+    <p:sldId id="400" r:id="rId31"/>
+    <p:sldId id="404" r:id="rId32"/>
+    <p:sldId id="441" r:id="rId33"/>
+    <p:sldId id="408" r:id="rId34"/>
+    <p:sldId id="409" r:id="rId35"/>
+    <p:sldId id="422" r:id="rId36"/>
+    <p:sldId id="410" r:id="rId37"/>
+    <p:sldId id="411" r:id="rId38"/>
+    <p:sldId id="412" r:id="rId39"/>
+    <p:sldId id="413" r:id="rId40"/>
+    <p:sldId id="414" r:id="rId41"/>
+    <p:sldId id="415" r:id="rId42"/>
+    <p:sldId id="416" r:id="rId43"/>
+    <p:sldId id="417" r:id="rId44"/>
+    <p:sldId id="423" r:id="rId45"/>
+    <p:sldId id="424" r:id="rId46"/>
+    <p:sldId id="425" r:id="rId47"/>
+    <p:sldId id="426" r:id="rId48"/>
+    <p:sldId id="427" r:id="rId49"/>
+    <p:sldId id="428" r:id="rId50"/>
+    <p:sldId id="429" r:id="rId51"/>
+    <p:sldId id="430" r:id="rId52"/>
+    <p:sldId id="431" r:id="rId53"/>
+    <p:sldId id="432" r:id="rId54"/>
+    <p:sldId id="433" r:id="rId55"/>
+    <p:sldId id="434" r:id="rId56"/>
+    <p:sldId id="435" r:id="rId57"/>
+    <p:sldId id="436" r:id="rId58"/>
+    <p:sldId id="437" r:id="rId59"/>
     <p:sldId id="377" r:id="rId60"/>
     <p:sldId id="438" r:id="rId61"/>
   </p:sldIdLst>
@@ -206,8 +206,8 @@
 <pc:chgInfo xmlns:a="http://schemas.openxmlformats.org/drawingml/2006/main" xmlns:r="http://schemas.openxmlformats.org/officeDocument/2006/relationships" xmlns:ac="http://schemas.microsoft.com/office/drawing/2013/main/command" xmlns:pc="http://schemas.microsoft.com/office/powerpoint/2013/main/command">
   <pc:docChgLst>
     <pc:chgData name="Dragusanu, Cristian" userId="6d8184c8-ee06-4d36-9582-fe20fe86f2a2" providerId="ADAL" clId="{FD03AF8D-D93F-4FB1-87A2-EE72F59413B2}"/>
-    <pc:docChg chg="undo custSel addSld delSld modSld">
-      <pc:chgData name="Dragusanu, Cristian" userId="6d8184c8-ee06-4d36-9582-fe20fe86f2a2" providerId="ADAL" clId="{FD03AF8D-D93F-4FB1-87A2-EE72F59413B2}" dt="2021-07-10T13:40:03.933" v="4491" actId="20577"/>
+    <pc:docChg chg="undo custSel addSld delSld modSld sldOrd">
+      <pc:chgData name="Dragusanu, Cristian" userId="6d8184c8-ee06-4d36-9582-fe20fe86f2a2" providerId="ADAL" clId="{FD03AF8D-D93F-4FB1-87A2-EE72F59413B2}" dt="2021-07-19T09:18:05.342" v="4509" actId="27636"/>
       <pc:docMkLst>
         <pc:docMk/>
       </pc:docMkLst>
@@ -226,14 +226,14 @@
           </ac:spMkLst>
         </pc:spChg>
       </pc:sldChg>
-      <pc:sldChg chg="modSp mod">
-        <pc:chgData name="Dragusanu, Cristian" userId="6d8184c8-ee06-4d36-9582-fe20fe86f2a2" providerId="ADAL" clId="{FD03AF8D-D93F-4FB1-87A2-EE72F59413B2}" dt="2021-07-10T13:07:11.549" v="4057" actId="20577"/>
+      <pc:sldChg chg="modSp mod modNotesTx">
+        <pc:chgData name="Dragusanu, Cristian" userId="6d8184c8-ee06-4d36-9582-fe20fe86f2a2" providerId="ADAL" clId="{FD03AF8D-D93F-4FB1-87A2-EE72F59413B2}" dt="2021-07-19T09:18:05.342" v="4509" actId="27636"/>
         <pc:sldMkLst>
           <pc:docMk/>
           <pc:sldMk cId="2217958115" sldId="376"/>
         </pc:sldMkLst>
         <pc:spChg chg="mod">
-          <ac:chgData name="Dragusanu, Cristian" userId="6d8184c8-ee06-4d36-9582-fe20fe86f2a2" providerId="ADAL" clId="{FD03AF8D-D93F-4FB1-87A2-EE72F59413B2}" dt="2021-07-10T13:07:11.549" v="4057" actId="20577"/>
+          <ac:chgData name="Dragusanu, Cristian" userId="6d8184c8-ee06-4d36-9582-fe20fe86f2a2" providerId="ADAL" clId="{FD03AF8D-D93F-4FB1-87A2-EE72F59413B2}" dt="2021-07-19T09:18:05.342" v="4509" actId="27636"/>
           <ac:spMkLst>
             <pc:docMk/>
             <pc:sldMk cId="2217958115" sldId="376"/>
@@ -242,7 +242,7 @@
         </pc:spChg>
       </pc:sldChg>
       <pc:sldChg chg="modSp mod modNotesTx">
-        <pc:chgData name="Dragusanu, Cristian" userId="6d8184c8-ee06-4d36-9582-fe20fe86f2a2" providerId="ADAL" clId="{FD03AF8D-D93F-4FB1-87A2-EE72F59413B2}" dt="2021-07-10T10:21:01.075" v="2883" actId="20577"/>
+        <pc:chgData name="Dragusanu, Cristian" userId="6d8184c8-ee06-4d36-9582-fe20fe86f2a2" providerId="ADAL" clId="{FD03AF8D-D93F-4FB1-87A2-EE72F59413B2}" dt="2021-07-19T08:31:55.959" v="4496" actId="20577"/>
         <pc:sldMkLst>
           <pc:docMk/>
           <pc:sldMk cId="1033691715" sldId="389"/>
@@ -475,6 +475,13 @@
           <pc:sldMk cId="1081930187" sldId="425"/>
         </pc:sldMkLst>
       </pc:sldChg>
+      <pc:sldChg chg="ord">
+        <pc:chgData name="Dragusanu, Cristian" userId="6d8184c8-ee06-4d36-9582-fe20fe86f2a2" providerId="ADAL" clId="{FD03AF8D-D93F-4FB1-87A2-EE72F59413B2}" dt="2021-07-19T09:17:51.878" v="4498"/>
+        <pc:sldMkLst>
+          <pc:docMk/>
+          <pc:sldMk cId="2702220657" sldId="440"/>
+        </pc:sldMkLst>
+      </pc:sldChg>
       <pc:sldChg chg="addSp delSp modSp new mod">
         <pc:chgData name="Dragusanu, Cristian" userId="6d8184c8-ee06-4d36-9582-fe20fe86f2a2" providerId="ADAL" clId="{FD03AF8D-D93F-4FB1-87A2-EE72F59413B2}" dt="2021-07-10T13:19:07.769" v="4258" actId="20577"/>
         <pc:sldMkLst>
@@ -657,7 +664,7 @@
           <a:p>
             <a:fld id="{4FDA5BBF-9A9E-E34C-87D2-CD6D1CA60245}" type="datetime1">
               <a:rPr lang="en-US" smtClean="0"/>
-              <a:t>7/12/2021</a:t>
+              <a:t>7/19/2021</a:t>
             </a:fld>
             <a:endParaRPr lang="en-US"/>
           </a:p>
@@ -823,7 +830,7 @@
           <a:p>
             <a:fld id="{FE5FB5CF-D153-1544-8329-2FC1F4ABF24D}" type="datetime1">
               <a:rPr lang="en-US" smtClean="0"/>
-              <a:t>7/12/2021</a:t>
+              <a:t>7/19/2021</a:t>
             </a:fld>
             <a:endParaRPr lang="nl-NL"/>
           </a:p>
@@ -1717,16 +1724,6 @@
               <a:buFontTx/>
               <a:buChar char="-"/>
             </a:pPr>
-            <a:r>
-              <a:rPr lang="nl-NL" dirty="0"/>
-              <a:t>-- ex: teste pe baza de DateTime.Now si baza de date live (4 ianuarie, prima zi lucratoare)</a:t>
-            </a:r>
-          </a:p>
-          <a:p>
-            <a:pPr marL="171450" indent="-171450">
-              <a:buFontTx/>
-              <a:buChar char="-"/>
-            </a:pPr>
             <a:endParaRPr lang="nl-NL" dirty="0"/>
           </a:p>
           <a:p>
@@ -2004,215 +2001,10 @@
           <a:bodyPr/>
           <a:lstStyle/>
           <a:p>
-            <a:pPr marL="0" marR="0" indent="0" algn="l" defTabSz="914400" rtl="0" eaLnBrk="1" fontAlgn="auto" latinLnBrk="0" hangingPunct="1">
-              <a:lnSpc>
-                <a:spcPct val="100000"/>
-              </a:lnSpc>
-              <a:spcBef>
-                <a:spcPts val="0"/>
-              </a:spcBef>
-              <a:spcAft>
-                <a:spcPts val="0"/>
-              </a:spcAft>
-              <a:buClrTx/>
-              <a:buSzTx/>
-              <a:buFontTx/>
-              <a:buNone/>
-              <a:tabLst/>
-              <a:defRPr/>
-            </a:pPr>
-            <a:r>
-              <a:rPr lang="en-US" sz="1200" b="0" i="0" kern="1200" dirty="0">
-                <a:solidFill>
-                  <a:schemeClr val="tx1"/>
-                </a:solidFill>
-                <a:effectLst/>
-                <a:latin typeface="+mn-lt"/>
-                <a:ea typeface="+mn-ea"/>
-                <a:cs typeface="+mn-cs"/>
-              </a:rPr>
-              <a:t>Marian</a:t>
-            </a:r>
-          </a:p>
-          <a:p>
-            <a:pPr marL="0" marR="0" indent="0" algn="l" defTabSz="914400" rtl="0" eaLnBrk="1" fontAlgn="auto" latinLnBrk="0" hangingPunct="1">
-              <a:lnSpc>
-                <a:spcPct val="100000"/>
-              </a:lnSpc>
-              <a:spcBef>
-                <a:spcPts val="0"/>
-              </a:spcBef>
-              <a:spcAft>
-                <a:spcPts val="0"/>
-              </a:spcAft>
-              <a:buClrTx/>
-              <a:buSzTx/>
-              <a:buFontTx/>
-              <a:buNone/>
-              <a:tabLst/>
-              <a:defRPr/>
-            </a:pPr>
-            <a:r>
-              <a:rPr lang="en-US" sz="1200" b="0" i="0" kern="1200" dirty="0">
-                <a:solidFill>
-                  <a:schemeClr val="tx1"/>
-                </a:solidFill>
-                <a:effectLst/>
-                <a:latin typeface="+mn-lt"/>
-                <a:ea typeface="+mn-ea"/>
-                <a:cs typeface="+mn-cs"/>
-              </a:rPr>
-              <a:t>A typical unit test contains 3 phases: </a:t>
-            </a:r>
-          </a:p>
-          <a:p>
-            <a:pPr marL="0" marR="0" indent="0" algn="l" defTabSz="914400" rtl="0" eaLnBrk="1" fontAlgn="auto" latinLnBrk="0" hangingPunct="1">
-              <a:lnSpc>
-                <a:spcPct val="100000"/>
-              </a:lnSpc>
-              <a:spcBef>
-                <a:spcPts val="0"/>
-              </a:spcBef>
-              <a:spcAft>
-                <a:spcPts val="0"/>
-              </a:spcAft>
-              <a:buClrTx/>
-              <a:buSzTx/>
-              <a:buFontTx/>
-              <a:buNone/>
-              <a:tabLst/>
-              <a:defRPr/>
-            </a:pPr>
-            <a:r>
-              <a:rPr lang="en-US" sz="1200" b="0" i="0" kern="1200" dirty="0">
-                <a:solidFill>
-                  <a:schemeClr val="tx1"/>
-                </a:solidFill>
-                <a:effectLst/>
-                <a:latin typeface="+mn-lt"/>
-                <a:ea typeface="+mn-ea"/>
-                <a:cs typeface="+mn-cs"/>
-              </a:rPr>
-              <a:t>First, it initializes a small piece of an application it wants to test (also known as the system under test, or SUT), then it applies some stimulus to the system under test (usually by calling a method on it), and finally, it observes the resulting behavior. </a:t>
-            </a:r>
-          </a:p>
-          <a:p>
-            <a:pPr marL="0" marR="0" indent="0" algn="l" defTabSz="914400" rtl="0" eaLnBrk="1" fontAlgn="auto" latinLnBrk="0" hangingPunct="1">
-              <a:lnSpc>
-                <a:spcPct val="100000"/>
-              </a:lnSpc>
-              <a:spcBef>
-                <a:spcPts val="0"/>
-              </a:spcBef>
-              <a:spcAft>
-                <a:spcPts val="0"/>
-              </a:spcAft>
-              <a:buClrTx/>
-              <a:buSzTx/>
-              <a:buFontTx/>
-              <a:buNone/>
-              <a:tabLst/>
-              <a:defRPr/>
-            </a:pPr>
-            <a:r>
-              <a:rPr lang="en-US" sz="1200" b="0" i="0" kern="1200" dirty="0">
-                <a:solidFill>
-                  <a:schemeClr val="tx1"/>
-                </a:solidFill>
-                <a:effectLst/>
-                <a:latin typeface="+mn-lt"/>
-                <a:ea typeface="+mn-ea"/>
-                <a:cs typeface="+mn-cs"/>
-              </a:rPr>
-              <a:t>If the observed behavior is consistent with the expectations, the unit test passes, otherwise, it fails, indicating that there is a problem somewhere in the system under test. </a:t>
-            </a:r>
-          </a:p>
-          <a:p>
-            <a:pPr marL="0" marR="0" indent="0" algn="l" defTabSz="914400" rtl="0" eaLnBrk="1" fontAlgn="auto" latinLnBrk="0" hangingPunct="1">
-              <a:lnSpc>
-                <a:spcPct val="100000"/>
-              </a:lnSpc>
-              <a:spcBef>
-                <a:spcPts val="0"/>
-              </a:spcBef>
-              <a:spcAft>
-                <a:spcPts val="0"/>
-              </a:spcAft>
-              <a:buClrTx/>
-              <a:buSzTx/>
-              <a:buFontTx/>
-              <a:buNone/>
-              <a:tabLst/>
-              <a:defRPr/>
-            </a:pPr>
-            <a:r>
-              <a:rPr lang="en-US" sz="1200" b="0" i="0" kern="1200" dirty="0">
-                <a:solidFill>
-                  <a:schemeClr val="tx1"/>
-                </a:solidFill>
-                <a:effectLst/>
-                <a:latin typeface="+mn-lt"/>
-                <a:ea typeface="+mn-ea"/>
-                <a:cs typeface="+mn-cs"/>
-              </a:rPr>
-              <a:t>These three unit test phases are also known as Arrange, Act and Assert, or simply AAA.</a:t>
-            </a:r>
-          </a:p>
-          <a:p>
-            <a:pPr marL="0" marR="0" indent="0" algn="l" defTabSz="914400" rtl="0" eaLnBrk="1" fontAlgn="auto" latinLnBrk="0" hangingPunct="1">
-              <a:lnSpc>
-                <a:spcPct val="100000"/>
-              </a:lnSpc>
-              <a:spcBef>
-                <a:spcPts val="0"/>
-              </a:spcBef>
-              <a:spcAft>
-                <a:spcPts val="0"/>
-              </a:spcAft>
-              <a:buClrTx/>
-              <a:buSzTx/>
-              <a:buFontTx/>
-              <a:buNone/>
-              <a:tabLst/>
-              <a:defRPr/>
-            </a:pPr>
-            <a:r>
-              <a:rPr lang="en-US" sz="1200" b="0" i="0" kern="1200" dirty="0">
-                <a:solidFill>
-                  <a:schemeClr val="tx1"/>
-                </a:solidFill>
-                <a:effectLst/>
-                <a:latin typeface="+mn-lt"/>
-                <a:ea typeface="+mn-ea"/>
-                <a:cs typeface="+mn-cs"/>
-              </a:rPr>
-              <a:t>SUT =&gt; stands from </a:t>
-            </a:r>
-            <a:r>
-              <a:rPr lang="en-US" sz="1200" b="1" i="0" kern="1200" dirty="0">
-                <a:solidFill>
-                  <a:schemeClr val="tx1"/>
-                </a:solidFill>
-                <a:effectLst/>
-                <a:latin typeface="+mn-lt"/>
-                <a:ea typeface="+mn-ea"/>
-                <a:cs typeface="+mn-cs"/>
-              </a:rPr>
-              <a:t>System Under Test, Code Under test or</a:t>
-            </a:r>
-            <a:r>
-              <a:rPr lang="en-US" sz="1200" b="1" i="0" kern="1200" baseline="0" dirty="0">
-                <a:solidFill>
-                  <a:schemeClr val="tx1"/>
-                </a:solidFill>
-                <a:effectLst/>
-                <a:latin typeface="+mn-lt"/>
-                <a:ea typeface="+mn-ea"/>
-                <a:cs typeface="+mn-cs"/>
-              </a:rPr>
-              <a:t> Class Under Test</a:t>
-            </a:r>
-            <a:endParaRPr lang="en-US" b="1" dirty="0"/>
+            <a:r>
+              <a:rPr lang="en-US" dirty="0"/>
+              <a:t>Alex</a:t>
+            </a:r>
           </a:p>
         </p:txBody>
       </p:sp>
@@ -2223,7 +2015,7 @@
             <a:spLocks noGrp="1"/>
           </p:cNvSpPr>
           <p:nvPr>
-            <p:ph type="sldNum" sz="quarter" idx="10"/>
+            <p:ph type="sldNum" sz="quarter" idx="5"/>
           </p:nvPr>
         </p:nvSpPr>
         <p:spPr/>
@@ -2242,7 +2034,7 @@
     </p:spTree>
     <p:extLst>
       <p:ext uri="{BB962C8B-B14F-4D97-AF65-F5344CB8AC3E}">
-        <p14:creationId xmlns:p14="http://schemas.microsoft.com/office/powerpoint/2010/main" val="2255640877"/>
+        <p14:creationId xmlns:p14="http://schemas.microsoft.com/office/powerpoint/2010/main" val="2405084243"/>
       </p:ext>
     </p:extLst>
   </p:cSld>
@@ -2354,7 +2146,7 @@
                 <a:ea typeface="+mn-ea"/>
                 <a:cs typeface="+mn-cs"/>
               </a:rPr>
-              <a:t>The AAA (Arrange, Act, Assert) pattern is a common way of writing unit tests for a method under test.</a:t>
+              <a:t>A typical unit test contains 3 phases: </a:t>
             </a:r>
           </a:p>
           <a:p>
@@ -2385,7 +2177,7 @@
                 <a:ea typeface="+mn-ea"/>
                 <a:cs typeface="+mn-cs"/>
               </a:rPr>
-              <a:t>The Arrange section of a unit test method initializes objects and sets the value of the data that is passed to the method under test.</a:t>
+              <a:t>First, it initializes a small piece of an application it wants to test (also known as the system under test, or SUT), then it applies some stimulus to the system under test (usually by calling a method on it), and finally, it observes the resulting behavior. </a:t>
             </a:r>
           </a:p>
           <a:p>
@@ -2416,7 +2208,7 @@
                 <a:ea typeface="+mn-ea"/>
                 <a:cs typeface="+mn-cs"/>
               </a:rPr>
-              <a:t>The Act section invokes the method under test with the arranged parameters.</a:t>
+              <a:t>If the observed behavior is consistent with the expectations, the unit test passes, otherwise, it fails, indicating that there is a problem somewhere in the system under test. </a:t>
             </a:r>
           </a:p>
           <a:p>
@@ -2447,9 +2239,64 @@
                 <a:ea typeface="+mn-ea"/>
                 <a:cs typeface="+mn-cs"/>
               </a:rPr>
-              <a:t>The Assert section verifies that the action of the method under test behaves as expected.</a:t>
-            </a:r>
-            <a:endParaRPr lang="en-US" dirty="0"/>
+              <a:t>These three unit test phases are also known as Arrange, Act and Assert, or simply AAA.</a:t>
+            </a:r>
+          </a:p>
+          <a:p>
+            <a:pPr marL="0" marR="0" indent="0" algn="l" defTabSz="914400" rtl="0" eaLnBrk="1" fontAlgn="auto" latinLnBrk="0" hangingPunct="1">
+              <a:lnSpc>
+                <a:spcPct val="100000"/>
+              </a:lnSpc>
+              <a:spcBef>
+                <a:spcPts val="0"/>
+              </a:spcBef>
+              <a:spcAft>
+                <a:spcPts val="0"/>
+              </a:spcAft>
+              <a:buClrTx/>
+              <a:buSzTx/>
+              <a:buFontTx/>
+              <a:buNone/>
+              <a:tabLst/>
+              <a:defRPr/>
+            </a:pPr>
+            <a:r>
+              <a:rPr lang="en-US" sz="1200" b="0" i="0" kern="1200" dirty="0">
+                <a:solidFill>
+                  <a:schemeClr val="tx1"/>
+                </a:solidFill>
+                <a:effectLst/>
+                <a:latin typeface="+mn-lt"/>
+                <a:ea typeface="+mn-ea"/>
+                <a:cs typeface="+mn-cs"/>
+              </a:rPr>
+              <a:t>SUT =&gt; stands from </a:t>
+            </a:r>
+            <a:r>
+              <a:rPr lang="en-US" sz="1200" b="1" i="0" kern="1200" dirty="0">
+                <a:solidFill>
+                  <a:schemeClr val="tx1"/>
+                </a:solidFill>
+                <a:effectLst/>
+                <a:latin typeface="+mn-lt"/>
+                <a:ea typeface="+mn-ea"/>
+                <a:cs typeface="+mn-cs"/>
+              </a:rPr>
+              <a:t>System Under Test, Code Under test or</a:t>
+            </a:r>
+            <a:r>
+              <a:rPr lang="en-US" sz="1200" b="1" i="0" kern="1200" baseline="0" dirty="0">
+                <a:solidFill>
+                  <a:schemeClr val="tx1"/>
+                </a:solidFill>
+                <a:effectLst/>
+                <a:latin typeface="+mn-lt"/>
+                <a:ea typeface="+mn-ea"/>
+                <a:cs typeface="+mn-cs"/>
+              </a:rPr>
+              <a:t> Class Under Test</a:t>
+            </a:r>
+            <a:endParaRPr lang="en-US" b="1" dirty="0"/>
           </a:p>
         </p:txBody>
       </p:sp>
@@ -2460,7 +2307,7 @@
             <a:spLocks noGrp="1"/>
           </p:cNvSpPr>
           <p:nvPr>
-            <p:ph type="sldNum" sz="quarter" idx="5"/>
+            <p:ph type="sldNum" sz="quarter" idx="10"/>
           </p:nvPr>
         </p:nvSpPr>
         <p:spPr/>
@@ -2479,7 +2326,7 @@
     </p:spTree>
     <p:extLst>
       <p:ext uri="{BB962C8B-B14F-4D97-AF65-F5344CB8AC3E}">
-        <p14:creationId xmlns:p14="http://schemas.microsoft.com/office/powerpoint/2010/main" val="231468825"/>
+        <p14:creationId xmlns:p14="http://schemas.microsoft.com/office/powerpoint/2010/main" val="2255640877"/>
       </p:ext>
     </p:extLst>
   </p:cSld>
@@ -2716,7 +2563,7 @@
     </p:spTree>
     <p:extLst>
       <p:ext uri="{BB962C8B-B14F-4D97-AF65-F5344CB8AC3E}">
-        <p14:creationId xmlns:p14="http://schemas.microsoft.com/office/powerpoint/2010/main" val="629826655"/>
+        <p14:creationId xmlns:p14="http://schemas.microsoft.com/office/powerpoint/2010/main" val="231468825"/>
       </p:ext>
     </p:extLst>
   </p:cSld>
@@ -2953,7 +2800,7 @@
     </p:spTree>
     <p:extLst>
       <p:ext uri="{BB962C8B-B14F-4D97-AF65-F5344CB8AC3E}">
-        <p14:creationId xmlns:p14="http://schemas.microsoft.com/office/powerpoint/2010/main" val="4086490297"/>
+        <p14:creationId xmlns:p14="http://schemas.microsoft.com/office/powerpoint/2010/main" val="629826655"/>
       </p:ext>
     </p:extLst>
   </p:cSld>
@@ -3011,6 +2858,27 @@
               <a:rPr lang="ro-RO" dirty="0"/>
               <a:t>Alex</a:t>
             </a:r>
+            <a:endParaRPr lang="en-US" dirty="0"/>
+          </a:p>
+          <a:p>
+            <a:endParaRPr lang="en-US" dirty="0"/>
+          </a:p>
+          <a:p>
+            <a:r>
+              <a:rPr lang="en-US" dirty="0" err="1"/>
+              <a:t>Vom</a:t>
+            </a:r>
+            <a:r>
+              <a:rPr lang="en-US" dirty="0"/>
+              <a:t> </a:t>
+            </a:r>
+            <a:r>
+              <a:rPr lang="ro-RO" dirty="0"/>
+              <a:t>încerca să explicăm de ce unit testele sunt importante, ce sunt și cum se implementează în mod eficient, și ce alte tipuri de testare există.</a:t>
+            </a:r>
+            <a:endParaRPr lang="nl-NL" dirty="0"/>
+          </a:p>
+          <a:p>
             <a:endParaRPr lang="nl-NL" dirty="0"/>
           </a:p>
         </p:txBody>
@@ -3278,7 +3146,7 @@
     </p:spTree>
     <p:extLst>
       <p:ext uri="{BB962C8B-B14F-4D97-AF65-F5344CB8AC3E}">
-        <p14:creationId xmlns:p14="http://schemas.microsoft.com/office/powerpoint/2010/main" val="2795592130"/>
+        <p14:creationId xmlns:p14="http://schemas.microsoft.com/office/powerpoint/2010/main" val="4086490297"/>
       </p:ext>
     </p:extLst>
   </p:cSld>
@@ -3332,22 +3200,160 @@
           <a:bodyPr/>
           <a:lstStyle/>
           <a:p>
-            <a:r>
-              <a:rPr lang="en-US" dirty="0"/>
+            <a:pPr marL="0" marR="0" indent="0" algn="l" defTabSz="914400" rtl="0" eaLnBrk="1" fontAlgn="auto" latinLnBrk="0" hangingPunct="1">
+              <a:lnSpc>
+                <a:spcPct val="100000"/>
+              </a:lnSpc>
+              <a:spcBef>
+                <a:spcPts val="0"/>
+              </a:spcBef>
+              <a:spcAft>
+                <a:spcPts val="0"/>
+              </a:spcAft>
+              <a:buClrTx/>
+              <a:buSzTx/>
+              <a:buFontTx/>
+              <a:buNone/>
+              <a:tabLst/>
+              <a:defRPr/>
+            </a:pPr>
+            <a:r>
+              <a:rPr lang="en-US" sz="1200" b="0" i="0" kern="1200" dirty="0">
+                <a:solidFill>
+                  <a:schemeClr val="tx1"/>
+                </a:solidFill>
+                <a:effectLst/>
+                <a:latin typeface="+mn-lt"/>
+                <a:ea typeface="+mn-ea"/>
+                <a:cs typeface="+mn-cs"/>
+              </a:rPr>
               <a:t>Marian</a:t>
             </a:r>
           </a:p>
           <a:p>
-            <a:r>
-              <a:rPr lang="en-US" dirty="0"/>
-              <a:t>Using Trainers project</a:t>
-            </a:r>
-          </a:p>
-          <a:p>
-            <a:r>
-              <a:rPr lang="en-US" dirty="0"/>
-              <a:t>Using FIZZBUZZ as a backup</a:t>
-            </a:r>
+            <a:pPr marL="0" marR="0" indent="0" algn="l" defTabSz="914400" rtl="0" eaLnBrk="1" fontAlgn="auto" latinLnBrk="0" hangingPunct="1">
+              <a:lnSpc>
+                <a:spcPct val="100000"/>
+              </a:lnSpc>
+              <a:spcBef>
+                <a:spcPts val="0"/>
+              </a:spcBef>
+              <a:spcAft>
+                <a:spcPts val="0"/>
+              </a:spcAft>
+              <a:buClrTx/>
+              <a:buSzTx/>
+              <a:buFontTx/>
+              <a:buNone/>
+              <a:tabLst/>
+              <a:defRPr/>
+            </a:pPr>
+            <a:r>
+              <a:rPr lang="en-US" sz="1200" b="0" i="0" kern="1200" dirty="0">
+                <a:solidFill>
+                  <a:schemeClr val="tx1"/>
+                </a:solidFill>
+                <a:effectLst/>
+                <a:latin typeface="+mn-lt"/>
+                <a:ea typeface="+mn-ea"/>
+                <a:cs typeface="+mn-cs"/>
+              </a:rPr>
+              <a:t>The AAA (Arrange, Act, Assert) pattern is a common way of writing unit tests for a method under test.</a:t>
+            </a:r>
+          </a:p>
+          <a:p>
+            <a:pPr marL="0" marR="0" indent="0" algn="l" defTabSz="914400" rtl="0" eaLnBrk="1" fontAlgn="auto" latinLnBrk="0" hangingPunct="1">
+              <a:lnSpc>
+                <a:spcPct val="100000"/>
+              </a:lnSpc>
+              <a:spcBef>
+                <a:spcPts val="0"/>
+              </a:spcBef>
+              <a:spcAft>
+                <a:spcPts val="0"/>
+              </a:spcAft>
+              <a:buClrTx/>
+              <a:buSzTx/>
+              <a:buFontTx/>
+              <a:buNone/>
+              <a:tabLst/>
+              <a:defRPr/>
+            </a:pPr>
+            <a:r>
+              <a:rPr lang="en-US" sz="1200" b="0" i="0" kern="1200" dirty="0">
+                <a:solidFill>
+                  <a:schemeClr val="tx1"/>
+                </a:solidFill>
+                <a:effectLst/>
+                <a:latin typeface="+mn-lt"/>
+                <a:ea typeface="+mn-ea"/>
+                <a:cs typeface="+mn-cs"/>
+              </a:rPr>
+              <a:t>The Arrange section of a unit test method initializes objects and sets the value of the data that is passed to the method under test.</a:t>
+            </a:r>
+          </a:p>
+          <a:p>
+            <a:pPr marL="0" marR="0" indent="0" algn="l" defTabSz="914400" rtl="0" eaLnBrk="1" fontAlgn="auto" latinLnBrk="0" hangingPunct="1">
+              <a:lnSpc>
+                <a:spcPct val="100000"/>
+              </a:lnSpc>
+              <a:spcBef>
+                <a:spcPts val="0"/>
+              </a:spcBef>
+              <a:spcAft>
+                <a:spcPts val="0"/>
+              </a:spcAft>
+              <a:buClrTx/>
+              <a:buSzTx/>
+              <a:buFontTx/>
+              <a:buNone/>
+              <a:tabLst/>
+              <a:defRPr/>
+            </a:pPr>
+            <a:r>
+              <a:rPr lang="en-US" sz="1200" b="0" i="0" kern="1200" dirty="0">
+                <a:solidFill>
+                  <a:schemeClr val="tx1"/>
+                </a:solidFill>
+                <a:effectLst/>
+                <a:latin typeface="+mn-lt"/>
+                <a:ea typeface="+mn-ea"/>
+                <a:cs typeface="+mn-cs"/>
+              </a:rPr>
+              <a:t>The Act section invokes the method under test with the arranged parameters.</a:t>
+            </a:r>
+          </a:p>
+          <a:p>
+            <a:pPr marL="0" marR="0" indent="0" algn="l" defTabSz="914400" rtl="0" eaLnBrk="1" fontAlgn="auto" latinLnBrk="0" hangingPunct="1">
+              <a:lnSpc>
+                <a:spcPct val="100000"/>
+              </a:lnSpc>
+              <a:spcBef>
+                <a:spcPts val="0"/>
+              </a:spcBef>
+              <a:spcAft>
+                <a:spcPts val="0"/>
+              </a:spcAft>
+              <a:buClrTx/>
+              <a:buSzTx/>
+              <a:buFontTx/>
+              <a:buNone/>
+              <a:tabLst/>
+              <a:defRPr/>
+            </a:pPr>
+            <a:r>
+              <a:rPr lang="en-US" sz="1200" b="0" i="0" kern="1200" dirty="0">
+                <a:solidFill>
+                  <a:schemeClr val="tx1"/>
+                </a:solidFill>
+                <a:effectLst/>
+                <a:latin typeface="+mn-lt"/>
+                <a:ea typeface="+mn-ea"/>
+                <a:cs typeface="+mn-cs"/>
+              </a:rPr>
+              <a:t>The Assert section verifies that the action of the method under test behaves as expected.</a:t>
+            </a:r>
+            <a:endParaRPr lang="en-US" dirty="0"/>
           </a:p>
         </p:txBody>
       </p:sp>
@@ -3377,7 +3383,7 @@
     </p:spTree>
     <p:extLst>
       <p:ext uri="{BB962C8B-B14F-4D97-AF65-F5344CB8AC3E}">
-        <p14:creationId xmlns:p14="http://schemas.microsoft.com/office/powerpoint/2010/main" val="229847543"/>
+        <p14:creationId xmlns:p14="http://schemas.microsoft.com/office/powerpoint/2010/main" val="2795592130"/>
       </p:ext>
     </p:extLst>
   </p:cSld>
@@ -3476,7 +3482,7 @@
     </p:spTree>
     <p:extLst>
       <p:ext uri="{BB962C8B-B14F-4D97-AF65-F5344CB8AC3E}">
-        <p14:creationId xmlns:p14="http://schemas.microsoft.com/office/powerpoint/2010/main" val="524046707"/>
+        <p14:creationId xmlns:p14="http://schemas.microsoft.com/office/powerpoint/2010/main" val="229847543"/>
       </p:ext>
     </p:extLst>
   </p:cSld>
@@ -3532,34 +3538,20 @@
           <a:p>
             <a:r>
               <a:rPr lang="en-US" dirty="0"/>
-              <a:t>Alex</a:t>
-            </a:r>
-          </a:p>
-          <a:p>
-            <a:endParaRPr lang="en-US" dirty="0"/>
-          </a:p>
-          <a:p>
-            <a:r>
-              <a:rPr lang="en-US" dirty="0" err="1"/>
-              <a:t>Dependinte</a:t>
-            </a:r>
-            <a:r>
-              <a:rPr lang="en-US" dirty="0"/>
-              <a:t> </a:t>
-            </a:r>
-            <a:r>
-              <a:rPr lang="en-US" dirty="0" err="1"/>
-              <a:t>externe</a:t>
-            </a:r>
-            <a:r>
-              <a:rPr lang="en-US" dirty="0"/>
-              <a:t> =&gt; mocking </a:t>
-            </a:r>
-            <a:r>
-              <a:rPr lang="en-US" b="1" dirty="0"/>
-              <a:t>/ stubbing?</a:t>
-            </a:r>
-            <a:endParaRPr lang="en-US" dirty="0"/>
+              <a:t>Marian</a:t>
+            </a:r>
+          </a:p>
+          <a:p>
+            <a:r>
+              <a:rPr lang="en-US" dirty="0"/>
+              <a:t>Using Trainers project</a:t>
+            </a:r>
+          </a:p>
+          <a:p>
+            <a:r>
+              <a:rPr lang="en-US" dirty="0"/>
+              <a:t>Using FIZZBUZZ as a backup</a:t>
+            </a:r>
           </a:p>
         </p:txBody>
       </p:sp>
@@ -3589,7 +3581,7 @@
     </p:spTree>
     <p:extLst>
       <p:ext uri="{BB962C8B-B14F-4D97-AF65-F5344CB8AC3E}">
-        <p14:creationId xmlns:p14="http://schemas.microsoft.com/office/powerpoint/2010/main" val="1435050851"/>
+        <p14:creationId xmlns:p14="http://schemas.microsoft.com/office/powerpoint/2010/main" val="524046707"/>
       </p:ext>
     </p:extLst>
   </p:cSld>
@@ -3653,384 +3645,26 @@
           </a:p>
           <a:p>
             <a:r>
-              <a:rPr lang="en-US" dirty="0"/>
-              <a:t>Componenta/</a:t>
-            </a:r>
-            <a:r>
               <a:rPr lang="en-US" dirty="0" err="1"/>
-              <a:t>metoda</a:t>
-            </a:r>
-            <a:r>
-              <a:rPr lang="en-US" dirty="0"/>
-              <a:t> testata =&gt; </a:t>
+              <a:t>Dependinte</a:t>
+            </a:r>
+            <a:r>
+              <a:rPr lang="en-US" dirty="0"/>
+              <a:t> </a:t>
             </a:r>
             <a:r>
               <a:rPr lang="en-US" dirty="0" err="1"/>
-              <a:t>apelata</a:t>
-            </a:r>
-            <a:r>
-              <a:rPr lang="en-US" dirty="0"/>
-              <a:t> de </a:t>
-            </a:r>
-            <a:r>
-              <a:rPr lang="en-US" dirty="0" err="1"/>
-              <a:t>alte</a:t>
-            </a:r>
-            <a:r>
-              <a:rPr lang="en-US" dirty="0"/>
-              <a:t> </a:t>
-            </a:r>
-            <a:r>
-              <a:rPr lang="en-US" dirty="0" err="1"/>
-              <a:t>componente</a:t>
-            </a:r>
-            <a:r>
-              <a:rPr lang="en-US" dirty="0"/>
-              <a:t> =&gt; </a:t>
-            </a:r>
-            <a:r>
-              <a:rPr lang="en-US" dirty="0" err="1"/>
-              <a:t>parametri</a:t>
-            </a:r>
-            <a:r>
-              <a:rPr lang="en-US" dirty="0"/>
-              <a:t> de </a:t>
-            </a:r>
-            <a:r>
-              <a:rPr lang="en-US" dirty="0" err="1"/>
-              <a:t>intrare</a:t>
-            </a:r>
-            <a:r>
-              <a:rPr lang="en-US" dirty="0"/>
-              <a:t> cu </a:t>
-            </a:r>
-            <a:r>
-              <a:rPr lang="en-US" dirty="0" err="1"/>
-              <a:t>anumite</a:t>
-            </a:r>
-            <a:r>
-              <a:rPr lang="en-US" dirty="0"/>
-              <a:t> </a:t>
-            </a:r>
-            <a:r>
-              <a:rPr lang="en-US" dirty="0" err="1"/>
-              <a:t>constrangeri</a:t>
-            </a:r>
-            <a:r>
-              <a:rPr lang="en-US" dirty="0"/>
-              <a:t> </a:t>
-            </a:r>
-            <a:r>
-              <a:rPr lang="en-US" dirty="0" err="1"/>
-              <a:t>sau</a:t>
-            </a:r>
-            <a:r>
-              <a:rPr lang="en-US" dirty="0"/>
-              <a:t> </a:t>
-            </a:r>
-            <a:r>
-              <a:rPr lang="en-US" dirty="0" err="1"/>
-              <a:t>asteptari</a:t>
-            </a:r>
-            <a:r>
-              <a:rPr lang="en-US" dirty="0"/>
-              <a:t> (ne </a:t>
-            </a:r>
-            <a:r>
-              <a:rPr lang="en-US" dirty="0" err="1"/>
-              <a:t>asteptam</a:t>
-            </a:r>
-            <a:r>
-              <a:rPr lang="en-US" dirty="0"/>
-              <a:t> </a:t>
-            </a:r>
-            <a:r>
-              <a:rPr lang="en-US" dirty="0" err="1"/>
-              <a:t>sa</a:t>
-            </a:r>
-            <a:r>
-              <a:rPr lang="en-US" dirty="0"/>
-              <a:t> </a:t>
-            </a:r>
-            <a:r>
-              <a:rPr lang="en-US" dirty="0" err="1"/>
-              <a:t>primi</a:t>
-            </a:r>
-            <a:r>
-              <a:rPr lang="en-US" dirty="0"/>
-              <a:t> </a:t>
-            </a:r>
-            <a:r>
-              <a:rPr lang="en-US" dirty="0" err="1"/>
-              <a:t>texte</a:t>
-            </a:r>
-            <a:r>
-              <a:rPr lang="en-US" dirty="0"/>
-              <a:t> de 20-30 chars, nu </a:t>
-            </a:r>
-            <a:r>
-              <a:rPr lang="en-US" dirty="0" err="1"/>
-              <a:t>facem</a:t>
-            </a:r>
-            <a:r>
-              <a:rPr lang="en-US" dirty="0"/>
-              <a:t> teste </a:t>
-            </a:r>
-            <a:r>
-              <a:rPr lang="en-US" dirty="0" err="1"/>
-              <a:t>pentru</a:t>
-            </a:r>
-            <a:r>
-              <a:rPr lang="en-US" dirty="0"/>
-              <a:t> 10mld/10GB chars)</a:t>
-            </a:r>
-          </a:p>
-          <a:p>
-            <a:r>
-              <a:rPr lang="en-US" dirty="0"/>
-              <a:t>Componenta/</a:t>
-            </a:r>
-            <a:r>
-              <a:rPr lang="en-US" dirty="0" err="1"/>
-              <a:t>metoda</a:t>
-            </a:r>
-            <a:r>
-              <a:rPr lang="en-US" dirty="0"/>
-              <a:t> testata =&gt; </a:t>
-            </a:r>
-            <a:r>
-              <a:rPr lang="en-US" dirty="0" err="1"/>
-              <a:t>apeleaza</a:t>
-            </a:r>
-            <a:r>
-              <a:rPr lang="en-US" dirty="0"/>
-              <a:t> </a:t>
-            </a:r>
-            <a:r>
-              <a:rPr lang="en-US" dirty="0" err="1"/>
-              <a:t>alte</a:t>
-            </a:r>
-            <a:r>
-              <a:rPr lang="en-US" dirty="0"/>
-              <a:t> </a:t>
-            </a:r>
-            <a:r>
-              <a:rPr lang="en-US" dirty="0" err="1"/>
-              <a:t>componente</a:t>
-            </a:r>
-            <a:r>
-              <a:rPr lang="en-US" dirty="0"/>
-              <a:t>/</a:t>
-            </a:r>
-            <a:r>
-              <a:rPr lang="en-US" dirty="0" err="1"/>
-              <a:t>metode</a:t>
-            </a:r>
-            <a:r>
-              <a:rPr lang="en-US" dirty="0"/>
-              <a:t> (</a:t>
-            </a:r>
-            <a:r>
-              <a:rPr lang="en-US" dirty="0" err="1"/>
-              <a:t>db</a:t>
-            </a:r>
-            <a:r>
-              <a:rPr lang="en-US" dirty="0"/>
-              <a:t>, </a:t>
-            </a:r>
-            <a:r>
-              <a:rPr lang="en-US" dirty="0" err="1"/>
-              <a:t>retea</a:t>
-            </a:r>
-            <a:r>
-              <a:rPr lang="en-US" dirty="0"/>
-              <a:t>, </a:t>
-            </a:r>
-            <a:r>
-              <a:rPr lang="en-US" dirty="0" err="1"/>
-              <a:t>fisiere</a:t>
-            </a:r>
-            <a:r>
-              <a:rPr lang="en-US" dirty="0"/>
-              <a:t>, </a:t>
-            </a:r>
-            <a:r>
-              <a:rPr lang="en-US" dirty="0" err="1"/>
-              <a:t>alte</a:t>
-            </a:r>
-            <a:r>
-              <a:rPr lang="en-US" dirty="0"/>
-              <a:t> </a:t>
-            </a:r>
-            <a:r>
-              <a:rPr lang="en-US" dirty="0" err="1"/>
-              <a:t>componente</a:t>
-            </a:r>
-            <a:r>
-              <a:rPr lang="en-US" dirty="0"/>
-              <a:t>/</a:t>
-            </a:r>
-            <a:r>
-              <a:rPr lang="en-US" dirty="0" err="1"/>
-              <a:t>metode</a:t>
-            </a:r>
-            <a:r>
-              <a:rPr lang="en-US" dirty="0"/>
-              <a:t> cu </a:t>
-            </a:r>
-            <a:r>
-              <a:rPr lang="en-US" dirty="0" err="1"/>
-              <a:t>functionalitate</a:t>
-            </a:r>
-            <a:r>
-              <a:rPr lang="en-US" dirty="0"/>
-              <a:t> </a:t>
-            </a:r>
-            <a:r>
-              <a:rPr lang="en-US" dirty="0" err="1"/>
-              <a:t>complexa</a:t>
-            </a:r>
-            <a:r>
-              <a:rPr lang="en-US" dirty="0"/>
-              <a:t>)</a:t>
-            </a:r>
-          </a:p>
-          <a:p>
+              <a:t>externe</a:t>
+            </a:r>
+            <a:r>
+              <a:rPr lang="en-US" dirty="0"/>
+              <a:t> =&gt; mocking </a:t>
+            </a:r>
+            <a:r>
+              <a:rPr lang="en-US" b="1" dirty="0"/>
+              <a:t>/ stubbing?</a:t>
+            </a:r>
             <a:endParaRPr lang="en-US" dirty="0"/>
-          </a:p>
-          <a:p>
-            <a:r>
-              <a:rPr lang="en-US" dirty="0"/>
-              <a:t>=&gt; </a:t>
-            </a:r>
-            <a:r>
-              <a:rPr lang="en-US" dirty="0" err="1"/>
-              <a:t>Construim</a:t>
-            </a:r>
-            <a:r>
-              <a:rPr lang="en-US" dirty="0"/>
-              <a:t> </a:t>
-            </a:r>
-            <a:r>
-              <a:rPr lang="en-US" dirty="0" err="1"/>
-              <a:t>inlocuitori</a:t>
-            </a:r>
-            <a:r>
-              <a:rPr lang="en-US" dirty="0"/>
-              <a:t> </a:t>
-            </a:r>
-            <a:r>
-              <a:rPr lang="en-US" dirty="0" err="1"/>
-              <a:t>abstracti</a:t>
-            </a:r>
-            <a:r>
-              <a:rPr lang="en-US" dirty="0"/>
-              <a:t> </a:t>
-            </a:r>
-            <a:r>
-              <a:rPr lang="en-US" dirty="0" err="1"/>
-              <a:t>pentru</a:t>
-            </a:r>
-            <a:r>
-              <a:rPr lang="en-US" dirty="0"/>
-              <a:t> </a:t>
-            </a:r>
-            <a:r>
-              <a:rPr lang="en-US" dirty="0" err="1"/>
-              <a:t>toate</a:t>
-            </a:r>
-            <a:r>
-              <a:rPr lang="en-US" dirty="0"/>
-              <a:t> </a:t>
-            </a:r>
-            <a:r>
-              <a:rPr lang="en-US" dirty="0" err="1"/>
-              <a:t>dependintele</a:t>
-            </a:r>
-            <a:r>
-              <a:rPr lang="en-US" dirty="0"/>
-              <a:t>, pe care le </a:t>
-            </a:r>
-            <a:r>
-              <a:rPr lang="en-US" dirty="0" err="1"/>
-              <a:t>putem</a:t>
-            </a:r>
-            <a:r>
-              <a:rPr lang="en-US" dirty="0"/>
-              <a:t> </a:t>
-            </a:r>
-            <a:r>
-              <a:rPr lang="en-US" dirty="0" err="1"/>
-              <a:t>controla</a:t>
-            </a:r>
-            <a:r>
-              <a:rPr lang="en-US" dirty="0"/>
-              <a:t> direct </a:t>
-            </a:r>
-            <a:r>
-              <a:rPr lang="en-US" dirty="0" err="1"/>
-              <a:t>si</a:t>
-            </a:r>
-            <a:r>
-              <a:rPr lang="en-US" dirty="0"/>
-              <a:t> </a:t>
-            </a:r>
-            <a:r>
-              <a:rPr lang="en-US" dirty="0" err="1"/>
-              <a:t>concret</a:t>
-            </a:r>
-            <a:r>
-              <a:rPr lang="en-US" dirty="0"/>
-              <a:t> </a:t>
-            </a:r>
-            <a:r>
-              <a:rPr lang="en-US" dirty="0" err="1"/>
-              <a:t>si</a:t>
-            </a:r>
-            <a:r>
-              <a:rPr lang="en-US" dirty="0"/>
-              <a:t> care </a:t>
-            </a:r>
-            <a:r>
-              <a:rPr lang="en-US" dirty="0" err="1"/>
-              <a:t>intotdeauna</a:t>
-            </a:r>
-            <a:r>
-              <a:rPr lang="en-US" dirty="0"/>
-              <a:t> </a:t>
-            </a:r>
-            <a:r>
-              <a:rPr lang="en-US" dirty="0" err="1"/>
-              <a:t>vor</a:t>
-            </a:r>
-            <a:r>
-              <a:rPr lang="en-US" dirty="0"/>
-              <a:t> </a:t>
-            </a:r>
-            <a:r>
-              <a:rPr lang="en-US" dirty="0" err="1"/>
-              <a:t>intoarce</a:t>
-            </a:r>
-            <a:r>
-              <a:rPr lang="en-US" dirty="0"/>
-              <a:t> </a:t>
-            </a:r>
-            <a:r>
-              <a:rPr lang="en-US" dirty="0" err="1"/>
-              <a:t>rezultate</a:t>
-            </a:r>
-            <a:r>
-              <a:rPr lang="en-US" dirty="0"/>
-              <a:t> </a:t>
-            </a:r>
-            <a:r>
-              <a:rPr lang="en-US" dirty="0" err="1"/>
-              <a:t>asteptate</a:t>
-            </a:r>
-            <a:r>
-              <a:rPr lang="en-US" dirty="0"/>
-              <a:t> definite in test</a:t>
-            </a:r>
           </a:p>
         </p:txBody>
       </p:sp>
@@ -4060,7 +3694,7 @@
     </p:spTree>
     <p:extLst>
       <p:ext uri="{BB962C8B-B14F-4D97-AF65-F5344CB8AC3E}">
-        <p14:creationId xmlns:p14="http://schemas.microsoft.com/office/powerpoint/2010/main" val="2144708413"/>
+        <p14:creationId xmlns:p14="http://schemas.microsoft.com/office/powerpoint/2010/main" val="1435050851"/>
       </p:ext>
     </p:extLst>
   </p:cSld>
@@ -4119,6 +3753,390 @@
               <a:t>Alex</a:t>
             </a:r>
           </a:p>
+          <a:p>
+            <a:endParaRPr lang="en-US" dirty="0"/>
+          </a:p>
+          <a:p>
+            <a:r>
+              <a:rPr lang="en-US" dirty="0"/>
+              <a:t>Componenta/</a:t>
+            </a:r>
+            <a:r>
+              <a:rPr lang="en-US" dirty="0" err="1"/>
+              <a:t>metoda</a:t>
+            </a:r>
+            <a:r>
+              <a:rPr lang="en-US" dirty="0"/>
+              <a:t> testata =&gt; </a:t>
+            </a:r>
+            <a:r>
+              <a:rPr lang="en-US" dirty="0" err="1"/>
+              <a:t>apelata</a:t>
+            </a:r>
+            <a:r>
+              <a:rPr lang="en-US" dirty="0"/>
+              <a:t> de </a:t>
+            </a:r>
+            <a:r>
+              <a:rPr lang="en-US" dirty="0" err="1"/>
+              <a:t>alte</a:t>
+            </a:r>
+            <a:r>
+              <a:rPr lang="en-US" dirty="0"/>
+              <a:t> </a:t>
+            </a:r>
+            <a:r>
+              <a:rPr lang="en-US" dirty="0" err="1"/>
+              <a:t>componente</a:t>
+            </a:r>
+            <a:r>
+              <a:rPr lang="en-US" dirty="0"/>
+              <a:t> =&gt; </a:t>
+            </a:r>
+            <a:r>
+              <a:rPr lang="en-US" dirty="0" err="1"/>
+              <a:t>parametri</a:t>
+            </a:r>
+            <a:r>
+              <a:rPr lang="en-US" dirty="0"/>
+              <a:t> de </a:t>
+            </a:r>
+            <a:r>
+              <a:rPr lang="en-US" dirty="0" err="1"/>
+              <a:t>intrare</a:t>
+            </a:r>
+            <a:r>
+              <a:rPr lang="en-US" dirty="0"/>
+              <a:t> cu </a:t>
+            </a:r>
+            <a:r>
+              <a:rPr lang="en-US" dirty="0" err="1"/>
+              <a:t>anumite</a:t>
+            </a:r>
+            <a:r>
+              <a:rPr lang="en-US" dirty="0"/>
+              <a:t> </a:t>
+            </a:r>
+            <a:r>
+              <a:rPr lang="en-US" dirty="0" err="1"/>
+              <a:t>constrangeri</a:t>
+            </a:r>
+            <a:r>
+              <a:rPr lang="en-US" dirty="0"/>
+              <a:t> </a:t>
+            </a:r>
+            <a:r>
+              <a:rPr lang="en-US" dirty="0" err="1"/>
+              <a:t>sau</a:t>
+            </a:r>
+            <a:r>
+              <a:rPr lang="en-US" dirty="0"/>
+              <a:t> </a:t>
+            </a:r>
+            <a:r>
+              <a:rPr lang="en-US" dirty="0" err="1"/>
+              <a:t>asteptari</a:t>
+            </a:r>
+            <a:r>
+              <a:rPr lang="en-US" dirty="0"/>
+              <a:t> (ne </a:t>
+            </a:r>
+            <a:r>
+              <a:rPr lang="en-US" dirty="0" err="1"/>
+              <a:t>asteptam</a:t>
+            </a:r>
+            <a:r>
+              <a:rPr lang="en-US" dirty="0"/>
+              <a:t> </a:t>
+            </a:r>
+            <a:r>
+              <a:rPr lang="en-US" dirty="0" err="1"/>
+              <a:t>sa</a:t>
+            </a:r>
+            <a:r>
+              <a:rPr lang="en-US" dirty="0"/>
+              <a:t> </a:t>
+            </a:r>
+            <a:r>
+              <a:rPr lang="en-US" dirty="0" err="1"/>
+              <a:t>primi</a:t>
+            </a:r>
+            <a:r>
+              <a:rPr lang="en-US" dirty="0"/>
+              <a:t> </a:t>
+            </a:r>
+            <a:r>
+              <a:rPr lang="en-US" dirty="0" err="1"/>
+              <a:t>texte</a:t>
+            </a:r>
+            <a:r>
+              <a:rPr lang="en-US" dirty="0"/>
+              <a:t> de 20-30 chars, nu </a:t>
+            </a:r>
+            <a:r>
+              <a:rPr lang="en-US" dirty="0" err="1"/>
+              <a:t>facem</a:t>
+            </a:r>
+            <a:r>
+              <a:rPr lang="en-US" dirty="0"/>
+              <a:t> teste </a:t>
+            </a:r>
+            <a:r>
+              <a:rPr lang="en-US" dirty="0" err="1"/>
+              <a:t>pentru</a:t>
+            </a:r>
+            <a:r>
+              <a:rPr lang="en-US" dirty="0"/>
+              <a:t> 10mld/10GB chars)</a:t>
+            </a:r>
+          </a:p>
+          <a:p>
+            <a:r>
+              <a:rPr lang="en-US" dirty="0"/>
+              <a:t>Componenta/</a:t>
+            </a:r>
+            <a:r>
+              <a:rPr lang="en-US" dirty="0" err="1"/>
+              <a:t>metoda</a:t>
+            </a:r>
+            <a:r>
+              <a:rPr lang="en-US" dirty="0"/>
+              <a:t> testata =&gt; </a:t>
+            </a:r>
+            <a:r>
+              <a:rPr lang="en-US" dirty="0" err="1"/>
+              <a:t>apeleaza</a:t>
+            </a:r>
+            <a:r>
+              <a:rPr lang="en-US" dirty="0"/>
+              <a:t> </a:t>
+            </a:r>
+            <a:r>
+              <a:rPr lang="en-US" dirty="0" err="1"/>
+              <a:t>alte</a:t>
+            </a:r>
+            <a:r>
+              <a:rPr lang="en-US" dirty="0"/>
+              <a:t> </a:t>
+            </a:r>
+            <a:r>
+              <a:rPr lang="en-US" dirty="0" err="1"/>
+              <a:t>componente</a:t>
+            </a:r>
+            <a:r>
+              <a:rPr lang="en-US" dirty="0"/>
+              <a:t>/</a:t>
+            </a:r>
+            <a:r>
+              <a:rPr lang="en-US" dirty="0" err="1"/>
+              <a:t>metode</a:t>
+            </a:r>
+            <a:r>
+              <a:rPr lang="en-US" dirty="0"/>
+              <a:t> (</a:t>
+            </a:r>
+            <a:r>
+              <a:rPr lang="en-US" dirty="0" err="1"/>
+              <a:t>db</a:t>
+            </a:r>
+            <a:r>
+              <a:rPr lang="en-US" dirty="0"/>
+              <a:t>, </a:t>
+            </a:r>
+            <a:r>
+              <a:rPr lang="en-US" dirty="0" err="1"/>
+              <a:t>retea</a:t>
+            </a:r>
+            <a:r>
+              <a:rPr lang="en-US" dirty="0"/>
+              <a:t>, </a:t>
+            </a:r>
+            <a:r>
+              <a:rPr lang="en-US" dirty="0" err="1"/>
+              <a:t>fisiere</a:t>
+            </a:r>
+            <a:r>
+              <a:rPr lang="en-US" dirty="0"/>
+              <a:t>, </a:t>
+            </a:r>
+            <a:r>
+              <a:rPr lang="en-US" dirty="0" err="1"/>
+              <a:t>alte</a:t>
+            </a:r>
+            <a:r>
+              <a:rPr lang="en-US" dirty="0"/>
+              <a:t> </a:t>
+            </a:r>
+            <a:r>
+              <a:rPr lang="en-US" dirty="0" err="1"/>
+              <a:t>componente</a:t>
+            </a:r>
+            <a:r>
+              <a:rPr lang="en-US" dirty="0"/>
+              <a:t>/</a:t>
+            </a:r>
+            <a:r>
+              <a:rPr lang="en-US" dirty="0" err="1"/>
+              <a:t>metode</a:t>
+            </a:r>
+            <a:r>
+              <a:rPr lang="en-US" dirty="0"/>
+              <a:t> cu </a:t>
+            </a:r>
+            <a:r>
+              <a:rPr lang="en-US" dirty="0" err="1"/>
+              <a:t>functionalitate</a:t>
+            </a:r>
+            <a:r>
+              <a:rPr lang="en-US" dirty="0"/>
+              <a:t> </a:t>
+            </a:r>
+            <a:r>
+              <a:rPr lang="en-US" dirty="0" err="1"/>
+              <a:t>complexa</a:t>
+            </a:r>
+            <a:r>
+              <a:rPr lang="en-US" dirty="0"/>
+              <a:t>)</a:t>
+            </a:r>
+          </a:p>
+          <a:p>
+            <a:endParaRPr lang="en-US" dirty="0"/>
+          </a:p>
+          <a:p>
+            <a:r>
+              <a:rPr lang="en-US" dirty="0"/>
+              <a:t>=&gt; </a:t>
+            </a:r>
+            <a:r>
+              <a:rPr lang="en-US" dirty="0" err="1"/>
+              <a:t>Construim</a:t>
+            </a:r>
+            <a:r>
+              <a:rPr lang="en-US" dirty="0"/>
+              <a:t> </a:t>
+            </a:r>
+            <a:r>
+              <a:rPr lang="en-US" dirty="0" err="1"/>
+              <a:t>inlocuitori</a:t>
+            </a:r>
+            <a:r>
+              <a:rPr lang="en-US" dirty="0"/>
+              <a:t> </a:t>
+            </a:r>
+            <a:r>
+              <a:rPr lang="en-US" dirty="0" err="1"/>
+              <a:t>abstracti</a:t>
+            </a:r>
+            <a:r>
+              <a:rPr lang="en-US" dirty="0"/>
+              <a:t> </a:t>
+            </a:r>
+            <a:r>
+              <a:rPr lang="en-US" dirty="0" err="1"/>
+              <a:t>pentru</a:t>
+            </a:r>
+            <a:r>
+              <a:rPr lang="en-US" dirty="0"/>
+              <a:t> </a:t>
+            </a:r>
+            <a:r>
+              <a:rPr lang="en-US" dirty="0" err="1"/>
+              <a:t>toate</a:t>
+            </a:r>
+            <a:r>
+              <a:rPr lang="en-US" dirty="0"/>
+              <a:t> </a:t>
+            </a:r>
+            <a:r>
+              <a:rPr lang="en-US" dirty="0" err="1"/>
+              <a:t>dependintele</a:t>
+            </a:r>
+            <a:r>
+              <a:rPr lang="en-US" dirty="0"/>
+              <a:t>, pe care le </a:t>
+            </a:r>
+            <a:r>
+              <a:rPr lang="en-US" dirty="0" err="1"/>
+              <a:t>putem</a:t>
+            </a:r>
+            <a:r>
+              <a:rPr lang="en-US" dirty="0"/>
+              <a:t> </a:t>
+            </a:r>
+            <a:r>
+              <a:rPr lang="en-US" dirty="0" err="1"/>
+              <a:t>controla</a:t>
+            </a:r>
+            <a:r>
+              <a:rPr lang="en-US" dirty="0"/>
+              <a:t> direct </a:t>
+            </a:r>
+            <a:r>
+              <a:rPr lang="en-US" dirty="0" err="1"/>
+              <a:t>si</a:t>
+            </a:r>
+            <a:r>
+              <a:rPr lang="en-US" dirty="0"/>
+              <a:t> </a:t>
+            </a:r>
+            <a:r>
+              <a:rPr lang="en-US" dirty="0" err="1"/>
+              <a:t>concret</a:t>
+            </a:r>
+            <a:r>
+              <a:rPr lang="en-US" dirty="0"/>
+              <a:t> </a:t>
+            </a:r>
+            <a:r>
+              <a:rPr lang="en-US" dirty="0" err="1"/>
+              <a:t>si</a:t>
+            </a:r>
+            <a:r>
+              <a:rPr lang="en-US" dirty="0"/>
+              <a:t> care </a:t>
+            </a:r>
+            <a:r>
+              <a:rPr lang="en-US" dirty="0" err="1"/>
+              <a:t>intotdeauna</a:t>
+            </a:r>
+            <a:r>
+              <a:rPr lang="en-US" dirty="0"/>
+              <a:t> </a:t>
+            </a:r>
+            <a:r>
+              <a:rPr lang="en-US" dirty="0" err="1"/>
+              <a:t>vor</a:t>
+            </a:r>
+            <a:r>
+              <a:rPr lang="en-US" dirty="0"/>
+              <a:t> </a:t>
+            </a:r>
+            <a:r>
+              <a:rPr lang="en-US" dirty="0" err="1"/>
+              <a:t>intoarce</a:t>
+            </a:r>
+            <a:r>
+              <a:rPr lang="en-US" dirty="0"/>
+              <a:t> </a:t>
+            </a:r>
+            <a:r>
+              <a:rPr lang="en-US" dirty="0" err="1"/>
+              <a:t>rezultate</a:t>
+            </a:r>
+            <a:r>
+              <a:rPr lang="en-US" dirty="0"/>
+              <a:t> </a:t>
+            </a:r>
+            <a:r>
+              <a:rPr lang="en-US" dirty="0" err="1"/>
+              <a:t>asteptate</a:t>
+            </a:r>
+            <a:r>
+              <a:rPr lang="en-US" dirty="0"/>
+              <a:t> definite in test</a:t>
+            </a:r>
+          </a:p>
         </p:txBody>
       </p:sp>
       <p:sp>
@@ -4147,7 +4165,7 @@
     </p:spTree>
     <p:extLst>
       <p:ext uri="{BB962C8B-B14F-4D97-AF65-F5344CB8AC3E}">
-        <p14:creationId xmlns:p14="http://schemas.microsoft.com/office/powerpoint/2010/main" val="2541634075"/>
+        <p14:creationId xmlns:p14="http://schemas.microsoft.com/office/powerpoint/2010/main" val="2144708413"/>
       </p:ext>
     </p:extLst>
   </p:cSld>
@@ -4206,518 +4224,6 @@
               <a:t>Alex</a:t>
             </a:r>
           </a:p>
-          <a:p>
-            <a:endParaRPr lang="en-US" dirty="0"/>
-          </a:p>
-          <a:p>
-            <a:r>
-              <a:rPr lang="en-US" dirty="0"/>
-              <a:t>Stub: </a:t>
-            </a:r>
-            <a:r>
-              <a:rPr lang="en-US" dirty="0" err="1"/>
-              <a:t>comportament</a:t>
-            </a:r>
-            <a:r>
-              <a:rPr lang="en-US" dirty="0"/>
-              <a:t> static</a:t>
-            </a:r>
-          </a:p>
-          <a:p>
-            <a:r>
-              <a:rPr lang="en-US" dirty="0"/>
-              <a:t>Ex stub: </a:t>
-            </a:r>
-            <a:r>
-              <a:rPr lang="en-US" b="1" dirty="0" err="1"/>
-              <a:t>lista</a:t>
-            </a:r>
-            <a:r>
-              <a:rPr lang="en-US" b="1" dirty="0"/>
-              <a:t> de </a:t>
-            </a:r>
-            <a:r>
-              <a:rPr lang="en-US" b="1" dirty="0" err="1"/>
-              <a:t>comenzi</a:t>
-            </a:r>
-            <a:r>
-              <a:rPr lang="en-US" b="1" dirty="0"/>
-              <a:t> </a:t>
-            </a:r>
-            <a:r>
-              <a:rPr lang="en-US" b="1" dirty="0" err="1"/>
-              <a:t>incarcata</a:t>
-            </a:r>
-            <a:r>
-              <a:rPr lang="en-US" b="1" dirty="0"/>
-              <a:t> din db</a:t>
-            </a:r>
-            <a:r>
-              <a:rPr lang="en-US" dirty="0"/>
-              <a:t>. </a:t>
-            </a:r>
-            <a:r>
-              <a:rPr lang="en-US" dirty="0" err="1"/>
-              <a:t>Testam</a:t>
-            </a:r>
-            <a:r>
-              <a:rPr lang="en-US" dirty="0"/>
-              <a:t> ca </a:t>
-            </a:r>
-            <a:r>
-              <a:rPr lang="en-US" dirty="0" err="1"/>
-              <a:t>daca</a:t>
-            </a:r>
-            <a:r>
-              <a:rPr lang="en-US" dirty="0"/>
-              <a:t> sunt &gt;5 </a:t>
-            </a:r>
-            <a:r>
-              <a:rPr lang="en-US" dirty="0" err="1"/>
-              <a:t>comenzi</a:t>
-            </a:r>
-            <a:r>
-              <a:rPr lang="en-US" dirty="0"/>
-              <a:t>, </a:t>
-            </a:r>
-            <a:r>
-              <a:rPr lang="en-US" dirty="0" err="1"/>
-              <a:t>clientul</a:t>
-            </a:r>
-            <a:r>
-              <a:rPr lang="en-US" dirty="0"/>
-              <a:t> </a:t>
-            </a:r>
-            <a:r>
-              <a:rPr lang="en-US" dirty="0" err="1"/>
-              <a:t>primeste</a:t>
-            </a:r>
-            <a:r>
-              <a:rPr lang="en-US" dirty="0"/>
-              <a:t> un bonus</a:t>
-            </a:r>
-          </a:p>
-          <a:p>
-            <a:endParaRPr lang="en-US" dirty="0"/>
-          </a:p>
-          <a:p>
-            <a:r>
-              <a:rPr lang="en-US" dirty="0"/>
-              <a:t>Mock: </a:t>
-            </a:r>
-            <a:r>
-              <a:rPr lang="en-US" dirty="0" err="1"/>
-              <a:t>comportament</a:t>
-            </a:r>
-            <a:r>
-              <a:rPr lang="en-US" dirty="0"/>
-              <a:t> dynamic</a:t>
-            </a:r>
-          </a:p>
-          <a:p>
-            <a:r>
-              <a:rPr lang="en-US" dirty="0"/>
-              <a:t>Se pot </a:t>
-            </a:r>
-            <a:r>
-              <a:rPr lang="en-US" dirty="0" err="1"/>
-              <a:t>simula</a:t>
-            </a:r>
-            <a:r>
-              <a:rPr lang="en-US" dirty="0"/>
-              <a:t> </a:t>
-            </a:r>
-            <a:r>
-              <a:rPr lang="en-US" dirty="0" err="1"/>
-              <a:t>proprietati</a:t>
-            </a:r>
-            <a:r>
-              <a:rPr lang="en-US" dirty="0"/>
-              <a:t> de </a:t>
-            </a:r>
-            <a:r>
-              <a:rPr lang="en-US" dirty="0" err="1"/>
-              <a:t>obiecte</a:t>
-            </a:r>
-            <a:r>
-              <a:rPr lang="en-US" dirty="0"/>
-              <a:t>, </a:t>
-            </a:r>
-            <a:r>
-              <a:rPr lang="en-US" dirty="0" err="1"/>
-              <a:t>apeluri</a:t>
-            </a:r>
-            <a:r>
-              <a:rPr lang="en-US" dirty="0"/>
-              <a:t> de </a:t>
-            </a:r>
-            <a:r>
-              <a:rPr lang="en-US" dirty="0" err="1"/>
-              <a:t>metode</a:t>
-            </a:r>
-            <a:r>
-              <a:rPr lang="en-US" dirty="0"/>
-              <a:t> cu </a:t>
-            </a:r>
-            <a:r>
-              <a:rPr lang="en-US" dirty="0" err="1"/>
-              <a:t>diversi</a:t>
-            </a:r>
-            <a:r>
-              <a:rPr lang="en-US" dirty="0"/>
-              <a:t> </a:t>
-            </a:r>
-            <a:r>
-              <a:rPr lang="en-US" dirty="0" err="1"/>
-              <a:t>parametri</a:t>
-            </a:r>
-            <a:r>
-              <a:rPr lang="en-US" dirty="0"/>
-              <a:t> </a:t>
-            </a:r>
-            <a:r>
-              <a:rPr lang="en-US" dirty="0" err="1"/>
-              <a:t>si</a:t>
-            </a:r>
-            <a:r>
-              <a:rPr lang="en-US" dirty="0"/>
-              <a:t> </a:t>
-            </a:r>
-            <a:r>
-              <a:rPr lang="en-US" dirty="0" err="1"/>
-              <a:t>rezultate</a:t>
-            </a:r>
-            <a:r>
-              <a:rPr lang="en-US" dirty="0"/>
-              <a:t> </a:t>
-            </a:r>
-            <a:r>
-              <a:rPr lang="en-US" dirty="0" err="1"/>
-              <a:t>predefinite</a:t>
-            </a:r>
-            <a:r>
-              <a:rPr lang="en-US" dirty="0"/>
-              <a:t>, se pot </a:t>
-            </a:r>
-            <a:r>
-              <a:rPr lang="en-US" dirty="0" err="1"/>
-              <a:t>simula</a:t>
-            </a:r>
-            <a:r>
-              <a:rPr lang="en-US" dirty="0"/>
-              <a:t> </a:t>
-            </a:r>
-            <a:r>
-              <a:rPr lang="en-US" dirty="0" err="1"/>
-              <a:t>parametri</a:t>
-            </a:r>
-            <a:r>
-              <a:rPr lang="en-US" dirty="0"/>
-              <a:t> </a:t>
-            </a:r>
-            <a:r>
-              <a:rPr lang="en-US" dirty="0" err="1"/>
-              <a:t>concreti</a:t>
-            </a:r>
-            <a:r>
-              <a:rPr lang="en-US" dirty="0"/>
-              <a:t> </a:t>
-            </a:r>
-            <a:r>
-              <a:rPr lang="en-US" dirty="0" err="1"/>
-              <a:t>sau</a:t>
-            </a:r>
-            <a:r>
-              <a:rPr lang="en-US" dirty="0"/>
-              <a:t> generic (cu </a:t>
-            </a:r>
-            <a:r>
-              <a:rPr lang="en-US" dirty="0" err="1"/>
-              <a:t>sau</a:t>
-            </a:r>
-            <a:r>
-              <a:rPr lang="en-US" dirty="0"/>
-              <a:t> </a:t>
-            </a:r>
-            <a:r>
-              <a:rPr lang="en-US" dirty="0" err="1"/>
-              <a:t>fara</a:t>
-            </a:r>
-            <a:r>
-              <a:rPr lang="en-US" dirty="0"/>
-              <a:t> reguli de </a:t>
-            </a:r>
-            <a:r>
-              <a:rPr lang="en-US" dirty="0" err="1"/>
-              <a:t>constrangere</a:t>
-            </a:r>
-            <a:r>
-              <a:rPr lang="en-US" dirty="0"/>
-              <a:t>), </a:t>
-            </a:r>
-            <a:r>
-              <a:rPr lang="en-US" dirty="0" err="1"/>
-              <a:t>si</a:t>
-            </a:r>
-            <a:r>
-              <a:rPr lang="en-US" dirty="0"/>
-              <a:t> se pot </a:t>
-            </a:r>
-            <a:r>
-              <a:rPr lang="en-US" dirty="0" err="1"/>
-              <a:t>verifica</a:t>
-            </a:r>
-            <a:r>
-              <a:rPr lang="en-US" dirty="0"/>
-              <a:t> exact </a:t>
-            </a:r>
-            <a:r>
-              <a:rPr lang="en-US" dirty="0" err="1"/>
-              <a:t>ce</a:t>
-            </a:r>
-            <a:r>
-              <a:rPr lang="en-US" dirty="0"/>
-              <a:t> </a:t>
-            </a:r>
-            <a:r>
-              <a:rPr lang="en-US" dirty="0" err="1"/>
-              <a:t>apeluri</a:t>
-            </a:r>
-            <a:r>
-              <a:rPr lang="en-US" dirty="0"/>
-              <a:t> s-au </a:t>
-            </a:r>
-            <a:r>
-              <a:rPr lang="en-US" dirty="0" err="1"/>
-              <a:t>efectuat</a:t>
-            </a:r>
-            <a:r>
-              <a:rPr lang="en-US" dirty="0"/>
-              <a:t> (in </a:t>
-            </a:r>
-            <a:r>
-              <a:rPr lang="en-US" dirty="0" err="1"/>
-              <a:t>faza</a:t>
-            </a:r>
-            <a:r>
-              <a:rPr lang="en-US" dirty="0"/>
-              <a:t> </a:t>
-            </a:r>
-            <a:r>
-              <a:rPr lang="en-US" dirty="0" err="1"/>
-              <a:t>finala</a:t>
-            </a:r>
-            <a:r>
-              <a:rPr lang="en-US" dirty="0"/>
-              <a:t>, Assert).</a:t>
-            </a:r>
-          </a:p>
-          <a:p>
-            <a:r>
-              <a:rPr lang="en-US" dirty="0"/>
-              <a:t>Ex: </a:t>
-            </a:r>
-            <a:r>
-              <a:rPr lang="en-US" dirty="0" err="1"/>
-              <a:t>daca</a:t>
-            </a:r>
-            <a:r>
-              <a:rPr lang="en-US" dirty="0"/>
-              <a:t> </a:t>
-            </a:r>
-            <a:r>
-              <a:rPr lang="en-US" dirty="0" err="1"/>
-              <a:t>clientul</a:t>
-            </a:r>
-            <a:r>
-              <a:rPr lang="en-US" dirty="0"/>
-              <a:t> e </a:t>
-            </a:r>
-            <a:r>
-              <a:rPr lang="en-US" dirty="0" err="1"/>
-              <a:t>eligibil</a:t>
-            </a:r>
-            <a:r>
-              <a:rPr lang="en-US" dirty="0"/>
-              <a:t> </a:t>
-            </a:r>
-            <a:r>
-              <a:rPr lang="en-US" dirty="0" err="1"/>
-              <a:t>pentru</a:t>
-            </a:r>
-            <a:r>
-              <a:rPr lang="en-US" dirty="0"/>
-              <a:t> bonus, </a:t>
-            </a:r>
-            <a:r>
-              <a:rPr lang="en-US" dirty="0" err="1"/>
-              <a:t>apelam</a:t>
-            </a:r>
-            <a:r>
-              <a:rPr lang="en-US" dirty="0"/>
-              <a:t> o </a:t>
-            </a:r>
-            <a:r>
-              <a:rPr lang="en-US" dirty="0" err="1"/>
-              <a:t>alta</a:t>
-            </a:r>
-            <a:r>
-              <a:rPr lang="en-US" dirty="0"/>
-              <a:t> </a:t>
-            </a:r>
-            <a:r>
-              <a:rPr lang="en-US" dirty="0" err="1"/>
-              <a:t>componenta</a:t>
-            </a:r>
-            <a:r>
-              <a:rPr lang="en-US" dirty="0"/>
-              <a:t> </a:t>
-            </a:r>
-            <a:r>
-              <a:rPr lang="en-US" dirty="0" err="1"/>
-              <a:t>pentru</a:t>
-            </a:r>
-            <a:r>
-              <a:rPr lang="en-US" dirty="0"/>
-              <a:t> a-I </a:t>
-            </a:r>
-            <a:r>
-              <a:rPr lang="en-US" dirty="0" err="1"/>
-              <a:t>acorda</a:t>
-            </a:r>
-            <a:r>
-              <a:rPr lang="en-US" dirty="0"/>
-              <a:t> </a:t>
-            </a:r>
-            <a:r>
-              <a:rPr lang="en-US" dirty="0" err="1"/>
-              <a:t>bonusul</a:t>
-            </a:r>
-            <a:r>
-              <a:rPr lang="en-US" dirty="0"/>
-              <a:t>. Dar nu </a:t>
-            </a:r>
-            <a:r>
-              <a:rPr lang="en-US" dirty="0" err="1"/>
-              <a:t>vrem</a:t>
-            </a:r>
-            <a:r>
-              <a:rPr lang="en-US" dirty="0"/>
-              <a:t> </a:t>
-            </a:r>
-            <a:r>
-              <a:rPr lang="en-US" dirty="0" err="1"/>
-              <a:t>sa</a:t>
-            </a:r>
-            <a:r>
-              <a:rPr lang="en-US" dirty="0"/>
-              <a:t> </a:t>
-            </a:r>
-            <a:r>
-              <a:rPr lang="en-US" dirty="0" err="1"/>
-              <a:t>testam</a:t>
-            </a:r>
-            <a:r>
-              <a:rPr lang="en-US" dirty="0"/>
-              <a:t> </a:t>
-            </a:r>
-            <a:r>
-              <a:rPr lang="en-US" dirty="0" err="1"/>
-              <a:t>acum</a:t>
-            </a:r>
-            <a:r>
-              <a:rPr lang="en-US" dirty="0"/>
-              <a:t> </a:t>
-            </a:r>
-            <a:r>
-              <a:rPr lang="en-US" dirty="0" err="1"/>
-              <a:t>acea</a:t>
-            </a:r>
-            <a:r>
-              <a:rPr lang="en-US" dirty="0"/>
-              <a:t> </a:t>
-            </a:r>
-            <a:r>
-              <a:rPr lang="en-US" dirty="0" err="1"/>
-              <a:t>componenta</a:t>
-            </a:r>
-            <a:r>
-              <a:rPr lang="en-US" dirty="0"/>
-              <a:t>, ne </a:t>
-            </a:r>
-            <a:r>
-              <a:rPr lang="en-US" dirty="0" err="1"/>
-              <a:t>intereseaza</a:t>
-            </a:r>
-            <a:r>
-              <a:rPr lang="en-US" dirty="0"/>
-              <a:t> </a:t>
-            </a:r>
-            <a:r>
-              <a:rPr lang="en-US" dirty="0" err="1"/>
-              <a:t>doar</a:t>
-            </a:r>
-            <a:r>
-              <a:rPr lang="en-US" dirty="0"/>
-              <a:t> </a:t>
-            </a:r>
-            <a:r>
-              <a:rPr lang="en-US" dirty="0" err="1"/>
-              <a:t>sa</a:t>
-            </a:r>
-            <a:r>
-              <a:rPr lang="en-US" dirty="0"/>
-              <a:t> se </a:t>
-            </a:r>
-            <a:r>
-              <a:rPr lang="en-US" dirty="0" err="1"/>
-              <a:t>apele</a:t>
-            </a:r>
-            <a:r>
-              <a:rPr lang="en-US" dirty="0"/>
-              <a:t> cand e </a:t>
-            </a:r>
-            <a:r>
-              <a:rPr lang="en-US" dirty="0" err="1"/>
-              <a:t>nevoie</a:t>
-            </a:r>
-            <a:r>
-              <a:rPr lang="en-US" dirty="0"/>
-              <a:t>, </a:t>
-            </a:r>
-            <a:r>
-              <a:rPr lang="en-US" dirty="0" err="1"/>
-              <a:t>si</a:t>
-            </a:r>
-            <a:r>
-              <a:rPr lang="en-US" dirty="0"/>
-              <a:t> </a:t>
-            </a:r>
-            <a:r>
-              <a:rPr lang="en-US" dirty="0" err="1"/>
-              <a:t>sa</a:t>
-            </a:r>
-            <a:r>
-              <a:rPr lang="en-US" dirty="0"/>
-              <a:t> NU se </a:t>
-            </a:r>
-            <a:r>
-              <a:rPr lang="en-US" dirty="0" err="1"/>
-              <a:t>apeleze</a:t>
-            </a:r>
-            <a:r>
-              <a:rPr lang="en-US" dirty="0"/>
-              <a:t> cand nu e </a:t>
-            </a:r>
-            <a:r>
-              <a:rPr lang="en-US" dirty="0" err="1"/>
-              <a:t>nevoie</a:t>
-            </a:r>
-            <a:r>
-              <a:rPr lang="en-US" dirty="0"/>
-              <a:t>.</a:t>
-            </a:r>
-          </a:p>
         </p:txBody>
       </p:sp>
       <p:sp>
@@ -4746,7 +4252,7 @@
     </p:spTree>
     <p:extLst>
       <p:ext uri="{BB962C8B-B14F-4D97-AF65-F5344CB8AC3E}">
-        <p14:creationId xmlns:p14="http://schemas.microsoft.com/office/powerpoint/2010/main" val="2307815043"/>
+        <p14:creationId xmlns:p14="http://schemas.microsoft.com/office/powerpoint/2010/main" val="2541634075"/>
       </p:ext>
     </p:extLst>
   </p:cSld>
@@ -4805,6 +4311,518 @@
               <a:t>Alex</a:t>
             </a:r>
           </a:p>
+          <a:p>
+            <a:endParaRPr lang="en-US" dirty="0"/>
+          </a:p>
+          <a:p>
+            <a:r>
+              <a:rPr lang="en-US" dirty="0"/>
+              <a:t>Stub: </a:t>
+            </a:r>
+            <a:r>
+              <a:rPr lang="en-US" dirty="0" err="1"/>
+              <a:t>comportament</a:t>
+            </a:r>
+            <a:r>
+              <a:rPr lang="en-US" dirty="0"/>
+              <a:t> static</a:t>
+            </a:r>
+          </a:p>
+          <a:p>
+            <a:r>
+              <a:rPr lang="en-US" dirty="0"/>
+              <a:t>Ex stub: </a:t>
+            </a:r>
+            <a:r>
+              <a:rPr lang="en-US" b="1" dirty="0" err="1"/>
+              <a:t>lista</a:t>
+            </a:r>
+            <a:r>
+              <a:rPr lang="en-US" b="1" dirty="0"/>
+              <a:t> de </a:t>
+            </a:r>
+            <a:r>
+              <a:rPr lang="en-US" b="1" dirty="0" err="1"/>
+              <a:t>comenzi</a:t>
+            </a:r>
+            <a:r>
+              <a:rPr lang="en-US" b="1" dirty="0"/>
+              <a:t> </a:t>
+            </a:r>
+            <a:r>
+              <a:rPr lang="en-US" b="1" dirty="0" err="1"/>
+              <a:t>incarcata</a:t>
+            </a:r>
+            <a:r>
+              <a:rPr lang="en-US" b="1" dirty="0"/>
+              <a:t> din db</a:t>
+            </a:r>
+            <a:r>
+              <a:rPr lang="en-US" dirty="0"/>
+              <a:t>. </a:t>
+            </a:r>
+            <a:r>
+              <a:rPr lang="en-US" dirty="0" err="1"/>
+              <a:t>Testam</a:t>
+            </a:r>
+            <a:r>
+              <a:rPr lang="en-US" dirty="0"/>
+              <a:t> ca </a:t>
+            </a:r>
+            <a:r>
+              <a:rPr lang="en-US" dirty="0" err="1"/>
+              <a:t>daca</a:t>
+            </a:r>
+            <a:r>
+              <a:rPr lang="en-US" dirty="0"/>
+              <a:t> sunt &gt;5 </a:t>
+            </a:r>
+            <a:r>
+              <a:rPr lang="en-US" dirty="0" err="1"/>
+              <a:t>comenzi</a:t>
+            </a:r>
+            <a:r>
+              <a:rPr lang="en-US" dirty="0"/>
+              <a:t>, </a:t>
+            </a:r>
+            <a:r>
+              <a:rPr lang="en-US" dirty="0" err="1"/>
+              <a:t>clientul</a:t>
+            </a:r>
+            <a:r>
+              <a:rPr lang="en-US" dirty="0"/>
+              <a:t> </a:t>
+            </a:r>
+            <a:r>
+              <a:rPr lang="en-US" dirty="0" err="1"/>
+              <a:t>primeste</a:t>
+            </a:r>
+            <a:r>
+              <a:rPr lang="en-US" dirty="0"/>
+              <a:t> un bonus</a:t>
+            </a:r>
+          </a:p>
+          <a:p>
+            <a:endParaRPr lang="en-US" dirty="0"/>
+          </a:p>
+          <a:p>
+            <a:r>
+              <a:rPr lang="en-US" dirty="0"/>
+              <a:t>Mock: </a:t>
+            </a:r>
+            <a:r>
+              <a:rPr lang="en-US" dirty="0" err="1"/>
+              <a:t>comportament</a:t>
+            </a:r>
+            <a:r>
+              <a:rPr lang="en-US" dirty="0"/>
+              <a:t> dynamic</a:t>
+            </a:r>
+          </a:p>
+          <a:p>
+            <a:r>
+              <a:rPr lang="en-US" dirty="0"/>
+              <a:t>Se pot </a:t>
+            </a:r>
+            <a:r>
+              <a:rPr lang="en-US" dirty="0" err="1"/>
+              <a:t>simula</a:t>
+            </a:r>
+            <a:r>
+              <a:rPr lang="en-US" dirty="0"/>
+              <a:t> </a:t>
+            </a:r>
+            <a:r>
+              <a:rPr lang="en-US" dirty="0" err="1"/>
+              <a:t>proprietati</a:t>
+            </a:r>
+            <a:r>
+              <a:rPr lang="en-US" dirty="0"/>
+              <a:t> de </a:t>
+            </a:r>
+            <a:r>
+              <a:rPr lang="en-US" dirty="0" err="1"/>
+              <a:t>obiecte</a:t>
+            </a:r>
+            <a:r>
+              <a:rPr lang="en-US" dirty="0"/>
+              <a:t>, </a:t>
+            </a:r>
+            <a:r>
+              <a:rPr lang="en-US" dirty="0" err="1"/>
+              <a:t>apeluri</a:t>
+            </a:r>
+            <a:r>
+              <a:rPr lang="en-US" dirty="0"/>
+              <a:t> de </a:t>
+            </a:r>
+            <a:r>
+              <a:rPr lang="en-US" dirty="0" err="1"/>
+              <a:t>metode</a:t>
+            </a:r>
+            <a:r>
+              <a:rPr lang="en-US" dirty="0"/>
+              <a:t> cu </a:t>
+            </a:r>
+            <a:r>
+              <a:rPr lang="en-US" dirty="0" err="1"/>
+              <a:t>diversi</a:t>
+            </a:r>
+            <a:r>
+              <a:rPr lang="en-US" dirty="0"/>
+              <a:t> </a:t>
+            </a:r>
+            <a:r>
+              <a:rPr lang="en-US" dirty="0" err="1"/>
+              <a:t>parametri</a:t>
+            </a:r>
+            <a:r>
+              <a:rPr lang="en-US" dirty="0"/>
+              <a:t> </a:t>
+            </a:r>
+            <a:r>
+              <a:rPr lang="en-US" dirty="0" err="1"/>
+              <a:t>si</a:t>
+            </a:r>
+            <a:r>
+              <a:rPr lang="en-US" dirty="0"/>
+              <a:t> </a:t>
+            </a:r>
+            <a:r>
+              <a:rPr lang="en-US" dirty="0" err="1"/>
+              <a:t>rezultate</a:t>
+            </a:r>
+            <a:r>
+              <a:rPr lang="en-US" dirty="0"/>
+              <a:t> </a:t>
+            </a:r>
+            <a:r>
+              <a:rPr lang="en-US" dirty="0" err="1"/>
+              <a:t>predefinite</a:t>
+            </a:r>
+            <a:r>
+              <a:rPr lang="en-US" dirty="0"/>
+              <a:t>, se pot </a:t>
+            </a:r>
+            <a:r>
+              <a:rPr lang="en-US" dirty="0" err="1"/>
+              <a:t>simula</a:t>
+            </a:r>
+            <a:r>
+              <a:rPr lang="en-US" dirty="0"/>
+              <a:t> </a:t>
+            </a:r>
+            <a:r>
+              <a:rPr lang="en-US" dirty="0" err="1"/>
+              <a:t>parametri</a:t>
+            </a:r>
+            <a:r>
+              <a:rPr lang="en-US" dirty="0"/>
+              <a:t> </a:t>
+            </a:r>
+            <a:r>
+              <a:rPr lang="en-US" dirty="0" err="1"/>
+              <a:t>concreti</a:t>
+            </a:r>
+            <a:r>
+              <a:rPr lang="en-US" dirty="0"/>
+              <a:t> </a:t>
+            </a:r>
+            <a:r>
+              <a:rPr lang="en-US" dirty="0" err="1"/>
+              <a:t>sau</a:t>
+            </a:r>
+            <a:r>
+              <a:rPr lang="en-US" dirty="0"/>
+              <a:t> generic (cu </a:t>
+            </a:r>
+            <a:r>
+              <a:rPr lang="en-US" dirty="0" err="1"/>
+              <a:t>sau</a:t>
+            </a:r>
+            <a:r>
+              <a:rPr lang="en-US" dirty="0"/>
+              <a:t> </a:t>
+            </a:r>
+            <a:r>
+              <a:rPr lang="en-US" dirty="0" err="1"/>
+              <a:t>fara</a:t>
+            </a:r>
+            <a:r>
+              <a:rPr lang="en-US" dirty="0"/>
+              <a:t> reguli de </a:t>
+            </a:r>
+            <a:r>
+              <a:rPr lang="en-US" dirty="0" err="1"/>
+              <a:t>constrangere</a:t>
+            </a:r>
+            <a:r>
+              <a:rPr lang="en-US" dirty="0"/>
+              <a:t>), </a:t>
+            </a:r>
+            <a:r>
+              <a:rPr lang="en-US" dirty="0" err="1"/>
+              <a:t>si</a:t>
+            </a:r>
+            <a:r>
+              <a:rPr lang="en-US" dirty="0"/>
+              <a:t> se pot </a:t>
+            </a:r>
+            <a:r>
+              <a:rPr lang="en-US" dirty="0" err="1"/>
+              <a:t>verifica</a:t>
+            </a:r>
+            <a:r>
+              <a:rPr lang="en-US" dirty="0"/>
+              <a:t> exact </a:t>
+            </a:r>
+            <a:r>
+              <a:rPr lang="en-US" dirty="0" err="1"/>
+              <a:t>ce</a:t>
+            </a:r>
+            <a:r>
+              <a:rPr lang="en-US" dirty="0"/>
+              <a:t> </a:t>
+            </a:r>
+            <a:r>
+              <a:rPr lang="en-US" dirty="0" err="1"/>
+              <a:t>apeluri</a:t>
+            </a:r>
+            <a:r>
+              <a:rPr lang="en-US" dirty="0"/>
+              <a:t> s-au </a:t>
+            </a:r>
+            <a:r>
+              <a:rPr lang="en-US" dirty="0" err="1"/>
+              <a:t>efectuat</a:t>
+            </a:r>
+            <a:r>
+              <a:rPr lang="en-US" dirty="0"/>
+              <a:t> (in </a:t>
+            </a:r>
+            <a:r>
+              <a:rPr lang="en-US" dirty="0" err="1"/>
+              <a:t>faza</a:t>
+            </a:r>
+            <a:r>
+              <a:rPr lang="en-US" dirty="0"/>
+              <a:t> </a:t>
+            </a:r>
+            <a:r>
+              <a:rPr lang="en-US" dirty="0" err="1"/>
+              <a:t>finala</a:t>
+            </a:r>
+            <a:r>
+              <a:rPr lang="en-US" dirty="0"/>
+              <a:t>, Assert).</a:t>
+            </a:r>
+          </a:p>
+          <a:p>
+            <a:r>
+              <a:rPr lang="en-US" dirty="0"/>
+              <a:t>Ex: </a:t>
+            </a:r>
+            <a:r>
+              <a:rPr lang="en-US" dirty="0" err="1"/>
+              <a:t>daca</a:t>
+            </a:r>
+            <a:r>
+              <a:rPr lang="en-US" dirty="0"/>
+              <a:t> </a:t>
+            </a:r>
+            <a:r>
+              <a:rPr lang="en-US" dirty="0" err="1"/>
+              <a:t>clientul</a:t>
+            </a:r>
+            <a:r>
+              <a:rPr lang="en-US" dirty="0"/>
+              <a:t> e </a:t>
+            </a:r>
+            <a:r>
+              <a:rPr lang="en-US" dirty="0" err="1"/>
+              <a:t>eligibil</a:t>
+            </a:r>
+            <a:r>
+              <a:rPr lang="en-US" dirty="0"/>
+              <a:t> </a:t>
+            </a:r>
+            <a:r>
+              <a:rPr lang="en-US" dirty="0" err="1"/>
+              <a:t>pentru</a:t>
+            </a:r>
+            <a:r>
+              <a:rPr lang="en-US" dirty="0"/>
+              <a:t> bonus, </a:t>
+            </a:r>
+            <a:r>
+              <a:rPr lang="en-US" dirty="0" err="1"/>
+              <a:t>apelam</a:t>
+            </a:r>
+            <a:r>
+              <a:rPr lang="en-US" dirty="0"/>
+              <a:t> o </a:t>
+            </a:r>
+            <a:r>
+              <a:rPr lang="en-US" dirty="0" err="1"/>
+              <a:t>alta</a:t>
+            </a:r>
+            <a:r>
+              <a:rPr lang="en-US" dirty="0"/>
+              <a:t> </a:t>
+            </a:r>
+            <a:r>
+              <a:rPr lang="en-US" dirty="0" err="1"/>
+              <a:t>componenta</a:t>
+            </a:r>
+            <a:r>
+              <a:rPr lang="en-US" dirty="0"/>
+              <a:t> </a:t>
+            </a:r>
+            <a:r>
+              <a:rPr lang="en-US" dirty="0" err="1"/>
+              <a:t>pentru</a:t>
+            </a:r>
+            <a:r>
+              <a:rPr lang="en-US" dirty="0"/>
+              <a:t> a-I </a:t>
+            </a:r>
+            <a:r>
+              <a:rPr lang="en-US" dirty="0" err="1"/>
+              <a:t>acorda</a:t>
+            </a:r>
+            <a:r>
+              <a:rPr lang="en-US" dirty="0"/>
+              <a:t> </a:t>
+            </a:r>
+            <a:r>
+              <a:rPr lang="en-US" dirty="0" err="1"/>
+              <a:t>bonusul</a:t>
+            </a:r>
+            <a:r>
+              <a:rPr lang="en-US" dirty="0"/>
+              <a:t>. Dar nu </a:t>
+            </a:r>
+            <a:r>
+              <a:rPr lang="en-US" dirty="0" err="1"/>
+              <a:t>vrem</a:t>
+            </a:r>
+            <a:r>
+              <a:rPr lang="en-US" dirty="0"/>
+              <a:t> </a:t>
+            </a:r>
+            <a:r>
+              <a:rPr lang="en-US" dirty="0" err="1"/>
+              <a:t>sa</a:t>
+            </a:r>
+            <a:r>
+              <a:rPr lang="en-US" dirty="0"/>
+              <a:t> </a:t>
+            </a:r>
+            <a:r>
+              <a:rPr lang="en-US" dirty="0" err="1"/>
+              <a:t>testam</a:t>
+            </a:r>
+            <a:r>
+              <a:rPr lang="en-US" dirty="0"/>
+              <a:t> </a:t>
+            </a:r>
+            <a:r>
+              <a:rPr lang="en-US" dirty="0" err="1"/>
+              <a:t>acum</a:t>
+            </a:r>
+            <a:r>
+              <a:rPr lang="en-US" dirty="0"/>
+              <a:t> </a:t>
+            </a:r>
+            <a:r>
+              <a:rPr lang="en-US" dirty="0" err="1"/>
+              <a:t>acea</a:t>
+            </a:r>
+            <a:r>
+              <a:rPr lang="en-US" dirty="0"/>
+              <a:t> </a:t>
+            </a:r>
+            <a:r>
+              <a:rPr lang="en-US" dirty="0" err="1"/>
+              <a:t>componenta</a:t>
+            </a:r>
+            <a:r>
+              <a:rPr lang="en-US" dirty="0"/>
+              <a:t>, ne </a:t>
+            </a:r>
+            <a:r>
+              <a:rPr lang="en-US" dirty="0" err="1"/>
+              <a:t>intereseaza</a:t>
+            </a:r>
+            <a:r>
+              <a:rPr lang="en-US" dirty="0"/>
+              <a:t> </a:t>
+            </a:r>
+            <a:r>
+              <a:rPr lang="en-US" dirty="0" err="1"/>
+              <a:t>doar</a:t>
+            </a:r>
+            <a:r>
+              <a:rPr lang="en-US" dirty="0"/>
+              <a:t> </a:t>
+            </a:r>
+            <a:r>
+              <a:rPr lang="en-US" dirty="0" err="1"/>
+              <a:t>sa</a:t>
+            </a:r>
+            <a:r>
+              <a:rPr lang="en-US" dirty="0"/>
+              <a:t> se </a:t>
+            </a:r>
+            <a:r>
+              <a:rPr lang="en-US" dirty="0" err="1"/>
+              <a:t>apele</a:t>
+            </a:r>
+            <a:r>
+              <a:rPr lang="en-US" dirty="0"/>
+              <a:t> cand e </a:t>
+            </a:r>
+            <a:r>
+              <a:rPr lang="en-US" dirty="0" err="1"/>
+              <a:t>nevoie</a:t>
+            </a:r>
+            <a:r>
+              <a:rPr lang="en-US" dirty="0"/>
+              <a:t>, </a:t>
+            </a:r>
+            <a:r>
+              <a:rPr lang="en-US" dirty="0" err="1"/>
+              <a:t>si</a:t>
+            </a:r>
+            <a:r>
+              <a:rPr lang="en-US" dirty="0"/>
+              <a:t> </a:t>
+            </a:r>
+            <a:r>
+              <a:rPr lang="en-US" dirty="0" err="1"/>
+              <a:t>sa</a:t>
+            </a:r>
+            <a:r>
+              <a:rPr lang="en-US" dirty="0"/>
+              <a:t> NU se </a:t>
+            </a:r>
+            <a:r>
+              <a:rPr lang="en-US" dirty="0" err="1"/>
+              <a:t>apeleze</a:t>
+            </a:r>
+            <a:r>
+              <a:rPr lang="en-US" dirty="0"/>
+              <a:t> cand nu e </a:t>
+            </a:r>
+            <a:r>
+              <a:rPr lang="en-US" dirty="0" err="1"/>
+              <a:t>nevoie</a:t>
+            </a:r>
+            <a:r>
+              <a:rPr lang="en-US" dirty="0"/>
+              <a:t>.</a:t>
+            </a:r>
+          </a:p>
         </p:txBody>
       </p:sp>
       <p:sp>
@@ -4824,7 +4842,7 @@
           <a:p>
             <a:fld id="{2DB1139D-5AC7-4B0B-A715-E40E0591EF82}" type="slidenum">
               <a:rPr lang="nl-NL" smtClean="0"/>
-              <a:t>28</a:t>
+              <a:t>27</a:t>
             </a:fld>
             <a:endParaRPr lang="nl-NL"/>
           </a:p>
@@ -4833,7 +4851,7 @@
     </p:spTree>
     <p:extLst>
       <p:ext uri="{BB962C8B-B14F-4D97-AF65-F5344CB8AC3E}">
-        <p14:creationId xmlns:p14="http://schemas.microsoft.com/office/powerpoint/2010/main" val="1730009938"/>
+        <p14:creationId xmlns:p14="http://schemas.microsoft.com/office/powerpoint/2010/main" val="2307815043"/>
       </p:ext>
     </p:extLst>
   </p:cSld>
@@ -4920,7 +4938,7 @@
     </p:spTree>
     <p:extLst>
       <p:ext uri="{BB962C8B-B14F-4D97-AF65-F5344CB8AC3E}">
-        <p14:creationId xmlns:p14="http://schemas.microsoft.com/office/powerpoint/2010/main" val="1619668065"/>
+        <p14:creationId xmlns:p14="http://schemas.microsoft.com/office/powerpoint/2010/main" val="1730009938"/>
       </p:ext>
     </p:extLst>
   </p:cSld>
@@ -5007,7 +5025,7 @@
     </p:spTree>
     <p:extLst>
       <p:ext uri="{BB962C8B-B14F-4D97-AF65-F5344CB8AC3E}">
-        <p14:creationId xmlns:p14="http://schemas.microsoft.com/office/powerpoint/2010/main" val="1276772273"/>
+        <p14:creationId xmlns:p14="http://schemas.microsoft.com/office/powerpoint/2010/main" val="1619668065"/>
       </p:ext>
     </p:extLst>
   </p:cSld>
@@ -5188,7 +5206,7 @@
     </p:spTree>
     <p:extLst>
       <p:ext uri="{BB962C8B-B14F-4D97-AF65-F5344CB8AC3E}">
-        <p14:creationId xmlns:p14="http://schemas.microsoft.com/office/powerpoint/2010/main" val="165808733"/>
+        <p14:creationId xmlns:p14="http://schemas.microsoft.com/office/powerpoint/2010/main" val="1276772273"/>
       </p:ext>
     </p:extLst>
   </p:cSld>
@@ -5244,27 +5262,8 @@
           <a:p>
             <a:r>
               <a:rPr lang="en-US" dirty="0"/>
-              <a:t>Marian</a:t>
-            </a:r>
-          </a:p>
-          <a:p>
-            <a:r>
-              <a:rPr lang="en-US" dirty="0"/>
-              <a:t>P</a:t>
-            </a:r>
-            <a:r>
-              <a:rPr lang="ro-RO" dirty="0"/>
-              <a:t>e</a:t>
-            </a:r>
-            <a:r>
-              <a:rPr lang="en-US" dirty="0"/>
-              <a:t> l</a:t>
-            </a:r>
-            <a:r>
-              <a:rPr lang="ro-RO" dirty="0"/>
-              <a:t>ângă unit teste, în etapa de development se mai pot scie și așa numitele teste de integrare (integration tests).</a:t>
-            </a:r>
-            <a:endParaRPr lang="en-US" dirty="0"/>
+              <a:t>Alex</a:t>
+            </a:r>
           </a:p>
         </p:txBody>
       </p:sp>
@@ -5294,7 +5293,7 @@
     </p:spTree>
     <p:extLst>
       <p:ext uri="{BB962C8B-B14F-4D97-AF65-F5344CB8AC3E}">
-        <p14:creationId xmlns:p14="http://schemas.microsoft.com/office/powerpoint/2010/main" val="2164638619"/>
+        <p14:creationId xmlns:p14="http://schemas.microsoft.com/office/powerpoint/2010/main" val="165808733"/>
       </p:ext>
     </p:extLst>
   </p:cSld>
@@ -5352,12 +5351,23 @@
               <a:rPr lang="en-US" dirty="0"/>
               <a:t>Marian</a:t>
             </a:r>
-            <a:endParaRPr lang="ro-RO" dirty="0"/>
-          </a:p>
-          <a:p>
+          </a:p>
+          <a:p>
+            <a:r>
+              <a:rPr lang="en-US" dirty="0"/>
+              <a:t>P</a:t>
+            </a:r>
             <a:r>
               <a:rPr lang="ro-RO" dirty="0"/>
-              <a:t>Testele de integrare asigură faptul că, componentele unei aplicații funcționează corect la un nivel care include infrastructura aplicației, cum ar fi baze de date, sistem de fișiere, rețea.</a:t>
+              <a:t>e</a:t>
+            </a:r>
+            <a:r>
+              <a:rPr lang="en-US" dirty="0"/>
+              <a:t> l</a:t>
+            </a:r>
+            <a:r>
+              <a:rPr lang="ro-RO" dirty="0"/>
+              <a:t>ângă unit teste, în etapa de development se mai pot scie și așa numitele teste de integrare (integration tests).</a:t>
             </a:r>
             <a:endParaRPr lang="en-US" dirty="0"/>
           </a:p>
@@ -5389,7 +5399,7 @@
     </p:spTree>
     <p:extLst>
       <p:ext uri="{BB962C8B-B14F-4D97-AF65-F5344CB8AC3E}">
-        <p14:creationId xmlns:p14="http://schemas.microsoft.com/office/powerpoint/2010/main" val="4157425421"/>
+        <p14:creationId xmlns:p14="http://schemas.microsoft.com/office/powerpoint/2010/main" val="2164638619"/>
       </p:ext>
     </p:extLst>
   </p:cSld>
@@ -5451,8 +5461,8 @@
           </a:p>
           <a:p>
             <a:r>
-              <a:rPr lang="it-IT" dirty="0"/>
-              <a:t>Testele de integrare evaluează componentele unei aplicații la un nivel mai larg decât testele unitare</a:t>
+              <a:rPr lang="ro-RO" dirty="0"/>
+              <a:t>Testele de integrare asigură faptul că, componentele unei aplicații funcționează corect la un nivel care include infrastructura aplicației, cum ar fi baze de date, sistem de fișiere, rețea.</a:t>
             </a:r>
             <a:endParaRPr lang="en-US" dirty="0"/>
           </a:p>
@@ -5484,7 +5494,7 @@
     </p:spTree>
     <p:extLst>
       <p:ext uri="{BB962C8B-B14F-4D97-AF65-F5344CB8AC3E}">
-        <p14:creationId xmlns:p14="http://schemas.microsoft.com/office/powerpoint/2010/main" val="2025122702"/>
+        <p14:creationId xmlns:p14="http://schemas.microsoft.com/office/powerpoint/2010/main" val="4157425421"/>
       </p:ext>
     </p:extLst>
   </p:cSld>
@@ -5546,8 +5556,8 @@
           </a:p>
           <a:p>
             <a:r>
-              <a:rPr lang="ro-RO" dirty="0"/>
-              <a:t>Diferențele dintre unit tests și integration tests</a:t>
+              <a:rPr lang="it-IT" dirty="0"/>
+              <a:t>Testele de integrare evaluează componentele unei aplicații la un nivel mai larg decât testele unitare</a:t>
             </a:r>
             <a:endParaRPr lang="en-US" dirty="0"/>
           </a:p>
@@ -5579,7 +5589,7 @@
     </p:spTree>
     <p:extLst>
       <p:ext uri="{BB962C8B-B14F-4D97-AF65-F5344CB8AC3E}">
-        <p14:creationId xmlns:p14="http://schemas.microsoft.com/office/powerpoint/2010/main" val="951410896"/>
+        <p14:creationId xmlns:p14="http://schemas.microsoft.com/office/powerpoint/2010/main" val="2025122702"/>
       </p:ext>
     </p:extLst>
   </p:cSld>
@@ -5642,10 +5652,8 @@
           <a:p>
             <a:r>
               <a:rPr lang="ro-RO" dirty="0"/>
-              <a:t>Integration tests folosesc aceleași componente pe care aplicația le folosește în producție (baze de date, API-uri, servicii WCF, etc)</a:t>
-            </a:r>
-          </a:p>
-          <a:p>
+              <a:t>Diferențele dintre unit tests și integration tests</a:t>
+            </a:r>
             <a:endParaRPr lang="en-US" dirty="0"/>
           </a:p>
         </p:txBody>
@@ -5676,7 +5684,7 @@
     </p:spTree>
     <p:extLst>
       <p:ext uri="{BB962C8B-B14F-4D97-AF65-F5344CB8AC3E}">
-        <p14:creationId xmlns:p14="http://schemas.microsoft.com/office/powerpoint/2010/main" val="101104362"/>
+        <p14:creationId xmlns:p14="http://schemas.microsoft.com/office/powerpoint/2010/main" val="951410896"/>
       </p:ext>
     </p:extLst>
   </p:cSld>
@@ -5739,7 +5747,7 @@
           <a:p>
             <a:r>
               <a:rPr lang="ro-RO" dirty="0"/>
-              <a:t>Integration tests presupun mai mult cod care trebuie scris și o cantitate mai mare de date care trebuiesc procesate</a:t>
+              <a:t>Integration tests folosesc aceleași componente pe care aplicația le folosește în producție (baze de date, API-uri, servicii WCF, etc)</a:t>
             </a:r>
           </a:p>
           <a:p>
@@ -5773,7 +5781,7 @@
     </p:spTree>
     <p:extLst>
       <p:ext uri="{BB962C8B-B14F-4D97-AF65-F5344CB8AC3E}">
-        <p14:creationId xmlns:p14="http://schemas.microsoft.com/office/powerpoint/2010/main" val="479253812"/>
+        <p14:creationId xmlns:p14="http://schemas.microsoft.com/office/powerpoint/2010/main" val="101104362"/>
       </p:ext>
     </p:extLst>
   </p:cSld>
@@ -5836,8 +5844,10 @@
           <a:p>
             <a:r>
               <a:rPr lang="ro-RO" dirty="0"/>
-              <a:t>Integration tests consumă mai mult timp să fie rulate, tocmai datorită interacțiunii cu alte sisteme.</a:t>
-            </a:r>
+              <a:t>Integration tests presupun mai mult cod care trebuie scris și o cantitate mai mare de date care trebuiesc procesate</a:t>
+            </a:r>
+          </a:p>
+          <a:p>
             <a:endParaRPr lang="en-US" dirty="0"/>
           </a:p>
         </p:txBody>
@@ -5868,7 +5878,7 @@
     </p:spTree>
     <p:extLst>
       <p:ext uri="{BB962C8B-B14F-4D97-AF65-F5344CB8AC3E}">
-        <p14:creationId xmlns:p14="http://schemas.microsoft.com/office/powerpoint/2010/main" val="1634407649"/>
+        <p14:creationId xmlns:p14="http://schemas.microsoft.com/office/powerpoint/2010/main" val="479253812"/>
       </p:ext>
     </p:extLst>
   </p:cSld>
@@ -5931,7 +5941,7 @@
           <a:p>
             <a:r>
               <a:rPr lang="ro-RO" dirty="0"/>
-              <a:t>În</a:t>
+              <a:t>Integration tests consumă mai mult timp să fie rulate, tocmai datorită interacțiunii cu alte sisteme.</a:t>
             </a:r>
             <a:endParaRPr lang="en-US" dirty="0"/>
           </a:p>
@@ -5963,7 +5973,7 @@
     </p:spTree>
     <p:extLst>
       <p:ext uri="{BB962C8B-B14F-4D97-AF65-F5344CB8AC3E}">
-        <p14:creationId xmlns:p14="http://schemas.microsoft.com/office/powerpoint/2010/main" val="1677727130"/>
+        <p14:creationId xmlns:p14="http://schemas.microsoft.com/office/powerpoint/2010/main" val="1634407649"/>
       </p:ext>
     </p:extLst>
   </p:cSld>
@@ -6021,6 +6031,14 @@
               <a:rPr lang="en-US" dirty="0"/>
               <a:t>Marian</a:t>
             </a:r>
+            <a:endParaRPr lang="ro-RO" dirty="0"/>
+          </a:p>
+          <a:p>
+            <a:r>
+              <a:rPr lang="ro-RO" dirty="0"/>
+              <a:t>În</a:t>
+            </a:r>
+            <a:endParaRPr lang="en-US" dirty="0"/>
           </a:p>
         </p:txBody>
       </p:sp>
@@ -6050,7 +6068,7 @@
     </p:spTree>
     <p:extLst>
       <p:ext uri="{BB962C8B-B14F-4D97-AF65-F5344CB8AC3E}">
-        <p14:creationId xmlns:p14="http://schemas.microsoft.com/office/powerpoint/2010/main" val="462259872"/>
+        <p14:creationId xmlns:p14="http://schemas.microsoft.com/office/powerpoint/2010/main" val="1677727130"/>
       </p:ext>
     </p:extLst>
   </p:cSld>
@@ -6244,214 +6262,9 @@
           <a:lstStyle/>
           <a:p>
             <a:r>
-              <a:rPr lang="en-US" sz="1200" b="0" i="0" kern="1200" dirty="0">
-                <a:solidFill>
-                  <a:schemeClr val="tx1"/>
-                </a:solidFill>
-                <a:effectLst/>
-                <a:latin typeface="+mn-lt"/>
-                <a:ea typeface="+mn-ea"/>
-                <a:cs typeface="+mn-cs"/>
-              </a:rPr>
+              <a:rPr lang="en-US" dirty="0"/>
               <a:t>Marian</a:t>
             </a:r>
-          </a:p>
-          <a:p>
-            <a:r>
-              <a:rPr lang="en-US" sz="1200" b="0" i="0" kern="1200" dirty="0">
-                <a:solidFill>
-                  <a:schemeClr val="tx1"/>
-                </a:solidFill>
-                <a:effectLst/>
-                <a:latin typeface="+mn-lt"/>
-                <a:ea typeface="+mn-ea"/>
-                <a:cs typeface="+mn-cs"/>
-              </a:rPr>
-              <a:t>This cycle is typically executed once for every complete unit test, or once every dozen or so cycles of the three laws. The rules of this cycle are simple.</a:t>
-            </a:r>
-          </a:p>
-          <a:p>
-            <a:pPr marL="171450" indent="-171450">
-              <a:buFont typeface="Arial" panose="020B0604020202020204" pitchFamily="34" charset="0"/>
-              <a:buChar char="•"/>
-            </a:pPr>
-            <a:r>
-              <a:rPr lang="en-US" sz="1200" b="0" i="0" kern="1200" dirty="0">
-                <a:solidFill>
-                  <a:schemeClr val="tx1"/>
-                </a:solidFill>
-                <a:effectLst/>
-                <a:latin typeface="+mn-lt"/>
-                <a:ea typeface="+mn-ea"/>
-                <a:cs typeface="+mn-cs"/>
-              </a:rPr>
-              <a:t>Create a unit tests that fails</a:t>
-            </a:r>
-          </a:p>
-          <a:p>
-            <a:pPr marL="171450" indent="-171450">
-              <a:buFont typeface="Arial" panose="020B0604020202020204" pitchFamily="34" charset="0"/>
-              <a:buChar char="•"/>
-            </a:pPr>
-            <a:r>
-              <a:rPr lang="en-US" sz="1200" b="0" i="0" kern="1200" dirty="0">
-                <a:solidFill>
-                  <a:schemeClr val="tx1"/>
-                </a:solidFill>
-                <a:effectLst/>
-                <a:latin typeface="+mn-lt"/>
-                <a:ea typeface="+mn-ea"/>
-                <a:cs typeface="+mn-cs"/>
-              </a:rPr>
-              <a:t>Write production code that makes that test pass.</a:t>
-            </a:r>
-          </a:p>
-          <a:p>
-            <a:pPr marL="171450" indent="-171450">
-              <a:buFont typeface="Arial" panose="020B0604020202020204" pitchFamily="34" charset="0"/>
-              <a:buChar char="•"/>
-            </a:pPr>
-            <a:r>
-              <a:rPr lang="en-US" sz="1200" b="0" i="0" kern="1200" dirty="0">
-                <a:solidFill>
-                  <a:schemeClr val="tx1"/>
-                </a:solidFill>
-                <a:effectLst/>
-                <a:latin typeface="+mn-lt"/>
-                <a:ea typeface="+mn-ea"/>
-                <a:cs typeface="+mn-cs"/>
-              </a:rPr>
-              <a:t>Clean up the mess you just made.</a:t>
-            </a:r>
-          </a:p>
-          <a:p>
-            <a:pPr marL="171450" indent="-171450">
-              <a:buFont typeface="Arial" panose="020B0604020202020204" pitchFamily="34" charset="0"/>
-              <a:buChar char="•"/>
-            </a:pPr>
-            <a:endParaRPr lang="en-US" sz="1200" b="0" i="0" kern="1200" dirty="0">
-              <a:solidFill>
-                <a:schemeClr val="tx1"/>
-              </a:solidFill>
-              <a:effectLst/>
-              <a:latin typeface="+mn-lt"/>
-              <a:ea typeface="+mn-ea"/>
-              <a:cs typeface="+mn-cs"/>
-            </a:endParaRPr>
-          </a:p>
-          <a:p>
-            <a:pPr marL="0" indent="0">
-              <a:buFont typeface="Arial" panose="020B0604020202020204" pitchFamily="34" charset="0"/>
-              <a:buNone/>
-            </a:pPr>
-            <a:r>
-              <a:rPr lang="en-US" sz="1200" b="0" i="0" kern="1200" dirty="0">
-                <a:solidFill>
-                  <a:schemeClr val="tx1"/>
-                </a:solidFill>
-                <a:effectLst/>
-                <a:latin typeface="+mn-lt"/>
-                <a:ea typeface="+mn-ea"/>
-                <a:cs typeface="+mn-cs"/>
-              </a:rPr>
-              <a:t>But this is an “incorrect” representation, due to the fact </a:t>
-            </a:r>
-            <a:r>
-              <a:rPr lang="en-US" sz="1200" b="0" i="0" kern="1200">
-                <a:solidFill>
-                  <a:schemeClr val="tx1"/>
-                </a:solidFill>
-                <a:effectLst/>
-                <a:latin typeface="+mn-lt"/>
-                <a:ea typeface="+mn-ea"/>
-                <a:cs typeface="+mn-cs"/>
-              </a:rPr>
-              <a:t>that it doesn’t </a:t>
-            </a:r>
-            <a:r>
-              <a:rPr lang="en-US" sz="1200" b="0" i="0" kern="1200" dirty="0">
-                <a:solidFill>
-                  <a:schemeClr val="tx1"/>
-                </a:solidFill>
-                <a:effectLst/>
-                <a:latin typeface="+mn-lt"/>
-                <a:ea typeface="+mn-ea"/>
-                <a:cs typeface="+mn-cs"/>
-              </a:rPr>
-              <a:t>have</a:t>
-            </a:r>
-            <a:r>
-              <a:rPr lang="en-US" sz="1200" b="0" i="0" kern="1200" baseline="0" dirty="0">
-                <a:solidFill>
-                  <a:schemeClr val="tx1"/>
-                </a:solidFill>
-                <a:effectLst/>
-                <a:latin typeface="+mn-lt"/>
-                <a:ea typeface="+mn-ea"/>
-                <a:cs typeface="+mn-cs"/>
-              </a:rPr>
-              <a:t> all the steps.</a:t>
-            </a:r>
-          </a:p>
-          <a:p>
-            <a:pPr marL="0" indent="0">
-              <a:buFont typeface="Arial" panose="020B0604020202020204" pitchFamily="34" charset="0"/>
-              <a:buNone/>
-            </a:pPr>
-            <a:r>
-              <a:rPr lang="en-US" sz="1200" b="0" i="0" kern="1200" baseline="0" dirty="0">
-                <a:solidFill>
-                  <a:schemeClr val="tx1"/>
-                </a:solidFill>
-                <a:effectLst/>
-                <a:latin typeface="+mn-lt"/>
-                <a:ea typeface="+mn-ea"/>
-                <a:cs typeface="+mn-cs"/>
-              </a:rPr>
-              <a:t>Next representation is more accurate. So, a</a:t>
-            </a:r>
-            <a:r>
-              <a:rPr lang="en-US" sz="1200" b="0" i="0" kern="1200" dirty="0">
-                <a:solidFill>
-                  <a:schemeClr val="tx1"/>
-                </a:solidFill>
-                <a:effectLst/>
-                <a:latin typeface="+mn-lt"/>
-                <a:ea typeface="+mn-ea"/>
-                <a:cs typeface="+mn-cs"/>
-              </a:rPr>
-              <a:t>t a high level, the process to develop a software using TDD is provided in the</a:t>
-            </a:r>
-            <a:r>
-              <a:rPr lang="en-US" sz="1200" b="0" i="0" kern="1200" baseline="0" dirty="0">
-                <a:solidFill>
-                  <a:schemeClr val="tx1"/>
-                </a:solidFill>
-                <a:effectLst/>
-                <a:latin typeface="+mn-lt"/>
-                <a:ea typeface="+mn-ea"/>
-                <a:cs typeface="+mn-cs"/>
-              </a:rPr>
-              <a:t> next figure</a:t>
-            </a:r>
-            <a:r>
-              <a:rPr lang="en-US" sz="1200" b="0" i="0" kern="1200" dirty="0">
-                <a:solidFill>
-                  <a:schemeClr val="tx1"/>
-                </a:solidFill>
-                <a:effectLst/>
-                <a:latin typeface="+mn-lt"/>
-                <a:ea typeface="+mn-ea"/>
-                <a:cs typeface="+mn-cs"/>
-              </a:rPr>
-              <a:t>.</a:t>
-            </a:r>
-          </a:p>
-          <a:p>
-            <a:endParaRPr lang="en-GB" dirty="0"/>
-          </a:p>
-          <a:p>
-            <a:endParaRPr lang="en-US" dirty="0"/>
           </a:p>
         </p:txBody>
       </p:sp>
@@ -6481,7 +6294,7 @@
     </p:spTree>
     <p:extLst>
       <p:ext uri="{BB962C8B-B14F-4D97-AF65-F5344CB8AC3E}">
-        <p14:creationId xmlns:p14="http://schemas.microsoft.com/office/powerpoint/2010/main" val="736394580"/>
+        <p14:creationId xmlns:p14="http://schemas.microsoft.com/office/powerpoint/2010/main" val="462259872"/>
       </p:ext>
     </p:extLst>
   </p:cSld>
@@ -6536,21 +6349,213 @@
           <a:lstStyle/>
           <a:p>
             <a:r>
-              <a:rPr lang="en-US" sz="1200" dirty="0"/>
+              <a:rPr lang="en-US" sz="1200" b="0" i="0" kern="1200" dirty="0">
+                <a:solidFill>
+                  <a:schemeClr val="tx1"/>
+                </a:solidFill>
+                <a:effectLst/>
+                <a:latin typeface="+mn-lt"/>
+                <a:ea typeface="+mn-ea"/>
+                <a:cs typeface="+mn-cs"/>
+              </a:rPr>
               <a:t>Marian</a:t>
             </a:r>
           </a:p>
           <a:p>
             <a:r>
-              <a:rPr lang="en-US" sz="1200" dirty="0"/>
-              <a:t>Source: </a:t>
-            </a:r>
-            <a:r>
-              <a:rPr lang="en-US" sz="1200" dirty="0">
-                <a:hlinkClick r:id="rId3"/>
+              <a:rPr lang="en-US" sz="1200" b="0" i="0" kern="1200" dirty="0">
+                <a:solidFill>
+                  <a:schemeClr val="tx1"/>
+                </a:solidFill>
+                <a:effectLst/>
+                <a:latin typeface="+mn-lt"/>
+                <a:ea typeface="+mn-ea"/>
+                <a:cs typeface="+mn-cs"/>
               </a:rPr>
-              <a:t>https://www.pluralsight.com/guides/software-delivery-using-test-driven-development-tdd</a:t>
-            </a:r>
+              <a:t>This cycle is typically executed once for every complete unit test, or once every dozen or so cycles of the three laws. The rules of this cycle are simple.</a:t>
+            </a:r>
+          </a:p>
+          <a:p>
+            <a:pPr marL="171450" indent="-171450">
+              <a:buFont typeface="Arial" panose="020B0604020202020204" pitchFamily="34" charset="0"/>
+              <a:buChar char="•"/>
+            </a:pPr>
+            <a:r>
+              <a:rPr lang="en-US" sz="1200" b="0" i="0" kern="1200" dirty="0">
+                <a:solidFill>
+                  <a:schemeClr val="tx1"/>
+                </a:solidFill>
+                <a:effectLst/>
+                <a:latin typeface="+mn-lt"/>
+                <a:ea typeface="+mn-ea"/>
+                <a:cs typeface="+mn-cs"/>
+              </a:rPr>
+              <a:t>Create a unit tests that fails</a:t>
+            </a:r>
+          </a:p>
+          <a:p>
+            <a:pPr marL="171450" indent="-171450">
+              <a:buFont typeface="Arial" panose="020B0604020202020204" pitchFamily="34" charset="0"/>
+              <a:buChar char="•"/>
+            </a:pPr>
+            <a:r>
+              <a:rPr lang="en-US" sz="1200" b="0" i="0" kern="1200" dirty="0">
+                <a:solidFill>
+                  <a:schemeClr val="tx1"/>
+                </a:solidFill>
+                <a:effectLst/>
+                <a:latin typeface="+mn-lt"/>
+                <a:ea typeface="+mn-ea"/>
+                <a:cs typeface="+mn-cs"/>
+              </a:rPr>
+              <a:t>Write production code that makes that test pass.</a:t>
+            </a:r>
+          </a:p>
+          <a:p>
+            <a:pPr marL="171450" indent="-171450">
+              <a:buFont typeface="Arial" panose="020B0604020202020204" pitchFamily="34" charset="0"/>
+              <a:buChar char="•"/>
+            </a:pPr>
+            <a:r>
+              <a:rPr lang="en-US" sz="1200" b="0" i="0" kern="1200" dirty="0">
+                <a:solidFill>
+                  <a:schemeClr val="tx1"/>
+                </a:solidFill>
+                <a:effectLst/>
+                <a:latin typeface="+mn-lt"/>
+                <a:ea typeface="+mn-ea"/>
+                <a:cs typeface="+mn-cs"/>
+              </a:rPr>
+              <a:t>Clean up the mess you just made.</a:t>
+            </a:r>
+          </a:p>
+          <a:p>
+            <a:pPr marL="171450" indent="-171450">
+              <a:buFont typeface="Arial" panose="020B0604020202020204" pitchFamily="34" charset="0"/>
+              <a:buChar char="•"/>
+            </a:pPr>
+            <a:endParaRPr lang="en-US" sz="1200" b="0" i="0" kern="1200" dirty="0">
+              <a:solidFill>
+                <a:schemeClr val="tx1"/>
+              </a:solidFill>
+              <a:effectLst/>
+              <a:latin typeface="+mn-lt"/>
+              <a:ea typeface="+mn-ea"/>
+              <a:cs typeface="+mn-cs"/>
+            </a:endParaRPr>
+          </a:p>
+          <a:p>
+            <a:pPr marL="0" indent="0">
+              <a:buFont typeface="Arial" panose="020B0604020202020204" pitchFamily="34" charset="0"/>
+              <a:buNone/>
+            </a:pPr>
+            <a:r>
+              <a:rPr lang="en-US" sz="1200" b="0" i="0" kern="1200" dirty="0">
+                <a:solidFill>
+                  <a:schemeClr val="tx1"/>
+                </a:solidFill>
+                <a:effectLst/>
+                <a:latin typeface="+mn-lt"/>
+                <a:ea typeface="+mn-ea"/>
+                <a:cs typeface="+mn-cs"/>
+              </a:rPr>
+              <a:t>But this is an “incorrect” representation, due to the fact </a:t>
+            </a:r>
+            <a:r>
+              <a:rPr lang="en-US" sz="1200" b="0" i="0" kern="1200">
+                <a:solidFill>
+                  <a:schemeClr val="tx1"/>
+                </a:solidFill>
+                <a:effectLst/>
+                <a:latin typeface="+mn-lt"/>
+                <a:ea typeface="+mn-ea"/>
+                <a:cs typeface="+mn-cs"/>
+              </a:rPr>
+              <a:t>that it doesn’t </a:t>
+            </a:r>
+            <a:r>
+              <a:rPr lang="en-US" sz="1200" b="0" i="0" kern="1200" dirty="0">
+                <a:solidFill>
+                  <a:schemeClr val="tx1"/>
+                </a:solidFill>
+                <a:effectLst/>
+                <a:latin typeface="+mn-lt"/>
+                <a:ea typeface="+mn-ea"/>
+                <a:cs typeface="+mn-cs"/>
+              </a:rPr>
+              <a:t>have</a:t>
+            </a:r>
+            <a:r>
+              <a:rPr lang="en-US" sz="1200" b="0" i="0" kern="1200" baseline="0" dirty="0">
+                <a:solidFill>
+                  <a:schemeClr val="tx1"/>
+                </a:solidFill>
+                <a:effectLst/>
+                <a:latin typeface="+mn-lt"/>
+                <a:ea typeface="+mn-ea"/>
+                <a:cs typeface="+mn-cs"/>
+              </a:rPr>
+              <a:t> all the steps.</a:t>
+            </a:r>
+          </a:p>
+          <a:p>
+            <a:pPr marL="0" indent="0">
+              <a:buFont typeface="Arial" panose="020B0604020202020204" pitchFamily="34" charset="0"/>
+              <a:buNone/>
+            </a:pPr>
+            <a:r>
+              <a:rPr lang="en-US" sz="1200" b="0" i="0" kern="1200" baseline="0" dirty="0">
+                <a:solidFill>
+                  <a:schemeClr val="tx1"/>
+                </a:solidFill>
+                <a:effectLst/>
+                <a:latin typeface="+mn-lt"/>
+                <a:ea typeface="+mn-ea"/>
+                <a:cs typeface="+mn-cs"/>
+              </a:rPr>
+              <a:t>Next representation is more accurate. So, a</a:t>
+            </a:r>
+            <a:r>
+              <a:rPr lang="en-US" sz="1200" b="0" i="0" kern="1200" dirty="0">
+                <a:solidFill>
+                  <a:schemeClr val="tx1"/>
+                </a:solidFill>
+                <a:effectLst/>
+                <a:latin typeface="+mn-lt"/>
+                <a:ea typeface="+mn-ea"/>
+                <a:cs typeface="+mn-cs"/>
+              </a:rPr>
+              <a:t>t a high level, the process to develop a software using TDD is provided in the</a:t>
+            </a:r>
+            <a:r>
+              <a:rPr lang="en-US" sz="1200" b="0" i="0" kern="1200" baseline="0" dirty="0">
+                <a:solidFill>
+                  <a:schemeClr val="tx1"/>
+                </a:solidFill>
+                <a:effectLst/>
+                <a:latin typeface="+mn-lt"/>
+                <a:ea typeface="+mn-ea"/>
+                <a:cs typeface="+mn-cs"/>
+              </a:rPr>
+              <a:t> next figure</a:t>
+            </a:r>
+            <a:r>
+              <a:rPr lang="en-US" sz="1200" b="0" i="0" kern="1200" dirty="0">
+                <a:solidFill>
+                  <a:schemeClr val="tx1"/>
+                </a:solidFill>
+                <a:effectLst/>
+                <a:latin typeface="+mn-lt"/>
+                <a:ea typeface="+mn-ea"/>
+                <a:cs typeface="+mn-cs"/>
+              </a:rPr>
+              <a:t>.</a:t>
+            </a:r>
+          </a:p>
+          <a:p>
+            <a:endParaRPr lang="en-GB" dirty="0"/>
+          </a:p>
+          <a:p>
             <a:endParaRPr lang="en-US" dirty="0"/>
           </a:p>
         </p:txBody>
@@ -6581,7 +6586,7 @@
     </p:spTree>
     <p:extLst>
       <p:ext uri="{BB962C8B-B14F-4D97-AF65-F5344CB8AC3E}">
-        <p14:creationId xmlns:p14="http://schemas.microsoft.com/office/powerpoint/2010/main" val="1545846605"/>
+        <p14:creationId xmlns:p14="http://schemas.microsoft.com/office/powerpoint/2010/main" val="736394580"/>
       </p:ext>
     </p:extLst>
   </p:cSld>
@@ -6636,9 +6641,22 @@
           <a:lstStyle/>
           <a:p>
             <a:r>
-              <a:rPr lang="en-US" dirty="0"/>
+              <a:rPr lang="en-US" sz="1200" dirty="0"/>
               <a:t>Marian</a:t>
             </a:r>
+          </a:p>
+          <a:p>
+            <a:r>
+              <a:rPr lang="en-US" sz="1200" dirty="0"/>
+              <a:t>Source: </a:t>
+            </a:r>
+            <a:r>
+              <a:rPr lang="en-US" sz="1200" dirty="0">
+                <a:hlinkClick r:id="rId3"/>
+              </a:rPr>
+              <a:t>https://www.pluralsight.com/guides/software-delivery-using-test-driven-development-tdd</a:t>
+            </a:r>
+            <a:endParaRPr lang="en-US" dirty="0"/>
           </a:p>
         </p:txBody>
       </p:sp>
@@ -6668,7 +6686,7 @@
     </p:spTree>
     <p:extLst>
       <p:ext uri="{BB962C8B-B14F-4D97-AF65-F5344CB8AC3E}">
-        <p14:creationId xmlns:p14="http://schemas.microsoft.com/office/powerpoint/2010/main" val="3364522964"/>
+        <p14:creationId xmlns:p14="http://schemas.microsoft.com/office/powerpoint/2010/main" val="1545846605"/>
       </p:ext>
     </p:extLst>
   </p:cSld>
@@ -6726,40 +6744,6 @@
               <a:rPr lang="en-US" dirty="0"/>
               <a:t>Marian</a:t>
             </a:r>
-            <a:endParaRPr lang="ro-RO" dirty="0"/>
-          </a:p>
-          <a:p>
-            <a:r>
-              <a:rPr lang="ro-RO" dirty="0"/>
-              <a:t>Codul obținut este curat. Uneori, ca și developeri, avem tendința de a încălca principiul YAGNI și scriem funcționațități presupunând că vom avea nevoie de ele. De cele mai multe ori nu vom avea nevoie de ele, nu le vom șterge și putem ajunge în situația să adăugăm în mod inutil complexitate suplimentară</a:t>
-            </a:r>
-            <a:r>
-              <a:rPr lang="en-US" dirty="0">
-                <a:sym typeface="Wingdings" panose="05000000000000000000" pitchFamily="2" charset="2"/>
-              </a:rPr>
-              <a:t>. </a:t>
-            </a:r>
-          </a:p>
-          <a:p>
-            <a:r>
-              <a:rPr lang="ro-RO" dirty="0">
-                <a:sym typeface="Wingdings" panose="05000000000000000000" pitchFamily="2" charset="2"/>
-              </a:rPr>
-              <a:t>Metodologia </a:t>
-            </a:r>
-            <a:r>
-              <a:rPr lang="en-US" dirty="0">
-                <a:sym typeface="Wingdings" panose="05000000000000000000" pitchFamily="2" charset="2"/>
-              </a:rPr>
-              <a:t>TDD ne </a:t>
-            </a:r>
-            <a:r>
-              <a:rPr lang="ro-RO" dirty="0">
-                <a:sym typeface="Wingdings" panose="05000000000000000000" pitchFamily="2" charset="2"/>
-              </a:rPr>
-              <a:t>constrânge să scriem doar codul necesar pentru a trece testele, ceea ce ne asigură că funcționarea este conform specificațiilor și numai conform specificațiilor.</a:t>
-            </a:r>
-            <a:endParaRPr lang="en-US" dirty="0"/>
           </a:p>
         </p:txBody>
       </p:sp>
@@ -6789,7 +6773,7 @@
     </p:spTree>
     <p:extLst>
       <p:ext uri="{BB962C8B-B14F-4D97-AF65-F5344CB8AC3E}">
-        <p14:creationId xmlns:p14="http://schemas.microsoft.com/office/powerpoint/2010/main" val="3221476610"/>
+        <p14:creationId xmlns:p14="http://schemas.microsoft.com/office/powerpoint/2010/main" val="3364522964"/>
       </p:ext>
     </p:extLst>
   </p:cSld>
@@ -6852,10 +6836,34 @@
           <a:p>
             <a:r>
               <a:rPr lang="ro-RO" dirty="0"/>
-              <a:t>Adoptând metodologia TDD, ne asigurăm că testele sunt cu adevărat relevante, pentru că ele sunt, practic, specificațiile după care a fost scrisă funcționalitatea. În TDD nu avem funcționalitate fără să avem, în prealabil unit teste pentru acea funcționalitate, astfel, tot codul este acoperit de unit teste.</a:t>
-            </a:r>
-          </a:p>
-          <a:p>
+              <a:t>Codul obținut este curat. Uneori, ca și developeri, avem tendința de a încălca principiul YAGNI și scriem funcționațități presupunând că vom avea nevoie de ele. De cele mai multe ori nu vom avea nevoie de ele, nu le vom șterge și putem ajunge în situația să adăugăm în mod inutil complexitate suplimentară</a:t>
+            </a:r>
+            <a:r>
+              <a:rPr lang="en-US" dirty="0">
+                <a:sym typeface="Wingdings" panose="05000000000000000000" pitchFamily="2" charset="2"/>
+              </a:rPr>
+              <a:t>. </a:t>
+            </a:r>
+          </a:p>
+          <a:p>
+            <a:r>
+              <a:rPr lang="ro-RO" dirty="0">
+                <a:sym typeface="Wingdings" panose="05000000000000000000" pitchFamily="2" charset="2"/>
+              </a:rPr>
+              <a:t>Metodologia </a:t>
+            </a:r>
+            <a:r>
+              <a:rPr lang="en-US" dirty="0">
+                <a:sym typeface="Wingdings" panose="05000000000000000000" pitchFamily="2" charset="2"/>
+              </a:rPr>
+              <a:t>TDD ne </a:t>
+            </a:r>
+            <a:r>
+              <a:rPr lang="ro-RO" dirty="0">
+                <a:sym typeface="Wingdings" panose="05000000000000000000" pitchFamily="2" charset="2"/>
+              </a:rPr>
+              <a:t>constrânge să scriem doar codul necesar pentru a trece testele, ceea ce ne asigură că funcționarea este conform specificațiilor și numai conform specificațiilor.</a:t>
+            </a:r>
             <a:endParaRPr lang="en-US" dirty="0"/>
           </a:p>
         </p:txBody>
@@ -6886,7 +6894,7 @@
     </p:spTree>
     <p:extLst>
       <p:ext uri="{BB962C8B-B14F-4D97-AF65-F5344CB8AC3E}">
-        <p14:creationId xmlns:p14="http://schemas.microsoft.com/office/powerpoint/2010/main" val="3474753459"/>
+        <p14:creationId xmlns:p14="http://schemas.microsoft.com/office/powerpoint/2010/main" val="3221476610"/>
       </p:ext>
     </p:extLst>
   </p:cSld>
@@ -6947,6 +6955,12 @@
             <a:endParaRPr lang="ro-RO" dirty="0"/>
           </a:p>
           <a:p>
+            <a:r>
+              <a:rPr lang="ro-RO" dirty="0"/>
+              <a:t>Adoptând metodologia TDD, ne asigurăm că testele sunt cu adevărat relevante, pentru că ele sunt, practic, specificațiile după care a fost scrisă funcționalitatea. În TDD nu avem funcționalitate fără să avem, în prealabil unit teste pentru acea funcționalitate, astfel, tot codul este acoperit de unit teste.</a:t>
+            </a:r>
+          </a:p>
+          <a:p>
             <a:endParaRPr lang="en-US" dirty="0"/>
           </a:p>
         </p:txBody>
@@ -6977,7 +6991,7 @@
     </p:spTree>
     <p:extLst>
       <p:ext uri="{BB962C8B-B14F-4D97-AF65-F5344CB8AC3E}">
-        <p14:creationId xmlns:p14="http://schemas.microsoft.com/office/powerpoint/2010/main" val="3745149207"/>
+        <p14:creationId xmlns:p14="http://schemas.microsoft.com/office/powerpoint/2010/main" val="3474753459"/>
       </p:ext>
     </p:extLst>
   </p:cSld>
@@ -7032,219 +7046,12 @@
           <a:lstStyle/>
           <a:p>
             <a:r>
-              <a:rPr lang="en-US" sz="1200" b="0" i="0" kern="1200" dirty="0">
-                <a:solidFill>
-                  <a:schemeClr val="tx1"/>
-                </a:solidFill>
-                <a:effectLst/>
-                <a:latin typeface="+mn-lt"/>
-                <a:ea typeface="+mn-ea"/>
-                <a:cs typeface="+mn-cs"/>
-              </a:rPr>
+              <a:rPr lang="en-US" dirty="0"/>
               <a:t>Marian</a:t>
             </a:r>
-          </a:p>
-          <a:p>
-            <a:r>
-              <a:rPr lang="en-US" sz="1200" b="0" i="0" kern="1200" dirty="0">
-                <a:solidFill>
-                  <a:schemeClr val="tx1"/>
-                </a:solidFill>
-                <a:effectLst/>
-                <a:latin typeface="+mn-lt"/>
-                <a:ea typeface="+mn-ea"/>
-                <a:cs typeface="+mn-cs"/>
-              </a:rPr>
-              <a:t>As you can see in the roleplay diagram, no testers are involved in TDD. </a:t>
-            </a:r>
-          </a:p>
-          <a:p>
-            <a:r>
-              <a:rPr lang="en-US" sz="1200" b="0" i="0" kern="1200" dirty="0">
-                <a:solidFill>
-                  <a:schemeClr val="tx1"/>
-                </a:solidFill>
-                <a:effectLst/>
-                <a:latin typeface="+mn-lt"/>
-                <a:ea typeface="+mn-ea"/>
-                <a:cs typeface="+mn-cs"/>
-              </a:rPr>
-              <a:t>The developer writes the test case and also develops the code. </a:t>
-            </a:r>
-          </a:p>
-          <a:p>
-            <a:r>
-              <a:rPr lang="en-US" sz="1200" b="0" i="0" kern="1200" dirty="0">
-                <a:solidFill>
-                  <a:schemeClr val="tx1"/>
-                </a:solidFill>
-                <a:effectLst/>
-                <a:latin typeface="+mn-lt"/>
-                <a:ea typeface="+mn-ea"/>
-                <a:cs typeface="+mn-cs"/>
-              </a:rPr>
-              <a:t>So, there is </a:t>
-            </a:r>
-            <a:r>
-              <a:rPr lang="en-US" sz="1200" b="1" i="0" kern="1200" dirty="0">
-                <a:solidFill>
-                  <a:schemeClr val="tx1"/>
-                </a:solidFill>
-                <a:effectLst/>
-                <a:latin typeface="+mn-lt"/>
-                <a:ea typeface="+mn-ea"/>
-                <a:cs typeface="+mn-cs"/>
-              </a:rPr>
-              <a:t>less validation</a:t>
-            </a:r>
-            <a:r>
-              <a:rPr lang="en-US" sz="1200" b="0" i="0" kern="1200" dirty="0">
-                <a:solidFill>
-                  <a:schemeClr val="tx1"/>
-                </a:solidFill>
-                <a:effectLst/>
-                <a:latin typeface="+mn-lt"/>
-                <a:ea typeface="+mn-ea"/>
-                <a:cs typeface="+mn-cs"/>
-              </a:rPr>
-              <a:t> of the requirements throughout the cycle than there is when testers are a part of the process.</a:t>
-            </a:r>
-          </a:p>
-          <a:p>
-            <a:endParaRPr lang="en-US" sz="1200" b="0" i="0" kern="1200" dirty="0">
-              <a:solidFill>
-                <a:schemeClr val="tx1"/>
-              </a:solidFill>
-              <a:effectLst/>
-              <a:latin typeface="+mn-lt"/>
-              <a:ea typeface="+mn-ea"/>
-              <a:cs typeface="+mn-cs"/>
-            </a:endParaRPr>
-          </a:p>
-          <a:p>
-            <a:r>
-              <a:rPr lang="en-US" sz="1200" b="0" i="0" kern="1200" dirty="0">
-                <a:solidFill>
-                  <a:schemeClr val="tx1"/>
-                </a:solidFill>
-                <a:effectLst/>
-                <a:latin typeface="+mn-lt"/>
-                <a:ea typeface="+mn-ea"/>
-                <a:cs typeface="+mn-cs"/>
-              </a:rPr>
-              <a:t>Solutions:</a:t>
-            </a:r>
-          </a:p>
-          <a:p>
-            <a:r>
-              <a:rPr lang="en-GB" sz="1200" b="0" i="0" kern="1200" dirty="0">
-                <a:solidFill>
-                  <a:schemeClr val="tx1"/>
-                </a:solidFill>
-                <a:effectLst/>
-                <a:latin typeface="+mn-lt"/>
-                <a:ea typeface="+mn-ea"/>
-                <a:cs typeface="+mn-cs"/>
-              </a:rPr>
-              <a:t>Acceptance Test Driven Development (ATDD) - </a:t>
-            </a:r>
-            <a:r>
-              <a:rPr lang="en-US" sz="1200" b="0" i="0" kern="1200" dirty="0">
-                <a:solidFill>
-                  <a:schemeClr val="tx1"/>
-                </a:solidFill>
-                <a:effectLst/>
-                <a:latin typeface="+mn-lt"/>
-                <a:ea typeface="+mn-ea"/>
-                <a:cs typeface="+mn-cs"/>
-              </a:rPr>
-              <a:t>First, instead of writing unit test cases, acceptance test cases are written when user stories are written, and then the code is developed. </a:t>
-            </a:r>
-          </a:p>
-          <a:p>
-            <a:r>
-              <a:rPr lang="en-US" sz="1200" b="0" i="0" kern="1200" dirty="0">
-                <a:solidFill>
-                  <a:schemeClr val="tx1"/>
-                </a:solidFill>
-                <a:effectLst/>
-                <a:latin typeface="+mn-lt"/>
-                <a:ea typeface="+mn-ea"/>
-                <a:cs typeface="+mn-cs"/>
-              </a:rPr>
-              <a:t>Second, the test cases are written by the tester, and the code is developed by the coder – which adds validation that the cod meets the customer's expectations as defined by the business analyst.</a:t>
-            </a:r>
-            <a:endParaRPr lang="en-GB" sz="1200" b="0" i="0" kern="1200" dirty="0">
-              <a:solidFill>
-                <a:schemeClr val="tx1"/>
-              </a:solidFill>
-              <a:effectLst/>
-              <a:latin typeface="+mn-lt"/>
-              <a:ea typeface="+mn-ea"/>
-              <a:cs typeface="+mn-cs"/>
-            </a:endParaRPr>
-          </a:p>
-          <a:p>
-            <a:r>
-              <a:rPr lang="en-GB" sz="1200" b="0" i="0" kern="1200" dirty="0" err="1">
-                <a:solidFill>
-                  <a:schemeClr val="tx1"/>
-                </a:solidFill>
-                <a:effectLst/>
-                <a:latin typeface="+mn-lt"/>
-                <a:ea typeface="+mn-ea"/>
-                <a:cs typeface="+mn-cs"/>
-              </a:rPr>
-              <a:t>Behavioral</a:t>
-            </a:r>
-            <a:r>
-              <a:rPr lang="en-GB" sz="1200" b="0" i="0" kern="1200" dirty="0">
-                <a:solidFill>
-                  <a:schemeClr val="tx1"/>
-                </a:solidFill>
-                <a:effectLst/>
-                <a:latin typeface="+mn-lt"/>
-                <a:ea typeface="+mn-ea"/>
-                <a:cs typeface="+mn-cs"/>
-              </a:rPr>
-              <a:t> Driven Development - </a:t>
-            </a:r>
-            <a:r>
-              <a:rPr lang="en-GB" sz="1200" b="0" i="0" kern="1200" baseline="0" dirty="0">
-                <a:solidFill>
-                  <a:schemeClr val="tx1"/>
-                </a:solidFill>
-                <a:effectLst/>
-                <a:latin typeface="+mn-lt"/>
-                <a:ea typeface="+mn-ea"/>
-                <a:cs typeface="+mn-cs"/>
-              </a:rPr>
-              <a:t>BDD. (explanations based on </a:t>
-            </a:r>
-            <a:r>
-              <a:rPr lang="en-GB" sz="1200" b="0" i="0" kern="1200" baseline="0" dirty="0" err="1">
-                <a:solidFill>
-                  <a:schemeClr val="tx1"/>
-                </a:solidFill>
-                <a:effectLst/>
-                <a:latin typeface="+mn-lt"/>
-                <a:ea typeface="+mn-ea"/>
-                <a:cs typeface="+mn-cs"/>
-              </a:rPr>
-              <a:t>Given_When_Then</a:t>
-            </a:r>
-            <a:r>
-              <a:rPr lang="en-GB" sz="1200" b="0" i="0" kern="1200" baseline="0" dirty="0">
-                <a:solidFill>
-                  <a:schemeClr val="tx1"/>
-                </a:solidFill>
-                <a:effectLst/>
-                <a:latin typeface="+mn-lt"/>
-                <a:ea typeface="+mn-ea"/>
-                <a:cs typeface="+mn-cs"/>
-              </a:rPr>
-              <a:t>)</a:t>
-            </a:r>
+            <a:endParaRPr lang="ro-RO" dirty="0"/>
+          </a:p>
+          <a:p>
             <a:endParaRPr lang="en-US" dirty="0"/>
           </a:p>
         </p:txBody>
@@ -7275,7 +7082,7 @@
     </p:spTree>
     <p:extLst>
       <p:ext uri="{BB962C8B-B14F-4D97-AF65-F5344CB8AC3E}">
-        <p14:creationId xmlns:p14="http://schemas.microsoft.com/office/powerpoint/2010/main" val="1312536303"/>
+        <p14:creationId xmlns:p14="http://schemas.microsoft.com/office/powerpoint/2010/main" val="3745149207"/>
       </p:ext>
     </p:extLst>
   </p:cSld>
@@ -7330,9 +7137,220 @@
           <a:lstStyle/>
           <a:p>
             <a:r>
-              <a:rPr lang="en-US" dirty="0"/>
+              <a:rPr lang="en-US" sz="1200" b="0" i="0" kern="1200" dirty="0">
+                <a:solidFill>
+                  <a:schemeClr val="tx1"/>
+                </a:solidFill>
+                <a:effectLst/>
+                <a:latin typeface="+mn-lt"/>
+                <a:ea typeface="+mn-ea"/>
+                <a:cs typeface="+mn-cs"/>
+              </a:rPr>
               <a:t>Marian</a:t>
             </a:r>
+          </a:p>
+          <a:p>
+            <a:r>
+              <a:rPr lang="en-US" sz="1200" b="0" i="0" kern="1200" dirty="0">
+                <a:solidFill>
+                  <a:schemeClr val="tx1"/>
+                </a:solidFill>
+                <a:effectLst/>
+                <a:latin typeface="+mn-lt"/>
+                <a:ea typeface="+mn-ea"/>
+                <a:cs typeface="+mn-cs"/>
+              </a:rPr>
+              <a:t>As you can see in the roleplay diagram, no testers are involved in TDD. </a:t>
+            </a:r>
+          </a:p>
+          <a:p>
+            <a:r>
+              <a:rPr lang="en-US" sz="1200" b="0" i="0" kern="1200" dirty="0">
+                <a:solidFill>
+                  <a:schemeClr val="tx1"/>
+                </a:solidFill>
+                <a:effectLst/>
+                <a:latin typeface="+mn-lt"/>
+                <a:ea typeface="+mn-ea"/>
+                <a:cs typeface="+mn-cs"/>
+              </a:rPr>
+              <a:t>The developer writes the test case and also develops the code. </a:t>
+            </a:r>
+          </a:p>
+          <a:p>
+            <a:r>
+              <a:rPr lang="en-US" sz="1200" b="0" i="0" kern="1200" dirty="0">
+                <a:solidFill>
+                  <a:schemeClr val="tx1"/>
+                </a:solidFill>
+                <a:effectLst/>
+                <a:latin typeface="+mn-lt"/>
+                <a:ea typeface="+mn-ea"/>
+                <a:cs typeface="+mn-cs"/>
+              </a:rPr>
+              <a:t>So, there is </a:t>
+            </a:r>
+            <a:r>
+              <a:rPr lang="en-US" sz="1200" b="1" i="0" kern="1200" dirty="0">
+                <a:solidFill>
+                  <a:schemeClr val="tx1"/>
+                </a:solidFill>
+                <a:effectLst/>
+                <a:latin typeface="+mn-lt"/>
+                <a:ea typeface="+mn-ea"/>
+                <a:cs typeface="+mn-cs"/>
+              </a:rPr>
+              <a:t>less validation</a:t>
+            </a:r>
+            <a:r>
+              <a:rPr lang="en-US" sz="1200" b="0" i="0" kern="1200" dirty="0">
+                <a:solidFill>
+                  <a:schemeClr val="tx1"/>
+                </a:solidFill>
+                <a:effectLst/>
+                <a:latin typeface="+mn-lt"/>
+                <a:ea typeface="+mn-ea"/>
+                <a:cs typeface="+mn-cs"/>
+              </a:rPr>
+              <a:t> of the requirements throughout the cycle than there is when testers are a part of the process.</a:t>
+            </a:r>
+          </a:p>
+          <a:p>
+            <a:endParaRPr lang="en-US" sz="1200" b="0" i="0" kern="1200" dirty="0">
+              <a:solidFill>
+                <a:schemeClr val="tx1"/>
+              </a:solidFill>
+              <a:effectLst/>
+              <a:latin typeface="+mn-lt"/>
+              <a:ea typeface="+mn-ea"/>
+              <a:cs typeface="+mn-cs"/>
+            </a:endParaRPr>
+          </a:p>
+          <a:p>
+            <a:r>
+              <a:rPr lang="en-US" sz="1200" b="0" i="0" kern="1200" dirty="0">
+                <a:solidFill>
+                  <a:schemeClr val="tx1"/>
+                </a:solidFill>
+                <a:effectLst/>
+                <a:latin typeface="+mn-lt"/>
+                <a:ea typeface="+mn-ea"/>
+                <a:cs typeface="+mn-cs"/>
+              </a:rPr>
+              <a:t>Solutions:</a:t>
+            </a:r>
+          </a:p>
+          <a:p>
+            <a:r>
+              <a:rPr lang="en-GB" sz="1200" b="0" i="0" kern="1200" dirty="0">
+                <a:solidFill>
+                  <a:schemeClr val="tx1"/>
+                </a:solidFill>
+                <a:effectLst/>
+                <a:latin typeface="+mn-lt"/>
+                <a:ea typeface="+mn-ea"/>
+                <a:cs typeface="+mn-cs"/>
+              </a:rPr>
+              <a:t>Acceptance Test Driven Development (ATDD) - </a:t>
+            </a:r>
+            <a:r>
+              <a:rPr lang="en-US" sz="1200" b="0" i="0" kern="1200" dirty="0">
+                <a:solidFill>
+                  <a:schemeClr val="tx1"/>
+                </a:solidFill>
+                <a:effectLst/>
+                <a:latin typeface="+mn-lt"/>
+                <a:ea typeface="+mn-ea"/>
+                <a:cs typeface="+mn-cs"/>
+              </a:rPr>
+              <a:t>First, instead of writing unit test cases, acceptance test cases are written when user stories are written, and then the code is developed. </a:t>
+            </a:r>
+          </a:p>
+          <a:p>
+            <a:r>
+              <a:rPr lang="en-US" sz="1200" b="0" i="0" kern="1200" dirty="0">
+                <a:solidFill>
+                  <a:schemeClr val="tx1"/>
+                </a:solidFill>
+                <a:effectLst/>
+                <a:latin typeface="+mn-lt"/>
+                <a:ea typeface="+mn-ea"/>
+                <a:cs typeface="+mn-cs"/>
+              </a:rPr>
+              <a:t>Second, the test cases are written by the tester, and the code is developed by the coder – which adds validation that the cod meets the customer's expectations as defined by the business analyst.</a:t>
+            </a:r>
+            <a:endParaRPr lang="en-GB" sz="1200" b="0" i="0" kern="1200" dirty="0">
+              <a:solidFill>
+                <a:schemeClr val="tx1"/>
+              </a:solidFill>
+              <a:effectLst/>
+              <a:latin typeface="+mn-lt"/>
+              <a:ea typeface="+mn-ea"/>
+              <a:cs typeface="+mn-cs"/>
+            </a:endParaRPr>
+          </a:p>
+          <a:p>
+            <a:r>
+              <a:rPr lang="en-GB" sz="1200" b="0" i="0" kern="1200" dirty="0" err="1">
+                <a:solidFill>
+                  <a:schemeClr val="tx1"/>
+                </a:solidFill>
+                <a:effectLst/>
+                <a:latin typeface="+mn-lt"/>
+                <a:ea typeface="+mn-ea"/>
+                <a:cs typeface="+mn-cs"/>
+              </a:rPr>
+              <a:t>Behavioral</a:t>
+            </a:r>
+            <a:r>
+              <a:rPr lang="en-GB" sz="1200" b="0" i="0" kern="1200" dirty="0">
+                <a:solidFill>
+                  <a:schemeClr val="tx1"/>
+                </a:solidFill>
+                <a:effectLst/>
+                <a:latin typeface="+mn-lt"/>
+                <a:ea typeface="+mn-ea"/>
+                <a:cs typeface="+mn-cs"/>
+              </a:rPr>
+              <a:t> Driven Development - </a:t>
+            </a:r>
+            <a:r>
+              <a:rPr lang="en-GB" sz="1200" b="0" i="0" kern="1200" baseline="0" dirty="0">
+                <a:solidFill>
+                  <a:schemeClr val="tx1"/>
+                </a:solidFill>
+                <a:effectLst/>
+                <a:latin typeface="+mn-lt"/>
+                <a:ea typeface="+mn-ea"/>
+                <a:cs typeface="+mn-cs"/>
+              </a:rPr>
+              <a:t>BDD. (explanations based on </a:t>
+            </a:r>
+            <a:r>
+              <a:rPr lang="en-GB" sz="1200" b="0" i="0" kern="1200" baseline="0" dirty="0" err="1">
+                <a:solidFill>
+                  <a:schemeClr val="tx1"/>
+                </a:solidFill>
+                <a:effectLst/>
+                <a:latin typeface="+mn-lt"/>
+                <a:ea typeface="+mn-ea"/>
+                <a:cs typeface="+mn-cs"/>
+              </a:rPr>
+              <a:t>Given_When_Then</a:t>
+            </a:r>
+            <a:r>
+              <a:rPr lang="en-GB" sz="1200" b="0" i="0" kern="1200" baseline="0" dirty="0">
+                <a:solidFill>
+                  <a:schemeClr val="tx1"/>
+                </a:solidFill>
+                <a:effectLst/>
+                <a:latin typeface="+mn-lt"/>
+                <a:ea typeface="+mn-ea"/>
+                <a:cs typeface="+mn-cs"/>
+              </a:rPr>
+              <a:t>)</a:t>
+            </a:r>
+            <a:endParaRPr lang="en-US" dirty="0"/>
           </a:p>
         </p:txBody>
       </p:sp>
@@ -7362,7 +7380,7 @@
     </p:spTree>
     <p:extLst>
       <p:ext uri="{BB962C8B-B14F-4D97-AF65-F5344CB8AC3E}">
-        <p14:creationId xmlns:p14="http://schemas.microsoft.com/office/powerpoint/2010/main" val="760219556"/>
+        <p14:creationId xmlns:p14="http://schemas.microsoft.com/office/powerpoint/2010/main" val="1312536303"/>
       </p:ext>
     </p:extLst>
   </p:cSld>
@@ -7449,7 +7467,7 @@
     </p:spTree>
     <p:extLst>
       <p:ext uri="{BB962C8B-B14F-4D97-AF65-F5344CB8AC3E}">
-        <p14:creationId xmlns:p14="http://schemas.microsoft.com/office/powerpoint/2010/main" val="3465191674"/>
+        <p14:creationId xmlns:p14="http://schemas.microsoft.com/office/powerpoint/2010/main" val="760219556"/>
       </p:ext>
     </p:extLst>
   </p:cSld>
@@ -7536,7 +7554,7 @@
     </p:spTree>
     <p:extLst>
       <p:ext uri="{BB962C8B-B14F-4D97-AF65-F5344CB8AC3E}">
-        <p14:creationId xmlns:p14="http://schemas.microsoft.com/office/powerpoint/2010/main" val="4271310238"/>
+        <p14:creationId xmlns:p14="http://schemas.microsoft.com/office/powerpoint/2010/main" val="3465191674"/>
       </p:ext>
     </p:extLst>
   </p:cSld>
@@ -7744,7 +7762,7 @@
     </p:spTree>
     <p:extLst>
       <p:ext uri="{BB962C8B-B14F-4D97-AF65-F5344CB8AC3E}">
-        <p14:creationId xmlns:p14="http://schemas.microsoft.com/office/powerpoint/2010/main" val="4131472814"/>
+        <p14:creationId xmlns:p14="http://schemas.microsoft.com/office/powerpoint/2010/main" val="4271310238"/>
       </p:ext>
     </p:extLst>
   </p:cSld>
@@ -7831,7 +7849,7 @@
     </p:spTree>
     <p:extLst>
       <p:ext uri="{BB962C8B-B14F-4D97-AF65-F5344CB8AC3E}">
-        <p14:creationId xmlns:p14="http://schemas.microsoft.com/office/powerpoint/2010/main" val="249791092"/>
+        <p14:creationId xmlns:p14="http://schemas.microsoft.com/office/powerpoint/2010/main" val="4131472814"/>
       </p:ext>
     </p:extLst>
   </p:cSld>
@@ -7918,7 +7936,7 @@
     </p:spTree>
     <p:extLst>
       <p:ext uri="{BB962C8B-B14F-4D97-AF65-F5344CB8AC3E}">
-        <p14:creationId xmlns:p14="http://schemas.microsoft.com/office/powerpoint/2010/main" val="1371858468"/>
+        <p14:creationId xmlns:p14="http://schemas.microsoft.com/office/powerpoint/2010/main" val="249791092"/>
       </p:ext>
     </p:extLst>
   </p:cSld>
@@ -7974,7 +7992,7 @@
           <a:p>
             <a:r>
               <a:rPr lang="en-US" dirty="0"/>
-              <a:t>Alex</a:t>
+              <a:t>Marian</a:t>
             </a:r>
           </a:p>
         </p:txBody>
@@ -8005,7 +8023,7 @@
     </p:spTree>
     <p:extLst>
       <p:ext uri="{BB962C8B-B14F-4D97-AF65-F5344CB8AC3E}">
-        <p14:creationId xmlns:p14="http://schemas.microsoft.com/office/powerpoint/2010/main" val="2405084243"/>
+        <p14:creationId xmlns:p14="http://schemas.microsoft.com/office/powerpoint/2010/main" val="1371858468"/>
       </p:ext>
     </p:extLst>
   </p:cSld>
@@ -9007,7 +9025,7 @@
             <a:fld id="{27CDC6D7-F721-684B-B8C9-FEFA78B76E0C}" type="datetime4">
               <a:rPr lang="en-US" smtClean="0"/>
               <a:pPr/>
-              <a:t>July 12, 2021</a:t>
+              <a:t>July 19, 2021</a:t>
             </a:fld>
             <a:endParaRPr lang="nl-NL" dirty="0"/>
           </a:p>
@@ -9127,7 +9145,7 @@
           <a:p>
             <a:fld id="{E5B520A2-5FFC-CE4A-9835-F3EC403B91D3}" type="datetime4">
               <a:rPr lang="en-US" smtClean="0"/>
-              <a:t>July 12, 2021</a:t>
+              <a:t>July 19, 2021</a:t>
             </a:fld>
             <a:endParaRPr lang="nl-NL" dirty="0"/>
           </a:p>
@@ -9354,7 +9372,7 @@
           <a:p>
             <a:fld id="{3515E667-967D-3A4A-BF6F-AB77B79EAF13}" type="datetime4">
               <a:rPr lang="en-US" smtClean="0"/>
-              <a:t>July 12, 2021</a:t>
+              <a:t>July 19, 2021</a:t>
             </a:fld>
             <a:endParaRPr lang="nl-NL" dirty="0"/>
           </a:p>
@@ -9612,7 +9630,7 @@
           <a:p>
             <a:fld id="{7A14B680-E159-ED46-B89B-60C427FC4DF1}" type="datetime4">
               <a:rPr lang="en-US" smtClean="0"/>
-              <a:t>July 12, 2021</a:t>
+              <a:t>July 19, 2021</a:t>
             </a:fld>
             <a:endParaRPr lang="nl-NL" dirty="0"/>
           </a:p>
@@ -9704,7 +9722,7 @@
           <a:p>
             <a:fld id="{CBBA6E4B-0F15-D24C-93AA-2172DA0233B5}" type="datetime4">
               <a:rPr lang="en-US" smtClean="0"/>
-              <a:t>July 12, 2021</a:t>
+              <a:t>July 19, 2021</a:t>
             </a:fld>
             <a:endParaRPr lang="nl-NL"/>
           </a:p>
@@ -9917,7 +9935,7 @@
           <a:p>
             <a:fld id="{A13CBC1B-8654-8443-A298-9A13A56CCAA4}" type="datetime4">
               <a:rPr lang="en-US" smtClean="0"/>
-              <a:t>July 12, 2021</a:t>
+              <a:t>July 19, 2021</a:t>
             </a:fld>
             <a:endParaRPr lang="nl-NL" dirty="0"/>
           </a:p>
@@ -10101,7 +10119,7 @@
           <a:p>
             <a:fld id="{45F9603C-696B-2946-8D70-906C0B20EE9E}" type="datetime4">
               <a:rPr lang="en-US" smtClean="0"/>
-              <a:t>July 12, 2021</a:t>
+              <a:t>July 19, 2021</a:t>
             </a:fld>
             <a:endParaRPr lang="nl-NL" dirty="0"/>
           </a:p>
@@ -10319,7 +10337,7 @@
           <a:p>
             <a:fld id="{EC97E6F2-DD9D-FA4C-8DBC-4030AEFC154F}" type="datetime4">
               <a:rPr lang="en-US" smtClean="0"/>
-              <a:t>July 12, 2021</a:t>
+              <a:t>July 19, 2021</a:t>
             </a:fld>
             <a:endParaRPr lang="nl-NL" dirty="0"/>
           </a:p>
@@ -10534,7 +10552,7 @@
           <a:p>
             <a:fld id="{4FD9A745-1F9F-4B44-AE4F-BF0F5DB3FF85}" type="datetime4">
               <a:rPr lang="en-US" smtClean="0"/>
-              <a:t>July 12, 2021</a:t>
+              <a:t>July 19, 2021</a:t>
             </a:fld>
             <a:endParaRPr lang="nl-NL" dirty="0"/>
           </a:p>
@@ -10752,7 +10770,7 @@
           <a:p>
             <a:fld id="{66A21BB8-4B2F-814D-B9CD-150D7913B5D4}" type="datetime4">
               <a:rPr lang="en-US" smtClean="0"/>
-              <a:t>July 12, 2021</a:t>
+              <a:t>July 19, 2021</a:t>
             </a:fld>
             <a:endParaRPr lang="nl-NL" dirty="0"/>
           </a:p>
@@ -10948,7 +10966,7 @@
           <a:p>
             <a:fld id="{24389793-BFBC-7240-9BA9-811177108773}" type="datetime4">
               <a:rPr lang="en-US" smtClean="0"/>
-              <a:t>July 12, 2021</a:t>
+              <a:t>July 19, 2021</a:t>
             </a:fld>
             <a:endParaRPr lang="nl-NL" dirty="0"/>
           </a:p>
@@ -11155,7 +11173,7 @@
           <a:p>
             <a:fld id="{58A1C3CD-8B3B-0740-B261-196A2BE82F57}" type="datetime4">
               <a:rPr lang="en-US" smtClean="0"/>
-              <a:t>July 12, 2021</a:t>
+              <a:t>July 19, 2021</a:t>
             </a:fld>
             <a:r>
               <a:rPr lang="en-US"/>
@@ -11755,7 +11773,7 @@
           <a:p>
             <a:fld id="{49A50D47-F513-4B36-8D43-6B95067A003B}" type="datetime3">
               <a:rPr lang="en-US" smtClean="0"/>
-              <a:t>12 July 2021</a:t>
+              <a:t>19 July 2021</a:t>
             </a:fld>
             <a:endParaRPr lang="nl-NL" dirty="0"/>
           </a:p>
@@ -11850,11 +11868,11 @@
   <p:clrMapOvr>
     <a:masterClrMapping/>
   </p:clrMapOvr>
-  <mc:AlternateContent xmlns:mc="http://schemas.openxmlformats.org/markup-compatibility/2006">
-    <mc:Choice xmlns:p14="http://schemas.microsoft.com/office/powerpoint/2010/main" Requires="p14">
+  <mc:AlternateContent xmlns:mc="http://schemas.openxmlformats.org/markup-compatibility/2006" xmlns:p14="http://schemas.microsoft.com/office/powerpoint/2010/main">
+    <mc:Choice Requires="p14">
       <p:transition p14:dur="0"/>
     </mc:Choice>
-    <mc:Fallback>
+    <mc:Fallback xmlns="">
       <p:transition/>
     </mc:Fallback>
   </mc:AlternateContent>
@@ -11918,7 +11936,7 @@
           <a:p>
             <a:fld id="{7A14B680-E159-ED46-B89B-60C427FC4DF1}" type="datetime4">
               <a:rPr lang="en-US" smtClean="0"/>
-              <a:t>July 12, 2021</a:t>
+              <a:t>July 19, 2021</a:t>
             </a:fld>
             <a:endParaRPr lang="nl-NL" dirty="0"/>
           </a:p>
@@ -12025,11 +12043,11 @@
   <p:clrMapOvr>
     <a:masterClrMapping/>
   </p:clrMapOvr>
-  <mc:AlternateContent xmlns:mc="http://schemas.openxmlformats.org/markup-compatibility/2006">
-    <mc:Choice xmlns:p14="http://schemas.microsoft.com/office/powerpoint/2010/main" Requires="p14">
+  <mc:AlternateContent xmlns:mc="http://schemas.openxmlformats.org/markup-compatibility/2006" xmlns:p14="http://schemas.microsoft.com/office/powerpoint/2010/main">
+    <mc:Choice Requires="p14">
       <p:transition p14:dur="0"/>
     </mc:Choice>
-    <mc:Fallback>
+    <mc:Fallback xmlns="">
       <p:transition/>
     </mc:Fallback>
   </mc:AlternateContent>
@@ -12093,7 +12111,7 @@
           <a:p>
             <a:fld id="{7A14B680-E159-ED46-B89B-60C427FC4DF1}" type="datetime4">
               <a:rPr lang="en-US" smtClean="0"/>
-              <a:t>July 12, 2021</a:t>
+              <a:t>July 19, 2021</a:t>
             </a:fld>
             <a:endParaRPr lang="nl-NL" dirty="0"/>
           </a:p>
@@ -12211,11 +12229,11 @@
   <p:clrMapOvr>
     <a:masterClrMapping/>
   </p:clrMapOvr>
-  <mc:AlternateContent xmlns:mc="http://schemas.openxmlformats.org/markup-compatibility/2006">
-    <mc:Choice xmlns:p14="http://schemas.microsoft.com/office/powerpoint/2010/main" Requires="p14">
+  <mc:AlternateContent xmlns:mc="http://schemas.openxmlformats.org/markup-compatibility/2006" xmlns:p14="http://schemas.microsoft.com/office/powerpoint/2010/main">
+    <mc:Choice Requires="p14">
       <p:transition p14:dur="0"/>
     </mc:Choice>
-    <mc:Fallback>
+    <mc:Fallback xmlns="">
       <p:transition/>
     </mc:Fallback>
   </mc:AlternateContent>
@@ -12279,7 +12297,7 @@
           <a:p>
             <a:fld id="{7A14B680-E159-ED46-B89B-60C427FC4DF1}" type="datetime4">
               <a:rPr lang="en-US" smtClean="0"/>
-              <a:t>July 12, 2021</a:t>
+              <a:t>July 19, 2021</a:t>
             </a:fld>
             <a:endParaRPr lang="nl-NL" dirty="0"/>
           </a:p>
@@ -12358,11 +12376,11 @@
   <p:clrMapOvr>
     <a:masterClrMapping/>
   </p:clrMapOvr>
-  <mc:AlternateContent xmlns:mc="http://schemas.openxmlformats.org/markup-compatibility/2006">
-    <mc:Choice xmlns:p14="http://schemas.microsoft.com/office/powerpoint/2010/main" Requires="p14">
+  <mc:AlternateContent xmlns:mc="http://schemas.openxmlformats.org/markup-compatibility/2006" xmlns:p14="http://schemas.microsoft.com/office/powerpoint/2010/main">
+    <mc:Choice Requires="p14">
       <p:transition p14:dur="0"/>
     </mc:Choice>
-    <mc:Fallback>
+    <mc:Fallback xmlns="">
       <p:transition/>
     </mc:Fallback>
   </mc:AlternateContent>
@@ -12426,7 +12444,7 @@
           <a:p>
             <a:fld id="{7A14B680-E159-ED46-B89B-60C427FC4DF1}" type="datetime4">
               <a:rPr lang="en-US" smtClean="0"/>
-              <a:t>July 12, 2021</a:t>
+              <a:t>July 19, 2021</a:t>
             </a:fld>
             <a:endParaRPr lang="nl-NL" dirty="0"/>
           </a:p>
@@ -12535,11 +12553,11 @@
   <p:clrMapOvr>
     <a:masterClrMapping/>
   </p:clrMapOvr>
-  <mc:AlternateContent xmlns:mc="http://schemas.openxmlformats.org/markup-compatibility/2006">
-    <mc:Choice xmlns:p14="http://schemas.microsoft.com/office/powerpoint/2010/main" Requires="p14">
+  <mc:AlternateContent xmlns:mc="http://schemas.openxmlformats.org/markup-compatibility/2006" xmlns:p14="http://schemas.microsoft.com/office/powerpoint/2010/main">
+    <mc:Choice Requires="p14">
       <p:transition p14:dur="0"/>
     </mc:Choice>
-    <mc:Fallback>
+    <mc:Fallback xmlns="">
       <p:transition/>
     </mc:Fallback>
   </mc:AlternateContent>
@@ -12603,7 +12621,7 @@
           <a:p>
             <a:fld id="{7A14B680-E159-ED46-B89B-60C427FC4DF1}" type="datetime4">
               <a:rPr lang="en-US" smtClean="0"/>
-              <a:t>July 12, 2021</a:t>
+              <a:t>July 19, 2021</a:t>
             </a:fld>
             <a:endParaRPr lang="nl-NL" dirty="0"/>
           </a:p>
@@ -12726,11 +12744,11 @@
   <p:clrMapOvr>
     <a:masterClrMapping/>
   </p:clrMapOvr>
-  <mc:AlternateContent xmlns:mc="http://schemas.openxmlformats.org/markup-compatibility/2006">
-    <mc:Choice xmlns:p14="http://schemas.microsoft.com/office/powerpoint/2010/main" Requires="p14">
+  <mc:AlternateContent xmlns:mc="http://schemas.openxmlformats.org/markup-compatibility/2006" xmlns:p14="http://schemas.microsoft.com/office/powerpoint/2010/main">
+    <mc:Choice Requires="p14">
       <p:transition p14:dur="0"/>
     </mc:Choice>
-    <mc:Fallback>
+    <mc:Fallback xmlns="">
       <p:transition/>
     </mc:Fallback>
   </mc:AlternateContent>
@@ -12794,7 +12812,7 @@
           <a:p>
             <a:fld id="{7A14B680-E159-ED46-B89B-60C427FC4DF1}" type="datetime4">
               <a:rPr lang="en-US" smtClean="0"/>
-              <a:t>July 12, 2021</a:t>
+              <a:t>July 19, 2021</a:t>
             </a:fld>
             <a:endParaRPr lang="nl-NL" dirty="0"/>
           </a:p>
@@ -12915,11 +12933,11 @@
   <p:clrMapOvr>
     <a:masterClrMapping/>
   </p:clrMapOvr>
-  <mc:AlternateContent xmlns:mc="http://schemas.openxmlformats.org/markup-compatibility/2006">
-    <mc:Choice xmlns:p14="http://schemas.microsoft.com/office/powerpoint/2010/main" Requires="p14">
+  <mc:AlternateContent xmlns:mc="http://schemas.openxmlformats.org/markup-compatibility/2006" xmlns:p14="http://schemas.microsoft.com/office/powerpoint/2010/main">
+    <mc:Choice Requires="p14">
       <p:transition p14:dur="0"/>
     </mc:Choice>
-    <mc:Fallback>
+    <mc:Fallback xmlns="">
       <p:transition/>
     </mc:Fallback>
   </mc:AlternateContent>
@@ -12945,7 +12963,13 @@
       </p:grpSpPr>
       <p:sp>
         <p:nvSpPr>
-          <p:cNvPr id="2" name="Title 1"/>
+          <p:cNvPr id="2" name="Title 1">
+            <a:extLst>
+              <a:ext uri="{FF2B5EF4-FFF2-40B4-BE49-F238E27FC236}">
+                <a16:creationId xmlns:a16="http://schemas.microsoft.com/office/drawing/2014/main" id="{D38565DD-FB73-4073-9B81-B7C48B4B0E92}"/>
+              </a:ext>
+            </a:extLst>
+          </p:cNvPr>
           <p:cNvSpPr>
             <a:spLocks noGrp="1"/>
           </p:cNvSpPr>
@@ -12961,54 +12985,8 @@
             <a:pPr algn="ctr"/>
             <a:r>
               <a:rPr lang="en-US" dirty="0"/>
-              <a:t>Unit testing patterns</a:t>
-            </a:r>
-          </a:p>
-        </p:txBody>
-      </p:sp>
-      <p:sp>
-        <p:nvSpPr>
-          <p:cNvPr id="4" name="Date Placeholder 3"/>
-          <p:cNvSpPr>
-            <a:spLocks noGrp="1"/>
-          </p:cNvSpPr>
-          <p:nvPr>
-            <p:ph type="dt" sz="half" idx="10"/>
-          </p:nvPr>
-        </p:nvSpPr>
-        <p:spPr/>
-        <p:txBody>
-          <a:bodyPr/>
-          <a:lstStyle/>
-          <a:p>
-            <a:fld id="{7A14B680-E159-ED46-B89B-60C427FC4DF1}" type="datetime4">
-              <a:rPr lang="en-US" smtClean="0"/>
-              <a:t>July 12, 2021</a:t>
-            </a:fld>
-            <a:endParaRPr lang="nl-NL" dirty="0"/>
-          </a:p>
-        </p:txBody>
-      </p:sp>
-      <p:sp>
-        <p:nvSpPr>
-          <p:cNvPr id="5" name="Footer Placeholder 4"/>
-          <p:cNvSpPr>
-            <a:spLocks noGrp="1"/>
-          </p:cNvSpPr>
-          <p:nvPr>
-            <p:ph type="ftr" sz="quarter" idx="11"/>
-          </p:nvPr>
-        </p:nvSpPr>
-        <p:spPr/>
-        <p:txBody>
-          <a:bodyPr/>
-          <a:lstStyle/>
-          <a:p>
-            <a:r>
-              <a:rPr lang="nl-NL"/>
-              <a:t>TITLE PRESENTATION</a:t>
-            </a:r>
-            <a:endParaRPr lang="nl-NL" dirty="0"/>
+              <a:t>Code Coverage</a:t>
+            </a:r>
           </a:p>
         </p:txBody>
       </p:sp>
@@ -13017,7 +12995,7 @@
           <p:cNvPr id="3" name="Content Placeholder 2">
             <a:extLst>
               <a:ext uri="{FF2B5EF4-FFF2-40B4-BE49-F238E27FC236}">
-                <a16:creationId xmlns:a16="http://schemas.microsoft.com/office/drawing/2014/main" id="{68B8F7D1-2732-48DC-9538-128B88E45B9C}"/>
+                <a16:creationId xmlns:a16="http://schemas.microsoft.com/office/drawing/2014/main" id="{F849F9E9-D0BB-4BEF-B4BC-3ABADFA24F83}"/>
               </a:ext>
             </a:extLst>
           </p:cNvPr>
@@ -13033,40 +13011,126 @@
           <a:bodyPr/>
           <a:lstStyle/>
           <a:p>
-            <a:pPr lvl="2"/>
+            <a:r>
+              <a:rPr lang="en-US" dirty="0"/>
+              <a:t>What to test</a:t>
+            </a:r>
+          </a:p>
+          <a:p>
+            <a:pPr marL="0" indent="0">
+              <a:buNone/>
+            </a:pPr>
             <a:endParaRPr lang="en-US" dirty="0"/>
           </a:p>
-          <a:p>
-            <a:pPr lvl="2"/>
-            <a:endParaRPr lang="en-US" dirty="0"/>
-          </a:p>
-          <a:p>
-            <a:pPr lvl="2"/>
-            <a:endParaRPr lang="en-US" dirty="0"/>
-          </a:p>
-          <a:p>
-            <a:endParaRPr lang="en-GB" dirty="0"/>
-          </a:p>
-          <a:p>
-            <a:endParaRPr lang="en-US" dirty="0"/>
-          </a:p>
-        </p:txBody>
-      </p:sp>
+        </p:txBody>
+      </p:sp>
+      <p:sp>
+        <p:nvSpPr>
+          <p:cNvPr id="4" name="Date Placeholder 3">
+            <a:extLst>
+              <a:ext uri="{FF2B5EF4-FFF2-40B4-BE49-F238E27FC236}">
+                <a16:creationId xmlns:a16="http://schemas.microsoft.com/office/drawing/2014/main" id="{6B8503D0-EC31-4A68-8AE3-50E1C15223DF}"/>
+              </a:ext>
+            </a:extLst>
+          </p:cNvPr>
+          <p:cNvSpPr>
+            <a:spLocks noGrp="1"/>
+          </p:cNvSpPr>
+          <p:nvPr>
+            <p:ph type="dt" sz="half" idx="10"/>
+          </p:nvPr>
+        </p:nvSpPr>
+        <p:spPr/>
+        <p:txBody>
+          <a:bodyPr/>
+          <a:lstStyle/>
+          <a:p>
+            <a:fld id="{7A14B680-E159-ED46-B89B-60C427FC4DF1}" type="datetime4">
+              <a:rPr lang="en-US" smtClean="0"/>
+              <a:t>July 19, 2021</a:t>
+            </a:fld>
+            <a:endParaRPr lang="nl-NL" dirty="0"/>
+          </a:p>
+        </p:txBody>
+      </p:sp>
+      <p:sp>
+        <p:nvSpPr>
+          <p:cNvPr id="5" name="Footer Placeholder 4">
+            <a:extLst>
+              <a:ext uri="{FF2B5EF4-FFF2-40B4-BE49-F238E27FC236}">
+                <a16:creationId xmlns:a16="http://schemas.microsoft.com/office/drawing/2014/main" id="{A6D120D3-2594-4BE3-9E8D-C4C50931DB45}"/>
+              </a:ext>
+            </a:extLst>
+          </p:cNvPr>
+          <p:cNvSpPr>
+            <a:spLocks noGrp="1"/>
+          </p:cNvSpPr>
+          <p:nvPr>
+            <p:ph type="ftr" sz="quarter" idx="11"/>
+          </p:nvPr>
+        </p:nvSpPr>
+        <p:spPr/>
+        <p:txBody>
+          <a:bodyPr/>
+          <a:lstStyle/>
+          <a:p>
+            <a:r>
+              <a:rPr lang="nl-NL"/>
+              <a:t>TITLE PRESENTATION</a:t>
+            </a:r>
+            <a:endParaRPr lang="nl-NL" dirty="0"/>
+          </a:p>
+        </p:txBody>
+      </p:sp>
+      <p:pic>
+        <p:nvPicPr>
+          <p:cNvPr id="6" name="Google Shape;115;p22">
+            <a:extLst>
+              <a:ext uri="{FF2B5EF4-FFF2-40B4-BE49-F238E27FC236}">
+                <a16:creationId xmlns:a16="http://schemas.microsoft.com/office/drawing/2014/main" id="{275743D9-CAF5-4A14-93D0-1FA53607391A}"/>
+              </a:ext>
+            </a:extLst>
+          </p:cNvPr>
+          <p:cNvPicPr preferRelativeResize="0"/>
+          <p:nvPr/>
+        </p:nvPicPr>
+        <p:blipFill>
+          <a:blip r:embed="rId3">
+            <a:alphaModFix/>
+          </a:blip>
+          <a:stretch>
+            <a:fillRect/>
+          </a:stretch>
+        </p:blipFill>
+        <p:spPr>
+          <a:xfrm>
+            <a:off x="1956982" y="1783345"/>
+            <a:ext cx="5425200" cy="3783125"/>
+          </a:xfrm>
+          <a:prstGeom prst="rect">
+            <a:avLst/>
+          </a:prstGeom>
+          <a:noFill/>
+          <a:ln>
+            <a:noFill/>
+          </a:ln>
+        </p:spPr>
+      </p:pic>
     </p:spTree>
     <p:extLst>
       <p:ext uri="{BB962C8B-B14F-4D97-AF65-F5344CB8AC3E}">
-        <p14:creationId xmlns:p14="http://schemas.microsoft.com/office/powerpoint/2010/main" val="3457657220"/>
+        <p14:creationId xmlns:p14="http://schemas.microsoft.com/office/powerpoint/2010/main" val="2702220657"/>
       </p:ext>
     </p:extLst>
   </p:cSld>
   <p:clrMapOvr>
     <a:masterClrMapping/>
   </p:clrMapOvr>
-  <mc:AlternateContent xmlns:mc="http://schemas.openxmlformats.org/markup-compatibility/2006">
-    <mc:Choice xmlns:p14="http://schemas.microsoft.com/office/powerpoint/2010/main" Requires="p14">
+  <mc:AlternateContent xmlns:mc="http://schemas.openxmlformats.org/markup-compatibility/2006" xmlns:p14="http://schemas.microsoft.com/office/powerpoint/2010/main">
+    <mc:Choice Requires="p14">
       <p:transition p14:dur="0"/>
     </mc:Choice>
-    <mc:Fallback>
+    <mc:Fallback xmlns="">
       <p:transition/>
     </mc:Fallback>
   </mc:AlternateContent>
@@ -13092,10 +13156,79 @@
       </p:grpSpPr>
       <p:sp>
         <p:nvSpPr>
-          <p:cNvPr id="2" name="Title 1">
+          <p:cNvPr id="2" name="Title 1"/>
+          <p:cNvSpPr>
+            <a:spLocks noGrp="1"/>
+          </p:cNvSpPr>
+          <p:nvPr>
+            <p:ph type="title"/>
+          </p:nvPr>
+        </p:nvSpPr>
+        <p:spPr/>
+        <p:txBody>
+          <a:bodyPr/>
+          <a:lstStyle/>
+          <a:p>
+            <a:pPr algn="ctr"/>
+            <a:r>
+              <a:rPr lang="en-US" dirty="0"/>
+              <a:t>Unit testing patterns</a:t>
+            </a:r>
+          </a:p>
+        </p:txBody>
+      </p:sp>
+      <p:sp>
+        <p:nvSpPr>
+          <p:cNvPr id="4" name="Date Placeholder 3"/>
+          <p:cNvSpPr>
+            <a:spLocks noGrp="1"/>
+          </p:cNvSpPr>
+          <p:nvPr>
+            <p:ph type="dt" sz="half" idx="10"/>
+          </p:nvPr>
+        </p:nvSpPr>
+        <p:spPr/>
+        <p:txBody>
+          <a:bodyPr/>
+          <a:lstStyle/>
+          <a:p>
+            <a:fld id="{7A14B680-E159-ED46-B89B-60C427FC4DF1}" type="datetime4">
+              <a:rPr lang="en-US" smtClean="0"/>
+              <a:t>July 19, 2021</a:t>
+            </a:fld>
+            <a:endParaRPr lang="nl-NL" dirty="0"/>
+          </a:p>
+        </p:txBody>
+      </p:sp>
+      <p:sp>
+        <p:nvSpPr>
+          <p:cNvPr id="5" name="Footer Placeholder 4"/>
+          <p:cNvSpPr>
+            <a:spLocks noGrp="1"/>
+          </p:cNvSpPr>
+          <p:nvPr>
+            <p:ph type="ftr" sz="quarter" idx="11"/>
+          </p:nvPr>
+        </p:nvSpPr>
+        <p:spPr/>
+        <p:txBody>
+          <a:bodyPr/>
+          <a:lstStyle/>
+          <a:p>
+            <a:r>
+              <a:rPr lang="nl-NL"/>
+              <a:t>TITLE PRESENTATION</a:t>
+            </a:r>
+            <a:endParaRPr lang="nl-NL" dirty="0"/>
+          </a:p>
+        </p:txBody>
+      </p:sp>
+      <p:sp>
+        <p:nvSpPr>
+          <p:cNvPr id="3" name="Content Placeholder 2">
             <a:extLst>
               <a:ext uri="{FF2B5EF4-FFF2-40B4-BE49-F238E27FC236}">
-                <a16:creationId xmlns:a16="http://schemas.microsoft.com/office/drawing/2014/main" id="{4EBFA3C0-90B3-4967-B60D-AE69517CF497}"/>
+                <a16:creationId xmlns:a16="http://schemas.microsoft.com/office/drawing/2014/main" id="{68B8F7D1-2732-48DC-9538-128B88E45B9C}"/>
               </a:ext>
             </a:extLst>
           </p:cNvPr>
@@ -13103,35 +13236,6 @@
             <a:spLocks noGrp="1"/>
           </p:cNvSpPr>
           <p:nvPr>
-            <p:ph type="title"/>
-          </p:nvPr>
-        </p:nvSpPr>
-        <p:spPr/>
-        <p:txBody>
-          <a:bodyPr/>
-          <a:lstStyle/>
-          <a:p>
-            <a:pPr algn="ctr"/>
-            <a:r>
-              <a:rPr lang="en-US" dirty="0"/>
-              <a:t>Unit testing patterns</a:t>
-            </a:r>
-          </a:p>
-        </p:txBody>
-      </p:sp>
-      <p:sp>
-        <p:nvSpPr>
-          <p:cNvPr id="3" name="Content Placeholder 2">
-            <a:extLst>
-              <a:ext uri="{FF2B5EF4-FFF2-40B4-BE49-F238E27FC236}">
-                <a16:creationId xmlns:a16="http://schemas.microsoft.com/office/drawing/2014/main" id="{805A010F-AF2E-4511-B791-3BCA6740C809}"/>
-              </a:ext>
-            </a:extLst>
-          </p:cNvPr>
-          <p:cNvSpPr>
-            <a:spLocks noGrp="1"/>
-          </p:cNvSpPr>
-          <p:nvPr>
             <p:ph idx="1"/>
           </p:nvPr>
         </p:nvSpPr>
@@ -13140,133 +13244,40 @@
           <a:bodyPr/>
           <a:lstStyle/>
           <a:p>
-            <a:pPr>
-              <a:lnSpc>
-                <a:spcPct val="150000"/>
-              </a:lnSpc>
-            </a:pPr>
-            <a:r>
-              <a:rPr lang="en-US" dirty="0"/>
-              <a:t>AAA</a:t>
-            </a:r>
-          </a:p>
-          <a:p>
-            <a:pPr lvl="1">
-              <a:lnSpc>
-                <a:spcPct val="150000"/>
-              </a:lnSpc>
-            </a:pPr>
-            <a:r>
-              <a:rPr lang="en-US" dirty="0"/>
-              <a:t>Arrange</a:t>
-            </a:r>
-          </a:p>
-          <a:p>
-            <a:pPr lvl="1">
-              <a:lnSpc>
-                <a:spcPct val="150000"/>
-              </a:lnSpc>
-            </a:pPr>
-            <a:r>
-              <a:rPr lang="en-US" dirty="0"/>
-              <a:t>Act</a:t>
-            </a:r>
-          </a:p>
-          <a:p>
-            <a:pPr lvl="1">
-              <a:lnSpc>
-                <a:spcPct val="150000"/>
-              </a:lnSpc>
-            </a:pPr>
-            <a:r>
-              <a:rPr lang="en-US" dirty="0"/>
-              <a:t>Assert</a:t>
-            </a:r>
-          </a:p>
-          <a:p>
-            <a:pPr marL="265113" lvl="1" indent="0">
-              <a:lnSpc>
-                <a:spcPct val="150000"/>
-              </a:lnSpc>
-              <a:buNone/>
-            </a:pPr>
+            <a:pPr lvl="2"/>
             <a:endParaRPr lang="en-US" dirty="0"/>
           </a:p>
-        </p:txBody>
-      </p:sp>
-      <p:sp>
-        <p:nvSpPr>
-          <p:cNvPr id="4" name="Date Placeholder 3">
-            <a:extLst>
-              <a:ext uri="{FF2B5EF4-FFF2-40B4-BE49-F238E27FC236}">
-                <a16:creationId xmlns:a16="http://schemas.microsoft.com/office/drawing/2014/main" id="{9EFA9AB4-DB5A-458F-9071-5CD02DD6A5A1}"/>
-              </a:ext>
-            </a:extLst>
-          </p:cNvPr>
-          <p:cNvSpPr>
-            <a:spLocks noGrp="1"/>
-          </p:cNvSpPr>
-          <p:nvPr>
-            <p:ph type="dt" sz="half" idx="10"/>
-          </p:nvPr>
-        </p:nvSpPr>
-        <p:spPr/>
-        <p:txBody>
-          <a:bodyPr/>
-          <a:lstStyle/>
-          <a:p>
-            <a:fld id="{7A14B680-E159-ED46-B89B-60C427FC4DF1}" type="datetime4">
-              <a:rPr lang="en-US" smtClean="0"/>
-              <a:t>July 12, 2021</a:t>
-            </a:fld>
-            <a:endParaRPr lang="nl-NL" dirty="0"/>
-          </a:p>
-        </p:txBody>
-      </p:sp>
-      <p:sp>
-        <p:nvSpPr>
-          <p:cNvPr id="5" name="Footer Placeholder 4">
-            <a:extLst>
-              <a:ext uri="{FF2B5EF4-FFF2-40B4-BE49-F238E27FC236}">
-                <a16:creationId xmlns:a16="http://schemas.microsoft.com/office/drawing/2014/main" id="{5A895F48-6AE0-4C5F-90DD-E01E13E7C0B9}"/>
-              </a:ext>
-            </a:extLst>
-          </p:cNvPr>
-          <p:cNvSpPr>
-            <a:spLocks noGrp="1"/>
-          </p:cNvSpPr>
-          <p:nvPr>
-            <p:ph type="ftr" sz="quarter" idx="11"/>
-          </p:nvPr>
-        </p:nvSpPr>
-        <p:spPr/>
-        <p:txBody>
-          <a:bodyPr/>
-          <a:lstStyle/>
-          <a:p>
-            <a:r>
-              <a:rPr lang="nl-NL"/>
-              <a:t>TITLE PRESENTATION</a:t>
-            </a:r>
-            <a:endParaRPr lang="nl-NL" dirty="0"/>
+          <a:p>
+            <a:pPr lvl="2"/>
+            <a:endParaRPr lang="en-US" dirty="0"/>
+          </a:p>
+          <a:p>
+            <a:pPr lvl="2"/>
+            <a:endParaRPr lang="en-US" dirty="0"/>
+          </a:p>
+          <a:p>
+            <a:endParaRPr lang="en-GB" dirty="0"/>
+          </a:p>
+          <a:p>
+            <a:endParaRPr lang="en-US" dirty="0"/>
           </a:p>
         </p:txBody>
       </p:sp>
     </p:spTree>
     <p:extLst>
       <p:ext uri="{BB962C8B-B14F-4D97-AF65-F5344CB8AC3E}">
-        <p14:creationId xmlns:p14="http://schemas.microsoft.com/office/powerpoint/2010/main" val="2023710502"/>
+        <p14:creationId xmlns:p14="http://schemas.microsoft.com/office/powerpoint/2010/main" val="3457657220"/>
       </p:ext>
     </p:extLst>
   </p:cSld>
   <p:clrMapOvr>
     <a:masterClrMapping/>
   </p:clrMapOvr>
-  <mc:AlternateContent xmlns:mc="http://schemas.openxmlformats.org/markup-compatibility/2006">
-    <mc:Choice xmlns:p14="http://schemas.microsoft.com/office/powerpoint/2010/main" Requires="p14">
+  <mc:AlternateContent xmlns:mc="http://schemas.openxmlformats.org/markup-compatibility/2006" xmlns:p14="http://schemas.microsoft.com/office/powerpoint/2010/main">
+    <mc:Choice Requires="p14">
       <p:transition p14:dur="0"/>
     </mc:Choice>
-    <mc:Fallback>
+    <mc:Fallback xmlns="">
       <p:transition/>
     </mc:Fallback>
   </mc:AlternateContent>
@@ -13342,65 +13353,51 @@
           <a:p>
             <a:pPr>
               <a:lnSpc>
-                <a:spcPct val="200000"/>
+                <a:spcPct val="150000"/>
               </a:lnSpc>
             </a:pPr>
             <a:r>
               <a:rPr lang="en-US" dirty="0"/>
-              <a:t>Naming conventions</a:t>
+              <a:t>AAA</a:t>
             </a:r>
           </a:p>
           <a:p>
             <a:pPr lvl="1">
               <a:lnSpc>
-                <a:spcPct val="200000"/>
+                <a:spcPct val="150000"/>
               </a:lnSpc>
             </a:pPr>
             <a:r>
-              <a:rPr lang="en-US" b="1" dirty="0" err="1"/>
-              <a:t>Should_ExpectedBehavior_When_StateUnderTest</a:t>
-            </a:r>
-            <a:endParaRPr lang="en-US" dirty="0"/>
-          </a:p>
-          <a:p>
-            <a:pPr lvl="2">
+              <a:rPr lang="en-US" dirty="0"/>
+              <a:t>Arrange</a:t>
+            </a:r>
+          </a:p>
+          <a:p>
+            <a:pPr lvl="1">
               <a:lnSpc>
-                <a:spcPct val="200000"/>
+                <a:spcPct val="150000"/>
               </a:lnSpc>
             </a:pPr>
             <a:r>
               <a:rPr lang="en-US" dirty="0"/>
-              <a:t>Should_ThrowException_When_AgeLessThan18</a:t>
-            </a:r>
-          </a:p>
-          <a:p>
-            <a:pPr lvl="2">
+              <a:t>Act</a:t>
+            </a:r>
+          </a:p>
+          <a:p>
+            <a:pPr lvl="1">
               <a:lnSpc>
-                <a:spcPct val="200000"/>
+                <a:spcPct val="150000"/>
               </a:lnSpc>
             </a:pPr>
             <a:r>
-              <a:rPr lang="en-US" dirty="0" err="1"/>
-              <a:t>Should_FailToWithdrawMoney_ForInvalidAccount</a:t>
-            </a:r>
-            <a:endParaRPr lang="en-US" dirty="0"/>
-          </a:p>
-          <a:p>
-            <a:pPr lvl="2">
-              <a:lnSpc>
-                <a:spcPct val="200000"/>
-              </a:lnSpc>
-            </a:pPr>
-            <a:r>
-              <a:rPr lang="en-US" dirty="0" err="1"/>
-              <a:t>Should_FailToAdmit_IfMandatoryFieldsAreMissing</a:t>
-            </a:r>
-            <a:endParaRPr lang="en-US" dirty="0"/>
+              <a:rPr lang="en-US" dirty="0"/>
+              <a:t>Assert</a:t>
+            </a:r>
           </a:p>
           <a:p>
             <a:pPr marL="265113" lvl="1" indent="0">
               <a:lnSpc>
-                <a:spcPct val="200000"/>
+                <a:spcPct val="150000"/>
               </a:lnSpc>
               <a:buNone/>
             </a:pPr>
@@ -13431,7 +13428,7 @@
           <a:p>
             <a:fld id="{7A14B680-E159-ED46-B89B-60C427FC4DF1}" type="datetime4">
               <a:rPr lang="en-US" smtClean="0"/>
-              <a:t>July 12, 2021</a:t>
+              <a:t>July 19, 2021</a:t>
             </a:fld>
             <a:endParaRPr lang="nl-NL" dirty="0"/>
           </a:p>
@@ -13469,18 +13466,18 @@
     </p:spTree>
     <p:extLst>
       <p:ext uri="{BB962C8B-B14F-4D97-AF65-F5344CB8AC3E}">
-        <p14:creationId xmlns:p14="http://schemas.microsoft.com/office/powerpoint/2010/main" val="1588747596"/>
+        <p14:creationId xmlns:p14="http://schemas.microsoft.com/office/powerpoint/2010/main" val="2023710502"/>
       </p:ext>
     </p:extLst>
   </p:cSld>
   <p:clrMapOvr>
     <a:masterClrMapping/>
   </p:clrMapOvr>
-  <mc:AlternateContent xmlns:mc="http://schemas.openxmlformats.org/markup-compatibility/2006">
-    <mc:Choice xmlns:p14="http://schemas.microsoft.com/office/powerpoint/2010/main" Requires="p14">
+  <mc:AlternateContent xmlns:mc="http://schemas.openxmlformats.org/markup-compatibility/2006" xmlns:p14="http://schemas.microsoft.com/office/powerpoint/2010/main">
+    <mc:Choice Requires="p14">
       <p:transition p14:dur="0"/>
     </mc:Choice>
-    <mc:Fallback>
+    <mc:Fallback xmlns="">
       <p:transition/>
     </mc:Fallback>
   </mc:AlternateContent>
@@ -13572,9 +13569,9 @@
             </a:pPr>
             <a:r>
               <a:rPr lang="en-US" b="1" dirty="0" err="1"/>
-              <a:t>When_StateUnderTest_Expect_ExpectedBehavior</a:t>
-            </a:r>
-            <a:endParaRPr lang="en-US" b="1" dirty="0"/>
+              <a:t>Should_ExpectedBehavior_When_StateUnderTest</a:t>
+            </a:r>
+            <a:endParaRPr lang="en-US" dirty="0"/>
           </a:p>
           <a:p>
             <a:pPr lvl="2">
@@ -13584,7 +13581,7 @@
             </a:pPr>
             <a:r>
               <a:rPr lang="en-US" dirty="0"/>
-              <a:t>When_AgeLessThan18_Expect_isAdultAsFalse</a:t>
+              <a:t>Should_ThrowException_When_AgeLessThan18</a:t>
             </a:r>
           </a:p>
           <a:p>
@@ -13595,7 +13592,7 @@
             </a:pPr>
             <a:r>
               <a:rPr lang="en-US" dirty="0" err="1"/>
-              <a:t>When_InvalidAccount_Expect_WithdrawMoneyToFail</a:t>
+              <a:t>Should_FailToWithdrawMoney_ForInvalidAccount</a:t>
             </a:r>
             <a:endParaRPr lang="en-US" dirty="0"/>
           </a:p>
@@ -13607,7 +13604,7 @@
             </a:pPr>
             <a:r>
               <a:rPr lang="en-US" dirty="0" err="1"/>
-              <a:t>When_MandatoryFieldsAreMissing_Expect_StudentAdmissionToFail</a:t>
+              <a:t>Should_FailToAdmit_IfMandatoryFieldsAreMissing</a:t>
             </a:r>
             <a:endParaRPr lang="en-US" dirty="0"/>
           </a:p>
@@ -13645,7 +13642,7 @@
           <a:p>
             <a:fld id="{7A14B680-E159-ED46-B89B-60C427FC4DF1}" type="datetime4">
               <a:rPr lang="en-US" smtClean="0"/>
-              <a:t>July 12, 2021</a:t>
+              <a:t>July 19, 2021</a:t>
             </a:fld>
             <a:endParaRPr lang="nl-NL" dirty="0"/>
           </a:p>
@@ -13683,18 +13680,18 @@
     </p:spTree>
     <p:extLst>
       <p:ext uri="{BB962C8B-B14F-4D97-AF65-F5344CB8AC3E}">
-        <p14:creationId xmlns:p14="http://schemas.microsoft.com/office/powerpoint/2010/main" val="3843911392"/>
+        <p14:creationId xmlns:p14="http://schemas.microsoft.com/office/powerpoint/2010/main" val="1588747596"/>
       </p:ext>
     </p:extLst>
   </p:cSld>
   <p:clrMapOvr>
     <a:masterClrMapping/>
   </p:clrMapOvr>
-  <mc:AlternateContent xmlns:mc="http://schemas.openxmlformats.org/markup-compatibility/2006">
-    <mc:Choice xmlns:p14="http://schemas.microsoft.com/office/powerpoint/2010/main" Requires="p14">
+  <mc:AlternateContent xmlns:mc="http://schemas.openxmlformats.org/markup-compatibility/2006" xmlns:p14="http://schemas.microsoft.com/office/powerpoint/2010/main">
+    <mc:Choice Requires="p14">
       <p:transition p14:dur="0"/>
     </mc:Choice>
-    <mc:Fallback>
+    <mc:Fallback xmlns="">
       <p:transition/>
     </mc:Fallback>
   </mc:AlternateContent>
@@ -13759,7 +13756,7 @@
         </p:spPr>
         <p:txBody>
           <a:bodyPr>
-            <a:normAutofit fontScale="92500"/>
+            <a:normAutofit lnSpcReduction="10000"/>
           </a:bodyPr>
           <a:lstStyle/>
           <a:p>
@@ -13802,10 +13799,10 @@
               </a:lnSpc>
             </a:pPr>
             <a:r>
-              <a:rPr lang="en-US" dirty="0"/>
-              <a:t>Unit testing patterns</a:t>
-            </a:r>
-            <a:endParaRPr lang="ro-RO" dirty="0"/>
+              <a:rPr lang="ro-RO"/>
+              <a:t>Code Coverage</a:t>
+            </a:r>
+            <a:endParaRPr lang="en-US" dirty="0"/>
           </a:p>
           <a:p>
             <a:pPr>
@@ -13814,10 +13811,10 @@
               </a:lnSpc>
             </a:pPr>
             <a:r>
-              <a:rPr lang="ro-RO" dirty="0"/>
-              <a:t>Testing Frameworks</a:t>
-            </a:r>
-            <a:endParaRPr lang="en-US" dirty="0"/>
+              <a:rPr lang="en-US" dirty="0"/>
+              <a:t>Unit testing patterns</a:t>
+            </a:r>
+            <a:endParaRPr lang="ro-RO" dirty="0"/>
           </a:p>
           <a:p>
             <a:pPr>
@@ -13826,10 +13823,10 @@
               </a:lnSpc>
             </a:pPr>
             <a:r>
-              <a:rPr lang="en-US" dirty="0"/>
-              <a:t>Stubbing &amp; Mocking</a:t>
-            </a:r>
-            <a:endParaRPr lang="ro-RO" dirty="0"/>
+              <a:rPr lang="ro-RO" dirty="0"/>
+              <a:t>Testing Frameworks</a:t>
+            </a:r>
+            <a:endParaRPr lang="en-US" dirty="0"/>
           </a:p>
           <a:p>
             <a:pPr>
@@ -13839,8 +13836,9 @@
             </a:pPr>
             <a:r>
               <a:rPr lang="en-US" dirty="0"/>
-              <a:t>Tips For Writing Great Unit Tests</a:t>
-            </a:r>
+              <a:t>Stubbing &amp; Mocking</a:t>
+            </a:r>
+            <a:endParaRPr lang="ro-RO" dirty="0"/>
           </a:p>
           <a:p>
             <a:pPr>
@@ -13850,7 +13848,7 @@
             </a:pPr>
             <a:r>
               <a:rPr lang="en-US" dirty="0"/>
-              <a:t>Unit Tests vs Integration Tests</a:t>
+              <a:t>Tips For Writing Great Unit Tests</a:t>
             </a:r>
           </a:p>
           <a:p>
@@ -13861,9 +13859,8 @@
             </a:pPr>
             <a:r>
               <a:rPr lang="en-US" dirty="0"/>
-              <a:t>TDD</a:t>
-            </a:r>
-            <a:endParaRPr lang="ro-RO" dirty="0"/>
+              <a:t>Unit Tests vs Integration Tests</a:t>
+            </a:r>
           </a:p>
           <a:p>
             <a:pPr>
@@ -13872,18 +13869,10 @@
               </a:lnSpc>
             </a:pPr>
             <a:r>
-              <a:rPr lang="ro-RO" dirty="0"/>
-              <a:t>Code Coverage</a:t>
-            </a:r>
-            <a:endParaRPr lang="en-US" dirty="0"/>
-          </a:p>
-          <a:p>
-            <a:pPr>
-              <a:lnSpc>
-                <a:spcPct val="150000"/>
-              </a:lnSpc>
-            </a:pPr>
-            <a:endParaRPr lang="en-US" dirty="0"/>
+              <a:rPr lang="en-US" dirty="0"/>
+              <a:t>TDD</a:t>
+            </a:r>
+            <a:endParaRPr lang="ro-RO" dirty="0"/>
           </a:p>
         </p:txBody>
       </p:sp>
@@ -13904,7 +13893,7 @@
           <a:p>
             <a:fld id="{7A14B680-E159-ED46-B89B-60C427FC4DF1}" type="datetime4">
               <a:rPr lang="en-US" smtClean="0"/>
-              <a:t>July 12, 2021</a:t>
+              <a:t>July 19, 2021</a:t>
             </a:fld>
             <a:endParaRPr lang="nl-NL" dirty="0"/>
           </a:p>
@@ -13943,11 +13932,11 @@
   <p:clrMapOvr>
     <a:masterClrMapping/>
   </p:clrMapOvr>
-  <mc:AlternateContent xmlns:mc="http://schemas.openxmlformats.org/markup-compatibility/2006">
-    <mc:Choice xmlns:p14="http://schemas.microsoft.com/office/powerpoint/2010/main" Requires="p14">
+  <mc:AlternateContent xmlns:mc="http://schemas.openxmlformats.org/markup-compatibility/2006" xmlns:p14="http://schemas.microsoft.com/office/powerpoint/2010/main">
+    <mc:Choice Requires="p14">
       <p:transition p14:dur="0"/>
     </mc:Choice>
-    <mc:Fallback>
+    <mc:Fallback xmlns="">
       <p:transition/>
     </mc:Fallback>
   </mc:AlternateContent>
@@ -14039,7 +14028,7 @@
             </a:pPr>
             <a:r>
               <a:rPr lang="en-US" b="1" dirty="0" err="1"/>
-              <a:t>Given_Preconditions_When_StateUnderTest_Then_ExpectedBehavior</a:t>
+              <a:t>When_StateUnderTest_Expect_ExpectedBehavior</a:t>
             </a:r>
             <a:endParaRPr lang="en-US" b="1" dirty="0"/>
           </a:p>
@@ -14051,8 +14040,32 @@
             </a:pPr>
             <a:r>
               <a:rPr lang="en-US" dirty="0"/>
-              <a:t>Given_UserIsAuthenticated_When_InvalidAccountNumberIsUsedToWithdrawMoney_Then_TransactionsWillFail</a:t>
-            </a:r>
+              <a:t>When_AgeLessThan18_Expect_isAdultAsFalse</a:t>
+            </a:r>
+          </a:p>
+          <a:p>
+            <a:pPr lvl="2">
+              <a:lnSpc>
+                <a:spcPct val="200000"/>
+              </a:lnSpc>
+            </a:pPr>
+            <a:r>
+              <a:rPr lang="en-US" dirty="0" err="1"/>
+              <a:t>When_InvalidAccount_Expect_WithdrawMoneyToFail</a:t>
+            </a:r>
+            <a:endParaRPr lang="en-US" dirty="0"/>
+          </a:p>
+          <a:p>
+            <a:pPr lvl="2">
+              <a:lnSpc>
+                <a:spcPct val="200000"/>
+              </a:lnSpc>
+            </a:pPr>
+            <a:r>
+              <a:rPr lang="en-US" dirty="0" err="1"/>
+              <a:t>When_MandatoryFieldsAreMissing_Expect_StudentAdmissionToFail</a:t>
+            </a:r>
+            <a:endParaRPr lang="en-US" dirty="0"/>
           </a:p>
           <a:p>
             <a:pPr marL="265113" lvl="1" indent="0">
@@ -14061,10 +14074,7 @@
               </a:lnSpc>
               <a:buNone/>
             </a:pPr>
-            <a:r>
-              <a:rPr lang="en-US" dirty="0"/>
-              <a:t>	</a:t>
-            </a:r>
+            <a:endParaRPr lang="en-US" dirty="0"/>
           </a:p>
         </p:txBody>
       </p:sp>
@@ -14091,7 +14101,7 @@
           <a:p>
             <a:fld id="{7A14B680-E159-ED46-B89B-60C427FC4DF1}" type="datetime4">
               <a:rPr lang="en-US" smtClean="0"/>
-              <a:t>July 12, 2021</a:t>
+              <a:t>July 19, 2021</a:t>
             </a:fld>
             <a:endParaRPr lang="nl-NL" dirty="0"/>
           </a:p>
@@ -14129,18 +14139,18 @@
     </p:spTree>
     <p:extLst>
       <p:ext uri="{BB962C8B-B14F-4D97-AF65-F5344CB8AC3E}">
-        <p14:creationId xmlns:p14="http://schemas.microsoft.com/office/powerpoint/2010/main" val="3778319098"/>
+        <p14:creationId xmlns:p14="http://schemas.microsoft.com/office/powerpoint/2010/main" val="3843911392"/>
       </p:ext>
     </p:extLst>
   </p:cSld>
   <p:clrMapOvr>
     <a:masterClrMapping/>
   </p:clrMapOvr>
-  <mc:AlternateContent xmlns:mc="http://schemas.openxmlformats.org/markup-compatibility/2006">
-    <mc:Choice xmlns:p14="http://schemas.microsoft.com/office/powerpoint/2010/main" Requires="p14">
+  <mc:AlternateContent xmlns:mc="http://schemas.openxmlformats.org/markup-compatibility/2006" xmlns:p14="http://schemas.microsoft.com/office/powerpoint/2010/main">
+    <mc:Choice Requires="p14">
       <p:transition p14:dur="0"/>
     </mc:Choice>
-    <mc:Fallback>
+    <mc:Fallback xmlns="">
       <p:transition/>
     </mc:Fallback>
   </mc:AlternateContent>
@@ -14169,7 +14179,7 @@
           <p:cNvPr id="2" name="Title 1">
             <a:extLst>
               <a:ext uri="{FF2B5EF4-FFF2-40B4-BE49-F238E27FC236}">
-                <a16:creationId xmlns:a16="http://schemas.microsoft.com/office/drawing/2014/main" id="{489497F7-2C68-4624-AED0-7EDAA90477FA}"/>
+                <a16:creationId xmlns:a16="http://schemas.microsoft.com/office/drawing/2014/main" id="{4EBFA3C0-90B3-4967-B60D-AE69517CF497}"/>
               </a:ext>
             </a:extLst>
           </p:cNvPr>
@@ -14188,12 +14198,8 @@
             <a:pPr algn="ctr"/>
             <a:r>
               <a:rPr lang="en-US" dirty="0"/>
-              <a:t>Testing Frameworks</a:t>
-            </a:r>
-            <a:br>
-              <a:rPr lang="en-US" dirty="0"/>
-            </a:br>
-            <a:endParaRPr lang="en-US" dirty="0"/>
+              <a:t>Unit testing patterns</a:t>
+            </a:r>
           </a:p>
         </p:txBody>
       </p:sp>
@@ -14202,7 +14208,7 @@
           <p:cNvPr id="3" name="Content Placeholder 2">
             <a:extLst>
               <a:ext uri="{FF2B5EF4-FFF2-40B4-BE49-F238E27FC236}">
-                <a16:creationId xmlns:a16="http://schemas.microsoft.com/office/drawing/2014/main" id="{7DA6FC46-6409-4F45-81CE-0E16880D08AB}"/>
+                <a16:creationId xmlns:a16="http://schemas.microsoft.com/office/drawing/2014/main" id="{805A010F-AF2E-4511-B791-3BCA6740C809}"/>
               </a:ext>
             </a:extLst>
           </p:cNvPr>
@@ -14224,37 +14230,44 @@
               </a:lnSpc>
             </a:pPr>
             <a:r>
-              <a:rPr lang="en-US" dirty="0" err="1"/>
-              <a:t>MSTest</a:t>
-            </a:r>
-            <a:endParaRPr lang="en-US" dirty="0"/>
-          </a:p>
-          <a:p>
-            <a:pPr>
+              <a:rPr lang="en-US" dirty="0"/>
+              <a:t>Naming conventions</a:t>
+            </a:r>
+          </a:p>
+          <a:p>
+            <a:pPr lvl="1">
               <a:lnSpc>
                 <a:spcPct val="200000"/>
               </a:lnSpc>
             </a:pPr>
             <a:r>
-              <a:rPr lang="en-US" dirty="0" err="1"/>
-              <a:t>NUnit</a:t>
-            </a:r>
-            <a:endParaRPr lang="en-US" dirty="0"/>
-          </a:p>
-          <a:p>
-            <a:pPr>
+              <a:rPr lang="en-US" b="1" dirty="0" err="1"/>
+              <a:t>Given_Preconditions_When_StateUnderTest_Then_ExpectedBehavior</a:t>
+            </a:r>
+            <a:endParaRPr lang="en-US" b="1" dirty="0"/>
+          </a:p>
+          <a:p>
+            <a:pPr lvl="2">
               <a:lnSpc>
                 <a:spcPct val="200000"/>
               </a:lnSpc>
             </a:pPr>
             <a:r>
-              <a:rPr lang="en-US" dirty="0" err="1"/>
-              <a:t>xUnit</a:t>
-            </a:r>
-            <a:endParaRPr lang="en-US" dirty="0"/>
-          </a:p>
-          <a:p>
-            <a:endParaRPr lang="en-US" dirty="0"/>
+              <a:rPr lang="en-US" dirty="0"/>
+              <a:t>Given_UserIsAuthenticated_When_InvalidAccountNumberIsUsedToWithdrawMoney_Then_TransactionsWillFail</a:t>
+            </a:r>
+          </a:p>
+          <a:p>
+            <a:pPr marL="265113" lvl="1" indent="0">
+              <a:lnSpc>
+                <a:spcPct val="200000"/>
+              </a:lnSpc>
+              <a:buNone/>
+            </a:pPr>
+            <a:r>
+              <a:rPr lang="en-US" dirty="0"/>
+              <a:t>	</a:t>
+            </a:r>
           </a:p>
         </p:txBody>
       </p:sp>
@@ -14263,7 +14276,7 @@
           <p:cNvPr id="4" name="Date Placeholder 3">
             <a:extLst>
               <a:ext uri="{FF2B5EF4-FFF2-40B4-BE49-F238E27FC236}">
-                <a16:creationId xmlns:a16="http://schemas.microsoft.com/office/drawing/2014/main" id="{E42D21CA-2BC8-4094-800D-8BCC058AE8C8}"/>
+                <a16:creationId xmlns:a16="http://schemas.microsoft.com/office/drawing/2014/main" id="{9EFA9AB4-DB5A-458F-9071-5CD02DD6A5A1}"/>
               </a:ext>
             </a:extLst>
           </p:cNvPr>
@@ -14281,7 +14294,7 @@
           <a:p>
             <a:fld id="{7A14B680-E159-ED46-B89B-60C427FC4DF1}" type="datetime4">
               <a:rPr lang="en-US" smtClean="0"/>
-              <a:t>July 12, 2021</a:t>
+              <a:t>July 19, 2021</a:t>
             </a:fld>
             <a:endParaRPr lang="nl-NL" dirty="0"/>
           </a:p>
@@ -14292,7 +14305,7 @@
           <p:cNvPr id="5" name="Footer Placeholder 4">
             <a:extLst>
               <a:ext uri="{FF2B5EF4-FFF2-40B4-BE49-F238E27FC236}">
-                <a16:creationId xmlns:a16="http://schemas.microsoft.com/office/drawing/2014/main" id="{7B0747CB-643E-41F2-90E7-63BE49AA5950}"/>
+                <a16:creationId xmlns:a16="http://schemas.microsoft.com/office/drawing/2014/main" id="{5A895F48-6AE0-4C5F-90DD-E01E13E7C0B9}"/>
               </a:ext>
             </a:extLst>
           </p:cNvPr>
@@ -14319,18 +14332,18 @@
     </p:spTree>
     <p:extLst>
       <p:ext uri="{BB962C8B-B14F-4D97-AF65-F5344CB8AC3E}">
-        <p14:creationId xmlns:p14="http://schemas.microsoft.com/office/powerpoint/2010/main" val="4265993482"/>
+        <p14:creationId xmlns:p14="http://schemas.microsoft.com/office/powerpoint/2010/main" val="3778319098"/>
       </p:ext>
     </p:extLst>
   </p:cSld>
   <p:clrMapOvr>
     <a:masterClrMapping/>
   </p:clrMapOvr>
-  <mc:AlternateContent xmlns:mc="http://schemas.openxmlformats.org/markup-compatibility/2006">
-    <mc:Choice xmlns:p14="http://schemas.microsoft.com/office/powerpoint/2010/main" Requires="p14">
+  <mc:AlternateContent xmlns:mc="http://schemas.openxmlformats.org/markup-compatibility/2006" xmlns:p14="http://schemas.microsoft.com/office/powerpoint/2010/main">
+    <mc:Choice Requires="p14">
       <p:transition p14:dur="0"/>
     </mc:Choice>
-    <mc:Fallback>
+    <mc:Fallback xmlns="">
       <p:transition/>
     </mc:Fallback>
   </mc:AlternateContent>
@@ -14378,11 +14391,7 @@
             <a:pPr algn="ctr"/>
             <a:r>
               <a:rPr lang="en-US" dirty="0"/>
-              <a:t>DEMO - </a:t>
-            </a:r>
-            <a:r>
-              <a:rPr lang="en-US" dirty="0" err="1"/>
-              <a:t>FizzBuzz</a:t>
+              <a:t>Testing Frameworks</a:t>
             </a:r>
             <a:br>
               <a:rPr lang="en-US" dirty="0"/>
@@ -14412,6 +14421,42 @@
           <a:bodyPr/>
           <a:lstStyle/>
           <a:p>
+            <a:pPr>
+              <a:lnSpc>
+                <a:spcPct val="200000"/>
+              </a:lnSpc>
+            </a:pPr>
+            <a:r>
+              <a:rPr lang="en-US" dirty="0" err="1"/>
+              <a:t>MSTest</a:t>
+            </a:r>
+            <a:endParaRPr lang="en-US" dirty="0"/>
+          </a:p>
+          <a:p>
+            <a:pPr>
+              <a:lnSpc>
+                <a:spcPct val="200000"/>
+              </a:lnSpc>
+            </a:pPr>
+            <a:r>
+              <a:rPr lang="en-US" dirty="0" err="1"/>
+              <a:t>NUnit</a:t>
+            </a:r>
+            <a:endParaRPr lang="en-US" dirty="0"/>
+          </a:p>
+          <a:p>
+            <a:pPr>
+              <a:lnSpc>
+                <a:spcPct val="200000"/>
+              </a:lnSpc>
+            </a:pPr>
+            <a:r>
+              <a:rPr lang="en-US" dirty="0" err="1"/>
+              <a:t>xUnit</a:t>
+            </a:r>
+            <a:endParaRPr lang="en-US" dirty="0"/>
+          </a:p>
+          <a:p>
             <a:endParaRPr lang="en-US" dirty="0"/>
           </a:p>
         </p:txBody>
@@ -14439,7 +14484,7 @@
           <a:p>
             <a:fld id="{7A14B680-E159-ED46-B89B-60C427FC4DF1}" type="datetime4">
               <a:rPr lang="en-US" smtClean="0"/>
-              <a:t>July 12, 2021</a:t>
+              <a:t>July 19, 2021</a:t>
             </a:fld>
             <a:endParaRPr lang="nl-NL" dirty="0"/>
           </a:p>
@@ -14477,18 +14522,18 @@
     </p:spTree>
     <p:extLst>
       <p:ext uri="{BB962C8B-B14F-4D97-AF65-F5344CB8AC3E}">
-        <p14:creationId xmlns:p14="http://schemas.microsoft.com/office/powerpoint/2010/main" val="1991560596"/>
+        <p14:creationId xmlns:p14="http://schemas.microsoft.com/office/powerpoint/2010/main" val="4265993482"/>
       </p:ext>
     </p:extLst>
   </p:cSld>
   <p:clrMapOvr>
     <a:masterClrMapping/>
   </p:clrMapOvr>
-  <mc:AlternateContent xmlns:mc="http://schemas.openxmlformats.org/markup-compatibility/2006">
-    <mc:Choice xmlns:p14="http://schemas.microsoft.com/office/powerpoint/2010/main" Requires="p14">
+  <mc:AlternateContent xmlns:mc="http://schemas.openxmlformats.org/markup-compatibility/2006" xmlns:p14="http://schemas.microsoft.com/office/powerpoint/2010/main">
+    <mc:Choice Requires="p14">
       <p:transition p14:dur="0"/>
     </mc:Choice>
-    <mc:Fallback>
+    <mc:Fallback xmlns="">
       <p:transition/>
     </mc:Fallback>
   </mc:AlternateContent>
@@ -14517,7 +14562,7 @@
           <p:cNvPr id="2" name="Title 1">
             <a:extLst>
               <a:ext uri="{FF2B5EF4-FFF2-40B4-BE49-F238E27FC236}">
-                <a16:creationId xmlns:a16="http://schemas.microsoft.com/office/drawing/2014/main" id="{D61FE9D0-C299-4444-9AE7-7EA0BE2DFF21}"/>
+                <a16:creationId xmlns:a16="http://schemas.microsoft.com/office/drawing/2014/main" id="{489497F7-2C68-4624-AED0-7EDAA90477FA}"/>
               </a:ext>
             </a:extLst>
           </p:cNvPr>
@@ -14536,7 +14581,11 @@
             <a:pPr algn="ctr"/>
             <a:r>
               <a:rPr lang="en-US" dirty="0"/>
-              <a:t>Stubbing &amp; Mocking</a:t>
+              <a:t>DEMO - </a:t>
+            </a:r>
+            <a:r>
+              <a:rPr lang="en-US" dirty="0" err="1"/>
+              <a:t>FizzBuzz</a:t>
             </a:r>
             <a:br>
               <a:rPr lang="en-US" dirty="0"/>
@@ -14550,7 +14599,7 @@
           <p:cNvPr id="3" name="Content Placeholder 2">
             <a:extLst>
               <a:ext uri="{FF2B5EF4-FFF2-40B4-BE49-F238E27FC236}">
-                <a16:creationId xmlns:a16="http://schemas.microsoft.com/office/drawing/2014/main" id="{74969B23-F33A-4B16-8A43-425B99B776E9}"/>
+                <a16:creationId xmlns:a16="http://schemas.microsoft.com/office/drawing/2014/main" id="{7DA6FC46-6409-4F45-81CE-0E16880D08AB}"/>
               </a:ext>
             </a:extLst>
           </p:cNvPr>
@@ -14566,12 +14615,6 @@
           <a:bodyPr/>
           <a:lstStyle/>
           <a:p>
-            <a:r>
-              <a:rPr lang="en-US" b="1" dirty="0"/>
-              <a:t>What is mocking?</a:t>
-            </a:r>
-          </a:p>
-          <a:p>
             <a:endParaRPr lang="en-US" dirty="0"/>
           </a:p>
         </p:txBody>
@@ -14581,7 +14624,7 @@
           <p:cNvPr id="4" name="Date Placeholder 3">
             <a:extLst>
               <a:ext uri="{FF2B5EF4-FFF2-40B4-BE49-F238E27FC236}">
-                <a16:creationId xmlns:a16="http://schemas.microsoft.com/office/drawing/2014/main" id="{0A46ED0D-6B0C-4BF5-A7D1-7C5A346A8AB3}"/>
+                <a16:creationId xmlns:a16="http://schemas.microsoft.com/office/drawing/2014/main" id="{E42D21CA-2BC8-4094-800D-8BCC058AE8C8}"/>
               </a:ext>
             </a:extLst>
           </p:cNvPr>
@@ -14599,7 +14642,7 @@
           <a:p>
             <a:fld id="{7A14B680-E159-ED46-B89B-60C427FC4DF1}" type="datetime4">
               <a:rPr lang="en-US" smtClean="0"/>
-              <a:t>July 12, 2021</a:t>
+              <a:t>July 19, 2021</a:t>
             </a:fld>
             <a:endParaRPr lang="nl-NL" dirty="0"/>
           </a:p>
@@ -14610,7 +14653,7 @@
           <p:cNvPr id="5" name="Footer Placeholder 4">
             <a:extLst>
               <a:ext uri="{FF2B5EF4-FFF2-40B4-BE49-F238E27FC236}">
-                <a16:creationId xmlns:a16="http://schemas.microsoft.com/office/drawing/2014/main" id="{004923E0-0293-4D40-83DB-F3DBB5D15EB1}"/>
+                <a16:creationId xmlns:a16="http://schemas.microsoft.com/office/drawing/2014/main" id="{7B0747CB-643E-41F2-90E7-63BE49AA5950}"/>
               </a:ext>
             </a:extLst>
           </p:cNvPr>
@@ -14637,18 +14680,18 @@
     </p:spTree>
     <p:extLst>
       <p:ext uri="{BB962C8B-B14F-4D97-AF65-F5344CB8AC3E}">
-        <p14:creationId xmlns:p14="http://schemas.microsoft.com/office/powerpoint/2010/main" val="756975553"/>
+        <p14:creationId xmlns:p14="http://schemas.microsoft.com/office/powerpoint/2010/main" val="1991560596"/>
       </p:ext>
     </p:extLst>
   </p:cSld>
   <p:clrMapOvr>
     <a:masterClrMapping/>
   </p:clrMapOvr>
-  <mc:AlternateContent xmlns:mc="http://schemas.openxmlformats.org/markup-compatibility/2006">
-    <mc:Choice xmlns:p14="http://schemas.microsoft.com/office/powerpoint/2010/main" Requires="p14">
+  <mc:AlternateContent xmlns:mc="http://schemas.openxmlformats.org/markup-compatibility/2006" xmlns:p14="http://schemas.microsoft.com/office/powerpoint/2010/main">
+    <mc:Choice Requires="p14">
       <p:transition p14:dur="0"/>
     </mc:Choice>
-    <mc:Fallback>
+    <mc:Fallback xmlns="">
       <p:transition/>
     </mc:Fallback>
   </mc:AlternateContent>
@@ -14707,6 +14750,37 @@
       </p:sp>
       <p:sp>
         <p:nvSpPr>
+          <p:cNvPr id="3" name="Content Placeholder 2">
+            <a:extLst>
+              <a:ext uri="{FF2B5EF4-FFF2-40B4-BE49-F238E27FC236}">
+                <a16:creationId xmlns:a16="http://schemas.microsoft.com/office/drawing/2014/main" id="{74969B23-F33A-4B16-8A43-425B99B776E9}"/>
+              </a:ext>
+            </a:extLst>
+          </p:cNvPr>
+          <p:cNvSpPr>
+            <a:spLocks noGrp="1"/>
+          </p:cNvSpPr>
+          <p:nvPr>
+            <p:ph idx="1"/>
+          </p:nvPr>
+        </p:nvSpPr>
+        <p:spPr/>
+        <p:txBody>
+          <a:bodyPr/>
+          <a:lstStyle/>
+          <a:p>
+            <a:r>
+              <a:rPr lang="en-US" b="1" dirty="0"/>
+              <a:t>What is mocking?</a:t>
+            </a:r>
+          </a:p>
+          <a:p>
+            <a:endParaRPr lang="en-US" dirty="0"/>
+          </a:p>
+        </p:txBody>
+      </p:sp>
+      <p:sp>
+        <p:nvSpPr>
           <p:cNvPr id="4" name="Date Placeholder 3">
             <a:extLst>
               <a:ext uri="{FF2B5EF4-FFF2-40B4-BE49-F238E27FC236}">
@@ -14728,7 +14802,136 @@
           <a:p>
             <a:fld id="{7A14B680-E159-ED46-B89B-60C427FC4DF1}" type="datetime4">
               <a:rPr lang="en-US" smtClean="0"/>
-              <a:t>July 12, 2021</a:t>
+              <a:t>July 19, 2021</a:t>
+            </a:fld>
+            <a:endParaRPr lang="nl-NL" dirty="0"/>
+          </a:p>
+        </p:txBody>
+      </p:sp>
+      <p:sp>
+        <p:nvSpPr>
+          <p:cNvPr id="5" name="Footer Placeholder 4">
+            <a:extLst>
+              <a:ext uri="{FF2B5EF4-FFF2-40B4-BE49-F238E27FC236}">
+                <a16:creationId xmlns:a16="http://schemas.microsoft.com/office/drawing/2014/main" id="{004923E0-0293-4D40-83DB-F3DBB5D15EB1}"/>
+              </a:ext>
+            </a:extLst>
+          </p:cNvPr>
+          <p:cNvSpPr>
+            <a:spLocks noGrp="1"/>
+          </p:cNvSpPr>
+          <p:nvPr>
+            <p:ph type="ftr" sz="quarter" idx="11"/>
+          </p:nvPr>
+        </p:nvSpPr>
+        <p:spPr/>
+        <p:txBody>
+          <a:bodyPr/>
+          <a:lstStyle/>
+          <a:p>
+            <a:r>
+              <a:rPr lang="nl-NL"/>
+              <a:t>TITLE PRESENTATION</a:t>
+            </a:r>
+            <a:endParaRPr lang="nl-NL" dirty="0"/>
+          </a:p>
+        </p:txBody>
+      </p:sp>
+    </p:spTree>
+    <p:extLst>
+      <p:ext uri="{BB962C8B-B14F-4D97-AF65-F5344CB8AC3E}">
+        <p14:creationId xmlns:p14="http://schemas.microsoft.com/office/powerpoint/2010/main" val="756975553"/>
+      </p:ext>
+    </p:extLst>
+  </p:cSld>
+  <p:clrMapOvr>
+    <a:masterClrMapping/>
+  </p:clrMapOvr>
+  <mc:AlternateContent xmlns:mc="http://schemas.openxmlformats.org/markup-compatibility/2006" xmlns:p14="http://schemas.microsoft.com/office/powerpoint/2010/main">
+    <mc:Choice Requires="p14">
+      <p:transition p14:dur="0"/>
+    </mc:Choice>
+    <mc:Fallback xmlns="">
+      <p:transition/>
+    </mc:Fallback>
+  </mc:AlternateContent>
+</p:sld>
+</file>
+
+<file path=ppt/slides/slide25.xml><?xml version="1.0" encoding="utf-8"?>
+<p:sld xmlns:a="http://schemas.openxmlformats.org/drawingml/2006/main" xmlns:r="http://schemas.openxmlformats.org/officeDocument/2006/relationships" xmlns:p="http://schemas.openxmlformats.org/presentationml/2006/main">
+  <p:cSld>
+    <p:spTree>
+      <p:nvGrpSpPr>
+        <p:cNvPr id="1" name=""/>
+        <p:cNvGrpSpPr/>
+        <p:nvPr/>
+      </p:nvGrpSpPr>
+      <p:grpSpPr>
+        <a:xfrm>
+          <a:off x="0" y="0"/>
+          <a:ext cx="0" cy="0"/>
+          <a:chOff x="0" y="0"/>
+          <a:chExt cx="0" cy="0"/>
+        </a:xfrm>
+      </p:grpSpPr>
+      <p:sp>
+        <p:nvSpPr>
+          <p:cNvPr id="2" name="Title 1">
+            <a:extLst>
+              <a:ext uri="{FF2B5EF4-FFF2-40B4-BE49-F238E27FC236}">
+                <a16:creationId xmlns:a16="http://schemas.microsoft.com/office/drawing/2014/main" id="{D61FE9D0-C299-4444-9AE7-7EA0BE2DFF21}"/>
+              </a:ext>
+            </a:extLst>
+          </p:cNvPr>
+          <p:cNvSpPr>
+            <a:spLocks noGrp="1"/>
+          </p:cNvSpPr>
+          <p:nvPr>
+            <p:ph type="title"/>
+          </p:nvPr>
+        </p:nvSpPr>
+        <p:spPr/>
+        <p:txBody>
+          <a:bodyPr/>
+          <a:lstStyle/>
+          <a:p>
+            <a:pPr algn="ctr"/>
+            <a:r>
+              <a:rPr lang="en-US" dirty="0"/>
+              <a:t>Stubbing &amp; Mocking</a:t>
+            </a:r>
+            <a:br>
+              <a:rPr lang="en-US" dirty="0"/>
+            </a:br>
+            <a:endParaRPr lang="en-US" dirty="0"/>
+          </a:p>
+        </p:txBody>
+      </p:sp>
+      <p:sp>
+        <p:nvSpPr>
+          <p:cNvPr id="4" name="Date Placeholder 3">
+            <a:extLst>
+              <a:ext uri="{FF2B5EF4-FFF2-40B4-BE49-F238E27FC236}">
+                <a16:creationId xmlns:a16="http://schemas.microsoft.com/office/drawing/2014/main" id="{0A46ED0D-6B0C-4BF5-A7D1-7C5A346A8AB3}"/>
+              </a:ext>
+            </a:extLst>
+          </p:cNvPr>
+          <p:cNvSpPr>
+            <a:spLocks noGrp="1"/>
+          </p:cNvSpPr>
+          <p:nvPr>
+            <p:ph type="dt" sz="half" idx="10"/>
+          </p:nvPr>
+        </p:nvSpPr>
+        <p:spPr/>
+        <p:txBody>
+          <a:bodyPr/>
+          <a:lstStyle/>
+          <a:p>
+            <a:fld id="{7A14B680-E159-ED46-B89B-60C427FC4DF1}" type="datetime4">
+              <a:rPr lang="en-US" smtClean="0"/>
+              <a:t>July 19, 2021</a:t>
             </a:fld>
             <a:endParaRPr lang="nl-NL" dirty="0"/>
           </a:p>
@@ -14822,189 +15025,11 @@
   <p:clrMapOvr>
     <a:masterClrMapping/>
   </p:clrMapOvr>
-  <mc:AlternateContent xmlns:mc="http://schemas.openxmlformats.org/markup-compatibility/2006">
-    <mc:Choice xmlns:p14="http://schemas.microsoft.com/office/powerpoint/2010/main" Requires="p14">
+  <mc:AlternateContent xmlns:mc="http://schemas.openxmlformats.org/markup-compatibility/2006" xmlns:p14="http://schemas.microsoft.com/office/powerpoint/2010/main">
+    <mc:Choice Requires="p14">
       <p:transition p14:dur="0"/>
     </mc:Choice>
-    <mc:Fallback>
-      <p:transition/>
-    </mc:Fallback>
-  </mc:AlternateContent>
-</p:sld>
-</file>
-
-<file path=ppt/slides/slide25.xml><?xml version="1.0" encoding="utf-8"?>
-<p:sld xmlns:a="http://schemas.openxmlformats.org/drawingml/2006/main" xmlns:r="http://schemas.openxmlformats.org/officeDocument/2006/relationships" xmlns:p="http://schemas.openxmlformats.org/presentationml/2006/main">
-  <p:cSld>
-    <p:spTree>
-      <p:nvGrpSpPr>
-        <p:cNvPr id="1" name=""/>
-        <p:cNvGrpSpPr/>
-        <p:nvPr/>
-      </p:nvGrpSpPr>
-      <p:grpSpPr>
-        <a:xfrm>
-          <a:off x="0" y="0"/>
-          <a:ext cx="0" cy="0"/>
-          <a:chOff x="0" y="0"/>
-          <a:chExt cx="0" cy="0"/>
-        </a:xfrm>
-      </p:grpSpPr>
-      <p:sp>
-        <p:nvSpPr>
-          <p:cNvPr id="2" name="Title 1">
-            <a:extLst>
-              <a:ext uri="{FF2B5EF4-FFF2-40B4-BE49-F238E27FC236}">
-                <a16:creationId xmlns:a16="http://schemas.microsoft.com/office/drawing/2014/main" id="{D61FE9D0-C299-4444-9AE7-7EA0BE2DFF21}"/>
-              </a:ext>
-            </a:extLst>
-          </p:cNvPr>
-          <p:cNvSpPr>
-            <a:spLocks noGrp="1"/>
-          </p:cNvSpPr>
-          <p:nvPr>
-            <p:ph type="title"/>
-          </p:nvPr>
-        </p:nvSpPr>
-        <p:spPr/>
-        <p:txBody>
-          <a:bodyPr/>
-          <a:lstStyle/>
-          <a:p>
-            <a:pPr algn="ctr"/>
-            <a:r>
-              <a:rPr lang="en-US" dirty="0"/>
-              <a:t>Stubbing &amp; Mocking</a:t>
-            </a:r>
-            <a:br>
-              <a:rPr lang="en-US" dirty="0"/>
-            </a:br>
-            <a:endParaRPr lang="en-US" dirty="0"/>
-          </a:p>
-        </p:txBody>
-      </p:sp>
-      <p:sp>
-        <p:nvSpPr>
-          <p:cNvPr id="4" name="Date Placeholder 3">
-            <a:extLst>
-              <a:ext uri="{FF2B5EF4-FFF2-40B4-BE49-F238E27FC236}">
-                <a16:creationId xmlns:a16="http://schemas.microsoft.com/office/drawing/2014/main" id="{0A46ED0D-6B0C-4BF5-A7D1-7C5A346A8AB3}"/>
-              </a:ext>
-            </a:extLst>
-          </p:cNvPr>
-          <p:cNvSpPr>
-            <a:spLocks noGrp="1"/>
-          </p:cNvSpPr>
-          <p:nvPr>
-            <p:ph type="dt" sz="half" idx="10"/>
-          </p:nvPr>
-        </p:nvSpPr>
-        <p:spPr/>
-        <p:txBody>
-          <a:bodyPr/>
-          <a:lstStyle/>
-          <a:p>
-            <a:fld id="{7A14B680-E159-ED46-B89B-60C427FC4DF1}" type="datetime4">
-              <a:rPr lang="en-US" smtClean="0"/>
-              <a:t>July 12, 2021</a:t>
-            </a:fld>
-            <a:endParaRPr lang="nl-NL" dirty="0"/>
-          </a:p>
-        </p:txBody>
-      </p:sp>
-      <p:sp>
-        <p:nvSpPr>
-          <p:cNvPr id="5" name="Footer Placeholder 4">
-            <a:extLst>
-              <a:ext uri="{FF2B5EF4-FFF2-40B4-BE49-F238E27FC236}">
-                <a16:creationId xmlns:a16="http://schemas.microsoft.com/office/drawing/2014/main" id="{004923E0-0293-4D40-83DB-F3DBB5D15EB1}"/>
-              </a:ext>
-            </a:extLst>
-          </p:cNvPr>
-          <p:cNvSpPr>
-            <a:spLocks noGrp="1"/>
-          </p:cNvSpPr>
-          <p:nvPr>
-            <p:ph type="ftr" sz="quarter" idx="11"/>
-          </p:nvPr>
-        </p:nvSpPr>
-        <p:spPr/>
-        <p:txBody>
-          <a:bodyPr/>
-          <a:lstStyle/>
-          <a:p>
-            <a:r>
-              <a:rPr lang="nl-NL"/>
-              <a:t>TITLE PRESENTATION</a:t>
-            </a:r>
-            <a:endParaRPr lang="nl-NL" dirty="0"/>
-          </a:p>
-        </p:txBody>
-      </p:sp>
-      <p:sp>
-        <p:nvSpPr>
-          <p:cNvPr id="3" name="Content Placeholder 2">
-            <a:extLst>
-              <a:ext uri="{FF2B5EF4-FFF2-40B4-BE49-F238E27FC236}">
-                <a16:creationId xmlns:a16="http://schemas.microsoft.com/office/drawing/2014/main" id="{4EE519B7-FE09-44A6-B5B0-1C8655361CD7}"/>
-              </a:ext>
-            </a:extLst>
-          </p:cNvPr>
-          <p:cNvSpPr>
-            <a:spLocks noGrp="1"/>
-          </p:cNvSpPr>
-          <p:nvPr>
-            <p:ph idx="1"/>
-          </p:nvPr>
-        </p:nvSpPr>
-        <p:spPr/>
-        <p:txBody>
-          <a:bodyPr/>
-          <a:lstStyle/>
-          <a:p>
-            <a:pPr marL="0" indent="0">
-              <a:buNone/>
-            </a:pPr>
-            <a:r>
-              <a:rPr lang="en-US" b="1" dirty="0"/>
-              <a:t>What is mocking?</a:t>
-            </a:r>
-          </a:p>
-          <a:p>
-            <a:pPr marL="0" indent="0">
-              <a:buNone/>
-            </a:pPr>
-            <a:endParaRPr lang="en-US" dirty="0"/>
-          </a:p>
-          <a:p>
-            <a:pPr marL="0" indent="0">
-              <a:buNone/>
-            </a:pPr>
-            <a:r>
-              <a:rPr lang="en-US" dirty="0"/>
-              <a:t>Mocking is a process used in unit testing when the unit being tested has external dependencies. The purpose of mocking is to focus on the code being tested and not on the behavior or state of external dependencies. In mocking, the dependencies are replaced by closely controlled replacement objects that simulate the behavior of the real ones.</a:t>
-            </a:r>
-          </a:p>
-          <a:p>
-            <a:endParaRPr lang="en-US" dirty="0"/>
-          </a:p>
-        </p:txBody>
-      </p:sp>
-    </p:spTree>
-    <p:extLst>
-      <p:ext uri="{BB962C8B-B14F-4D97-AF65-F5344CB8AC3E}">
-        <p14:creationId xmlns:p14="http://schemas.microsoft.com/office/powerpoint/2010/main" val="3854915044"/>
-      </p:ext>
-    </p:extLst>
-  </p:cSld>
-  <p:clrMapOvr>
-    <a:masterClrMapping/>
-  </p:clrMapOvr>
-  <mc:AlternateContent xmlns:mc="http://schemas.openxmlformats.org/markup-compatibility/2006">
-    <mc:Choice xmlns:p14="http://schemas.microsoft.com/office/powerpoint/2010/main" Requires="p14">
-      <p:transition p14:dur="0"/>
-    </mc:Choice>
-    <mc:Fallback>
+    <mc:Fallback xmlns="">
       <p:transition/>
     </mc:Fallback>
   </mc:AlternateContent>
@@ -15084,7 +15109,185 @@
           <a:p>
             <a:fld id="{7A14B680-E159-ED46-B89B-60C427FC4DF1}" type="datetime4">
               <a:rPr lang="en-US" smtClean="0"/>
-              <a:t>July 12, 2021</a:t>
+              <a:t>July 19, 2021</a:t>
+            </a:fld>
+            <a:endParaRPr lang="nl-NL" dirty="0"/>
+          </a:p>
+        </p:txBody>
+      </p:sp>
+      <p:sp>
+        <p:nvSpPr>
+          <p:cNvPr id="5" name="Footer Placeholder 4">
+            <a:extLst>
+              <a:ext uri="{FF2B5EF4-FFF2-40B4-BE49-F238E27FC236}">
+                <a16:creationId xmlns:a16="http://schemas.microsoft.com/office/drawing/2014/main" id="{004923E0-0293-4D40-83DB-F3DBB5D15EB1}"/>
+              </a:ext>
+            </a:extLst>
+          </p:cNvPr>
+          <p:cNvSpPr>
+            <a:spLocks noGrp="1"/>
+          </p:cNvSpPr>
+          <p:nvPr>
+            <p:ph type="ftr" sz="quarter" idx="11"/>
+          </p:nvPr>
+        </p:nvSpPr>
+        <p:spPr/>
+        <p:txBody>
+          <a:bodyPr/>
+          <a:lstStyle/>
+          <a:p>
+            <a:r>
+              <a:rPr lang="nl-NL"/>
+              <a:t>TITLE PRESENTATION</a:t>
+            </a:r>
+            <a:endParaRPr lang="nl-NL" dirty="0"/>
+          </a:p>
+        </p:txBody>
+      </p:sp>
+      <p:sp>
+        <p:nvSpPr>
+          <p:cNvPr id="3" name="Content Placeholder 2">
+            <a:extLst>
+              <a:ext uri="{FF2B5EF4-FFF2-40B4-BE49-F238E27FC236}">
+                <a16:creationId xmlns:a16="http://schemas.microsoft.com/office/drawing/2014/main" id="{4EE519B7-FE09-44A6-B5B0-1C8655361CD7}"/>
+              </a:ext>
+            </a:extLst>
+          </p:cNvPr>
+          <p:cNvSpPr>
+            <a:spLocks noGrp="1"/>
+          </p:cNvSpPr>
+          <p:nvPr>
+            <p:ph idx="1"/>
+          </p:nvPr>
+        </p:nvSpPr>
+        <p:spPr/>
+        <p:txBody>
+          <a:bodyPr/>
+          <a:lstStyle/>
+          <a:p>
+            <a:pPr marL="0" indent="0">
+              <a:buNone/>
+            </a:pPr>
+            <a:r>
+              <a:rPr lang="en-US" b="1" dirty="0"/>
+              <a:t>What is mocking?</a:t>
+            </a:r>
+          </a:p>
+          <a:p>
+            <a:pPr marL="0" indent="0">
+              <a:buNone/>
+            </a:pPr>
+            <a:endParaRPr lang="en-US" dirty="0"/>
+          </a:p>
+          <a:p>
+            <a:pPr marL="0" indent="0">
+              <a:buNone/>
+            </a:pPr>
+            <a:r>
+              <a:rPr lang="en-US" dirty="0"/>
+              <a:t>Mocking is a process used in unit testing when the unit being tested has external dependencies. The purpose of mocking is to focus on the code being tested and not on the behavior or state of external dependencies. In mocking, the dependencies are replaced by closely controlled replacement objects that simulate the behavior of the real ones.</a:t>
+            </a:r>
+          </a:p>
+          <a:p>
+            <a:endParaRPr lang="en-US" dirty="0"/>
+          </a:p>
+        </p:txBody>
+      </p:sp>
+    </p:spTree>
+    <p:extLst>
+      <p:ext uri="{BB962C8B-B14F-4D97-AF65-F5344CB8AC3E}">
+        <p14:creationId xmlns:p14="http://schemas.microsoft.com/office/powerpoint/2010/main" val="3854915044"/>
+      </p:ext>
+    </p:extLst>
+  </p:cSld>
+  <p:clrMapOvr>
+    <a:masterClrMapping/>
+  </p:clrMapOvr>
+  <mc:AlternateContent xmlns:mc="http://schemas.openxmlformats.org/markup-compatibility/2006" xmlns:p14="http://schemas.microsoft.com/office/powerpoint/2010/main">
+    <mc:Choice Requires="p14">
+      <p:transition p14:dur="0"/>
+    </mc:Choice>
+    <mc:Fallback xmlns="">
+      <p:transition/>
+    </mc:Fallback>
+  </mc:AlternateContent>
+</p:sld>
+</file>
+
+<file path=ppt/slides/slide27.xml><?xml version="1.0" encoding="utf-8"?>
+<p:sld xmlns:a="http://schemas.openxmlformats.org/drawingml/2006/main" xmlns:r="http://schemas.openxmlformats.org/officeDocument/2006/relationships" xmlns:p="http://schemas.openxmlformats.org/presentationml/2006/main">
+  <p:cSld>
+    <p:spTree>
+      <p:nvGrpSpPr>
+        <p:cNvPr id="1" name=""/>
+        <p:cNvGrpSpPr/>
+        <p:nvPr/>
+      </p:nvGrpSpPr>
+      <p:grpSpPr>
+        <a:xfrm>
+          <a:off x="0" y="0"/>
+          <a:ext cx="0" cy="0"/>
+          <a:chOff x="0" y="0"/>
+          <a:chExt cx="0" cy="0"/>
+        </a:xfrm>
+      </p:grpSpPr>
+      <p:sp>
+        <p:nvSpPr>
+          <p:cNvPr id="2" name="Title 1">
+            <a:extLst>
+              <a:ext uri="{FF2B5EF4-FFF2-40B4-BE49-F238E27FC236}">
+                <a16:creationId xmlns:a16="http://schemas.microsoft.com/office/drawing/2014/main" id="{D61FE9D0-C299-4444-9AE7-7EA0BE2DFF21}"/>
+              </a:ext>
+            </a:extLst>
+          </p:cNvPr>
+          <p:cNvSpPr>
+            <a:spLocks noGrp="1"/>
+          </p:cNvSpPr>
+          <p:nvPr>
+            <p:ph type="title"/>
+          </p:nvPr>
+        </p:nvSpPr>
+        <p:spPr/>
+        <p:txBody>
+          <a:bodyPr/>
+          <a:lstStyle/>
+          <a:p>
+            <a:pPr algn="ctr"/>
+            <a:r>
+              <a:rPr lang="en-US" dirty="0"/>
+              <a:t>Stubbing &amp; Mocking</a:t>
+            </a:r>
+            <a:br>
+              <a:rPr lang="en-US" dirty="0"/>
+            </a:br>
+            <a:endParaRPr lang="en-US" dirty="0"/>
+          </a:p>
+        </p:txBody>
+      </p:sp>
+      <p:sp>
+        <p:nvSpPr>
+          <p:cNvPr id="4" name="Date Placeholder 3">
+            <a:extLst>
+              <a:ext uri="{FF2B5EF4-FFF2-40B4-BE49-F238E27FC236}">
+                <a16:creationId xmlns:a16="http://schemas.microsoft.com/office/drawing/2014/main" id="{0A46ED0D-6B0C-4BF5-A7D1-7C5A346A8AB3}"/>
+              </a:ext>
+            </a:extLst>
+          </p:cNvPr>
+          <p:cNvSpPr>
+            <a:spLocks noGrp="1"/>
+          </p:cNvSpPr>
+          <p:nvPr>
+            <p:ph type="dt" sz="half" idx="10"/>
+          </p:nvPr>
+        </p:nvSpPr>
+        <p:spPr/>
+        <p:txBody>
+          <a:bodyPr/>
+          <a:lstStyle/>
+          <a:p>
+            <a:fld id="{7A14B680-E159-ED46-B89B-60C427FC4DF1}" type="datetime4">
+              <a:rPr lang="en-US" smtClean="0"/>
+              <a:t>July 19, 2021</a:t>
             </a:fld>
             <a:endParaRPr lang="nl-NL" dirty="0"/>
           </a:p>
@@ -15222,11 +15425,11 @@
   <p:clrMapOvr>
     <a:masterClrMapping/>
   </p:clrMapOvr>
-  <mc:AlternateContent xmlns:mc="http://schemas.openxmlformats.org/markup-compatibility/2006">
-    <mc:Choice xmlns:p14="http://schemas.microsoft.com/office/powerpoint/2010/main" Requires="p14">
+  <mc:AlternateContent xmlns:mc="http://schemas.openxmlformats.org/markup-compatibility/2006" xmlns:p14="http://schemas.microsoft.com/office/powerpoint/2010/main">
+    <mc:Choice Requires="p14">
       <p:transition p14:dur="0"/>
     </mc:Choice>
-    <mc:Fallback>
+    <mc:Fallback xmlns="">
       <p:transition/>
     </mc:Fallback>
   </mc:AlternateContent>
@@ -15312,7 +15515,7 @@
 </p:sld>
 </file>
 
-<file path=ppt/slides/slide27.xml><?xml version="1.0" encoding="utf-8"?>
+<file path=ppt/slides/slide28.xml><?xml version="1.0" encoding="utf-8"?>
 <p:sld xmlns:a="http://schemas.openxmlformats.org/drawingml/2006/main" xmlns:r="http://schemas.openxmlformats.org/officeDocument/2006/relationships" xmlns:p="http://schemas.openxmlformats.org/presentationml/2006/main">
   <p:cSld>
     <p:spTree>
@@ -15410,7 +15613,7 @@
           <a:p>
             <a:fld id="{7A14B680-E159-ED46-B89B-60C427FC4DF1}" type="datetime4">
               <a:rPr lang="en-US" smtClean="0"/>
-              <a:t>July 12, 2021</a:t>
+              <a:t>July 19, 2021</a:t>
             </a:fld>
             <a:endParaRPr lang="nl-NL" dirty="0"/>
           </a:p>
@@ -15939,18 +16142,18 @@
   <p:clrMapOvr>
     <a:masterClrMapping/>
   </p:clrMapOvr>
-  <mc:AlternateContent xmlns:mc="http://schemas.openxmlformats.org/markup-compatibility/2006">
-    <mc:Choice xmlns:p14="http://schemas.microsoft.com/office/powerpoint/2010/main" Requires="p14">
+  <mc:AlternateContent xmlns:mc="http://schemas.openxmlformats.org/markup-compatibility/2006" xmlns:p14="http://schemas.microsoft.com/office/powerpoint/2010/main">
+    <mc:Choice Requires="p14">
       <p:transition p14:dur="0"/>
     </mc:Choice>
-    <mc:Fallback>
+    <mc:Fallback xmlns="">
       <p:transition/>
     </mc:Fallback>
   </mc:AlternateContent>
 </p:sld>
 </file>
 
-<file path=ppt/slides/slide28.xml><?xml version="1.0" encoding="utf-8"?>
+<file path=ppt/slides/slide29.xml><?xml version="1.0" encoding="utf-8"?>
 <p:sld xmlns:a="http://schemas.openxmlformats.org/drawingml/2006/main" xmlns:r="http://schemas.openxmlformats.org/officeDocument/2006/relationships" xmlns:p="http://schemas.openxmlformats.org/presentationml/2006/main">
   <p:cSld>
     <p:spTree>
@@ -16019,7 +16222,7 @@
           <a:p>
             <a:fld id="{7A14B680-E159-ED46-B89B-60C427FC4DF1}" type="datetime4">
               <a:rPr lang="en-US" smtClean="0"/>
-              <a:t>July 12, 2021</a:t>
+              <a:t>July 19, 2021</a:t>
             </a:fld>
             <a:endParaRPr lang="nl-NL" dirty="0"/>
           </a:p>
@@ -16173,11 +16376,11 @@
   <p:clrMapOvr>
     <a:masterClrMapping/>
   </p:clrMapOvr>
-  <mc:AlternateContent xmlns:mc="http://schemas.openxmlformats.org/markup-compatibility/2006">
-    <mc:Choice xmlns:p14="http://schemas.microsoft.com/office/powerpoint/2010/main" Requires="p14">
+  <mc:AlternateContent xmlns:mc="http://schemas.openxmlformats.org/markup-compatibility/2006" xmlns:p14="http://schemas.microsoft.com/office/powerpoint/2010/main">
+    <mc:Choice Requires="p14">
       <p:transition p14:dur="0"/>
     </mc:Choice>
-    <mc:Fallback>
+    <mc:Fallback xmlns="">
       <p:transition/>
     </mc:Fallback>
   </mc:AlternateContent>
@@ -16312,186 +16515,6 @@
 </p:sld>
 </file>
 
-<file path=ppt/slides/slide29.xml><?xml version="1.0" encoding="utf-8"?>
-<p:sld xmlns:a="http://schemas.openxmlformats.org/drawingml/2006/main" xmlns:r="http://schemas.openxmlformats.org/officeDocument/2006/relationships" xmlns:p="http://schemas.openxmlformats.org/presentationml/2006/main">
-  <p:cSld>
-    <p:spTree>
-      <p:nvGrpSpPr>
-        <p:cNvPr id="1" name=""/>
-        <p:cNvGrpSpPr/>
-        <p:nvPr/>
-      </p:nvGrpSpPr>
-      <p:grpSpPr>
-        <a:xfrm>
-          <a:off x="0" y="0"/>
-          <a:ext cx="0" cy="0"/>
-          <a:chOff x="0" y="0"/>
-          <a:chExt cx="0" cy="0"/>
-        </a:xfrm>
-      </p:grpSpPr>
-      <p:sp>
-        <p:nvSpPr>
-          <p:cNvPr id="2" name="Title 1">
-            <a:extLst>
-              <a:ext uri="{FF2B5EF4-FFF2-40B4-BE49-F238E27FC236}">
-                <a16:creationId xmlns:a16="http://schemas.microsoft.com/office/drawing/2014/main" id="{D61FE9D0-C299-4444-9AE7-7EA0BE2DFF21}"/>
-              </a:ext>
-            </a:extLst>
-          </p:cNvPr>
-          <p:cNvSpPr>
-            <a:spLocks noGrp="1"/>
-          </p:cNvSpPr>
-          <p:nvPr>
-            <p:ph type="title"/>
-          </p:nvPr>
-        </p:nvSpPr>
-        <p:spPr/>
-        <p:txBody>
-          <a:bodyPr/>
-          <a:lstStyle/>
-          <a:p>
-            <a:pPr algn="ctr"/>
-            <a:r>
-              <a:rPr lang="en-US" dirty="0"/>
-              <a:t>Stubbing &amp; Mocking</a:t>
-            </a:r>
-            <a:br>
-              <a:rPr lang="en-US" dirty="0"/>
-            </a:br>
-            <a:endParaRPr lang="en-US" dirty="0"/>
-          </a:p>
-        </p:txBody>
-      </p:sp>
-      <p:sp>
-        <p:nvSpPr>
-          <p:cNvPr id="4" name="Date Placeholder 3">
-            <a:extLst>
-              <a:ext uri="{FF2B5EF4-FFF2-40B4-BE49-F238E27FC236}">
-                <a16:creationId xmlns:a16="http://schemas.microsoft.com/office/drawing/2014/main" id="{0A46ED0D-6B0C-4BF5-A7D1-7C5A346A8AB3}"/>
-              </a:ext>
-            </a:extLst>
-          </p:cNvPr>
-          <p:cNvSpPr>
-            <a:spLocks noGrp="1"/>
-          </p:cNvSpPr>
-          <p:nvPr>
-            <p:ph type="dt" sz="half" idx="10"/>
-          </p:nvPr>
-        </p:nvSpPr>
-        <p:spPr/>
-        <p:txBody>
-          <a:bodyPr/>
-          <a:lstStyle/>
-          <a:p>
-            <a:fld id="{7A14B680-E159-ED46-B89B-60C427FC4DF1}" type="datetime4">
-              <a:rPr lang="en-US" smtClean="0"/>
-              <a:t>July 12, 2021</a:t>
-            </a:fld>
-            <a:endParaRPr lang="nl-NL" dirty="0"/>
-          </a:p>
-        </p:txBody>
-      </p:sp>
-      <p:sp>
-        <p:nvSpPr>
-          <p:cNvPr id="5" name="Footer Placeholder 4">
-            <a:extLst>
-              <a:ext uri="{FF2B5EF4-FFF2-40B4-BE49-F238E27FC236}">
-                <a16:creationId xmlns:a16="http://schemas.microsoft.com/office/drawing/2014/main" id="{004923E0-0293-4D40-83DB-F3DBB5D15EB1}"/>
-              </a:ext>
-            </a:extLst>
-          </p:cNvPr>
-          <p:cNvSpPr>
-            <a:spLocks noGrp="1"/>
-          </p:cNvSpPr>
-          <p:nvPr>
-            <p:ph type="ftr" sz="quarter" idx="11"/>
-          </p:nvPr>
-        </p:nvSpPr>
-        <p:spPr/>
-        <p:txBody>
-          <a:bodyPr/>
-          <a:lstStyle/>
-          <a:p>
-            <a:r>
-              <a:rPr lang="nl-NL"/>
-              <a:t>TITLE PRESENTATION</a:t>
-            </a:r>
-            <a:endParaRPr lang="nl-NL" dirty="0"/>
-          </a:p>
-        </p:txBody>
-      </p:sp>
-      <p:sp>
-        <p:nvSpPr>
-          <p:cNvPr id="3" name="Content Placeholder 2">
-            <a:extLst>
-              <a:ext uri="{FF2B5EF4-FFF2-40B4-BE49-F238E27FC236}">
-                <a16:creationId xmlns:a16="http://schemas.microsoft.com/office/drawing/2014/main" id="{4EE519B7-FE09-44A6-B5B0-1C8655361CD7}"/>
-              </a:ext>
-            </a:extLst>
-          </p:cNvPr>
-          <p:cNvSpPr>
-            <a:spLocks noGrp="1"/>
-          </p:cNvSpPr>
-          <p:nvPr>
-            <p:ph idx="1"/>
-          </p:nvPr>
-        </p:nvSpPr>
-        <p:spPr/>
-        <p:txBody>
-          <a:bodyPr/>
-          <a:lstStyle/>
-          <a:p>
-            <a:pPr>
-              <a:lnSpc>
-                <a:spcPct val="200000"/>
-              </a:lnSpc>
-            </a:pPr>
-            <a:r>
-              <a:rPr lang="en-US" dirty="0"/>
-              <a:t>Open Source library: </a:t>
-            </a:r>
-            <a:r>
-              <a:rPr lang="en-US" dirty="0" err="1"/>
-              <a:t>Moq</a:t>
-            </a:r>
-            <a:r>
-              <a:rPr lang="en-US" dirty="0"/>
-              <a:t> (</a:t>
-            </a:r>
-            <a:r>
-              <a:rPr lang="en-US" dirty="0">
-                <a:hlinkClick r:id="rId3"/>
-              </a:rPr>
-              <a:t>https://github.com/moq</a:t>
-            </a:r>
-            <a:r>
-              <a:rPr lang="en-US" dirty="0"/>
-              <a:t>)</a:t>
-            </a:r>
-          </a:p>
-        </p:txBody>
-      </p:sp>
-    </p:spTree>
-    <p:extLst>
-      <p:ext uri="{BB962C8B-B14F-4D97-AF65-F5344CB8AC3E}">
-        <p14:creationId xmlns:p14="http://schemas.microsoft.com/office/powerpoint/2010/main" val="2135661960"/>
-      </p:ext>
-    </p:extLst>
-  </p:cSld>
-  <p:clrMapOvr>
-    <a:masterClrMapping/>
-  </p:clrMapOvr>
-  <mc:AlternateContent xmlns:mc="http://schemas.openxmlformats.org/markup-compatibility/2006">
-    <mc:Choice xmlns:p14="http://schemas.microsoft.com/office/powerpoint/2010/main" Requires="p14">
-      <p:transition p14:dur="0"/>
-    </mc:Choice>
-    <mc:Fallback>
-      <p:transition/>
-    </mc:Fallback>
-  </mc:AlternateContent>
-</p:sld>
-</file>
-
 <file path=ppt/slides/slide3.xml><?xml version="1.0" encoding="utf-8"?>
 <p:sld xmlns:a="http://schemas.openxmlformats.org/drawingml/2006/main" xmlns:r="http://schemas.openxmlformats.org/officeDocument/2006/relationships" xmlns:p="http://schemas.openxmlformats.org/presentationml/2006/main">
   <p:cSld>
@@ -16549,7 +16572,7 @@
           <a:p>
             <a:fld id="{7A14B680-E159-ED46-B89B-60C427FC4DF1}" type="datetime4">
               <a:rPr lang="en-US" smtClean="0"/>
-              <a:t>July 12, 2021</a:t>
+              <a:t>July 19, 2021</a:t>
             </a:fld>
             <a:endParaRPr lang="nl-NL" dirty="0"/>
           </a:p>
@@ -16613,11 +16636,11 @@
   <p:clrMapOvr>
     <a:masterClrMapping/>
   </p:clrMapOvr>
-  <mc:AlternateContent xmlns:mc="http://schemas.openxmlformats.org/markup-compatibility/2006">
-    <mc:Choice xmlns:p14="http://schemas.microsoft.com/office/powerpoint/2010/main" Requires="p14">
+  <mc:AlternateContent xmlns:mc="http://schemas.openxmlformats.org/markup-compatibility/2006" xmlns:p14="http://schemas.microsoft.com/office/powerpoint/2010/main">
+    <mc:Choice Requires="p14">
       <p:transition p14:dur="0"/>
     </mc:Choice>
-    <mc:Fallback>
+    <mc:Fallback xmlns="">
       <p:transition/>
     </mc:Fallback>
   </mc:AlternateContent>
@@ -16646,6 +16669,186 @@
           <p:cNvPr id="2" name="Title 1">
             <a:extLst>
               <a:ext uri="{FF2B5EF4-FFF2-40B4-BE49-F238E27FC236}">
+                <a16:creationId xmlns:a16="http://schemas.microsoft.com/office/drawing/2014/main" id="{D61FE9D0-C299-4444-9AE7-7EA0BE2DFF21}"/>
+              </a:ext>
+            </a:extLst>
+          </p:cNvPr>
+          <p:cNvSpPr>
+            <a:spLocks noGrp="1"/>
+          </p:cNvSpPr>
+          <p:nvPr>
+            <p:ph type="title"/>
+          </p:nvPr>
+        </p:nvSpPr>
+        <p:spPr/>
+        <p:txBody>
+          <a:bodyPr/>
+          <a:lstStyle/>
+          <a:p>
+            <a:pPr algn="ctr"/>
+            <a:r>
+              <a:rPr lang="en-US" dirty="0"/>
+              <a:t>Stubbing &amp; Mocking</a:t>
+            </a:r>
+            <a:br>
+              <a:rPr lang="en-US" dirty="0"/>
+            </a:br>
+            <a:endParaRPr lang="en-US" dirty="0"/>
+          </a:p>
+        </p:txBody>
+      </p:sp>
+      <p:sp>
+        <p:nvSpPr>
+          <p:cNvPr id="4" name="Date Placeholder 3">
+            <a:extLst>
+              <a:ext uri="{FF2B5EF4-FFF2-40B4-BE49-F238E27FC236}">
+                <a16:creationId xmlns:a16="http://schemas.microsoft.com/office/drawing/2014/main" id="{0A46ED0D-6B0C-4BF5-A7D1-7C5A346A8AB3}"/>
+              </a:ext>
+            </a:extLst>
+          </p:cNvPr>
+          <p:cNvSpPr>
+            <a:spLocks noGrp="1"/>
+          </p:cNvSpPr>
+          <p:nvPr>
+            <p:ph type="dt" sz="half" idx="10"/>
+          </p:nvPr>
+        </p:nvSpPr>
+        <p:spPr/>
+        <p:txBody>
+          <a:bodyPr/>
+          <a:lstStyle/>
+          <a:p>
+            <a:fld id="{7A14B680-E159-ED46-B89B-60C427FC4DF1}" type="datetime4">
+              <a:rPr lang="en-US" smtClean="0"/>
+              <a:t>July 19, 2021</a:t>
+            </a:fld>
+            <a:endParaRPr lang="nl-NL" dirty="0"/>
+          </a:p>
+        </p:txBody>
+      </p:sp>
+      <p:sp>
+        <p:nvSpPr>
+          <p:cNvPr id="5" name="Footer Placeholder 4">
+            <a:extLst>
+              <a:ext uri="{FF2B5EF4-FFF2-40B4-BE49-F238E27FC236}">
+                <a16:creationId xmlns:a16="http://schemas.microsoft.com/office/drawing/2014/main" id="{004923E0-0293-4D40-83DB-F3DBB5D15EB1}"/>
+              </a:ext>
+            </a:extLst>
+          </p:cNvPr>
+          <p:cNvSpPr>
+            <a:spLocks noGrp="1"/>
+          </p:cNvSpPr>
+          <p:nvPr>
+            <p:ph type="ftr" sz="quarter" idx="11"/>
+          </p:nvPr>
+        </p:nvSpPr>
+        <p:spPr/>
+        <p:txBody>
+          <a:bodyPr/>
+          <a:lstStyle/>
+          <a:p>
+            <a:r>
+              <a:rPr lang="nl-NL"/>
+              <a:t>TITLE PRESENTATION</a:t>
+            </a:r>
+            <a:endParaRPr lang="nl-NL" dirty="0"/>
+          </a:p>
+        </p:txBody>
+      </p:sp>
+      <p:sp>
+        <p:nvSpPr>
+          <p:cNvPr id="3" name="Content Placeholder 2">
+            <a:extLst>
+              <a:ext uri="{FF2B5EF4-FFF2-40B4-BE49-F238E27FC236}">
+                <a16:creationId xmlns:a16="http://schemas.microsoft.com/office/drawing/2014/main" id="{4EE519B7-FE09-44A6-B5B0-1C8655361CD7}"/>
+              </a:ext>
+            </a:extLst>
+          </p:cNvPr>
+          <p:cNvSpPr>
+            <a:spLocks noGrp="1"/>
+          </p:cNvSpPr>
+          <p:nvPr>
+            <p:ph idx="1"/>
+          </p:nvPr>
+        </p:nvSpPr>
+        <p:spPr/>
+        <p:txBody>
+          <a:bodyPr/>
+          <a:lstStyle/>
+          <a:p>
+            <a:pPr>
+              <a:lnSpc>
+                <a:spcPct val="200000"/>
+              </a:lnSpc>
+            </a:pPr>
+            <a:r>
+              <a:rPr lang="en-US" dirty="0"/>
+              <a:t>Open Source library: </a:t>
+            </a:r>
+            <a:r>
+              <a:rPr lang="en-US" dirty="0" err="1"/>
+              <a:t>Moq</a:t>
+            </a:r>
+            <a:r>
+              <a:rPr lang="en-US" dirty="0"/>
+              <a:t> (</a:t>
+            </a:r>
+            <a:r>
+              <a:rPr lang="en-US" dirty="0">
+                <a:hlinkClick r:id="rId3"/>
+              </a:rPr>
+              <a:t>https://github.com/moq</a:t>
+            </a:r>
+            <a:r>
+              <a:rPr lang="en-US" dirty="0"/>
+              <a:t>)</a:t>
+            </a:r>
+          </a:p>
+        </p:txBody>
+      </p:sp>
+    </p:spTree>
+    <p:extLst>
+      <p:ext uri="{BB962C8B-B14F-4D97-AF65-F5344CB8AC3E}">
+        <p14:creationId xmlns:p14="http://schemas.microsoft.com/office/powerpoint/2010/main" val="2135661960"/>
+      </p:ext>
+    </p:extLst>
+  </p:cSld>
+  <p:clrMapOvr>
+    <a:masterClrMapping/>
+  </p:clrMapOvr>
+  <mc:AlternateContent xmlns:mc="http://schemas.openxmlformats.org/markup-compatibility/2006" xmlns:p14="http://schemas.microsoft.com/office/powerpoint/2010/main">
+    <mc:Choice Requires="p14">
+      <p:transition p14:dur="0"/>
+    </mc:Choice>
+    <mc:Fallback xmlns="">
+      <p:transition/>
+    </mc:Fallback>
+  </mc:AlternateContent>
+</p:sld>
+</file>
+
+<file path=ppt/slides/slide31.xml><?xml version="1.0" encoding="utf-8"?>
+<p:sld xmlns:a="http://schemas.openxmlformats.org/drawingml/2006/main" xmlns:r="http://schemas.openxmlformats.org/officeDocument/2006/relationships" xmlns:p="http://schemas.openxmlformats.org/presentationml/2006/main">
+  <p:cSld>
+    <p:spTree>
+      <p:nvGrpSpPr>
+        <p:cNvPr id="1" name=""/>
+        <p:cNvGrpSpPr/>
+        <p:nvPr/>
+      </p:nvGrpSpPr>
+      <p:grpSpPr>
+        <a:xfrm>
+          <a:off x="0" y="0"/>
+          <a:ext cx="0" cy="0"/>
+          <a:chOff x="0" y="0"/>
+          <a:chExt cx="0" cy="0"/>
+        </a:xfrm>
+      </p:grpSpPr>
+      <p:sp>
+        <p:nvSpPr>
+          <p:cNvPr id="2" name="Title 1">
+            <a:extLst>
+              <a:ext uri="{FF2B5EF4-FFF2-40B4-BE49-F238E27FC236}">
                 <a16:creationId xmlns:a16="http://schemas.microsoft.com/office/drawing/2014/main" id="{835F1D7F-7A88-46BC-B4A7-9FB2F303F42B}"/>
               </a:ext>
             </a:extLst>
@@ -16767,7 +16970,7 @@
           <a:p>
             <a:fld id="{7A14B680-E159-ED46-B89B-60C427FC4DF1}" type="datetime4">
               <a:rPr lang="en-US" smtClean="0"/>
-              <a:t>July 12, 2021</a:t>
+              <a:t>July 19, 2021</a:t>
             </a:fld>
             <a:endParaRPr lang="nl-NL" dirty="0"/>
           </a:p>
@@ -16812,11 +17015,11 @@
   <p:clrMapOvr>
     <a:masterClrMapping/>
   </p:clrMapOvr>
-  <mc:AlternateContent xmlns:mc="http://schemas.openxmlformats.org/markup-compatibility/2006">
-    <mc:Choice xmlns:p14="http://schemas.microsoft.com/office/powerpoint/2010/main" Requires="p14">
+  <mc:AlternateContent xmlns:mc="http://schemas.openxmlformats.org/markup-compatibility/2006" xmlns:p14="http://schemas.microsoft.com/office/powerpoint/2010/main">
+    <mc:Choice Requires="p14">
       <p:transition p14:dur="0"/>
     </mc:Choice>
-    <mc:Fallback>
+    <mc:Fallback xmlns="">
       <p:transition/>
     </mc:Fallback>
   </mc:AlternateContent>
@@ -17052,168 +17255,6 @@
 </p:sld>
 </file>
 
-<file path=ppt/slides/slide31.xml><?xml version="1.0" encoding="utf-8"?>
-<p:sld xmlns:a="http://schemas.openxmlformats.org/drawingml/2006/main" xmlns:r="http://schemas.openxmlformats.org/officeDocument/2006/relationships" xmlns:p="http://schemas.openxmlformats.org/presentationml/2006/main">
-  <p:cSld>
-    <p:spTree>
-      <p:nvGrpSpPr>
-        <p:cNvPr id="1" name=""/>
-        <p:cNvGrpSpPr/>
-        <p:nvPr/>
-      </p:nvGrpSpPr>
-      <p:grpSpPr>
-        <a:xfrm>
-          <a:off x="0" y="0"/>
-          <a:ext cx="0" cy="0"/>
-          <a:chOff x="0" y="0"/>
-          <a:chExt cx="0" cy="0"/>
-        </a:xfrm>
-      </p:grpSpPr>
-      <p:sp>
-        <p:nvSpPr>
-          <p:cNvPr id="2" name="Title 1">
-            <a:extLst>
-              <a:ext uri="{FF2B5EF4-FFF2-40B4-BE49-F238E27FC236}">
-                <a16:creationId xmlns:a16="http://schemas.microsoft.com/office/drawing/2014/main" id="{D61FE9D0-C299-4444-9AE7-7EA0BE2DFF21}"/>
-              </a:ext>
-            </a:extLst>
-          </p:cNvPr>
-          <p:cNvSpPr>
-            <a:spLocks noGrp="1"/>
-          </p:cNvSpPr>
-          <p:nvPr>
-            <p:ph type="title"/>
-          </p:nvPr>
-        </p:nvSpPr>
-        <p:spPr/>
-        <p:txBody>
-          <a:bodyPr/>
-          <a:lstStyle/>
-          <a:p>
-            <a:pPr algn="ctr"/>
-            <a:r>
-              <a:rPr lang="en-US" dirty="0"/>
-              <a:t>Stubbing &amp; Mocking</a:t>
-            </a:r>
-            <a:br>
-              <a:rPr lang="en-US" dirty="0"/>
-            </a:br>
-            <a:r>
-              <a:rPr lang="en-US" dirty="0"/>
-              <a:t>DEMO</a:t>
-            </a:r>
-          </a:p>
-        </p:txBody>
-      </p:sp>
-      <p:sp>
-        <p:nvSpPr>
-          <p:cNvPr id="4" name="Date Placeholder 3">
-            <a:extLst>
-              <a:ext uri="{FF2B5EF4-FFF2-40B4-BE49-F238E27FC236}">
-                <a16:creationId xmlns:a16="http://schemas.microsoft.com/office/drawing/2014/main" id="{0A46ED0D-6B0C-4BF5-A7D1-7C5A346A8AB3}"/>
-              </a:ext>
-            </a:extLst>
-          </p:cNvPr>
-          <p:cNvSpPr>
-            <a:spLocks noGrp="1"/>
-          </p:cNvSpPr>
-          <p:nvPr>
-            <p:ph type="dt" sz="half" idx="10"/>
-          </p:nvPr>
-        </p:nvSpPr>
-        <p:spPr/>
-        <p:txBody>
-          <a:bodyPr/>
-          <a:lstStyle/>
-          <a:p>
-            <a:fld id="{7A14B680-E159-ED46-B89B-60C427FC4DF1}" type="datetime4">
-              <a:rPr lang="en-US" smtClean="0"/>
-              <a:t>July 12, 2021</a:t>
-            </a:fld>
-            <a:endParaRPr lang="nl-NL" dirty="0"/>
-          </a:p>
-        </p:txBody>
-      </p:sp>
-      <p:sp>
-        <p:nvSpPr>
-          <p:cNvPr id="5" name="Footer Placeholder 4">
-            <a:extLst>
-              <a:ext uri="{FF2B5EF4-FFF2-40B4-BE49-F238E27FC236}">
-                <a16:creationId xmlns:a16="http://schemas.microsoft.com/office/drawing/2014/main" id="{004923E0-0293-4D40-83DB-F3DBB5D15EB1}"/>
-              </a:ext>
-            </a:extLst>
-          </p:cNvPr>
-          <p:cNvSpPr>
-            <a:spLocks noGrp="1"/>
-          </p:cNvSpPr>
-          <p:nvPr>
-            <p:ph type="ftr" sz="quarter" idx="11"/>
-          </p:nvPr>
-        </p:nvSpPr>
-        <p:spPr/>
-        <p:txBody>
-          <a:bodyPr/>
-          <a:lstStyle/>
-          <a:p>
-            <a:r>
-              <a:rPr lang="nl-NL"/>
-              <a:t>TITLE PRESENTATION</a:t>
-            </a:r>
-            <a:endParaRPr lang="nl-NL" dirty="0"/>
-          </a:p>
-        </p:txBody>
-      </p:sp>
-      <p:sp>
-        <p:nvSpPr>
-          <p:cNvPr id="3" name="Content Placeholder 2">
-            <a:extLst>
-              <a:ext uri="{FF2B5EF4-FFF2-40B4-BE49-F238E27FC236}">
-                <a16:creationId xmlns:a16="http://schemas.microsoft.com/office/drawing/2014/main" id="{4EE519B7-FE09-44A6-B5B0-1C8655361CD7}"/>
-              </a:ext>
-            </a:extLst>
-          </p:cNvPr>
-          <p:cNvSpPr>
-            <a:spLocks noGrp="1"/>
-          </p:cNvSpPr>
-          <p:nvPr>
-            <p:ph idx="1"/>
-          </p:nvPr>
-        </p:nvSpPr>
-        <p:spPr/>
-        <p:txBody>
-          <a:bodyPr/>
-          <a:lstStyle/>
-          <a:p>
-            <a:pPr>
-              <a:lnSpc>
-                <a:spcPct val="200000"/>
-              </a:lnSpc>
-            </a:pPr>
-            <a:endParaRPr lang="en-US" dirty="0"/>
-          </a:p>
-        </p:txBody>
-      </p:sp>
-    </p:spTree>
-    <p:extLst>
-      <p:ext uri="{BB962C8B-B14F-4D97-AF65-F5344CB8AC3E}">
-        <p14:creationId xmlns:p14="http://schemas.microsoft.com/office/powerpoint/2010/main" val="578487065"/>
-      </p:ext>
-    </p:extLst>
-  </p:cSld>
-  <p:clrMapOvr>
-    <a:masterClrMapping/>
-  </p:clrMapOvr>
-  <mc:AlternateContent xmlns:mc="http://schemas.openxmlformats.org/markup-compatibility/2006">
-    <mc:Choice xmlns:p14="http://schemas.microsoft.com/office/powerpoint/2010/main" Requires="p14">
-      <p:transition p14:dur="0"/>
-    </mc:Choice>
-    <mc:Fallback>
-      <p:transition/>
-    </mc:Fallback>
-  </mc:AlternateContent>
-</p:sld>
-</file>
-
 <file path=ppt/slides/slide32.xml><?xml version="1.0" encoding="utf-8"?>
 <p:sld xmlns:a="http://schemas.openxmlformats.org/drawingml/2006/main" xmlns:r="http://schemas.openxmlformats.org/officeDocument/2006/relationships" xmlns:p="http://schemas.openxmlformats.org/presentationml/2006/main">
   <p:cSld>
@@ -17236,7 +17277,7 @@
           <p:cNvPr id="2" name="Title 1">
             <a:extLst>
               <a:ext uri="{FF2B5EF4-FFF2-40B4-BE49-F238E27FC236}">
-                <a16:creationId xmlns:a16="http://schemas.microsoft.com/office/drawing/2014/main" id="{9D0BBEE7-7005-4586-ADE6-67B7A2BCD8F1}"/>
+                <a16:creationId xmlns:a16="http://schemas.microsoft.com/office/drawing/2014/main" id="{D61FE9D0-C299-4444-9AE7-7EA0BE2DFF21}"/>
               </a:ext>
             </a:extLst>
           </p:cNvPr>
@@ -17255,8 +17296,73 @@
             <a:pPr algn="ctr"/>
             <a:r>
               <a:rPr lang="en-US" dirty="0"/>
-              <a:t>Unit Tests vs Integration Tests</a:t>
-            </a:r>
+              <a:t>Stubbing &amp; Mocking</a:t>
+            </a:r>
+            <a:br>
+              <a:rPr lang="en-US" dirty="0"/>
+            </a:br>
+            <a:r>
+              <a:rPr lang="en-US" dirty="0"/>
+              <a:t>DEMO</a:t>
+            </a:r>
+          </a:p>
+        </p:txBody>
+      </p:sp>
+      <p:sp>
+        <p:nvSpPr>
+          <p:cNvPr id="4" name="Date Placeholder 3">
+            <a:extLst>
+              <a:ext uri="{FF2B5EF4-FFF2-40B4-BE49-F238E27FC236}">
+                <a16:creationId xmlns:a16="http://schemas.microsoft.com/office/drawing/2014/main" id="{0A46ED0D-6B0C-4BF5-A7D1-7C5A346A8AB3}"/>
+              </a:ext>
+            </a:extLst>
+          </p:cNvPr>
+          <p:cNvSpPr>
+            <a:spLocks noGrp="1"/>
+          </p:cNvSpPr>
+          <p:nvPr>
+            <p:ph type="dt" sz="half" idx="10"/>
+          </p:nvPr>
+        </p:nvSpPr>
+        <p:spPr/>
+        <p:txBody>
+          <a:bodyPr/>
+          <a:lstStyle/>
+          <a:p>
+            <a:fld id="{7A14B680-E159-ED46-B89B-60C427FC4DF1}" type="datetime4">
+              <a:rPr lang="en-US" smtClean="0"/>
+              <a:t>July 19, 2021</a:t>
+            </a:fld>
+            <a:endParaRPr lang="nl-NL" dirty="0"/>
+          </a:p>
+        </p:txBody>
+      </p:sp>
+      <p:sp>
+        <p:nvSpPr>
+          <p:cNvPr id="5" name="Footer Placeholder 4">
+            <a:extLst>
+              <a:ext uri="{FF2B5EF4-FFF2-40B4-BE49-F238E27FC236}">
+                <a16:creationId xmlns:a16="http://schemas.microsoft.com/office/drawing/2014/main" id="{004923E0-0293-4D40-83DB-F3DBB5D15EB1}"/>
+              </a:ext>
+            </a:extLst>
+          </p:cNvPr>
+          <p:cNvSpPr>
+            <a:spLocks noGrp="1"/>
+          </p:cNvSpPr>
+          <p:nvPr>
+            <p:ph type="ftr" sz="quarter" idx="11"/>
+          </p:nvPr>
+        </p:nvSpPr>
+        <p:spPr/>
+        <p:txBody>
+          <a:bodyPr/>
+          <a:lstStyle/>
+          <a:p>
+            <a:r>
+              <a:rPr lang="nl-NL"/>
+              <a:t>TITLE PRESENTATION</a:t>
+            </a:r>
+            <a:endParaRPr lang="nl-NL" dirty="0"/>
           </a:p>
         </p:txBody>
       </p:sp>
@@ -17265,7 +17371,7 @@
           <p:cNvPr id="3" name="Content Placeholder 2">
             <a:extLst>
               <a:ext uri="{FF2B5EF4-FFF2-40B4-BE49-F238E27FC236}">
-                <a16:creationId xmlns:a16="http://schemas.microsoft.com/office/drawing/2014/main" id="{6E041DA7-B58F-4A84-A30A-12D46BFB7700}"/>
+                <a16:creationId xmlns:a16="http://schemas.microsoft.com/office/drawing/2014/main" id="{4EE519B7-FE09-44A6-B5B0-1C8655361CD7}"/>
               </a:ext>
             </a:extLst>
           </p:cNvPr>
@@ -17281,83 +17387,30 @@
           <a:bodyPr/>
           <a:lstStyle/>
           <a:p>
-            <a:endParaRPr lang="en-US"/>
-          </a:p>
-        </p:txBody>
-      </p:sp>
-      <p:sp>
-        <p:nvSpPr>
-          <p:cNvPr id="4" name="Date Placeholder 3">
-            <a:extLst>
-              <a:ext uri="{FF2B5EF4-FFF2-40B4-BE49-F238E27FC236}">
-                <a16:creationId xmlns:a16="http://schemas.microsoft.com/office/drawing/2014/main" id="{1EC46BA9-B46B-4887-BF69-7067D4885ABF}"/>
-              </a:ext>
-            </a:extLst>
-          </p:cNvPr>
-          <p:cNvSpPr>
-            <a:spLocks noGrp="1"/>
-          </p:cNvSpPr>
-          <p:nvPr>
-            <p:ph type="dt" sz="half" idx="10"/>
-          </p:nvPr>
-        </p:nvSpPr>
-        <p:spPr/>
-        <p:txBody>
-          <a:bodyPr/>
-          <a:lstStyle/>
-          <a:p>
-            <a:fld id="{7A14B680-E159-ED46-B89B-60C427FC4DF1}" type="datetime4">
-              <a:rPr lang="en-US" smtClean="0"/>
-              <a:t>July 12, 2021</a:t>
-            </a:fld>
-            <a:endParaRPr lang="nl-NL" dirty="0"/>
-          </a:p>
-        </p:txBody>
-      </p:sp>
-      <p:sp>
-        <p:nvSpPr>
-          <p:cNvPr id="5" name="Footer Placeholder 4">
-            <a:extLst>
-              <a:ext uri="{FF2B5EF4-FFF2-40B4-BE49-F238E27FC236}">
-                <a16:creationId xmlns:a16="http://schemas.microsoft.com/office/drawing/2014/main" id="{BFEFC58E-C303-4E2B-8A96-96521C50EB6C}"/>
-              </a:ext>
-            </a:extLst>
-          </p:cNvPr>
-          <p:cNvSpPr>
-            <a:spLocks noGrp="1"/>
-          </p:cNvSpPr>
-          <p:nvPr>
-            <p:ph type="ftr" sz="quarter" idx="11"/>
-          </p:nvPr>
-        </p:nvSpPr>
-        <p:spPr/>
-        <p:txBody>
-          <a:bodyPr/>
-          <a:lstStyle/>
-          <a:p>
-            <a:r>
-              <a:rPr lang="nl-NL"/>
-              <a:t>TITLE PRESENTATION</a:t>
-            </a:r>
-            <a:endParaRPr lang="nl-NL" dirty="0"/>
+            <a:pPr>
+              <a:lnSpc>
+                <a:spcPct val="200000"/>
+              </a:lnSpc>
+            </a:pPr>
+            <a:endParaRPr lang="en-US" dirty="0"/>
           </a:p>
         </p:txBody>
       </p:sp>
     </p:spTree>
     <p:extLst>
       <p:ext uri="{BB962C8B-B14F-4D97-AF65-F5344CB8AC3E}">
-        <p14:creationId xmlns:p14="http://schemas.microsoft.com/office/powerpoint/2010/main" val="1723526792"/>
+        <p14:creationId xmlns:p14="http://schemas.microsoft.com/office/powerpoint/2010/main" val="578487065"/>
       </p:ext>
     </p:extLst>
   </p:cSld>
   <p:clrMapOvr>
     <a:masterClrMapping/>
   </p:clrMapOvr>
-  <mc:AlternateContent xmlns:mc="http://schemas.openxmlformats.org/markup-compatibility/2006">
-    <mc:Choice xmlns:p14="http://schemas.microsoft.com/office/powerpoint/2010/main" Requires="p14">
+  <mc:AlternateContent xmlns:mc="http://schemas.openxmlformats.org/markup-compatibility/2006" xmlns:p14="http://schemas.microsoft.com/office/powerpoint/2010/main">
+    <mc:Choice Requires="p14">
       <p:transition p14:dur="0"/>
     </mc:Choice>
-    <mc:Fallback>
+    <mc:Fallback xmlns="">
       <p:transition/>
     </mc:Fallback>
   </mc:AlternateContent>
@@ -17431,18 +17484,7 @@
           <a:bodyPr/>
           <a:lstStyle/>
           <a:p>
-            <a:endParaRPr lang="en-US" dirty="0"/>
-          </a:p>
-          <a:p>
-            <a:pPr>
-              <a:lnSpc>
-                <a:spcPct val="150000"/>
-              </a:lnSpc>
-            </a:pPr>
-            <a:r>
-              <a:rPr lang="en-US" dirty="0"/>
-              <a:t>“Integration tests ensure that an app's components function correctly at a level that includes the app's supporting infrastructure, such as the database, file system, and network.”</a:t>
-            </a:r>
+            <a:endParaRPr lang="en-US"/>
           </a:p>
         </p:txBody>
       </p:sp>
@@ -17469,7 +17511,7 @@
           <a:p>
             <a:fld id="{7A14B680-E159-ED46-B89B-60C427FC4DF1}" type="datetime4">
               <a:rPr lang="en-US" smtClean="0"/>
-              <a:t>July 12, 2021</a:t>
+              <a:t>July 19, 2021</a:t>
             </a:fld>
             <a:endParaRPr lang="nl-NL" dirty="0"/>
           </a:p>
@@ -17507,18 +17549,18 @@
     </p:spTree>
     <p:extLst>
       <p:ext uri="{BB962C8B-B14F-4D97-AF65-F5344CB8AC3E}">
-        <p14:creationId xmlns:p14="http://schemas.microsoft.com/office/powerpoint/2010/main" val="2183642599"/>
+        <p14:creationId xmlns:p14="http://schemas.microsoft.com/office/powerpoint/2010/main" val="1723526792"/>
       </p:ext>
     </p:extLst>
   </p:cSld>
   <p:clrMapOvr>
     <a:masterClrMapping/>
   </p:clrMapOvr>
-  <mc:AlternateContent xmlns:mc="http://schemas.openxmlformats.org/markup-compatibility/2006">
-    <mc:Choice xmlns:p14="http://schemas.microsoft.com/office/powerpoint/2010/main" Requires="p14">
+  <mc:AlternateContent xmlns:mc="http://schemas.openxmlformats.org/markup-compatibility/2006" xmlns:p14="http://schemas.microsoft.com/office/powerpoint/2010/main">
+    <mc:Choice Requires="p14">
       <p:transition p14:dur="0"/>
     </mc:Choice>
-    <mc:Fallback>
+    <mc:Fallback xmlns="">
       <p:transition/>
     </mc:Fallback>
   </mc:AlternateContent>
@@ -17605,35 +17647,6 @@
               <a:t>“Integration tests ensure that an app's components function correctly at a level that includes the app's supporting infrastructure, such as the database, file system, and network.”</a:t>
             </a:r>
           </a:p>
-          <a:p>
-            <a:pPr>
-              <a:lnSpc>
-                <a:spcPct val="150000"/>
-              </a:lnSpc>
-            </a:pPr>
-            <a:r>
-              <a:rPr lang="en-US" dirty="0"/>
-              <a:t>“Integration tests evaluate an app's components on a broader level than </a:t>
-            </a:r>
-            <a:r>
-              <a:rPr lang="en-US" u="sng" dirty="0">
-                <a:hlinkClick r:id="rId3"/>
-              </a:rPr>
-              <a:t>unit tests</a:t>
-            </a:r>
-            <a:r>
-              <a:rPr lang="en-US" dirty="0"/>
-              <a:t>.”</a:t>
-            </a:r>
-          </a:p>
-          <a:p>
-            <a:pPr>
-              <a:lnSpc>
-                <a:spcPct val="150000"/>
-              </a:lnSpc>
-            </a:pPr>
-            <a:endParaRPr lang="en-US" dirty="0"/>
-          </a:p>
         </p:txBody>
       </p:sp>
       <p:sp>
@@ -17659,7 +17672,7 @@
           <a:p>
             <a:fld id="{7A14B680-E159-ED46-B89B-60C427FC4DF1}" type="datetime4">
               <a:rPr lang="en-US" smtClean="0"/>
-              <a:t>July 12, 2021</a:t>
+              <a:t>July 19, 2021</a:t>
             </a:fld>
             <a:endParaRPr lang="nl-NL" dirty="0"/>
           </a:p>
@@ -17697,18 +17710,18 @@
     </p:spTree>
     <p:extLst>
       <p:ext uri="{BB962C8B-B14F-4D97-AF65-F5344CB8AC3E}">
-        <p14:creationId xmlns:p14="http://schemas.microsoft.com/office/powerpoint/2010/main" val="2422816207"/>
+        <p14:creationId xmlns:p14="http://schemas.microsoft.com/office/powerpoint/2010/main" val="2183642599"/>
       </p:ext>
     </p:extLst>
   </p:cSld>
   <p:clrMapOvr>
     <a:masterClrMapping/>
   </p:clrMapOvr>
-  <mc:AlternateContent xmlns:mc="http://schemas.openxmlformats.org/markup-compatibility/2006">
-    <mc:Choice xmlns:p14="http://schemas.microsoft.com/office/powerpoint/2010/main" Requires="p14">
+  <mc:AlternateContent xmlns:mc="http://schemas.openxmlformats.org/markup-compatibility/2006" xmlns:p14="http://schemas.microsoft.com/office/powerpoint/2010/main">
+    <mc:Choice Requires="p14">
       <p:transition p14:dur="0"/>
     </mc:Choice>
-    <mc:Fallback>
+    <mc:Fallback xmlns="">
       <p:transition/>
     </mc:Fallback>
   </mc:AlternateContent>
@@ -17782,15 +17795,47 @@
           <a:bodyPr/>
           <a:lstStyle/>
           <a:p>
+            <a:endParaRPr lang="en-US" dirty="0"/>
+          </a:p>
+          <a:p>
             <a:pPr>
               <a:lnSpc>
-                <a:spcPct val="200000"/>
+                <a:spcPct val="150000"/>
               </a:lnSpc>
             </a:pPr>
             <a:r>
               <a:rPr lang="en-US" dirty="0"/>
-              <a:t>In contrast to unit tests, integration tests:</a:t>
-            </a:r>
+              <a:t>“Integration tests ensure that an app's components function correctly at a level that includes the app's supporting infrastructure, such as the database, file system, and network.”</a:t>
+            </a:r>
+          </a:p>
+          <a:p>
+            <a:pPr>
+              <a:lnSpc>
+                <a:spcPct val="150000"/>
+              </a:lnSpc>
+            </a:pPr>
+            <a:r>
+              <a:rPr lang="en-US" dirty="0"/>
+              <a:t>“Integration tests evaluate an app's components on a broader level than </a:t>
+            </a:r>
+            <a:r>
+              <a:rPr lang="en-US" u="sng" dirty="0">
+                <a:hlinkClick r:id="rId3"/>
+              </a:rPr>
+              <a:t>unit tests</a:t>
+            </a:r>
+            <a:r>
+              <a:rPr lang="en-US" dirty="0"/>
+              <a:t>.”</a:t>
+            </a:r>
+          </a:p>
+          <a:p>
+            <a:pPr>
+              <a:lnSpc>
+                <a:spcPct val="150000"/>
+              </a:lnSpc>
+            </a:pPr>
+            <a:endParaRPr lang="en-US" dirty="0"/>
           </a:p>
         </p:txBody>
       </p:sp>
@@ -17817,7 +17862,7 @@
           <a:p>
             <a:fld id="{7A14B680-E159-ED46-B89B-60C427FC4DF1}" type="datetime4">
               <a:rPr lang="en-US" smtClean="0"/>
-              <a:t>July 12, 2021</a:t>
+              <a:t>July 19, 2021</a:t>
             </a:fld>
             <a:endParaRPr lang="nl-NL" dirty="0"/>
           </a:p>
@@ -17855,18 +17900,18 @@
     </p:spTree>
     <p:extLst>
       <p:ext uri="{BB962C8B-B14F-4D97-AF65-F5344CB8AC3E}">
-        <p14:creationId xmlns:p14="http://schemas.microsoft.com/office/powerpoint/2010/main" val="2511066021"/>
+        <p14:creationId xmlns:p14="http://schemas.microsoft.com/office/powerpoint/2010/main" val="2422816207"/>
       </p:ext>
     </p:extLst>
   </p:cSld>
   <p:clrMapOvr>
     <a:masterClrMapping/>
   </p:clrMapOvr>
-  <mc:AlternateContent xmlns:mc="http://schemas.openxmlformats.org/markup-compatibility/2006">
-    <mc:Choice xmlns:p14="http://schemas.microsoft.com/office/powerpoint/2010/main" Requires="p14">
+  <mc:AlternateContent xmlns:mc="http://schemas.openxmlformats.org/markup-compatibility/2006" xmlns:p14="http://schemas.microsoft.com/office/powerpoint/2010/main">
+    <mc:Choice Requires="p14">
       <p:transition p14:dur="0"/>
     </mc:Choice>
-    <mc:Fallback>
+    <mc:Fallback xmlns="">
       <p:transition/>
     </mc:Fallback>
   </mc:AlternateContent>
@@ -17950,17 +17995,6 @@
               <a:t>In contrast to unit tests, integration tests:</a:t>
             </a:r>
           </a:p>
-          <a:p>
-            <a:pPr lvl="1">
-              <a:lnSpc>
-                <a:spcPct val="200000"/>
-              </a:lnSpc>
-            </a:pPr>
-            <a:r>
-              <a:rPr lang="en-US" dirty="0"/>
-              <a:t>Use the actual components that the app uses in production.</a:t>
-            </a:r>
-          </a:p>
         </p:txBody>
       </p:sp>
       <p:sp>
@@ -17986,7 +18020,7 @@
           <a:p>
             <a:fld id="{7A14B680-E159-ED46-B89B-60C427FC4DF1}" type="datetime4">
               <a:rPr lang="en-US" smtClean="0"/>
-              <a:t>July 12, 2021</a:t>
+              <a:t>July 19, 2021</a:t>
             </a:fld>
             <a:endParaRPr lang="nl-NL" dirty="0"/>
           </a:p>
@@ -18024,18 +18058,18 @@
     </p:spTree>
     <p:extLst>
       <p:ext uri="{BB962C8B-B14F-4D97-AF65-F5344CB8AC3E}">
-        <p14:creationId xmlns:p14="http://schemas.microsoft.com/office/powerpoint/2010/main" val="652764646"/>
+        <p14:creationId xmlns:p14="http://schemas.microsoft.com/office/powerpoint/2010/main" val="2511066021"/>
       </p:ext>
     </p:extLst>
   </p:cSld>
   <p:clrMapOvr>
     <a:masterClrMapping/>
   </p:clrMapOvr>
-  <mc:AlternateContent xmlns:mc="http://schemas.openxmlformats.org/markup-compatibility/2006">
-    <mc:Choice xmlns:p14="http://schemas.microsoft.com/office/powerpoint/2010/main" Requires="p14">
+  <mc:AlternateContent xmlns:mc="http://schemas.openxmlformats.org/markup-compatibility/2006" xmlns:p14="http://schemas.microsoft.com/office/powerpoint/2010/main">
+    <mc:Choice Requires="p14">
       <p:transition p14:dur="0"/>
     </mc:Choice>
-    <mc:Fallback>
+    <mc:Fallback xmlns="">
       <p:transition/>
     </mc:Fallback>
   </mc:AlternateContent>
@@ -18130,17 +18164,6 @@
               <a:t>Use the actual components that the app uses in production.</a:t>
             </a:r>
           </a:p>
-          <a:p>
-            <a:pPr lvl="1">
-              <a:lnSpc>
-                <a:spcPct val="200000"/>
-              </a:lnSpc>
-            </a:pPr>
-            <a:r>
-              <a:rPr lang="en-US" dirty="0"/>
-              <a:t>Require more code and data processing.</a:t>
-            </a:r>
-          </a:p>
         </p:txBody>
       </p:sp>
       <p:sp>
@@ -18166,7 +18189,7 @@
           <a:p>
             <a:fld id="{7A14B680-E159-ED46-B89B-60C427FC4DF1}" type="datetime4">
               <a:rPr lang="en-US" smtClean="0"/>
-              <a:t>July 12, 2021</a:t>
+              <a:t>July 19, 2021</a:t>
             </a:fld>
             <a:endParaRPr lang="nl-NL" dirty="0"/>
           </a:p>
@@ -18204,18 +18227,18 @@
     </p:spTree>
     <p:extLst>
       <p:ext uri="{BB962C8B-B14F-4D97-AF65-F5344CB8AC3E}">
-        <p14:creationId xmlns:p14="http://schemas.microsoft.com/office/powerpoint/2010/main" val="722777993"/>
+        <p14:creationId xmlns:p14="http://schemas.microsoft.com/office/powerpoint/2010/main" val="652764646"/>
       </p:ext>
     </p:extLst>
   </p:cSld>
   <p:clrMapOvr>
     <a:masterClrMapping/>
   </p:clrMapOvr>
-  <mc:AlternateContent xmlns:mc="http://schemas.openxmlformats.org/markup-compatibility/2006">
-    <mc:Choice xmlns:p14="http://schemas.microsoft.com/office/powerpoint/2010/main" Requires="p14">
+  <mc:AlternateContent xmlns:mc="http://schemas.openxmlformats.org/markup-compatibility/2006" xmlns:p14="http://schemas.microsoft.com/office/powerpoint/2010/main">
+    <mc:Choice Requires="p14">
       <p:transition p14:dur="0"/>
     </mc:Choice>
-    <mc:Fallback>
+    <mc:Fallback xmlns="">
       <p:transition/>
     </mc:Fallback>
   </mc:AlternateContent>
@@ -18321,18 +18344,6 @@
               <a:t>Require more code and data processing.</a:t>
             </a:r>
           </a:p>
-          <a:p>
-            <a:pPr lvl="1">
-              <a:lnSpc>
-                <a:spcPct val="200000"/>
-              </a:lnSpc>
-            </a:pPr>
-            <a:r>
-              <a:rPr lang="en-GB" dirty="0"/>
-              <a:t>Take longer to run.</a:t>
-            </a:r>
-            <a:endParaRPr lang="en-US" dirty="0"/>
-          </a:p>
         </p:txBody>
       </p:sp>
       <p:sp>
@@ -18358,7 +18369,7 @@
           <a:p>
             <a:fld id="{7A14B680-E159-ED46-B89B-60C427FC4DF1}" type="datetime4">
               <a:rPr lang="en-US" smtClean="0"/>
-              <a:t>July 12, 2021</a:t>
+              <a:t>July 19, 2021</a:t>
             </a:fld>
             <a:endParaRPr lang="nl-NL" dirty="0"/>
           </a:p>
@@ -18396,18 +18407,18 @@
     </p:spTree>
     <p:extLst>
       <p:ext uri="{BB962C8B-B14F-4D97-AF65-F5344CB8AC3E}">
-        <p14:creationId xmlns:p14="http://schemas.microsoft.com/office/powerpoint/2010/main" val="775774211"/>
+        <p14:creationId xmlns:p14="http://schemas.microsoft.com/office/powerpoint/2010/main" val="722777993"/>
       </p:ext>
     </p:extLst>
   </p:cSld>
   <p:clrMapOvr>
     <a:masterClrMapping/>
   </p:clrMapOvr>
-  <mc:AlternateContent xmlns:mc="http://schemas.openxmlformats.org/markup-compatibility/2006">
-    <mc:Choice xmlns:p14="http://schemas.microsoft.com/office/powerpoint/2010/main" Requires="p14">
+  <mc:AlternateContent xmlns:mc="http://schemas.openxmlformats.org/markup-compatibility/2006" xmlns:p14="http://schemas.microsoft.com/office/powerpoint/2010/main">
+    <mc:Choice Requires="p14">
       <p:transition p14:dur="0"/>
     </mc:Choice>
-    <mc:Fallback>
+    <mc:Fallback xmlns="">
       <p:transition/>
     </mc:Fallback>
   </mc:AlternateContent>
@@ -18436,7 +18447,7 @@
           <p:cNvPr id="2" name="Title 1">
             <a:extLst>
               <a:ext uri="{FF2B5EF4-FFF2-40B4-BE49-F238E27FC236}">
-                <a16:creationId xmlns:a16="http://schemas.microsoft.com/office/drawing/2014/main" id="{84344988-14EA-484C-BB32-DFC1618130EE}"/>
+                <a16:creationId xmlns:a16="http://schemas.microsoft.com/office/drawing/2014/main" id="{9D0BBEE7-7005-4586-ADE6-67B7A2BCD8F1}"/>
               </a:ext>
             </a:extLst>
           </p:cNvPr>
@@ -18455,7 +18466,7 @@
             <a:pPr algn="ctr"/>
             <a:r>
               <a:rPr lang="en-US" dirty="0"/>
-              <a:t>TDD</a:t>
+              <a:t>Unit Tests vs Integration Tests</a:t>
             </a:r>
           </a:p>
         </p:txBody>
@@ -18465,7 +18476,7 @@
           <p:cNvPr id="3" name="Content Placeholder 2">
             <a:extLst>
               <a:ext uri="{FF2B5EF4-FFF2-40B4-BE49-F238E27FC236}">
-                <a16:creationId xmlns:a16="http://schemas.microsoft.com/office/drawing/2014/main" id="{FCB5B570-6622-4D29-AD20-EE403B162046}"/>
+                <a16:creationId xmlns:a16="http://schemas.microsoft.com/office/drawing/2014/main" id="{6E041DA7-B58F-4A84-A30A-12D46BFB7700}"/>
               </a:ext>
             </a:extLst>
           </p:cNvPr>
@@ -18481,10 +18492,49 @@
           <a:bodyPr/>
           <a:lstStyle/>
           <a:p>
-            <a:r>
-              <a:rPr lang="en-US" b="1" dirty="0"/>
-              <a:t>What is TDD?</a:t>
-            </a:r>
+            <a:pPr>
+              <a:lnSpc>
+                <a:spcPct val="200000"/>
+              </a:lnSpc>
+            </a:pPr>
+            <a:r>
+              <a:rPr lang="en-US" dirty="0"/>
+              <a:t>In contrast to unit tests, integration tests:</a:t>
+            </a:r>
+          </a:p>
+          <a:p>
+            <a:pPr lvl="1">
+              <a:lnSpc>
+                <a:spcPct val="200000"/>
+              </a:lnSpc>
+            </a:pPr>
+            <a:r>
+              <a:rPr lang="en-US" dirty="0"/>
+              <a:t>Use the actual components that the app uses in production.</a:t>
+            </a:r>
+          </a:p>
+          <a:p>
+            <a:pPr lvl="1">
+              <a:lnSpc>
+                <a:spcPct val="200000"/>
+              </a:lnSpc>
+            </a:pPr>
+            <a:r>
+              <a:rPr lang="en-US" dirty="0"/>
+              <a:t>Require more code and data processing.</a:t>
+            </a:r>
+          </a:p>
+          <a:p>
+            <a:pPr lvl="1">
+              <a:lnSpc>
+                <a:spcPct val="200000"/>
+              </a:lnSpc>
+            </a:pPr>
+            <a:r>
+              <a:rPr lang="en-GB" dirty="0"/>
+              <a:t>Take longer to run.</a:t>
+            </a:r>
+            <a:endParaRPr lang="en-US" dirty="0"/>
           </a:p>
         </p:txBody>
       </p:sp>
@@ -18493,7 +18543,7 @@
           <p:cNvPr id="4" name="Date Placeholder 3">
             <a:extLst>
               <a:ext uri="{FF2B5EF4-FFF2-40B4-BE49-F238E27FC236}">
-                <a16:creationId xmlns:a16="http://schemas.microsoft.com/office/drawing/2014/main" id="{1DFDCBAE-6F34-4D99-B544-7DF7485BF4F8}"/>
+                <a16:creationId xmlns:a16="http://schemas.microsoft.com/office/drawing/2014/main" id="{1EC46BA9-B46B-4887-BF69-7067D4885ABF}"/>
               </a:ext>
             </a:extLst>
           </p:cNvPr>
@@ -18511,7 +18561,7 @@
           <a:p>
             <a:fld id="{7A14B680-E159-ED46-B89B-60C427FC4DF1}" type="datetime4">
               <a:rPr lang="en-US" smtClean="0"/>
-              <a:t>July 12, 2021</a:t>
+              <a:t>July 19, 2021</a:t>
             </a:fld>
             <a:endParaRPr lang="nl-NL" dirty="0"/>
           </a:p>
@@ -18522,7 +18572,7 @@
           <p:cNvPr id="5" name="Footer Placeholder 4">
             <a:extLst>
               <a:ext uri="{FF2B5EF4-FFF2-40B4-BE49-F238E27FC236}">
-                <a16:creationId xmlns:a16="http://schemas.microsoft.com/office/drawing/2014/main" id="{4C7F126D-EBA5-4902-A04A-F10EFDA34805}"/>
+                <a16:creationId xmlns:a16="http://schemas.microsoft.com/office/drawing/2014/main" id="{BFEFC58E-C303-4E2B-8A96-96521C50EB6C}"/>
               </a:ext>
             </a:extLst>
           </p:cNvPr>
@@ -18549,18 +18599,18 @@
     </p:spTree>
     <p:extLst>
       <p:ext uri="{BB962C8B-B14F-4D97-AF65-F5344CB8AC3E}">
-        <p14:creationId xmlns:p14="http://schemas.microsoft.com/office/powerpoint/2010/main" val="1723440800"/>
+        <p14:creationId xmlns:p14="http://schemas.microsoft.com/office/powerpoint/2010/main" val="775774211"/>
       </p:ext>
     </p:extLst>
   </p:cSld>
   <p:clrMapOvr>
     <a:masterClrMapping/>
   </p:clrMapOvr>
-  <mc:AlternateContent xmlns:mc="http://schemas.openxmlformats.org/markup-compatibility/2006">
-    <mc:Choice xmlns:p14="http://schemas.microsoft.com/office/powerpoint/2010/main" Requires="p14">
+  <mc:AlternateContent xmlns:mc="http://schemas.openxmlformats.org/markup-compatibility/2006" xmlns:p14="http://schemas.microsoft.com/office/powerpoint/2010/main">
+    <mc:Choice Requires="p14">
       <p:transition p14:dur="0"/>
     </mc:Choice>
-    <mc:Fallback>
+    <mc:Fallback xmlns="">
       <p:transition/>
     </mc:Fallback>
   </mc:AlternateContent>
@@ -18624,7 +18674,7 @@
           <a:p>
             <a:fld id="{7A14B680-E159-ED46-B89B-60C427FC4DF1}" type="datetime4">
               <a:rPr lang="en-US" smtClean="0"/>
-              <a:t>July 12, 2021</a:t>
+              <a:t>July 19, 2021</a:t>
             </a:fld>
             <a:endParaRPr lang="nl-NL" dirty="0"/>
           </a:p>
@@ -18712,11 +18762,11 @@
   <p:clrMapOvr>
     <a:masterClrMapping/>
   </p:clrMapOvr>
-  <mc:AlternateContent xmlns:mc="http://schemas.openxmlformats.org/markup-compatibility/2006">
-    <mc:Choice xmlns:p14="http://schemas.microsoft.com/office/powerpoint/2010/main" Requires="p14">
+  <mc:AlternateContent xmlns:mc="http://schemas.openxmlformats.org/markup-compatibility/2006" xmlns:p14="http://schemas.microsoft.com/office/powerpoint/2010/main">
+    <mc:Choice Requires="p14">
       <p:transition p14:dur="0"/>
     </mc:Choice>
-    <mc:Fallback>
+    <mc:Fallback xmlns="">
       <p:transition/>
     </mc:Fallback>
   </mc:AlternateContent>
@@ -18795,43 +18845,6 @@
               <a:t>What is TDD?</a:t>
             </a:r>
           </a:p>
-          <a:p>
-            <a:endParaRPr lang="en-US" dirty="0"/>
-          </a:p>
-          <a:p>
-            <a:endParaRPr lang="en-US" dirty="0"/>
-          </a:p>
-          <a:p>
-            <a:pPr marL="0" indent="0">
-              <a:buNone/>
-            </a:pPr>
-            <a:r>
-              <a:rPr lang="en-US" dirty="0"/>
-              <a:t>“Test Driven Development (TDD henceforth) is an iterative process in which test cases are written before a solution is implemented. This practice is contrary to the tradition involving coding first and testing second.”  </a:t>
-            </a:r>
-          </a:p>
-          <a:p>
-            <a:pPr marL="0" indent="0">
-              <a:buNone/>
-            </a:pPr>
-            <a:endParaRPr lang="en-US" dirty="0"/>
-          </a:p>
-          <a:p>
-            <a:pPr marL="0" indent="0">
-              <a:buNone/>
-            </a:pPr>
-            <a:r>
-              <a:rPr lang="en-US" dirty="0"/>
-              <a:t>Source - </a:t>
-            </a:r>
-            <a:r>
-              <a:rPr lang="en-US" dirty="0">
-                <a:hlinkClick r:id="rId3"/>
-              </a:rPr>
-              <a:t>https://www.pluralsight.com/guides/software-delivery-using-test-driven-development-tdd</a:t>
-            </a:r>
-            <a:endParaRPr lang="en-US" dirty="0"/>
-          </a:p>
         </p:txBody>
       </p:sp>
       <p:sp>
@@ -18857,7 +18870,7 @@
           <a:p>
             <a:fld id="{7A14B680-E159-ED46-B89B-60C427FC4DF1}" type="datetime4">
               <a:rPr lang="en-US" smtClean="0"/>
-              <a:t>July 12, 2021</a:t>
+              <a:t>July 19, 2021</a:t>
             </a:fld>
             <a:endParaRPr lang="nl-NL" dirty="0"/>
           </a:p>
@@ -18895,18 +18908,18 @@
     </p:spTree>
     <p:extLst>
       <p:ext uri="{BB962C8B-B14F-4D97-AF65-F5344CB8AC3E}">
-        <p14:creationId xmlns:p14="http://schemas.microsoft.com/office/powerpoint/2010/main" val="2102002209"/>
+        <p14:creationId xmlns:p14="http://schemas.microsoft.com/office/powerpoint/2010/main" val="1723440800"/>
       </p:ext>
     </p:extLst>
   </p:cSld>
   <p:clrMapOvr>
     <a:masterClrMapping/>
   </p:clrMapOvr>
-  <mc:AlternateContent xmlns:mc="http://schemas.openxmlformats.org/markup-compatibility/2006">
-    <mc:Choice xmlns:p14="http://schemas.microsoft.com/office/powerpoint/2010/main" Requires="p14">
+  <mc:AlternateContent xmlns:mc="http://schemas.openxmlformats.org/markup-compatibility/2006" xmlns:p14="http://schemas.microsoft.com/office/powerpoint/2010/main">
+    <mc:Choice Requires="p14">
       <p:transition p14:dur="0"/>
     </mc:Choice>
-    <mc:Fallback>
+    <mc:Fallback xmlns="">
       <p:transition/>
     </mc:Fallback>
   </mc:AlternateContent>
@@ -18986,53 +18999,41 @@
             </a:r>
           </a:p>
           <a:p>
-            <a:endParaRPr lang="en-US" b="1" dirty="0"/>
-          </a:p>
-          <a:p>
-            <a:endParaRPr lang="en-US" b="1" dirty="0"/>
-          </a:p>
-          <a:p>
-            <a:endParaRPr lang="en-US" b="1" dirty="0"/>
-          </a:p>
-          <a:p>
-            <a:endParaRPr lang="en-US" b="1" dirty="0"/>
-          </a:p>
-          <a:p>
-            <a:endParaRPr lang="en-US" b="1" dirty="0"/>
-          </a:p>
-          <a:p>
-            <a:endParaRPr lang="en-US" b="1" dirty="0"/>
-          </a:p>
-          <a:p>
-            <a:endParaRPr lang="en-US" b="1" dirty="0"/>
-          </a:p>
-          <a:p>
-            <a:endParaRPr lang="en-US" b="1" dirty="0"/>
-          </a:p>
-          <a:p>
-            <a:endParaRPr lang="en-US" b="1" dirty="0"/>
+            <a:endParaRPr lang="en-US" dirty="0"/>
+          </a:p>
+          <a:p>
+            <a:endParaRPr lang="en-US" dirty="0"/>
           </a:p>
           <a:p>
             <a:pPr marL="0" indent="0">
               <a:buNone/>
             </a:pPr>
-            <a:endParaRPr lang="en-US" sz="1600" dirty="0"/>
+            <a:r>
+              <a:rPr lang="en-US" dirty="0"/>
+              <a:t>“Test Driven Development (TDD henceforth) is an iterative process in which test cases are written before a solution is implemented. This practice is contrary to the tradition involving coding first and testing second.”  </a:t>
+            </a:r>
           </a:p>
           <a:p>
             <a:pPr marL="0" indent="0">
               <a:buNone/>
             </a:pPr>
-            <a:r>
-              <a:rPr lang="en-US" sz="1600" dirty="0"/>
+            <a:endParaRPr lang="en-US" dirty="0"/>
+          </a:p>
+          <a:p>
+            <a:pPr marL="0" indent="0">
+              <a:buNone/>
+            </a:pPr>
+            <a:r>
+              <a:rPr lang="en-US" dirty="0"/>
               <a:t>Source - </a:t>
             </a:r>
             <a:r>
-              <a:rPr lang="en-US" sz="1600" dirty="0">
+              <a:rPr lang="en-US" dirty="0">
                 <a:hlinkClick r:id="rId3"/>
               </a:rPr>
-              <a:t>https://blog.cleancoder.com/uncle-bob/2014/12/17/TheCyclesOfTDD.html</a:t>
-            </a:r>
-            <a:endParaRPr lang="en-US" sz="1600" b="1" dirty="0"/>
+              <a:t>https://www.pluralsight.com/guides/software-delivery-using-test-driven-development-tdd</a:t>
+            </a:r>
+            <a:endParaRPr lang="en-US" dirty="0"/>
           </a:p>
         </p:txBody>
       </p:sp>
@@ -19059,7 +19060,209 @@
           <a:p>
             <a:fld id="{7A14B680-E159-ED46-B89B-60C427FC4DF1}" type="datetime4">
               <a:rPr lang="en-US" smtClean="0"/>
-              <a:t>July 12, 2021</a:t>
+              <a:t>July 19, 2021</a:t>
+            </a:fld>
+            <a:endParaRPr lang="nl-NL" dirty="0"/>
+          </a:p>
+        </p:txBody>
+      </p:sp>
+      <p:sp>
+        <p:nvSpPr>
+          <p:cNvPr id="5" name="Footer Placeholder 4">
+            <a:extLst>
+              <a:ext uri="{FF2B5EF4-FFF2-40B4-BE49-F238E27FC236}">
+                <a16:creationId xmlns:a16="http://schemas.microsoft.com/office/drawing/2014/main" id="{4C7F126D-EBA5-4902-A04A-F10EFDA34805}"/>
+              </a:ext>
+            </a:extLst>
+          </p:cNvPr>
+          <p:cNvSpPr>
+            <a:spLocks noGrp="1"/>
+          </p:cNvSpPr>
+          <p:nvPr>
+            <p:ph type="ftr" sz="quarter" idx="11"/>
+          </p:nvPr>
+        </p:nvSpPr>
+        <p:spPr/>
+        <p:txBody>
+          <a:bodyPr/>
+          <a:lstStyle/>
+          <a:p>
+            <a:r>
+              <a:rPr lang="nl-NL"/>
+              <a:t>TITLE PRESENTATION</a:t>
+            </a:r>
+            <a:endParaRPr lang="nl-NL" dirty="0"/>
+          </a:p>
+        </p:txBody>
+      </p:sp>
+    </p:spTree>
+    <p:extLst>
+      <p:ext uri="{BB962C8B-B14F-4D97-AF65-F5344CB8AC3E}">
+        <p14:creationId xmlns:p14="http://schemas.microsoft.com/office/powerpoint/2010/main" val="2102002209"/>
+      </p:ext>
+    </p:extLst>
+  </p:cSld>
+  <p:clrMapOvr>
+    <a:masterClrMapping/>
+  </p:clrMapOvr>
+  <mc:AlternateContent xmlns:mc="http://schemas.openxmlformats.org/markup-compatibility/2006" xmlns:p14="http://schemas.microsoft.com/office/powerpoint/2010/main">
+    <mc:Choice Requires="p14">
+      <p:transition p14:dur="0"/>
+    </mc:Choice>
+    <mc:Fallback xmlns="">
+      <p:transition/>
+    </mc:Fallback>
+  </mc:AlternateContent>
+</p:sld>
+</file>
+
+<file path=ppt/slides/slide42.xml><?xml version="1.0" encoding="utf-8"?>
+<p:sld xmlns:a="http://schemas.openxmlformats.org/drawingml/2006/main" xmlns:r="http://schemas.openxmlformats.org/officeDocument/2006/relationships" xmlns:p="http://schemas.openxmlformats.org/presentationml/2006/main">
+  <p:cSld>
+    <p:spTree>
+      <p:nvGrpSpPr>
+        <p:cNvPr id="1" name=""/>
+        <p:cNvGrpSpPr/>
+        <p:nvPr/>
+      </p:nvGrpSpPr>
+      <p:grpSpPr>
+        <a:xfrm>
+          <a:off x="0" y="0"/>
+          <a:ext cx="0" cy="0"/>
+          <a:chOff x="0" y="0"/>
+          <a:chExt cx="0" cy="0"/>
+        </a:xfrm>
+      </p:grpSpPr>
+      <p:sp>
+        <p:nvSpPr>
+          <p:cNvPr id="2" name="Title 1">
+            <a:extLst>
+              <a:ext uri="{FF2B5EF4-FFF2-40B4-BE49-F238E27FC236}">
+                <a16:creationId xmlns:a16="http://schemas.microsoft.com/office/drawing/2014/main" id="{84344988-14EA-484C-BB32-DFC1618130EE}"/>
+              </a:ext>
+            </a:extLst>
+          </p:cNvPr>
+          <p:cNvSpPr>
+            <a:spLocks noGrp="1"/>
+          </p:cNvSpPr>
+          <p:nvPr>
+            <p:ph type="title"/>
+          </p:nvPr>
+        </p:nvSpPr>
+        <p:spPr/>
+        <p:txBody>
+          <a:bodyPr/>
+          <a:lstStyle/>
+          <a:p>
+            <a:pPr algn="ctr"/>
+            <a:r>
+              <a:rPr lang="en-US" dirty="0"/>
+              <a:t>TDD</a:t>
+            </a:r>
+          </a:p>
+        </p:txBody>
+      </p:sp>
+      <p:sp>
+        <p:nvSpPr>
+          <p:cNvPr id="3" name="Content Placeholder 2">
+            <a:extLst>
+              <a:ext uri="{FF2B5EF4-FFF2-40B4-BE49-F238E27FC236}">
+                <a16:creationId xmlns:a16="http://schemas.microsoft.com/office/drawing/2014/main" id="{FCB5B570-6622-4D29-AD20-EE403B162046}"/>
+              </a:ext>
+            </a:extLst>
+          </p:cNvPr>
+          <p:cNvSpPr>
+            <a:spLocks noGrp="1"/>
+          </p:cNvSpPr>
+          <p:nvPr>
+            <p:ph idx="1"/>
+          </p:nvPr>
+        </p:nvSpPr>
+        <p:spPr/>
+        <p:txBody>
+          <a:bodyPr/>
+          <a:lstStyle/>
+          <a:p>
+            <a:r>
+              <a:rPr lang="en-US" b="1" dirty="0"/>
+              <a:t>What is TDD?</a:t>
+            </a:r>
+          </a:p>
+          <a:p>
+            <a:endParaRPr lang="en-US" b="1" dirty="0"/>
+          </a:p>
+          <a:p>
+            <a:endParaRPr lang="en-US" b="1" dirty="0"/>
+          </a:p>
+          <a:p>
+            <a:endParaRPr lang="en-US" b="1" dirty="0"/>
+          </a:p>
+          <a:p>
+            <a:endParaRPr lang="en-US" b="1" dirty="0"/>
+          </a:p>
+          <a:p>
+            <a:endParaRPr lang="en-US" b="1" dirty="0"/>
+          </a:p>
+          <a:p>
+            <a:endParaRPr lang="en-US" b="1" dirty="0"/>
+          </a:p>
+          <a:p>
+            <a:endParaRPr lang="en-US" b="1" dirty="0"/>
+          </a:p>
+          <a:p>
+            <a:endParaRPr lang="en-US" b="1" dirty="0"/>
+          </a:p>
+          <a:p>
+            <a:endParaRPr lang="en-US" b="1" dirty="0"/>
+          </a:p>
+          <a:p>
+            <a:pPr marL="0" indent="0">
+              <a:buNone/>
+            </a:pPr>
+            <a:endParaRPr lang="en-US" sz="1600" dirty="0"/>
+          </a:p>
+          <a:p>
+            <a:pPr marL="0" indent="0">
+              <a:buNone/>
+            </a:pPr>
+            <a:r>
+              <a:rPr lang="en-US" sz="1600" dirty="0"/>
+              <a:t>Source - </a:t>
+            </a:r>
+            <a:r>
+              <a:rPr lang="en-US" sz="1600" dirty="0">
+                <a:hlinkClick r:id="rId3"/>
+              </a:rPr>
+              <a:t>https://blog.cleancoder.com/uncle-bob/2014/12/17/TheCyclesOfTDD.html</a:t>
+            </a:r>
+            <a:endParaRPr lang="en-US" sz="1600" b="1" dirty="0"/>
+          </a:p>
+        </p:txBody>
+      </p:sp>
+      <p:sp>
+        <p:nvSpPr>
+          <p:cNvPr id="4" name="Date Placeholder 3">
+            <a:extLst>
+              <a:ext uri="{FF2B5EF4-FFF2-40B4-BE49-F238E27FC236}">
+                <a16:creationId xmlns:a16="http://schemas.microsoft.com/office/drawing/2014/main" id="{1DFDCBAE-6F34-4D99-B544-7DF7485BF4F8}"/>
+              </a:ext>
+            </a:extLst>
+          </p:cNvPr>
+          <p:cNvSpPr>
+            <a:spLocks noGrp="1"/>
+          </p:cNvSpPr>
+          <p:nvPr>
+            <p:ph type="dt" sz="half" idx="10"/>
+          </p:nvPr>
+        </p:nvSpPr>
+        <p:spPr/>
+        <p:txBody>
+          <a:bodyPr/>
+          <a:lstStyle/>
+          <a:p>
+            <a:fld id="{7A14B680-E159-ED46-B89B-60C427FC4DF1}" type="datetime4">
+              <a:rPr lang="en-US" smtClean="0"/>
+              <a:t>July 19, 2021</a:t>
             </a:fld>
             <a:endParaRPr lang="nl-NL" dirty="0"/>
           </a:p>
@@ -19151,18 +19354,18 @@
   <p:clrMapOvr>
     <a:masterClrMapping/>
   </p:clrMapOvr>
-  <mc:AlternateContent xmlns:mc="http://schemas.openxmlformats.org/markup-compatibility/2006">
-    <mc:Choice xmlns:p14="http://schemas.microsoft.com/office/powerpoint/2010/main" Requires="p14">
+  <mc:AlternateContent xmlns:mc="http://schemas.openxmlformats.org/markup-compatibility/2006" xmlns:p14="http://schemas.microsoft.com/office/powerpoint/2010/main">
+    <mc:Choice Requires="p14">
       <p:transition p14:dur="0"/>
     </mc:Choice>
-    <mc:Fallback>
+    <mc:Fallback xmlns="">
       <p:transition/>
     </mc:Fallback>
   </mc:AlternateContent>
 </p:sld>
 </file>
 
-<file path=ppt/slides/slide42.xml><?xml version="1.0" encoding="utf-8"?>
+<file path=ppt/slides/slide43.xml><?xml version="1.0" encoding="utf-8"?>
 <p:sld xmlns:a="http://schemas.openxmlformats.org/drawingml/2006/main" xmlns:r="http://schemas.openxmlformats.org/officeDocument/2006/relationships" xmlns:p="http://schemas.openxmlformats.org/presentationml/2006/main">
   <p:cSld>
     <p:spTree>
@@ -19259,7 +19462,7 @@
           <a:p>
             <a:fld id="{7A14B680-E159-ED46-B89B-60C427FC4DF1}" type="datetime4">
               <a:rPr lang="en-US" smtClean="0"/>
-              <a:t>July 12, 2021</a:t>
+              <a:t>July 19, 2021</a:t>
             </a:fld>
             <a:endParaRPr lang="nl-NL" dirty="0"/>
           </a:p>
@@ -19351,164 +19554,11 @@
   <p:clrMapOvr>
     <a:masterClrMapping/>
   </p:clrMapOvr>
-  <mc:AlternateContent xmlns:mc="http://schemas.openxmlformats.org/markup-compatibility/2006">
-    <mc:Choice xmlns:p14="http://schemas.microsoft.com/office/powerpoint/2010/main" Requires="p14">
+  <mc:AlternateContent xmlns:mc="http://schemas.openxmlformats.org/markup-compatibility/2006" xmlns:p14="http://schemas.microsoft.com/office/powerpoint/2010/main">
+    <mc:Choice Requires="p14">
       <p:transition p14:dur="0"/>
     </mc:Choice>
-    <mc:Fallback>
-      <p:transition/>
-    </mc:Fallback>
-  </mc:AlternateContent>
-</p:sld>
-</file>
-
-<file path=ppt/slides/slide43.xml><?xml version="1.0" encoding="utf-8"?>
-<p:sld xmlns:a="http://schemas.openxmlformats.org/drawingml/2006/main" xmlns:r="http://schemas.openxmlformats.org/officeDocument/2006/relationships" xmlns:p="http://schemas.openxmlformats.org/presentationml/2006/main">
-  <p:cSld>
-    <p:spTree>
-      <p:nvGrpSpPr>
-        <p:cNvPr id="1" name=""/>
-        <p:cNvGrpSpPr/>
-        <p:nvPr/>
-      </p:nvGrpSpPr>
-      <p:grpSpPr>
-        <a:xfrm>
-          <a:off x="0" y="0"/>
-          <a:ext cx="0" cy="0"/>
-          <a:chOff x="0" y="0"/>
-          <a:chExt cx="0" cy="0"/>
-        </a:xfrm>
-      </p:grpSpPr>
-      <p:sp>
-        <p:nvSpPr>
-          <p:cNvPr id="2" name="Title 1">
-            <a:extLst>
-              <a:ext uri="{FF2B5EF4-FFF2-40B4-BE49-F238E27FC236}">
-                <a16:creationId xmlns:a16="http://schemas.microsoft.com/office/drawing/2014/main" id="{84344988-14EA-484C-BB32-DFC1618130EE}"/>
-              </a:ext>
-            </a:extLst>
-          </p:cNvPr>
-          <p:cNvSpPr>
-            <a:spLocks noGrp="1"/>
-          </p:cNvSpPr>
-          <p:nvPr>
-            <p:ph type="title"/>
-          </p:nvPr>
-        </p:nvSpPr>
-        <p:spPr/>
-        <p:txBody>
-          <a:bodyPr/>
-          <a:lstStyle/>
-          <a:p>
-            <a:pPr algn="ctr"/>
-            <a:r>
-              <a:rPr lang="en-US" dirty="0"/>
-              <a:t>TDD</a:t>
-            </a:r>
-          </a:p>
-        </p:txBody>
-      </p:sp>
-      <p:sp>
-        <p:nvSpPr>
-          <p:cNvPr id="3" name="Content Placeholder 2">
-            <a:extLst>
-              <a:ext uri="{FF2B5EF4-FFF2-40B4-BE49-F238E27FC236}">
-                <a16:creationId xmlns:a16="http://schemas.microsoft.com/office/drawing/2014/main" id="{FCB5B570-6622-4D29-AD20-EE403B162046}"/>
-              </a:ext>
-            </a:extLst>
-          </p:cNvPr>
-          <p:cNvSpPr>
-            <a:spLocks noGrp="1"/>
-          </p:cNvSpPr>
-          <p:nvPr>
-            <p:ph idx="1"/>
-          </p:nvPr>
-        </p:nvSpPr>
-        <p:spPr/>
-        <p:txBody>
-          <a:bodyPr/>
-          <a:lstStyle/>
-          <a:p>
-            <a:r>
-              <a:rPr lang="en-US" b="1" dirty="0"/>
-              <a:t>Benefits</a:t>
-            </a:r>
-          </a:p>
-        </p:txBody>
-      </p:sp>
-      <p:sp>
-        <p:nvSpPr>
-          <p:cNvPr id="4" name="Date Placeholder 3">
-            <a:extLst>
-              <a:ext uri="{FF2B5EF4-FFF2-40B4-BE49-F238E27FC236}">
-                <a16:creationId xmlns:a16="http://schemas.microsoft.com/office/drawing/2014/main" id="{1DFDCBAE-6F34-4D99-B544-7DF7485BF4F8}"/>
-              </a:ext>
-            </a:extLst>
-          </p:cNvPr>
-          <p:cNvSpPr>
-            <a:spLocks noGrp="1"/>
-          </p:cNvSpPr>
-          <p:nvPr>
-            <p:ph type="dt" sz="half" idx="10"/>
-          </p:nvPr>
-        </p:nvSpPr>
-        <p:spPr/>
-        <p:txBody>
-          <a:bodyPr/>
-          <a:lstStyle/>
-          <a:p>
-            <a:fld id="{7A14B680-E159-ED46-B89B-60C427FC4DF1}" type="datetime4">
-              <a:rPr lang="en-US" smtClean="0"/>
-              <a:t>July 12, 2021</a:t>
-            </a:fld>
-            <a:endParaRPr lang="nl-NL" dirty="0"/>
-          </a:p>
-        </p:txBody>
-      </p:sp>
-      <p:sp>
-        <p:nvSpPr>
-          <p:cNvPr id="5" name="Footer Placeholder 4">
-            <a:extLst>
-              <a:ext uri="{FF2B5EF4-FFF2-40B4-BE49-F238E27FC236}">
-                <a16:creationId xmlns:a16="http://schemas.microsoft.com/office/drawing/2014/main" id="{4C7F126D-EBA5-4902-A04A-F10EFDA34805}"/>
-              </a:ext>
-            </a:extLst>
-          </p:cNvPr>
-          <p:cNvSpPr>
-            <a:spLocks noGrp="1"/>
-          </p:cNvSpPr>
-          <p:nvPr>
-            <p:ph type="ftr" sz="quarter" idx="11"/>
-          </p:nvPr>
-        </p:nvSpPr>
-        <p:spPr/>
-        <p:txBody>
-          <a:bodyPr/>
-          <a:lstStyle/>
-          <a:p>
-            <a:r>
-              <a:rPr lang="nl-NL"/>
-              <a:t>TITLE PRESENTATION</a:t>
-            </a:r>
-            <a:endParaRPr lang="nl-NL" dirty="0"/>
-          </a:p>
-        </p:txBody>
-      </p:sp>
-    </p:spTree>
-    <p:extLst>
-      <p:ext uri="{BB962C8B-B14F-4D97-AF65-F5344CB8AC3E}">
-        <p14:creationId xmlns:p14="http://schemas.microsoft.com/office/powerpoint/2010/main" val="2044901640"/>
-      </p:ext>
-    </p:extLst>
-  </p:cSld>
-  <p:clrMapOvr>
-    <a:masterClrMapping/>
-  </p:clrMapOvr>
-  <mc:AlternateContent xmlns:mc="http://schemas.openxmlformats.org/markup-compatibility/2006">
-    <mc:Choice xmlns:p14="http://schemas.microsoft.com/office/powerpoint/2010/main" Requires="p14">
-      <p:transition p14:dur="0"/>
-    </mc:Choice>
-    <mc:Fallback>
+    <mc:Fallback xmlns="">
       <p:transition/>
     </mc:Fallback>
   </mc:AlternateContent>
@@ -19582,27 +19632,10 @@
           <a:bodyPr/>
           <a:lstStyle/>
           <a:p>
-            <a:pPr>
-              <a:lnSpc>
-                <a:spcPct val="200000"/>
-              </a:lnSpc>
-            </a:pPr>
             <a:r>
               <a:rPr lang="en-US" b="1" dirty="0"/>
               <a:t>Benefits</a:t>
             </a:r>
-          </a:p>
-          <a:p>
-            <a:pPr lvl="1">
-              <a:lnSpc>
-                <a:spcPct val="200000"/>
-              </a:lnSpc>
-            </a:pPr>
-            <a:r>
-              <a:rPr lang="en-US" dirty="0"/>
-              <a:t>The code that comes out of this process is clean</a:t>
-            </a:r>
-            <a:endParaRPr lang="en-US" b="1" dirty="0"/>
           </a:p>
         </p:txBody>
       </p:sp>
@@ -19629,7 +19662,7 @@
           <a:p>
             <a:fld id="{7A14B680-E159-ED46-B89B-60C427FC4DF1}" type="datetime4">
               <a:rPr lang="en-US" smtClean="0"/>
-              <a:t>July 12, 2021</a:t>
+              <a:t>July 19, 2021</a:t>
             </a:fld>
             <a:endParaRPr lang="nl-NL" dirty="0"/>
           </a:p>
@@ -19667,18 +19700,18 @@
     </p:spTree>
     <p:extLst>
       <p:ext uri="{BB962C8B-B14F-4D97-AF65-F5344CB8AC3E}">
-        <p14:creationId xmlns:p14="http://schemas.microsoft.com/office/powerpoint/2010/main" val="1463155824"/>
+        <p14:creationId xmlns:p14="http://schemas.microsoft.com/office/powerpoint/2010/main" val="2044901640"/>
       </p:ext>
     </p:extLst>
   </p:cSld>
   <p:clrMapOvr>
     <a:masterClrMapping/>
   </p:clrMapOvr>
-  <mc:AlternateContent xmlns:mc="http://schemas.openxmlformats.org/markup-compatibility/2006">
-    <mc:Choice xmlns:p14="http://schemas.microsoft.com/office/powerpoint/2010/main" Requires="p14">
+  <mc:AlternateContent xmlns:mc="http://schemas.openxmlformats.org/markup-compatibility/2006" xmlns:p14="http://schemas.microsoft.com/office/powerpoint/2010/main">
+    <mc:Choice Requires="p14">
       <p:transition p14:dur="0"/>
     </mc:Choice>
-    <mc:Fallback>
+    <mc:Fallback xmlns="">
       <p:transition/>
     </mc:Fallback>
   </mc:AlternateContent>
@@ -19772,17 +19805,6 @@
               <a:rPr lang="en-US" dirty="0"/>
               <a:t>The code that comes out of this process is clean</a:t>
             </a:r>
-          </a:p>
-          <a:p>
-            <a:pPr lvl="1">
-              <a:lnSpc>
-                <a:spcPct val="200000"/>
-              </a:lnSpc>
-            </a:pPr>
-            <a:r>
-              <a:rPr lang="en-US" dirty="0"/>
-              <a:t>It is possible to achieve 100% code coverage</a:t>
-            </a:r>
             <a:endParaRPr lang="en-US" b="1" dirty="0"/>
           </a:p>
         </p:txBody>
@@ -19810,7 +19832,7 @@
           <a:p>
             <a:fld id="{7A14B680-E159-ED46-B89B-60C427FC4DF1}" type="datetime4">
               <a:rPr lang="en-US" smtClean="0"/>
-              <a:t>July 12, 2021</a:t>
+              <a:t>July 19, 2021</a:t>
             </a:fld>
             <a:endParaRPr lang="nl-NL" dirty="0"/>
           </a:p>
@@ -19848,18 +19870,18 @@
     </p:spTree>
     <p:extLst>
       <p:ext uri="{BB962C8B-B14F-4D97-AF65-F5344CB8AC3E}">
-        <p14:creationId xmlns:p14="http://schemas.microsoft.com/office/powerpoint/2010/main" val="1276499175"/>
+        <p14:creationId xmlns:p14="http://schemas.microsoft.com/office/powerpoint/2010/main" val="1463155824"/>
       </p:ext>
     </p:extLst>
   </p:cSld>
   <p:clrMapOvr>
     <a:masterClrMapping/>
   </p:clrMapOvr>
-  <mc:AlternateContent xmlns:mc="http://schemas.openxmlformats.org/markup-compatibility/2006">
-    <mc:Choice xmlns:p14="http://schemas.microsoft.com/office/powerpoint/2010/main" Requires="p14">
+  <mc:AlternateContent xmlns:mc="http://schemas.openxmlformats.org/markup-compatibility/2006" xmlns:p14="http://schemas.microsoft.com/office/powerpoint/2010/main">
+    <mc:Choice Requires="p14">
       <p:transition p14:dur="0"/>
     </mc:Choice>
-    <mc:Fallback>
+    <mc:Fallback xmlns="">
       <p:transition/>
     </mc:Fallback>
   </mc:AlternateContent>
@@ -19933,10 +19955,38 @@
           <a:bodyPr/>
           <a:lstStyle/>
           <a:p>
+            <a:pPr>
+              <a:lnSpc>
+                <a:spcPct val="200000"/>
+              </a:lnSpc>
+            </a:pPr>
             <a:r>
               <a:rPr lang="en-US" b="1" dirty="0"/>
-              <a:t>Downsides</a:t>
-            </a:r>
+              <a:t>Benefits</a:t>
+            </a:r>
+          </a:p>
+          <a:p>
+            <a:pPr lvl="1">
+              <a:lnSpc>
+                <a:spcPct val="200000"/>
+              </a:lnSpc>
+            </a:pPr>
+            <a:r>
+              <a:rPr lang="en-US" dirty="0"/>
+              <a:t>The code that comes out of this process is clean</a:t>
+            </a:r>
+          </a:p>
+          <a:p>
+            <a:pPr lvl="1">
+              <a:lnSpc>
+                <a:spcPct val="200000"/>
+              </a:lnSpc>
+            </a:pPr>
+            <a:r>
+              <a:rPr lang="en-US" dirty="0"/>
+              <a:t>It is possible to achieve 100% code coverage</a:t>
+            </a:r>
+            <a:endParaRPr lang="en-US" b="1" dirty="0"/>
           </a:p>
         </p:txBody>
       </p:sp>
@@ -19963,7 +20013,7 @@
           <a:p>
             <a:fld id="{7A14B680-E159-ED46-B89B-60C427FC4DF1}" type="datetime4">
               <a:rPr lang="en-US" smtClean="0"/>
-              <a:t>July 12, 2021</a:t>
+              <a:t>July 19, 2021</a:t>
             </a:fld>
             <a:endParaRPr lang="nl-NL" dirty="0"/>
           </a:p>
@@ -20001,18 +20051,18 @@
     </p:spTree>
     <p:extLst>
       <p:ext uri="{BB962C8B-B14F-4D97-AF65-F5344CB8AC3E}">
-        <p14:creationId xmlns:p14="http://schemas.microsoft.com/office/powerpoint/2010/main" val="1060496782"/>
+        <p14:creationId xmlns:p14="http://schemas.microsoft.com/office/powerpoint/2010/main" val="1276499175"/>
       </p:ext>
     </p:extLst>
   </p:cSld>
   <p:clrMapOvr>
     <a:masterClrMapping/>
   </p:clrMapOvr>
-  <mc:AlternateContent xmlns:mc="http://schemas.openxmlformats.org/markup-compatibility/2006">
-    <mc:Choice xmlns:p14="http://schemas.microsoft.com/office/powerpoint/2010/main" Requires="p14">
+  <mc:AlternateContent xmlns:mc="http://schemas.openxmlformats.org/markup-compatibility/2006" xmlns:p14="http://schemas.microsoft.com/office/powerpoint/2010/main">
+    <mc:Choice Requires="p14">
       <p:transition p14:dur="0"/>
     </mc:Choice>
-    <mc:Fallback>
+    <mc:Fallback xmlns="">
       <p:transition/>
     </mc:Fallback>
   </mc:AlternateContent>
@@ -20116,7 +20166,160 @@
           <a:p>
             <a:fld id="{7A14B680-E159-ED46-B89B-60C427FC4DF1}" type="datetime4">
               <a:rPr lang="en-US" smtClean="0"/>
-              <a:t>July 12, 2021</a:t>
+              <a:t>July 19, 2021</a:t>
+            </a:fld>
+            <a:endParaRPr lang="nl-NL" dirty="0"/>
+          </a:p>
+        </p:txBody>
+      </p:sp>
+      <p:sp>
+        <p:nvSpPr>
+          <p:cNvPr id="5" name="Footer Placeholder 4">
+            <a:extLst>
+              <a:ext uri="{FF2B5EF4-FFF2-40B4-BE49-F238E27FC236}">
+                <a16:creationId xmlns:a16="http://schemas.microsoft.com/office/drawing/2014/main" id="{4C7F126D-EBA5-4902-A04A-F10EFDA34805}"/>
+              </a:ext>
+            </a:extLst>
+          </p:cNvPr>
+          <p:cNvSpPr>
+            <a:spLocks noGrp="1"/>
+          </p:cNvSpPr>
+          <p:nvPr>
+            <p:ph type="ftr" sz="quarter" idx="11"/>
+          </p:nvPr>
+        </p:nvSpPr>
+        <p:spPr/>
+        <p:txBody>
+          <a:bodyPr/>
+          <a:lstStyle/>
+          <a:p>
+            <a:r>
+              <a:rPr lang="nl-NL"/>
+              <a:t>TITLE PRESENTATION</a:t>
+            </a:r>
+            <a:endParaRPr lang="nl-NL" dirty="0"/>
+          </a:p>
+        </p:txBody>
+      </p:sp>
+    </p:spTree>
+    <p:extLst>
+      <p:ext uri="{BB962C8B-B14F-4D97-AF65-F5344CB8AC3E}">
+        <p14:creationId xmlns:p14="http://schemas.microsoft.com/office/powerpoint/2010/main" val="1060496782"/>
+      </p:ext>
+    </p:extLst>
+  </p:cSld>
+  <p:clrMapOvr>
+    <a:masterClrMapping/>
+  </p:clrMapOvr>
+  <mc:AlternateContent xmlns:mc="http://schemas.openxmlformats.org/markup-compatibility/2006" xmlns:p14="http://schemas.microsoft.com/office/powerpoint/2010/main">
+    <mc:Choice Requires="p14">
+      <p:transition p14:dur="0"/>
+    </mc:Choice>
+    <mc:Fallback xmlns="">
+      <p:transition/>
+    </mc:Fallback>
+  </mc:AlternateContent>
+</p:sld>
+</file>
+
+<file path=ppt/slides/slide48.xml><?xml version="1.0" encoding="utf-8"?>
+<p:sld xmlns:a="http://schemas.openxmlformats.org/drawingml/2006/main" xmlns:r="http://schemas.openxmlformats.org/officeDocument/2006/relationships" xmlns:p="http://schemas.openxmlformats.org/presentationml/2006/main">
+  <p:cSld>
+    <p:spTree>
+      <p:nvGrpSpPr>
+        <p:cNvPr id="1" name=""/>
+        <p:cNvGrpSpPr/>
+        <p:nvPr/>
+      </p:nvGrpSpPr>
+      <p:grpSpPr>
+        <a:xfrm>
+          <a:off x="0" y="0"/>
+          <a:ext cx="0" cy="0"/>
+          <a:chOff x="0" y="0"/>
+          <a:chExt cx="0" cy="0"/>
+        </a:xfrm>
+      </p:grpSpPr>
+      <p:sp>
+        <p:nvSpPr>
+          <p:cNvPr id="2" name="Title 1">
+            <a:extLst>
+              <a:ext uri="{FF2B5EF4-FFF2-40B4-BE49-F238E27FC236}">
+                <a16:creationId xmlns:a16="http://schemas.microsoft.com/office/drawing/2014/main" id="{84344988-14EA-484C-BB32-DFC1618130EE}"/>
+              </a:ext>
+            </a:extLst>
+          </p:cNvPr>
+          <p:cNvSpPr>
+            <a:spLocks noGrp="1"/>
+          </p:cNvSpPr>
+          <p:nvPr>
+            <p:ph type="title"/>
+          </p:nvPr>
+        </p:nvSpPr>
+        <p:spPr/>
+        <p:txBody>
+          <a:bodyPr/>
+          <a:lstStyle/>
+          <a:p>
+            <a:pPr algn="ctr"/>
+            <a:r>
+              <a:rPr lang="en-US" dirty="0"/>
+              <a:t>TDD</a:t>
+            </a:r>
+          </a:p>
+        </p:txBody>
+      </p:sp>
+      <p:sp>
+        <p:nvSpPr>
+          <p:cNvPr id="3" name="Content Placeholder 2">
+            <a:extLst>
+              <a:ext uri="{FF2B5EF4-FFF2-40B4-BE49-F238E27FC236}">
+                <a16:creationId xmlns:a16="http://schemas.microsoft.com/office/drawing/2014/main" id="{FCB5B570-6622-4D29-AD20-EE403B162046}"/>
+              </a:ext>
+            </a:extLst>
+          </p:cNvPr>
+          <p:cNvSpPr>
+            <a:spLocks noGrp="1"/>
+          </p:cNvSpPr>
+          <p:nvPr>
+            <p:ph idx="1"/>
+          </p:nvPr>
+        </p:nvSpPr>
+        <p:spPr/>
+        <p:txBody>
+          <a:bodyPr/>
+          <a:lstStyle/>
+          <a:p>
+            <a:r>
+              <a:rPr lang="en-US" b="1" dirty="0"/>
+              <a:t>Downsides</a:t>
+            </a:r>
+          </a:p>
+        </p:txBody>
+      </p:sp>
+      <p:sp>
+        <p:nvSpPr>
+          <p:cNvPr id="4" name="Date Placeholder 3">
+            <a:extLst>
+              <a:ext uri="{FF2B5EF4-FFF2-40B4-BE49-F238E27FC236}">
+                <a16:creationId xmlns:a16="http://schemas.microsoft.com/office/drawing/2014/main" id="{1DFDCBAE-6F34-4D99-B544-7DF7485BF4F8}"/>
+              </a:ext>
+            </a:extLst>
+          </p:cNvPr>
+          <p:cNvSpPr>
+            <a:spLocks noGrp="1"/>
+          </p:cNvSpPr>
+          <p:nvPr>
+            <p:ph type="dt" sz="half" idx="10"/>
+          </p:nvPr>
+        </p:nvSpPr>
+        <p:spPr/>
+        <p:txBody>
+          <a:bodyPr/>
+          <a:lstStyle/>
+          <a:p>
+            <a:fld id="{7A14B680-E159-ED46-B89B-60C427FC4DF1}" type="datetime4">
+              <a:rPr lang="en-US" smtClean="0"/>
+              <a:t>July 19, 2021</a:t>
             </a:fld>
             <a:endParaRPr lang="nl-NL" dirty="0"/>
           </a:p>
@@ -20208,169 +20411,11 @@
   <p:clrMapOvr>
     <a:masterClrMapping/>
   </p:clrMapOvr>
-  <mc:AlternateContent xmlns:mc="http://schemas.openxmlformats.org/markup-compatibility/2006">
-    <mc:Choice xmlns:p14="http://schemas.microsoft.com/office/powerpoint/2010/main" Requires="p14">
+  <mc:AlternateContent xmlns:mc="http://schemas.openxmlformats.org/markup-compatibility/2006" xmlns:p14="http://schemas.microsoft.com/office/powerpoint/2010/main">
+    <mc:Choice Requires="p14">
       <p:transition p14:dur="0"/>
     </mc:Choice>
-    <mc:Fallback>
-      <p:transition/>
-    </mc:Fallback>
-  </mc:AlternateContent>
-</p:sld>
-</file>
-
-<file path=ppt/slides/slide48.xml><?xml version="1.0" encoding="utf-8"?>
-<p:sld xmlns:a="http://schemas.openxmlformats.org/drawingml/2006/main" xmlns:r="http://schemas.openxmlformats.org/officeDocument/2006/relationships" xmlns:p="http://schemas.openxmlformats.org/presentationml/2006/main">
-  <p:cSld>
-    <p:spTree>
-      <p:nvGrpSpPr>
-        <p:cNvPr id="1" name=""/>
-        <p:cNvGrpSpPr/>
-        <p:nvPr/>
-      </p:nvGrpSpPr>
-      <p:grpSpPr>
-        <a:xfrm>
-          <a:off x="0" y="0"/>
-          <a:ext cx="0" cy="0"/>
-          <a:chOff x="0" y="0"/>
-          <a:chExt cx="0" cy="0"/>
-        </a:xfrm>
-      </p:grpSpPr>
-      <p:sp>
-        <p:nvSpPr>
-          <p:cNvPr id="2" name="Title 1">
-            <a:extLst>
-              <a:ext uri="{FF2B5EF4-FFF2-40B4-BE49-F238E27FC236}">
-                <a16:creationId xmlns:a16="http://schemas.microsoft.com/office/drawing/2014/main" id="{84344988-14EA-484C-BB32-DFC1618130EE}"/>
-              </a:ext>
-            </a:extLst>
-          </p:cNvPr>
-          <p:cNvSpPr>
-            <a:spLocks noGrp="1"/>
-          </p:cNvSpPr>
-          <p:nvPr>
-            <p:ph type="title"/>
-          </p:nvPr>
-        </p:nvSpPr>
-        <p:spPr/>
-        <p:txBody>
-          <a:bodyPr/>
-          <a:lstStyle/>
-          <a:p>
-            <a:pPr algn="ctr"/>
-            <a:r>
-              <a:rPr lang="en-US" dirty="0"/>
-              <a:t>TDD</a:t>
-            </a:r>
-          </a:p>
-        </p:txBody>
-      </p:sp>
-      <p:sp>
-        <p:nvSpPr>
-          <p:cNvPr id="3" name="Content Placeholder 2">
-            <a:extLst>
-              <a:ext uri="{FF2B5EF4-FFF2-40B4-BE49-F238E27FC236}">
-                <a16:creationId xmlns:a16="http://schemas.microsoft.com/office/drawing/2014/main" id="{FCB5B570-6622-4D29-AD20-EE403B162046}"/>
-              </a:ext>
-            </a:extLst>
-          </p:cNvPr>
-          <p:cNvSpPr>
-            <a:spLocks noGrp="1"/>
-          </p:cNvSpPr>
-          <p:nvPr>
-            <p:ph idx="1"/>
-          </p:nvPr>
-        </p:nvSpPr>
-        <p:spPr/>
-        <p:txBody>
-          <a:bodyPr/>
-          <a:lstStyle/>
-          <a:p>
-            <a:pPr>
-              <a:lnSpc>
-                <a:spcPct val="200000"/>
-              </a:lnSpc>
-            </a:pPr>
-            <a:r>
-              <a:rPr lang="en-US" b="1" dirty="0"/>
-              <a:t>Best practices</a:t>
-            </a:r>
-          </a:p>
-        </p:txBody>
-      </p:sp>
-      <p:sp>
-        <p:nvSpPr>
-          <p:cNvPr id="4" name="Date Placeholder 3">
-            <a:extLst>
-              <a:ext uri="{FF2B5EF4-FFF2-40B4-BE49-F238E27FC236}">
-                <a16:creationId xmlns:a16="http://schemas.microsoft.com/office/drawing/2014/main" id="{1DFDCBAE-6F34-4D99-B544-7DF7485BF4F8}"/>
-              </a:ext>
-            </a:extLst>
-          </p:cNvPr>
-          <p:cNvSpPr>
-            <a:spLocks noGrp="1"/>
-          </p:cNvSpPr>
-          <p:nvPr>
-            <p:ph type="dt" sz="half" idx="10"/>
-          </p:nvPr>
-        </p:nvSpPr>
-        <p:spPr/>
-        <p:txBody>
-          <a:bodyPr/>
-          <a:lstStyle/>
-          <a:p>
-            <a:fld id="{7A14B680-E159-ED46-B89B-60C427FC4DF1}" type="datetime4">
-              <a:rPr lang="en-US" smtClean="0"/>
-              <a:t>July 12, 2021</a:t>
-            </a:fld>
-            <a:endParaRPr lang="nl-NL" dirty="0"/>
-          </a:p>
-        </p:txBody>
-      </p:sp>
-      <p:sp>
-        <p:nvSpPr>
-          <p:cNvPr id="5" name="Footer Placeholder 4">
-            <a:extLst>
-              <a:ext uri="{FF2B5EF4-FFF2-40B4-BE49-F238E27FC236}">
-                <a16:creationId xmlns:a16="http://schemas.microsoft.com/office/drawing/2014/main" id="{4C7F126D-EBA5-4902-A04A-F10EFDA34805}"/>
-              </a:ext>
-            </a:extLst>
-          </p:cNvPr>
-          <p:cNvSpPr>
-            <a:spLocks noGrp="1"/>
-          </p:cNvSpPr>
-          <p:nvPr>
-            <p:ph type="ftr" sz="quarter" idx="11"/>
-          </p:nvPr>
-        </p:nvSpPr>
-        <p:spPr/>
-        <p:txBody>
-          <a:bodyPr/>
-          <a:lstStyle/>
-          <a:p>
-            <a:r>
-              <a:rPr lang="nl-NL"/>
-              <a:t>TITLE PRESENTATION</a:t>
-            </a:r>
-            <a:endParaRPr lang="nl-NL" dirty="0"/>
-          </a:p>
-        </p:txBody>
-      </p:sp>
-    </p:spTree>
-    <p:extLst>
-      <p:ext uri="{BB962C8B-B14F-4D97-AF65-F5344CB8AC3E}">
-        <p14:creationId xmlns:p14="http://schemas.microsoft.com/office/powerpoint/2010/main" val="2446332630"/>
-      </p:ext>
-    </p:extLst>
-  </p:cSld>
-  <p:clrMapOvr>
-    <a:masterClrMapping/>
-  </p:clrMapOvr>
-  <mc:AlternateContent xmlns:mc="http://schemas.openxmlformats.org/markup-compatibility/2006">
-    <mc:Choice xmlns:p14="http://schemas.microsoft.com/office/powerpoint/2010/main" Requires="p14">
-      <p:transition p14:dur="0"/>
-    </mc:Choice>
-    <mc:Fallback>
+    <mc:Fallback xmlns="">
       <p:transition/>
     </mc:Fallback>
   </mc:AlternateContent>
@@ -20454,18 +20499,6 @@
               <a:t>Best practices</a:t>
             </a:r>
           </a:p>
-          <a:p>
-            <a:pPr lvl="1">
-              <a:lnSpc>
-                <a:spcPct val="200000"/>
-              </a:lnSpc>
-            </a:pPr>
-            <a:r>
-              <a:rPr lang="en-US" dirty="0"/>
-              <a:t>The test code should be: readable and maintainable</a:t>
-            </a:r>
-            <a:endParaRPr lang="en-US" b="1" dirty="0"/>
-          </a:p>
         </p:txBody>
       </p:sp>
       <p:sp>
@@ -20491,7 +20524,7 @@
           <a:p>
             <a:fld id="{7A14B680-E159-ED46-B89B-60C427FC4DF1}" type="datetime4">
               <a:rPr lang="en-US" smtClean="0"/>
-              <a:t>July 12, 2021</a:t>
+              <a:t>July 19, 2021</a:t>
             </a:fld>
             <a:endParaRPr lang="nl-NL" dirty="0"/>
           </a:p>
@@ -20529,18 +20562,18 @@
     </p:spTree>
     <p:extLst>
       <p:ext uri="{BB962C8B-B14F-4D97-AF65-F5344CB8AC3E}">
-        <p14:creationId xmlns:p14="http://schemas.microsoft.com/office/powerpoint/2010/main" val="4080715594"/>
+        <p14:creationId xmlns:p14="http://schemas.microsoft.com/office/powerpoint/2010/main" val="2446332630"/>
       </p:ext>
     </p:extLst>
   </p:cSld>
   <p:clrMapOvr>
     <a:masterClrMapping/>
   </p:clrMapOvr>
-  <mc:AlternateContent xmlns:mc="http://schemas.openxmlformats.org/markup-compatibility/2006">
-    <mc:Choice xmlns:p14="http://schemas.microsoft.com/office/powerpoint/2010/main" Requires="p14">
+  <mc:AlternateContent xmlns:mc="http://schemas.openxmlformats.org/markup-compatibility/2006" xmlns:p14="http://schemas.microsoft.com/office/powerpoint/2010/main">
+    <mc:Choice Requires="p14">
       <p:transition p14:dur="0"/>
     </mc:Choice>
-    <mc:Fallback>
+    <mc:Fallback xmlns="">
       <p:transition/>
     </mc:Fallback>
   </mc:AlternateContent>
@@ -20635,7 +20668,7 @@
           <a:p>
             <a:fld id="{7A14B680-E159-ED46-B89B-60C427FC4DF1}" type="datetime4">
               <a:rPr lang="en-US" smtClean="0"/>
-              <a:t>July 12, 2021</a:t>
+              <a:t>July 19, 2021</a:t>
             </a:fld>
             <a:endParaRPr lang="nl-NL" dirty="0"/>
           </a:p>
@@ -20704,11 +20737,11 @@
   <p:clrMapOvr>
     <a:masterClrMapping/>
   </p:clrMapOvr>
-  <mc:AlternateContent xmlns:mc="http://schemas.openxmlformats.org/markup-compatibility/2006">
-    <mc:Choice xmlns:p14="http://schemas.microsoft.com/office/powerpoint/2010/main" Requires="p14">
+  <mc:AlternateContent xmlns:mc="http://schemas.openxmlformats.org/markup-compatibility/2006" xmlns:p14="http://schemas.microsoft.com/office/powerpoint/2010/main">
+    <mc:Choice Requires="p14">
       <p:transition p14:dur="0"/>
     </mc:Choice>
-    <mc:Fallback>
+    <mc:Fallback xmlns="">
       <p:transition/>
     </mc:Fallback>
   </mc:AlternateContent>
@@ -20802,17 +20835,6 @@
               <a:rPr lang="en-US" dirty="0"/>
               <a:t>The test code should be: readable and maintainable</a:t>
             </a:r>
-          </a:p>
-          <a:p>
-            <a:pPr lvl="1">
-              <a:lnSpc>
-                <a:spcPct val="200000"/>
-              </a:lnSpc>
-            </a:pPr>
-            <a:r>
-              <a:rPr lang="en-US" dirty="0"/>
-              <a:t>We should address positive and negative test cases</a:t>
-            </a:r>
             <a:endParaRPr lang="en-US" b="1" dirty="0"/>
           </a:p>
         </p:txBody>
@@ -20840,7 +20862,7 @@
           <a:p>
             <a:fld id="{7A14B680-E159-ED46-B89B-60C427FC4DF1}" type="datetime4">
               <a:rPr lang="en-US" smtClean="0"/>
-              <a:t>July 12, 2021</a:t>
+              <a:t>July 19, 2021</a:t>
             </a:fld>
             <a:endParaRPr lang="nl-NL" dirty="0"/>
           </a:p>
@@ -20878,18 +20900,18 @@
     </p:spTree>
     <p:extLst>
       <p:ext uri="{BB962C8B-B14F-4D97-AF65-F5344CB8AC3E}">
-        <p14:creationId xmlns:p14="http://schemas.microsoft.com/office/powerpoint/2010/main" val="477473016"/>
+        <p14:creationId xmlns:p14="http://schemas.microsoft.com/office/powerpoint/2010/main" val="4080715594"/>
       </p:ext>
     </p:extLst>
   </p:cSld>
   <p:clrMapOvr>
     <a:masterClrMapping/>
   </p:clrMapOvr>
-  <mc:AlternateContent xmlns:mc="http://schemas.openxmlformats.org/markup-compatibility/2006">
-    <mc:Choice xmlns:p14="http://schemas.microsoft.com/office/powerpoint/2010/main" Requires="p14">
+  <mc:AlternateContent xmlns:mc="http://schemas.openxmlformats.org/markup-compatibility/2006" xmlns:p14="http://schemas.microsoft.com/office/powerpoint/2010/main">
+    <mc:Choice Requires="p14">
       <p:transition p14:dur="0"/>
     </mc:Choice>
-    <mc:Fallback>
+    <mc:Fallback xmlns="">
       <p:transition/>
     </mc:Fallback>
   </mc:AlternateContent>
@@ -20994,17 +21016,6 @@
               <a:rPr lang="en-US" dirty="0"/>
               <a:t>We should address positive and negative test cases</a:t>
             </a:r>
-          </a:p>
-          <a:p>
-            <a:pPr lvl="1">
-              <a:lnSpc>
-                <a:spcPct val="200000"/>
-              </a:lnSpc>
-            </a:pPr>
-            <a:r>
-              <a:rPr lang="en-US" dirty="0"/>
-              <a:t>We should separate our set-up and tear-down code</a:t>
-            </a:r>
             <a:endParaRPr lang="en-US" b="1" dirty="0"/>
           </a:p>
         </p:txBody>
@@ -21032,7 +21043,7 @@
           <a:p>
             <a:fld id="{7A14B680-E159-ED46-B89B-60C427FC4DF1}" type="datetime4">
               <a:rPr lang="en-US" smtClean="0"/>
-              <a:t>July 12, 2021</a:t>
+              <a:t>July 19, 2021</a:t>
             </a:fld>
             <a:endParaRPr lang="nl-NL" dirty="0"/>
           </a:p>
@@ -21070,18 +21081,18 @@
     </p:spTree>
     <p:extLst>
       <p:ext uri="{BB962C8B-B14F-4D97-AF65-F5344CB8AC3E}">
-        <p14:creationId xmlns:p14="http://schemas.microsoft.com/office/powerpoint/2010/main" val="1155037685"/>
+        <p14:creationId xmlns:p14="http://schemas.microsoft.com/office/powerpoint/2010/main" val="477473016"/>
       </p:ext>
     </p:extLst>
   </p:cSld>
   <p:clrMapOvr>
     <a:masterClrMapping/>
   </p:clrMapOvr>
-  <mc:AlternateContent xmlns:mc="http://schemas.openxmlformats.org/markup-compatibility/2006">
-    <mc:Choice xmlns:p14="http://schemas.microsoft.com/office/powerpoint/2010/main" Requires="p14">
+  <mc:AlternateContent xmlns:mc="http://schemas.openxmlformats.org/markup-compatibility/2006" xmlns:p14="http://schemas.microsoft.com/office/powerpoint/2010/main">
+    <mc:Choice Requires="p14">
       <p:transition p14:dur="0"/>
     </mc:Choice>
-    <mc:Fallback>
+    <mc:Fallback xmlns="">
       <p:transition/>
     </mc:Fallback>
   </mc:AlternateContent>
@@ -21197,17 +21208,6 @@
               <a:rPr lang="en-US" dirty="0"/>
               <a:t>We should separate our set-up and tear-down code</a:t>
             </a:r>
-          </a:p>
-          <a:p>
-            <a:pPr lvl="1">
-              <a:lnSpc>
-                <a:spcPct val="200000"/>
-              </a:lnSpc>
-            </a:pPr>
-            <a:r>
-              <a:rPr lang="en-US" dirty="0"/>
-              <a:t>Continuously review your tests and test practices with the Team</a:t>
-            </a:r>
             <a:endParaRPr lang="en-US" b="1" dirty="0"/>
           </a:p>
         </p:txBody>
@@ -21235,7 +21235,7 @@
           <a:p>
             <a:fld id="{7A14B680-E159-ED46-B89B-60C427FC4DF1}" type="datetime4">
               <a:rPr lang="en-US" smtClean="0"/>
-              <a:t>July 12, 2021</a:t>
+              <a:t>July 19, 2021</a:t>
             </a:fld>
             <a:endParaRPr lang="nl-NL" dirty="0"/>
           </a:p>
@@ -21273,18 +21273,18 @@
     </p:spTree>
     <p:extLst>
       <p:ext uri="{BB962C8B-B14F-4D97-AF65-F5344CB8AC3E}">
-        <p14:creationId xmlns:p14="http://schemas.microsoft.com/office/powerpoint/2010/main" val="2209251858"/>
+        <p14:creationId xmlns:p14="http://schemas.microsoft.com/office/powerpoint/2010/main" val="1155037685"/>
       </p:ext>
     </p:extLst>
   </p:cSld>
   <p:clrMapOvr>
     <a:masterClrMapping/>
   </p:clrMapOvr>
-  <mc:AlternateContent xmlns:mc="http://schemas.openxmlformats.org/markup-compatibility/2006">
-    <mc:Choice xmlns:p14="http://schemas.microsoft.com/office/powerpoint/2010/main" Requires="p14">
+  <mc:AlternateContent xmlns:mc="http://schemas.openxmlformats.org/markup-compatibility/2006" xmlns:p14="http://schemas.microsoft.com/office/powerpoint/2010/main">
+    <mc:Choice Requires="p14">
       <p:transition p14:dur="0"/>
     </mc:Choice>
-    <mc:Fallback>
+    <mc:Fallback xmlns="">
       <p:transition/>
     </mc:Fallback>
   </mc:AlternateContent>
@@ -21313,7 +21313,7 @@
           <p:cNvPr id="2" name="Title 1">
             <a:extLst>
               <a:ext uri="{FF2B5EF4-FFF2-40B4-BE49-F238E27FC236}">
-                <a16:creationId xmlns:a16="http://schemas.microsoft.com/office/drawing/2014/main" id="{D38565DD-FB73-4073-9B81-B7C48B4B0E92}"/>
+                <a16:creationId xmlns:a16="http://schemas.microsoft.com/office/drawing/2014/main" id="{84344988-14EA-484C-BB32-DFC1618130EE}"/>
               </a:ext>
             </a:extLst>
           </p:cNvPr>
@@ -21332,7 +21332,7 @@
             <a:pPr algn="ctr"/>
             <a:r>
               <a:rPr lang="en-US" dirty="0"/>
-              <a:t>TDD - DEMO</a:t>
+              <a:t>TDD</a:t>
             </a:r>
           </a:p>
         </p:txBody>
@@ -21342,7 +21342,7 @@
           <p:cNvPr id="3" name="Content Placeholder 2">
             <a:extLst>
               <a:ext uri="{FF2B5EF4-FFF2-40B4-BE49-F238E27FC236}">
-                <a16:creationId xmlns:a16="http://schemas.microsoft.com/office/drawing/2014/main" id="{F849F9E9-D0BB-4BEF-B4BC-3ABADFA24F83}"/>
+                <a16:creationId xmlns:a16="http://schemas.microsoft.com/office/drawing/2014/main" id="{FCB5B570-6622-4D29-AD20-EE403B162046}"/>
               </a:ext>
             </a:extLst>
           </p:cNvPr>
@@ -21358,7 +21358,60 @@
           <a:bodyPr/>
           <a:lstStyle/>
           <a:p>
-            <a:endParaRPr lang="en-US" dirty="0"/>
+            <a:pPr>
+              <a:lnSpc>
+                <a:spcPct val="200000"/>
+              </a:lnSpc>
+            </a:pPr>
+            <a:r>
+              <a:rPr lang="en-US" b="1" dirty="0"/>
+              <a:t>Best practices</a:t>
+            </a:r>
+          </a:p>
+          <a:p>
+            <a:pPr lvl="1">
+              <a:lnSpc>
+                <a:spcPct val="200000"/>
+              </a:lnSpc>
+            </a:pPr>
+            <a:r>
+              <a:rPr lang="en-US" dirty="0"/>
+              <a:t>The test code should be: readable and maintainable</a:t>
+            </a:r>
+          </a:p>
+          <a:p>
+            <a:pPr lvl="1">
+              <a:lnSpc>
+                <a:spcPct val="200000"/>
+              </a:lnSpc>
+            </a:pPr>
+            <a:r>
+              <a:rPr lang="en-US" dirty="0"/>
+              <a:t>We should address positive and negative test cases</a:t>
+            </a:r>
+          </a:p>
+          <a:p>
+            <a:pPr lvl="1">
+              <a:lnSpc>
+                <a:spcPct val="200000"/>
+              </a:lnSpc>
+            </a:pPr>
+            <a:r>
+              <a:rPr lang="en-US" dirty="0"/>
+              <a:t>We should separate our set-up and tear-down code</a:t>
+            </a:r>
+          </a:p>
+          <a:p>
+            <a:pPr lvl="1">
+              <a:lnSpc>
+                <a:spcPct val="200000"/>
+              </a:lnSpc>
+            </a:pPr>
+            <a:r>
+              <a:rPr lang="en-US" dirty="0"/>
+              <a:t>Continuously review your tests and test practices with the Team</a:t>
+            </a:r>
+            <a:endParaRPr lang="en-US" b="1" dirty="0"/>
           </a:p>
         </p:txBody>
       </p:sp>
@@ -21367,7 +21420,7 @@
           <p:cNvPr id="4" name="Date Placeholder 3">
             <a:extLst>
               <a:ext uri="{FF2B5EF4-FFF2-40B4-BE49-F238E27FC236}">
-                <a16:creationId xmlns:a16="http://schemas.microsoft.com/office/drawing/2014/main" id="{6B8503D0-EC31-4A68-8AE3-50E1C15223DF}"/>
+                <a16:creationId xmlns:a16="http://schemas.microsoft.com/office/drawing/2014/main" id="{1DFDCBAE-6F34-4D99-B544-7DF7485BF4F8}"/>
               </a:ext>
             </a:extLst>
           </p:cNvPr>
@@ -21385,7 +21438,7 @@
           <a:p>
             <a:fld id="{7A14B680-E159-ED46-B89B-60C427FC4DF1}" type="datetime4">
               <a:rPr lang="en-US" smtClean="0"/>
-              <a:t>July 12, 2021</a:t>
+              <a:t>July 19, 2021</a:t>
             </a:fld>
             <a:endParaRPr lang="nl-NL" dirty="0"/>
           </a:p>
@@ -21396,7 +21449,7 @@
           <p:cNvPr id="5" name="Footer Placeholder 4">
             <a:extLst>
               <a:ext uri="{FF2B5EF4-FFF2-40B4-BE49-F238E27FC236}">
-                <a16:creationId xmlns:a16="http://schemas.microsoft.com/office/drawing/2014/main" id="{A6D120D3-2594-4BE3-9E8D-C4C50931DB45}"/>
+                <a16:creationId xmlns:a16="http://schemas.microsoft.com/office/drawing/2014/main" id="{4C7F126D-EBA5-4902-A04A-F10EFDA34805}"/>
               </a:ext>
             </a:extLst>
           </p:cNvPr>
@@ -21423,18 +21476,18 @@
     </p:spTree>
     <p:extLst>
       <p:ext uri="{BB962C8B-B14F-4D97-AF65-F5344CB8AC3E}">
-        <p14:creationId xmlns:p14="http://schemas.microsoft.com/office/powerpoint/2010/main" val="23482042"/>
+        <p14:creationId xmlns:p14="http://schemas.microsoft.com/office/powerpoint/2010/main" val="2209251858"/>
       </p:ext>
     </p:extLst>
   </p:cSld>
   <p:clrMapOvr>
     <a:masterClrMapping/>
   </p:clrMapOvr>
-  <mc:AlternateContent xmlns:mc="http://schemas.openxmlformats.org/markup-compatibility/2006">
-    <mc:Choice xmlns:p14="http://schemas.microsoft.com/office/powerpoint/2010/main" Requires="p14">
+  <mc:AlternateContent xmlns:mc="http://schemas.openxmlformats.org/markup-compatibility/2006" xmlns:p14="http://schemas.microsoft.com/office/powerpoint/2010/main">
+    <mc:Choice Requires="p14">
       <p:transition p14:dur="0"/>
     </mc:Choice>
-    <mc:Fallback>
+    <mc:Fallback xmlns="">
       <p:transition/>
     </mc:Fallback>
   </mc:AlternateContent>
@@ -21482,7 +21535,7 @@
             <a:pPr algn="ctr"/>
             <a:r>
               <a:rPr lang="en-US" dirty="0"/>
-              <a:t>Code Coverage</a:t>
+              <a:t>TDD - DEMO</a:t>
             </a:r>
           </a:p>
         </p:txBody>
@@ -21508,15 +21561,6 @@
           <a:bodyPr/>
           <a:lstStyle/>
           <a:p>
-            <a:r>
-              <a:rPr lang="en-US" dirty="0"/>
-              <a:t>What to test</a:t>
-            </a:r>
-          </a:p>
-          <a:p>
-            <a:pPr marL="0" indent="0">
-              <a:buNone/>
-            </a:pPr>
             <a:endParaRPr lang="en-US" dirty="0"/>
           </a:p>
         </p:txBody>
@@ -21544,7 +21588,7 @@
           <a:p>
             <a:fld id="{7A14B680-E159-ED46-B89B-60C427FC4DF1}" type="datetime4">
               <a:rPr lang="en-US" smtClean="0"/>
-              <a:t>July 12, 2021</a:t>
+              <a:t>July 19, 2021</a:t>
             </a:fld>
             <a:endParaRPr lang="nl-NL" dirty="0"/>
           </a:p>
@@ -21579,55 +21623,21 @@
           </a:p>
         </p:txBody>
       </p:sp>
-      <p:pic>
-        <p:nvPicPr>
-          <p:cNvPr id="6" name="Google Shape;115;p22">
-            <a:extLst>
-              <a:ext uri="{FF2B5EF4-FFF2-40B4-BE49-F238E27FC236}">
-                <a16:creationId xmlns:a16="http://schemas.microsoft.com/office/drawing/2014/main" id="{275743D9-CAF5-4A14-93D0-1FA53607391A}"/>
-              </a:ext>
-            </a:extLst>
-          </p:cNvPr>
-          <p:cNvPicPr preferRelativeResize="0"/>
-          <p:nvPr/>
-        </p:nvPicPr>
-        <p:blipFill>
-          <a:blip r:embed="rId3">
-            <a:alphaModFix/>
-          </a:blip>
-          <a:stretch>
-            <a:fillRect/>
-          </a:stretch>
-        </p:blipFill>
-        <p:spPr>
-          <a:xfrm>
-            <a:off x="1956982" y="1783345"/>
-            <a:ext cx="5425200" cy="3783125"/>
-          </a:xfrm>
-          <a:prstGeom prst="rect">
-            <a:avLst/>
-          </a:prstGeom>
-          <a:noFill/>
-          <a:ln>
-            <a:noFill/>
-          </a:ln>
-        </p:spPr>
-      </p:pic>
     </p:spTree>
     <p:extLst>
       <p:ext uri="{BB962C8B-B14F-4D97-AF65-F5344CB8AC3E}">
-        <p14:creationId xmlns:p14="http://schemas.microsoft.com/office/powerpoint/2010/main" val="2702220657"/>
+        <p14:creationId xmlns:p14="http://schemas.microsoft.com/office/powerpoint/2010/main" val="23482042"/>
       </p:ext>
     </p:extLst>
   </p:cSld>
   <p:clrMapOvr>
     <a:masterClrMapping/>
   </p:clrMapOvr>
-  <mc:AlternateContent xmlns:mc="http://schemas.openxmlformats.org/markup-compatibility/2006">
-    <mc:Choice xmlns:p14="http://schemas.microsoft.com/office/powerpoint/2010/main" Requires="p14">
+  <mc:AlternateContent xmlns:mc="http://schemas.openxmlformats.org/markup-compatibility/2006" xmlns:p14="http://schemas.microsoft.com/office/powerpoint/2010/main">
+    <mc:Choice Requires="p14">
       <p:transition p14:dur="0"/>
     </mc:Choice>
-    <mc:Fallback>
+    <mc:Fallback xmlns="">
       <p:transition/>
     </mc:Fallback>
   </mc:AlternateContent>
@@ -21700,7 +21710,7 @@
           <a:p>
             <a:fld id="{471052D4-AF7E-4476-8D72-E740905092FA}" type="datetime4">
               <a:rPr lang="en-US" smtClean="0"/>
-              <a:t>July 12, 2021</a:t>
+              <a:t>July 19, 2021</a:t>
             </a:fld>
             <a:endParaRPr lang="nl-NL" dirty="0"/>
           </a:p>
@@ -21716,11 +21726,11 @@
   <p:clrMapOvr>
     <a:masterClrMapping/>
   </p:clrMapOvr>
-  <mc:AlternateContent xmlns:mc="http://schemas.openxmlformats.org/markup-compatibility/2006">
-    <mc:Choice xmlns:p14="http://schemas.microsoft.com/office/powerpoint/2010/main" Requires="p14">
+  <mc:AlternateContent xmlns:mc="http://schemas.openxmlformats.org/markup-compatibility/2006" xmlns:p14="http://schemas.microsoft.com/office/powerpoint/2010/main">
+    <mc:Choice Requires="p14">
       <p:transition p14:dur="0"/>
     </mc:Choice>
-    <mc:Fallback>
+    <mc:Fallback xmlns="">
       <p:transition/>
     </mc:Fallback>
   </mc:AlternateContent>
@@ -21766,7 +21776,7 @@
           <a:p>
             <a:fld id="{471052D4-AF7E-4476-8D72-E740905092FA}" type="datetime4">
               <a:rPr lang="en-US" smtClean="0"/>
-              <a:t>July 12, 2021</a:t>
+              <a:t>July 19, 2021</a:t>
             </a:fld>
             <a:endParaRPr lang="nl-NL" dirty="0"/>
           </a:p>
@@ -21844,11 +21854,11 @@
   <p:clrMapOvr>
     <a:masterClrMapping/>
   </p:clrMapOvr>
-  <mc:AlternateContent xmlns:mc="http://schemas.openxmlformats.org/markup-compatibility/2006">
-    <mc:Choice xmlns:p14="http://schemas.microsoft.com/office/powerpoint/2010/main" Requires="p14">
+  <mc:AlternateContent xmlns:mc="http://schemas.openxmlformats.org/markup-compatibility/2006" xmlns:p14="http://schemas.microsoft.com/office/powerpoint/2010/main">
+    <mc:Choice Requires="p14">
       <p:transition p14:dur="0"/>
     </mc:Choice>
-    <mc:Fallback>
+    <mc:Fallback xmlns="">
       <p:transition/>
     </mc:Fallback>
   </mc:AlternateContent>
@@ -21912,7 +21922,7 @@
           <a:p>
             <a:fld id="{7A14B680-E159-ED46-B89B-60C427FC4DF1}" type="datetime4">
               <a:rPr lang="en-US" smtClean="0"/>
-              <a:t>July 12, 2021</a:t>
+              <a:t>July 19, 2021</a:t>
             </a:fld>
             <a:endParaRPr lang="nl-NL" dirty="0"/>
           </a:p>
@@ -21983,11 +21993,11 @@
   <p:clrMapOvr>
     <a:masterClrMapping/>
   </p:clrMapOvr>
-  <mc:AlternateContent xmlns:mc="http://schemas.openxmlformats.org/markup-compatibility/2006">
-    <mc:Choice xmlns:p14="http://schemas.microsoft.com/office/powerpoint/2010/main" Requires="p14">
+  <mc:AlternateContent xmlns:mc="http://schemas.openxmlformats.org/markup-compatibility/2006" xmlns:p14="http://schemas.microsoft.com/office/powerpoint/2010/main">
+    <mc:Choice Requires="p14">
       <p:transition p14:dur="0"/>
     </mc:Choice>
-    <mc:Fallback>
+    <mc:Fallback xmlns="">
       <p:transition/>
     </mc:Fallback>
   </mc:AlternateContent>
@@ -22051,7 +22061,7 @@
           <a:p>
             <a:fld id="{7A14B680-E159-ED46-B89B-60C427FC4DF1}" type="datetime4">
               <a:rPr lang="en-US" smtClean="0"/>
-              <a:t>July 12, 2021</a:t>
+              <a:t>July 19, 2021</a:t>
             </a:fld>
             <a:endParaRPr lang="nl-NL" dirty="0"/>
           </a:p>
@@ -22155,11 +22165,11 @@
   <p:clrMapOvr>
     <a:masterClrMapping/>
   </p:clrMapOvr>
-  <mc:AlternateContent xmlns:mc="http://schemas.openxmlformats.org/markup-compatibility/2006">
-    <mc:Choice xmlns:p14="http://schemas.microsoft.com/office/powerpoint/2010/main" Requires="p14">
+  <mc:AlternateContent xmlns:mc="http://schemas.openxmlformats.org/markup-compatibility/2006" xmlns:p14="http://schemas.microsoft.com/office/powerpoint/2010/main">
+    <mc:Choice Requires="p14">
       <p:transition p14:dur="0"/>
     </mc:Choice>
-    <mc:Fallback>
+    <mc:Fallback xmlns="">
       <p:transition/>
     </mc:Fallback>
   </mc:AlternateContent>
@@ -22223,7 +22233,7 @@
           <a:p>
             <a:fld id="{7A14B680-E159-ED46-B89B-60C427FC4DF1}" type="datetime4">
               <a:rPr lang="en-US" smtClean="0"/>
-              <a:t>July 12, 2021</a:t>
+              <a:t>July 19, 2021</a:t>
             </a:fld>
             <a:endParaRPr lang="nl-NL" dirty="0"/>
           </a:p>
@@ -22308,11 +22318,11 @@
   <p:clrMapOvr>
     <a:masterClrMapping/>
   </p:clrMapOvr>
-  <mc:AlternateContent xmlns:mc="http://schemas.openxmlformats.org/markup-compatibility/2006">
-    <mc:Choice xmlns:p14="http://schemas.microsoft.com/office/powerpoint/2010/main" Requires="p14">
+  <mc:AlternateContent xmlns:mc="http://schemas.openxmlformats.org/markup-compatibility/2006" xmlns:p14="http://schemas.microsoft.com/office/powerpoint/2010/main">
+    <mc:Choice Requires="p14">
       <p:transition p14:dur="0"/>
     </mc:Choice>
-    <mc:Fallback>
+    <mc:Fallback xmlns="">
       <p:transition/>
     </mc:Fallback>
   </mc:AlternateContent>
@@ -22376,7 +22386,7 @@
           <a:p>
             <a:fld id="{7A14B680-E159-ED46-B89B-60C427FC4DF1}" type="datetime4">
               <a:rPr lang="en-US" smtClean="0"/>
-              <a:t>July 12, 2021</a:t>
+              <a:t>July 19, 2021</a:t>
             </a:fld>
             <a:endParaRPr lang="nl-NL" dirty="0"/>
           </a:p>
@@ -22472,11 +22482,11 @@
   <p:clrMapOvr>
     <a:masterClrMapping/>
   </p:clrMapOvr>
-  <mc:AlternateContent xmlns:mc="http://schemas.openxmlformats.org/markup-compatibility/2006">
-    <mc:Choice xmlns:p14="http://schemas.microsoft.com/office/powerpoint/2010/main" Requires="p14">
+  <mc:AlternateContent xmlns:mc="http://schemas.openxmlformats.org/markup-compatibility/2006" xmlns:p14="http://schemas.microsoft.com/office/powerpoint/2010/main">
+    <mc:Choice Requires="p14">
       <p:transition p14:dur="0"/>
     </mc:Choice>
-    <mc:Fallback>
+    <mc:Fallback xmlns="">
       <p:transition/>
     </mc:Fallback>
   </mc:AlternateContent>
@@ -23374,6 +23384,15 @@
 </file>
 
 <file path=customXml/item1.xml><?xml version="1.0" encoding="utf-8"?>
+<?mso-contentType ?>
+<FormTemplates xmlns="http://schemas.microsoft.com/sharepoint/v3/contenttype/forms">
+  <Display>DocumentLibraryForm</Display>
+  <Edit>DocumentLibraryForm</Edit>
+  <New>DocumentLibraryForm</New>
+</FormTemplates>
+</file>
+
+<file path=customXml/item2.xml><?xml version="1.0" encoding="utf-8"?>
 <p:properties xmlns:p="http://schemas.microsoft.com/office/2006/metadata/properties" xmlns:xsi="http://www.w3.org/2001/XMLSchema-instance" xmlns:pc="http://schemas.microsoft.com/office/infopath/2007/PartnerControls">
   <documentManagement>
     <_dlc_DocId xmlns="7582594f-2f57-4d52-8ffa-4b4aa53e3769">HXQY2SQ4HAYF-794-83</_dlc_DocId>
@@ -23385,16 +23404,53 @@
 </p:properties>
 </file>
 
-<file path=customXml/item2.xml><?xml version="1.0" encoding="utf-8"?>
+<file path=customXml/item3.xml><?xml version="1.0" encoding="utf-8"?>
 <?mso-contentType ?>
-<FormTemplates xmlns="http://schemas.microsoft.com/sharepoint/v3/contenttype/forms">
-  <Display>DocumentLibraryForm</Display>
-  <Edit>DocumentLibraryForm</Edit>
-  <New>DocumentLibraryForm</New>
-</FormTemplates>
+<spe:Receivers xmlns:spe="http://schemas.microsoft.com/sharepoint/events">
+  <Receiver>
+    <Name>Document ID Generator</Name>
+    <Synchronization>Synchronous</Synchronization>
+    <Type>10001</Type>
+    <SequenceNumber>1000</SequenceNumber>
+    <Assembly>Microsoft.Office.DocumentManagement, Version=14.0.0.0, Culture=neutral, PublicKeyToken=71e9bce111e9429c</Assembly>
+    <Class>Microsoft.Office.DocumentManagement.Internal.DocIdHandler</Class>
+    <Data/>
+    <Filter/>
+  </Receiver>
+  <Receiver>
+    <Name>Document ID Generator</Name>
+    <Synchronization>Synchronous</Synchronization>
+    <Type>10002</Type>
+    <SequenceNumber>1001</SequenceNumber>
+    <Assembly>Microsoft.Office.DocumentManagement, Version=14.0.0.0, Culture=neutral, PublicKeyToken=71e9bce111e9429c</Assembly>
+    <Class>Microsoft.Office.DocumentManagement.Internal.DocIdHandler</Class>
+    <Data/>
+    <Filter/>
+  </Receiver>
+  <Receiver>
+    <Name>Document ID Generator</Name>
+    <Synchronization>Synchronous</Synchronization>
+    <Type>10004</Type>
+    <SequenceNumber>1002</SequenceNumber>
+    <Assembly>Microsoft.Office.DocumentManagement, Version=14.0.0.0, Culture=neutral, PublicKeyToken=71e9bce111e9429c</Assembly>
+    <Class>Microsoft.Office.DocumentManagement.Internal.DocIdHandler</Class>
+    <Data/>
+    <Filter/>
+  </Receiver>
+  <Receiver>
+    <Name>Document ID Generator</Name>
+    <Synchronization>Synchronous</Synchronization>
+    <Type>10006</Type>
+    <SequenceNumber>1003</SequenceNumber>
+    <Assembly>Microsoft.Office.DocumentManagement, Version=14.0.0.0, Culture=neutral, PublicKeyToken=71e9bce111e9429c</Assembly>
+    <Class>Microsoft.Office.DocumentManagement.Internal.DocIdHandler</Class>
+    <Data/>
+    <Filter/>
+  </Receiver>
+</spe:Receivers>
 </file>
 
-<file path=customXml/item3.xml><?xml version="1.0" encoding="utf-8"?>
+<file path=customXml/item4.xml><?xml version="1.0" encoding="utf-8"?>
 <ct:contentTypeSchema xmlns:ct="http://schemas.microsoft.com/office/2006/metadata/contentType" xmlns:ma="http://schemas.microsoft.com/office/2006/metadata/properties/metaAttributes" ct:_="" ma:_="" ma:contentTypeName="Document" ma:contentTypeID="0x010100612F67C670D41B4A91B6EC11F2BCB91000112621AD02751C46ACAF48B80BAE0485" ma:contentTypeVersion="8" ma:contentTypeDescription="Een nieuw document maken." ma:contentTypeScope="" ma:versionID="7a2a27f4e9f6b4ce34c424adeb6be946">
   <xsd:schema xmlns:xsd="http://www.w3.org/2001/XMLSchema" xmlns:xs="http://www.w3.org/2001/XMLSchema" xmlns:p="http://schemas.microsoft.com/office/2006/metadata/properties" xmlns:ns2="7582594f-2f57-4d52-8ffa-4b4aa53e3769" targetNamespace="http://schemas.microsoft.com/office/2006/metadata/properties" ma:root="true" ma:fieldsID="d72965aa9bec8a25d585f8efc5427f42" ns2:_="">
     <xsd:import namespace="7582594f-2f57-4d52-8ffa-4b4aa53e3769"/>
@@ -23539,53 +23595,15 @@
 </ct:contentTypeSchema>
 </file>
 
-<file path=customXml/item4.xml><?xml version="1.0" encoding="utf-8"?>
-<?mso-contentType ?>
-<spe:Receivers xmlns:spe="http://schemas.microsoft.com/sharepoint/events">
-  <Receiver>
-    <Name>Document ID Generator</Name>
-    <Synchronization>Synchronous</Synchronization>
-    <Type>10001</Type>
-    <SequenceNumber>1000</SequenceNumber>
-    <Assembly>Microsoft.Office.DocumentManagement, Version=14.0.0.0, Culture=neutral, PublicKeyToken=71e9bce111e9429c</Assembly>
-    <Class>Microsoft.Office.DocumentManagement.Internal.DocIdHandler</Class>
-    <Data/>
-    <Filter/>
-  </Receiver>
-  <Receiver>
-    <Name>Document ID Generator</Name>
-    <Synchronization>Synchronous</Synchronization>
-    <Type>10002</Type>
-    <SequenceNumber>1001</SequenceNumber>
-    <Assembly>Microsoft.Office.DocumentManagement, Version=14.0.0.0, Culture=neutral, PublicKeyToken=71e9bce111e9429c</Assembly>
-    <Class>Microsoft.Office.DocumentManagement.Internal.DocIdHandler</Class>
-    <Data/>
-    <Filter/>
-  </Receiver>
-  <Receiver>
-    <Name>Document ID Generator</Name>
-    <Synchronization>Synchronous</Synchronization>
-    <Type>10004</Type>
-    <SequenceNumber>1002</SequenceNumber>
-    <Assembly>Microsoft.Office.DocumentManagement, Version=14.0.0.0, Culture=neutral, PublicKeyToken=71e9bce111e9429c</Assembly>
-    <Class>Microsoft.Office.DocumentManagement.Internal.DocIdHandler</Class>
-    <Data/>
-    <Filter/>
-  </Receiver>
-  <Receiver>
-    <Name>Document ID Generator</Name>
-    <Synchronization>Synchronous</Synchronization>
-    <Type>10006</Type>
-    <SequenceNumber>1003</SequenceNumber>
-    <Assembly>Microsoft.Office.DocumentManagement, Version=14.0.0.0, Culture=neutral, PublicKeyToken=71e9bce111e9429c</Assembly>
-    <Class>Microsoft.Office.DocumentManagement.Internal.DocIdHandler</Class>
-    <Data/>
-    <Filter/>
-  </Receiver>
-</spe:Receivers>
+<file path=customXml/itemProps1.xml><?xml version="1.0" encoding="utf-8"?>
+<ds:datastoreItem xmlns:ds="http://schemas.openxmlformats.org/officeDocument/2006/customXml" ds:itemID="{4A752D92-0ACC-48D2-A658-AB744FE70ECE}">
+  <ds:schemaRefs>
+    <ds:schemaRef ds:uri="http://schemas.microsoft.com/sharepoint/v3/contenttype/forms"/>
+  </ds:schemaRefs>
+</ds:datastoreItem>
 </file>
 
-<file path=customXml/itemProps1.xml><?xml version="1.0" encoding="utf-8"?>
+<file path=customXml/itemProps2.xml><?xml version="1.0" encoding="utf-8"?>
 <ds:datastoreItem xmlns:ds="http://schemas.openxmlformats.org/officeDocument/2006/customXml" ds:itemID="{DE0A3E1F-B2EC-4B36-9F71-3169FFDE4AE0}">
   <ds:schemaRefs>
     <ds:schemaRef ds:uri="http://purl.org/dc/terms/"/>
@@ -23601,15 +23619,15 @@
 </ds:datastoreItem>
 </file>
 
-<file path=customXml/itemProps2.xml><?xml version="1.0" encoding="utf-8"?>
-<ds:datastoreItem xmlns:ds="http://schemas.openxmlformats.org/officeDocument/2006/customXml" ds:itemID="{4A752D92-0ACC-48D2-A658-AB744FE70ECE}">
+<file path=customXml/itemProps3.xml><?xml version="1.0" encoding="utf-8"?>
+<ds:datastoreItem xmlns:ds="http://schemas.openxmlformats.org/officeDocument/2006/customXml" ds:itemID="{AEA0F5FE-2AF9-4A86-BADA-F40F7EC772CD}">
   <ds:schemaRefs>
-    <ds:schemaRef ds:uri="http://schemas.microsoft.com/sharepoint/v3/contenttype/forms"/>
+    <ds:schemaRef ds:uri="http://schemas.microsoft.com/sharepoint/events"/>
   </ds:schemaRefs>
 </ds:datastoreItem>
 </file>
 
-<file path=customXml/itemProps3.xml><?xml version="1.0" encoding="utf-8"?>
+<file path=customXml/itemProps4.xml><?xml version="1.0" encoding="utf-8"?>
 <ds:datastoreItem xmlns:ds="http://schemas.openxmlformats.org/officeDocument/2006/customXml" ds:itemID="{ED490D6F-1E63-413A-9BD8-5CF5403D6AE1}">
   <ds:schemaRefs>
     <ds:schemaRef ds:uri="http://schemas.microsoft.com/office/2006/metadata/contentType"/>
@@ -23625,12 +23643,4 @@
     <ds:schemaRef ds:uri="http://schemas.microsoft.com/internal/obd"/>
   </ds:schemaRefs>
 </ds:datastoreItem>
-</file>
-
-<file path=customXml/itemProps4.xml><?xml version="1.0" encoding="utf-8"?>
-<ds:datastoreItem xmlns:ds="http://schemas.openxmlformats.org/officeDocument/2006/customXml" ds:itemID="{AEA0F5FE-2AF9-4A86-BADA-F40F7EC772CD}">
-  <ds:schemaRefs>
-    <ds:schemaRef ds:uri="http://schemas.microsoft.com/sharepoint/events"/>
-  </ds:schemaRefs>
-</ds:datastoreItem>
 </file>
--- a/Developer testing 2021.pptx
+++ b/Developer testing 2021.pptx
@@ -207,7 +207,7 @@
   <pc:docChgLst>
     <pc:chgData name="Dragusanu, Cristian" userId="6d8184c8-ee06-4d36-9582-fe20fe86f2a2" providerId="ADAL" clId="{FD03AF8D-D93F-4FB1-87A2-EE72F59413B2}"/>
     <pc:docChg chg="undo custSel addSld delSld modSld sldOrd">
-      <pc:chgData name="Dragusanu, Cristian" userId="6d8184c8-ee06-4d36-9582-fe20fe86f2a2" providerId="ADAL" clId="{FD03AF8D-D93F-4FB1-87A2-EE72F59413B2}" dt="2021-07-19T09:18:05.342" v="4509" actId="27636"/>
+      <pc:chgData name="Dragusanu, Cristian" userId="6d8184c8-ee06-4d36-9582-fe20fe86f2a2" providerId="ADAL" clId="{FD03AF8D-D93F-4FB1-87A2-EE72F59413B2}" dt="2021-07-19T12:03:24.255" v="4860" actId="20577"/>
       <pc:docMkLst>
         <pc:docMk/>
       </pc:docMkLst>
@@ -241,6 +241,13 @@
           </ac:spMkLst>
         </pc:spChg>
       </pc:sldChg>
+      <pc:sldChg chg="modNotesTx">
+        <pc:chgData name="Dragusanu, Cristian" userId="6d8184c8-ee06-4d36-9582-fe20fe86f2a2" providerId="ADAL" clId="{FD03AF8D-D93F-4FB1-87A2-EE72F59413B2}" dt="2021-07-19T11:56:35.962" v="4515" actId="20577"/>
+        <pc:sldMkLst>
+          <pc:docMk/>
+          <pc:sldMk cId="926451788" sldId="388"/>
+        </pc:sldMkLst>
+      </pc:sldChg>
       <pc:sldChg chg="modSp mod modNotesTx">
         <pc:chgData name="Dragusanu, Cristian" userId="6d8184c8-ee06-4d36-9582-fe20fe86f2a2" providerId="ADAL" clId="{FD03AF8D-D93F-4FB1-87A2-EE72F59413B2}" dt="2021-07-19T08:31:55.959" v="4496" actId="20577"/>
         <pc:sldMkLst>
@@ -257,7 +264,7 @@
         </pc:spChg>
       </pc:sldChg>
       <pc:sldChg chg="modNotesTx">
-        <pc:chgData name="Dragusanu, Cristian" userId="6d8184c8-ee06-4d36-9582-fe20fe86f2a2" providerId="ADAL" clId="{FD03AF8D-D93F-4FB1-87A2-EE72F59413B2}" dt="2021-07-10T10:22:36.205" v="2893" actId="20577"/>
+        <pc:chgData name="Dragusanu, Cristian" userId="6d8184c8-ee06-4d36-9582-fe20fe86f2a2" providerId="ADAL" clId="{FD03AF8D-D93F-4FB1-87A2-EE72F59413B2}" dt="2021-07-19T12:03:24.255" v="4860" actId="20577"/>
         <pc:sldMkLst>
           <pc:docMk/>
           <pc:sldMk cId="923320547" sldId="390"/>
@@ -345,7 +352,7 @@
         </pc:sldMkLst>
       </pc:sldChg>
       <pc:sldChg chg="modSp modAnim modNotesTx">
-        <pc:chgData name="Dragusanu, Cristian" userId="6d8184c8-ee06-4d36-9582-fe20fe86f2a2" providerId="ADAL" clId="{FD03AF8D-D93F-4FB1-87A2-EE72F59413B2}" dt="2021-07-10T13:22:08.812" v="4482" actId="20577"/>
+        <pc:chgData name="Dragusanu, Cristian" userId="6d8184c8-ee06-4d36-9582-fe20fe86f2a2" providerId="ADAL" clId="{FD03AF8D-D93F-4FB1-87A2-EE72F59413B2}" dt="2021-07-19T11:42:07.555" v="4514" actId="20577"/>
         <pc:sldMkLst>
           <pc:docMk/>
           <pc:sldMk cId="1553753718" sldId="404"/>
@@ -475,8 +482,8 @@
           <pc:sldMk cId="1081930187" sldId="425"/>
         </pc:sldMkLst>
       </pc:sldChg>
-      <pc:sldChg chg="ord">
-        <pc:chgData name="Dragusanu, Cristian" userId="6d8184c8-ee06-4d36-9582-fe20fe86f2a2" providerId="ADAL" clId="{FD03AF8D-D93F-4FB1-87A2-EE72F59413B2}" dt="2021-07-19T09:17:51.878" v="4498"/>
+      <pc:sldChg chg="ord modNotesTx">
+        <pc:chgData name="Dragusanu, Cristian" userId="6d8184c8-ee06-4d36-9582-fe20fe86f2a2" providerId="ADAL" clId="{FD03AF8D-D93F-4FB1-87A2-EE72F59413B2}" dt="2021-07-19T09:46:12.144" v="4511" actId="20577"/>
         <pc:sldMkLst>
           <pc:docMk/>
           <pc:sldMk cId="2702220657" sldId="440"/>
@@ -1438,52 +1445,8 @@
           </a:p>
           <a:p>
             <a:r>
-              <a:rPr lang="nl-NL" dirty="0" err="1"/>
-              <a:t>Cred</a:t>
-            </a:r>
-            <a:r>
               <a:rPr lang="nl-NL" dirty="0"/>
-              <a:t> ca </a:t>
-            </a:r>
-            <a:r>
-              <a:rPr lang="nl-NL" dirty="0" err="1"/>
-              <a:t>acuma</a:t>
-            </a:r>
-            <a:r>
-              <a:rPr lang="nl-NL" dirty="0"/>
-              <a:t> e </a:t>
-            </a:r>
-            <a:r>
-              <a:rPr lang="nl-NL" dirty="0" err="1"/>
-              <a:t>cazul</a:t>
-            </a:r>
-            <a:r>
-              <a:rPr lang="nl-NL" dirty="0"/>
-              <a:t> sa </a:t>
-            </a:r>
-            <a:r>
-              <a:rPr lang="nl-NL" dirty="0" err="1"/>
-              <a:t>aflam</a:t>
-            </a:r>
-            <a:r>
-              <a:rPr lang="nl-NL" dirty="0"/>
-              <a:t> si </a:t>
-            </a:r>
-            <a:r>
-              <a:rPr lang="nl-NL" dirty="0" err="1"/>
-              <a:t>ce</a:t>
-            </a:r>
-            <a:r>
-              <a:rPr lang="nl-NL" dirty="0"/>
-              <a:t> e </a:t>
-            </a:r>
-            <a:r>
-              <a:rPr lang="nl-NL" dirty="0" err="1"/>
-              <a:t>un</a:t>
-            </a:r>
-            <a:r>
-              <a:rPr lang="nl-NL" dirty="0"/>
-              <a:t> unit test.</a:t>
+              <a:t>Cred ca acum e cazul sa aflam si ce e un unit test.</a:t>
             </a:r>
           </a:p>
         </p:txBody>
@@ -1893,7 +1856,7 @@
             </a:pPr>
             <a:r>
               <a:rPr lang="nl-NL" dirty="0"/>
-              <a:t>Putem testa aceeasi functionalitate cu diferite seturi de date de intrare, si putem avea teste parametrizate. De exemplu, functie ce intoarce 0 pt text cu lungime &lt;5 caractere, 1 pt 5-10, 2 pentru &gt;10, nu e suficient sa testam 3 cazuri aleatorii, ci putem testa limitele parametrilor (1 test pentru 4 chars, 1 test pentru 5/10 chars, 1 test pentru 11)</a:t>
+              <a:t>Putem testa aceeasi functionalitate cu diferite seturi de date de intrare, si putem avea teste parametrizate. De exemplu, o metoda care primeste ca parametru un numar intreg si intoarce TRUE daca numarul e divizibil cu 2 sau cu 3, si FALSE in rest. Putem face un singur test care asteapta ca rezultatul sa fie TRUE, si rulam testul cu valori diferite de intrare (2, 3, 6).</a:t>
             </a:r>
           </a:p>
           <a:p>
@@ -1901,9 +1864,20 @@
               <a:buFontTx/>
               <a:buChar char="-"/>
             </a:pPr>
+            <a:endParaRPr lang="nl-NL" dirty="0"/>
+          </a:p>
+          <a:p>
+            <a:pPr marL="171450" indent="-171450">
+              <a:buFontTx/>
+              <a:buChar char="-"/>
+            </a:pPr>
+            <a:r>
+              <a:rPr lang="nl-NL"/>
+              <a:t>Dar </a:t>
+            </a:r>
             <a:r>
               <a:rPr lang="nl-NL" dirty="0"/>
-              <a:t>Dar nici nu trebuie exagerat cu testele. Trebuie testate specificatiile clare de functionalitate. Insa testele trebuie sa fie si suficient de flexibile incat sa permita dezvoltarea si optimizarea codului, cat timp specificatiile nu se schimba, fara sa trebuiasca schimbate testele la orice mica ajustare de cod.</a:t>
+              <a:t>nici nu trebuie exagerat cu testele. Trebuie testate specificatiile clare de functionalitate. Insa testele trebuie sa fie si suficient de flexibile incat sa permita dezvoltarea si optimizarea codului, cat timp specificatiile nu se schimba, fara sa trebuiasca schimbate testele la orice mica ajustare de cod.</a:t>
             </a:r>
           </a:p>
           <a:p>
@@ -2006,6 +1980,12 @@
               <a:t>Alex</a:t>
             </a:r>
           </a:p>
+          <a:p>
+            <a:endParaRPr lang="en-US" dirty="0"/>
+          </a:p>
+          <a:p>
+            <a:endParaRPr lang="en-US" dirty="0"/>
+          </a:p>
         </p:txBody>
       </p:sp>
       <p:sp>
@@ -4534,7 +4514,15 @@
             </a:r>
             <a:r>
               <a:rPr lang="en-US" dirty="0"/>
-              <a:t> generic (cu </a:t>
+              <a:t> </a:t>
+            </a:r>
+            <a:r>
+              <a:rPr lang="en-US" dirty="0" err="1"/>
+              <a:t>generici</a:t>
+            </a:r>
+            <a:r>
+              <a:rPr lang="en-US" dirty="0"/>
+              <a:t> (cu </a:t>
             </a:r>
             <a:r>
               <a:rPr lang="en-US" dirty="0" err="1"/>
@@ -4776,7 +4764,7 @@
             </a:r>
             <a:r>
               <a:rPr lang="en-US" dirty="0" err="1"/>
-              <a:t>apele</a:t>
+              <a:t>apeleze</a:t>
             </a:r>
             <a:r>
               <a:rPr lang="en-US" dirty="0"/>
@@ -23384,15 +23372,6 @@
 </file>
 
 <file path=customXml/item1.xml><?xml version="1.0" encoding="utf-8"?>
-<?mso-contentType ?>
-<FormTemplates xmlns="http://schemas.microsoft.com/sharepoint/v3/contenttype/forms">
-  <Display>DocumentLibraryForm</Display>
-  <Edit>DocumentLibraryForm</Edit>
-  <New>DocumentLibraryForm</New>
-</FormTemplates>
-</file>
-
-<file path=customXml/item2.xml><?xml version="1.0" encoding="utf-8"?>
 <p:properties xmlns:p="http://schemas.microsoft.com/office/2006/metadata/properties" xmlns:xsi="http://www.w3.org/2001/XMLSchema-instance" xmlns:pc="http://schemas.microsoft.com/office/infopath/2007/PartnerControls">
   <documentManagement>
     <_dlc_DocId xmlns="7582594f-2f57-4d52-8ffa-4b4aa53e3769">HXQY2SQ4HAYF-794-83</_dlc_DocId>
@@ -23404,53 +23383,16 @@
 </p:properties>
 </file>
 
-<file path=customXml/item3.xml><?xml version="1.0" encoding="utf-8"?>
+<file path=customXml/item2.xml><?xml version="1.0" encoding="utf-8"?>
 <?mso-contentType ?>
-<spe:Receivers xmlns:spe="http://schemas.microsoft.com/sharepoint/events">
-  <Receiver>
-    <Name>Document ID Generator</Name>
-    <Synchronization>Synchronous</Synchronization>
-    <Type>10001</Type>
-    <SequenceNumber>1000</SequenceNumber>
-    <Assembly>Microsoft.Office.DocumentManagement, Version=14.0.0.0, Culture=neutral, PublicKeyToken=71e9bce111e9429c</Assembly>
-    <Class>Microsoft.Office.DocumentManagement.Internal.DocIdHandler</Class>
-    <Data/>
-    <Filter/>
-  </Receiver>
-  <Receiver>
-    <Name>Document ID Generator</Name>
-    <Synchronization>Synchronous</Synchronization>
-    <Type>10002</Type>
-    <SequenceNumber>1001</SequenceNumber>
-    <Assembly>Microsoft.Office.DocumentManagement, Version=14.0.0.0, Culture=neutral, PublicKeyToken=71e9bce111e9429c</Assembly>
-    <Class>Microsoft.Office.DocumentManagement.Internal.DocIdHandler</Class>
-    <Data/>
-    <Filter/>
-  </Receiver>
-  <Receiver>
-    <Name>Document ID Generator</Name>
-    <Synchronization>Synchronous</Synchronization>
-    <Type>10004</Type>
-    <SequenceNumber>1002</SequenceNumber>
-    <Assembly>Microsoft.Office.DocumentManagement, Version=14.0.0.0, Culture=neutral, PublicKeyToken=71e9bce111e9429c</Assembly>
-    <Class>Microsoft.Office.DocumentManagement.Internal.DocIdHandler</Class>
-    <Data/>
-    <Filter/>
-  </Receiver>
-  <Receiver>
-    <Name>Document ID Generator</Name>
-    <Synchronization>Synchronous</Synchronization>
-    <Type>10006</Type>
-    <SequenceNumber>1003</SequenceNumber>
-    <Assembly>Microsoft.Office.DocumentManagement, Version=14.0.0.0, Culture=neutral, PublicKeyToken=71e9bce111e9429c</Assembly>
-    <Class>Microsoft.Office.DocumentManagement.Internal.DocIdHandler</Class>
-    <Data/>
-    <Filter/>
-  </Receiver>
-</spe:Receivers>
+<FormTemplates xmlns="http://schemas.microsoft.com/sharepoint/v3/contenttype/forms">
+  <Display>DocumentLibraryForm</Display>
+  <Edit>DocumentLibraryForm</Edit>
+  <New>DocumentLibraryForm</New>
+</FormTemplates>
 </file>
 
-<file path=customXml/item4.xml><?xml version="1.0" encoding="utf-8"?>
+<file path=customXml/item3.xml><?xml version="1.0" encoding="utf-8"?>
 <ct:contentTypeSchema xmlns:ct="http://schemas.microsoft.com/office/2006/metadata/contentType" xmlns:ma="http://schemas.microsoft.com/office/2006/metadata/properties/metaAttributes" ct:_="" ma:_="" ma:contentTypeName="Document" ma:contentTypeID="0x010100612F67C670D41B4A91B6EC11F2BCB91000112621AD02751C46ACAF48B80BAE0485" ma:contentTypeVersion="8" ma:contentTypeDescription="Een nieuw document maken." ma:contentTypeScope="" ma:versionID="7a2a27f4e9f6b4ce34c424adeb6be946">
   <xsd:schema xmlns:xsd="http://www.w3.org/2001/XMLSchema" xmlns:xs="http://www.w3.org/2001/XMLSchema" xmlns:p="http://schemas.microsoft.com/office/2006/metadata/properties" xmlns:ns2="7582594f-2f57-4d52-8ffa-4b4aa53e3769" targetNamespace="http://schemas.microsoft.com/office/2006/metadata/properties" ma:root="true" ma:fieldsID="d72965aa9bec8a25d585f8efc5427f42" ns2:_="">
     <xsd:import namespace="7582594f-2f57-4d52-8ffa-4b4aa53e3769"/>
@@ -23595,15 +23537,53 @@
 </ct:contentTypeSchema>
 </file>
 
-<file path=customXml/itemProps1.xml><?xml version="1.0" encoding="utf-8"?>
-<ds:datastoreItem xmlns:ds="http://schemas.openxmlformats.org/officeDocument/2006/customXml" ds:itemID="{4A752D92-0ACC-48D2-A658-AB744FE70ECE}">
-  <ds:schemaRefs>
-    <ds:schemaRef ds:uri="http://schemas.microsoft.com/sharepoint/v3/contenttype/forms"/>
-  </ds:schemaRefs>
-</ds:datastoreItem>
+<file path=customXml/item4.xml><?xml version="1.0" encoding="utf-8"?>
+<?mso-contentType ?>
+<spe:Receivers xmlns:spe="http://schemas.microsoft.com/sharepoint/events">
+  <Receiver>
+    <Name>Document ID Generator</Name>
+    <Synchronization>Synchronous</Synchronization>
+    <Type>10001</Type>
+    <SequenceNumber>1000</SequenceNumber>
+    <Assembly>Microsoft.Office.DocumentManagement, Version=14.0.0.0, Culture=neutral, PublicKeyToken=71e9bce111e9429c</Assembly>
+    <Class>Microsoft.Office.DocumentManagement.Internal.DocIdHandler</Class>
+    <Data/>
+    <Filter/>
+  </Receiver>
+  <Receiver>
+    <Name>Document ID Generator</Name>
+    <Synchronization>Synchronous</Synchronization>
+    <Type>10002</Type>
+    <SequenceNumber>1001</SequenceNumber>
+    <Assembly>Microsoft.Office.DocumentManagement, Version=14.0.0.0, Culture=neutral, PublicKeyToken=71e9bce111e9429c</Assembly>
+    <Class>Microsoft.Office.DocumentManagement.Internal.DocIdHandler</Class>
+    <Data/>
+    <Filter/>
+  </Receiver>
+  <Receiver>
+    <Name>Document ID Generator</Name>
+    <Synchronization>Synchronous</Synchronization>
+    <Type>10004</Type>
+    <SequenceNumber>1002</SequenceNumber>
+    <Assembly>Microsoft.Office.DocumentManagement, Version=14.0.0.0, Culture=neutral, PublicKeyToken=71e9bce111e9429c</Assembly>
+    <Class>Microsoft.Office.DocumentManagement.Internal.DocIdHandler</Class>
+    <Data/>
+    <Filter/>
+  </Receiver>
+  <Receiver>
+    <Name>Document ID Generator</Name>
+    <Synchronization>Synchronous</Synchronization>
+    <Type>10006</Type>
+    <SequenceNumber>1003</SequenceNumber>
+    <Assembly>Microsoft.Office.DocumentManagement, Version=14.0.0.0, Culture=neutral, PublicKeyToken=71e9bce111e9429c</Assembly>
+    <Class>Microsoft.Office.DocumentManagement.Internal.DocIdHandler</Class>
+    <Data/>
+    <Filter/>
+  </Receiver>
+</spe:Receivers>
 </file>
 
-<file path=customXml/itemProps2.xml><?xml version="1.0" encoding="utf-8"?>
+<file path=customXml/itemProps1.xml><?xml version="1.0" encoding="utf-8"?>
 <ds:datastoreItem xmlns:ds="http://schemas.openxmlformats.org/officeDocument/2006/customXml" ds:itemID="{DE0A3E1F-B2EC-4B36-9F71-3169FFDE4AE0}">
   <ds:schemaRefs>
     <ds:schemaRef ds:uri="http://purl.org/dc/terms/"/>
@@ -23619,15 +23599,15 @@
 </ds:datastoreItem>
 </file>
 
-<file path=customXml/itemProps3.xml><?xml version="1.0" encoding="utf-8"?>
-<ds:datastoreItem xmlns:ds="http://schemas.openxmlformats.org/officeDocument/2006/customXml" ds:itemID="{AEA0F5FE-2AF9-4A86-BADA-F40F7EC772CD}">
+<file path=customXml/itemProps2.xml><?xml version="1.0" encoding="utf-8"?>
+<ds:datastoreItem xmlns:ds="http://schemas.openxmlformats.org/officeDocument/2006/customXml" ds:itemID="{4A752D92-0ACC-48D2-A658-AB744FE70ECE}">
   <ds:schemaRefs>
-    <ds:schemaRef ds:uri="http://schemas.microsoft.com/sharepoint/events"/>
+    <ds:schemaRef ds:uri="http://schemas.microsoft.com/sharepoint/v3/contenttype/forms"/>
   </ds:schemaRefs>
 </ds:datastoreItem>
 </file>
 
-<file path=customXml/itemProps4.xml><?xml version="1.0" encoding="utf-8"?>
+<file path=customXml/itemProps3.xml><?xml version="1.0" encoding="utf-8"?>
 <ds:datastoreItem xmlns:ds="http://schemas.openxmlformats.org/officeDocument/2006/customXml" ds:itemID="{ED490D6F-1E63-413A-9BD8-5CF5403D6AE1}">
   <ds:schemaRefs>
     <ds:schemaRef ds:uri="http://schemas.microsoft.com/office/2006/metadata/contentType"/>
@@ -23643,4 +23623,12 @@
     <ds:schemaRef ds:uri="http://schemas.microsoft.com/internal/obd"/>
   </ds:schemaRefs>
 </ds:datastoreItem>
+</file>
+
+<file path=customXml/itemProps4.xml><?xml version="1.0" encoding="utf-8"?>
+<ds:datastoreItem xmlns:ds="http://schemas.openxmlformats.org/officeDocument/2006/customXml" ds:itemID="{AEA0F5FE-2AF9-4A86-BADA-F40F7EC772CD}">
+  <ds:schemaRefs>
+    <ds:schemaRef ds:uri="http://schemas.microsoft.com/sharepoint/events"/>
+  </ds:schemaRefs>
+</ds:datastoreItem>
 </file>